--- a/dert/doc/Icons.pptx
+++ b/dert/doc/Icons.pptx
@@ -50,6 +50,8 @@
     <p:sldId id="304" r:id="rId44"/>
     <p:sldId id="305" r:id="rId45"/>
     <p:sldId id="302" r:id="rId46"/>
+    <p:sldId id="306" r:id="rId47"/>
+    <p:sldId id="307" r:id="rId48"/>
   </p:sldIdLst>
   <p:sldSz cx="9144000" cy="6858000" type="screen4x3"/>
   <p:notesSz cx="6858000" cy="9144000"/>
@@ -332,7 +334,7 @@
           <a:p>
             <a:fld id="{E988B1C8-4186-F54F-A582-F7FEE240AB22}" type="datetimeFigureOut">
               <a:rPr lang="en-US" smtClean="0"/>
-              <a:t>11/6/15</a:t>
+              <a:t>3/29/16</a:t>
             </a:fld>
             <a:endParaRPr lang="en-US"/>
           </a:p>
@@ -502,7 +504,7 @@
           <a:p>
             <a:fld id="{E988B1C8-4186-F54F-A582-F7FEE240AB22}" type="datetimeFigureOut">
               <a:rPr lang="en-US" smtClean="0"/>
-              <a:t>11/6/15</a:t>
+              <a:t>3/29/16</a:t>
             </a:fld>
             <a:endParaRPr lang="en-US"/>
           </a:p>
@@ -682,7 +684,7 @@
           <a:p>
             <a:fld id="{E988B1C8-4186-F54F-A582-F7FEE240AB22}" type="datetimeFigureOut">
               <a:rPr lang="en-US" smtClean="0"/>
-              <a:t>11/6/15</a:t>
+              <a:t>3/29/16</a:t>
             </a:fld>
             <a:endParaRPr lang="en-US"/>
           </a:p>
@@ -852,7 +854,7 @@
           <a:p>
             <a:fld id="{E988B1C8-4186-F54F-A582-F7FEE240AB22}" type="datetimeFigureOut">
               <a:rPr lang="en-US" smtClean="0"/>
-              <a:t>11/6/15</a:t>
+              <a:t>3/29/16</a:t>
             </a:fld>
             <a:endParaRPr lang="en-US"/>
           </a:p>
@@ -1098,7 +1100,7 @@
           <a:p>
             <a:fld id="{E988B1C8-4186-F54F-A582-F7FEE240AB22}" type="datetimeFigureOut">
               <a:rPr lang="en-US" smtClean="0"/>
-              <a:t>11/6/15</a:t>
+              <a:t>3/29/16</a:t>
             </a:fld>
             <a:endParaRPr lang="en-US"/>
           </a:p>
@@ -1386,7 +1388,7 @@
           <a:p>
             <a:fld id="{E988B1C8-4186-F54F-A582-F7FEE240AB22}" type="datetimeFigureOut">
               <a:rPr lang="en-US" smtClean="0"/>
-              <a:t>11/6/15</a:t>
+              <a:t>3/29/16</a:t>
             </a:fld>
             <a:endParaRPr lang="en-US"/>
           </a:p>
@@ -1808,7 +1810,7 @@
           <a:p>
             <a:fld id="{E988B1C8-4186-F54F-A582-F7FEE240AB22}" type="datetimeFigureOut">
               <a:rPr lang="en-US" smtClean="0"/>
-              <a:t>11/6/15</a:t>
+              <a:t>3/29/16</a:t>
             </a:fld>
             <a:endParaRPr lang="en-US"/>
           </a:p>
@@ -1926,7 +1928,7 @@
           <a:p>
             <a:fld id="{E988B1C8-4186-F54F-A582-F7FEE240AB22}" type="datetimeFigureOut">
               <a:rPr lang="en-US" smtClean="0"/>
-              <a:t>11/6/15</a:t>
+              <a:t>3/29/16</a:t>
             </a:fld>
             <a:endParaRPr lang="en-US"/>
           </a:p>
@@ -2021,7 +2023,7 @@
           <a:p>
             <a:fld id="{E988B1C8-4186-F54F-A582-F7FEE240AB22}" type="datetimeFigureOut">
               <a:rPr lang="en-US" smtClean="0"/>
-              <a:t>11/6/15</a:t>
+              <a:t>3/29/16</a:t>
             </a:fld>
             <a:endParaRPr lang="en-US"/>
           </a:p>
@@ -2298,7 +2300,7 @@
           <a:p>
             <a:fld id="{E988B1C8-4186-F54F-A582-F7FEE240AB22}" type="datetimeFigureOut">
               <a:rPr lang="en-US" smtClean="0"/>
-              <a:t>11/6/15</a:t>
+              <a:t>3/29/16</a:t>
             </a:fld>
             <a:endParaRPr lang="en-US"/>
           </a:p>
@@ -2551,7 +2553,7 @@
           <a:p>
             <a:fld id="{E988B1C8-4186-F54F-A582-F7FEE240AB22}" type="datetimeFigureOut">
               <a:rPr lang="en-US" smtClean="0"/>
-              <a:t>11/6/15</a:t>
+              <a:t>3/29/16</a:t>
             </a:fld>
             <a:endParaRPr lang="en-US"/>
           </a:p>
@@ -2764,7 +2766,7 @@
           <a:p>
             <a:fld id="{E988B1C8-4186-F54F-A582-F7FEE240AB22}" type="datetimeFigureOut">
               <a:rPr lang="en-US" smtClean="0"/>
-              <a:t>11/6/15</a:t>
+              <a:t>3/29/16</a:t>
             </a:fld>
             <a:endParaRPr lang="en-US"/>
           </a:p>
@@ -13207,6 +13209,1215 @@
     <p:extLst>
       <p:ext uri="{BB962C8B-B14F-4D97-AF65-F5344CB8AC3E}">
         <p14:creationId xmlns:p14="http://schemas.microsoft.com/office/powerpoint/2010/main" val="1387979101"/>
+      </p:ext>
+    </p:extLst>
+  </p:cSld>
+  <p:clrMapOvr>
+    <a:masterClrMapping/>
+  </p:clrMapOvr>
+</p:sld>
+</file>
+
+<file path=ppt/slides/slide46.xml><?xml version="1.0" encoding="utf-8"?>
+<p:sld xmlns:a="http://schemas.openxmlformats.org/drawingml/2006/main" xmlns:r="http://schemas.openxmlformats.org/officeDocument/2006/relationships" xmlns:p="http://schemas.openxmlformats.org/presentationml/2006/main">
+  <p:cSld>
+    <p:spTree>
+      <p:nvGrpSpPr>
+        <p:cNvPr id="1" name=""/>
+        <p:cNvGrpSpPr/>
+        <p:nvPr/>
+      </p:nvGrpSpPr>
+      <p:grpSpPr>
+        <a:xfrm>
+          <a:off x="0" y="0"/>
+          <a:ext cx="0" cy="0"/>
+          <a:chOff x="0" y="0"/>
+          <a:chExt cx="0" cy="0"/>
+        </a:xfrm>
+      </p:grpSpPr>
+      <p:sp>
+        <p:nvSpPr>
+          <p:cNvPr id="2" name="Oval 1"/>
+          <p:cNvSpPr/>
+          <p:nvPr/>
+        </p:nvSpPr>
+        <p:spPr>
+          <a:xfrm>
+            <a:off x="2451100" y="1295400"/>
+            <a:ext cx="4114800" cy="4114800"/>
+          </a:xfrm>
+          <a:prstGeom prst="ellipse">
+            <a:avLst/>
+          </a:prstGeom>
+          <a:noFill/>
+          <a:ln w="76200" cmpd="sng">
+            <a:solidFill>
+              <a:schemeClr val="tx1"/>
+            </a:solidFill>
+          </a:ln>
+          <a:effectLst/>
+        </p:spPr>
+        <p:style>
+          <a:lnRef idx="1">
+            <a:schemeClr val="accent1"/>
+          </a:lnRef>
+          <a:fillRef idx="3">
+            <a:schemeClr val="accent1"/>
+          </a:fillRef>
+          <a:effectRef idx="2">
+            <a:schemeClr val="accent1"/>
+          </a:effectRef>
+          <a:fontRef idx="minor">
+            <a:schemeClr val="lt1"/>
+          </a:fontRef>
+        </p:style>
+        <p:txBody>
+          <a:bodyPr rtlCol="0" anchor="ctr"/>
+          <a:lstStyle/>
+          <a:p>
+            <a:pPr algn="ctr"/>
+            <a:endParaRPr lang="en-US"/>
+          </a:p>
+        </p:txBody>
+      </p:sp>
+      <p:sp>
+        <p:nvSpPr>
+          <p:cNvPr id="4" name="Arc 3"/>
+          <p:cNvSpPr/>
+          <p:nvPr/>
+        </p:nvSpPr>
+        <p:spPr>
+          <a:xfrm>
+            <a:off x="2704306" y="1295400"/>
+            <a:ext cx="3608388" cy="4102100"/>
+          </a:xfrm>
+          <a:prstGeom prst="arc">
+            <a:avLst>
+              <a:gd name="adj1" fmla="val 16200000"/>
+              <a:gd name="adj2" fmla="val 5412291"/>
+            </a:avLst>
+          </a:prstGeom>
+          <a:ln w="76200" cmpd="sng">
+            <a:solidFill>
+              <a:schemeClr val="tx1"/>
+            </a:solidFill>
+          </a:ln>
+          <a:effectLst/>
+        </p:spPr>
+        <p:style>
+          <a:lnRef idx="2">
+            <a:schemeClr val="accent1"/>
+          </a:lnRef>
+          <a:fillRef idx="0">
+            <a:schemeClr val="accent1"/>
+          </a:fillRef>
+          <a:effectRef idx="1">
+            <a:schemeClr val="accent1"/>
+          </a:effectRef>
+          <a:fontRef idx="minor">
+            <a:schemeClr val="tx1"/>
+          </a:fontRef>
+        </p:style>
+        <p:txBody>
+          <a:bodyPr rtlCol="0" anchor="ctr"/>
+          <a:lstStyle/>
+          <a:p>
+            <a:pPr algn="ctr"/>
+            <a:endParaRPr lang="en-US"/>
+          </a:p>
+        </p:txBody>
+      </p:sp>
+      <p:sp>
+        <p:nvSpPr>
+          <p:cNvPr id="7" name="Arc 6"/>
+          <p:cNvSpPr/>
+          <p:nvPr/>
+        </p:nvSpPr>
+        <p:spPr>
+          <a:xfrm>
+            <a:off x="3171825" y="1295400"/>
+            <a:ext cx="2673350" cy="4102100"/>
+          </a:xfrm>
+          <a:prstGeom prst="arc">
+            <a:avLst>
+              <a:gd name="adj1" fmla="val 16200000"/>
+              <a:gd name="adj2" fmla="val 5412291"/>
+            </a:avLst>
+          </a:prstGeom>
+          <a:ln w="76200" cmpd="sng">
+            <a:solidFill>
+              <a:schemeClr val="tx1"/>
+            </a:solidFill>
+          </a:ln>
+          <a:effectLst/>
+        </p:spPr>
+        <p:style>
+          <a:lnRef idx="2">
+            <a:schemeClr val="accent1"/>
+          </a:lnRef>
+          <a:fillRef idx="0">
+            <a:schemeClr val="accent1"/>
+          </a:fillRef>
+          <a:effectRef idx="1">
+            <a:schemeClr val="accent1"/>
+          </a:effectRef>
+          <a:fontRef idx="minor">
+            <a:schemeClr val="tx1"/>
+          </a:fontRef>
+        </p:style>
+        <p:txBody>
+          <a:bodyPr rtlCol="0" anchor="ctr"/>
+          <a:lstStyle/>
+          <a:p>
+            <a:pPr algn="ctr"/>
+            <a:endParaRPr lang="en-US"/>
+          </a:p>
+        </p:txBody>
+      </p:sp>
+      <p:sp>
+        <p:nvSpPr>
+          <p:cNvPr id="8" name="Arc 7"/>
+          <p:cNvSpPr/>
+          <p:nvPr/>
+        </p:nvSpPr>
+        <p:spPr>
+          <a:xfrm>
+            <a:off x="3821113" y="1295400"/>
+            <a:ext cx="1246187" cy="4102100"/>
+          </a:xfrm>
+          <a:prstGeom prst="arc">
+            <a:avLst>
+              <a:gd name="adj1" fmla="val 16200000"/>
+              <a:gd name="adj2" fmla="val 5412291"/>
+            </a:avLst>
+          </a:prstGeom>
+          <a:ln w="76200" cmpd="sng">
+            <a:solidFill>
+              <a:schemeClr val="tx1"/>
+            </a:solidFill>
+          </a:ln>
+          <a:effectLst/>
+        </p:spPr>
+        <p:style>
+          <a:lnRef idx="2">
+            <a:schemeClr val="accent1"/>
+          </a:lnRef>
+          <a:fillRef idx="0">
+            <a:schemeClr val="accent1"/>
+          </a:fillRef>
+          <a:effectRef idx="1">
+            <a:schemeClr val="accent1"/>
+          </a:effectRef>
+          <a:fontRef idx="minor">
+            <a:schemeClr val="tx1"/>
+          </a:fontRef>
+        </p:style>
+        <p:txBody>
+          <a:bodyPr rtlCol="0" anchor="ctr"/>
+          <a:lstStyle/>
+          <a:p>
+            <a:pPr algn="ctr"/>
+            <a:endParaRPr lang="en-US"/>
+          </a:p>
+        </p:txBody>
+      </p:sp>
+      <p:sp>
+        <p:nvSpPr>
+          <p:cNvPr id="12" name="Arc 11"/>
+          <p:cNvSpPr/>
+          <p:nvPr/>
+        </p:nvSpPr>
+        <p:spPr>
+          <a:xfrm flipH="1">
+            <a:off x="2704306" y="1295400"/>
+            <a:ext cx="3608388" cy="4102100"/>
+          </a:xfrm>
+          <a:prstGeom prst="arc">
+            <a:avLst>
+              <a:gd name="adj1" fmla="val 16200000"/>
+              <a:gd name="adj2" fmla="val 5412291"/>
+            </a:avLst>
+          </a:prstGeom>
+          <a:ln w="76200" cmpd="sng">
+            <a:solidFill>
+              <a:schemeClr val="tx1"/>
+            </a:solidFill>
+          </a:ln>
+          <a:effectLst/>
+        </p:spPr>
+        <p:style>
+          <a:lnRef idx="2">
+            <a:schemeClr val="accent1"/>
+          </a:lnRef>
+          <a:fillRef idx="0">
+            <a:schemeClr val="accent1"/>
+          </a:fillRef>
+          <a:effectRef idx="1">
+            <a:schemeClr val="accent1"/>
+          </a:effectRef>
+          <a:fontRef idx="minor">
+            <a:schemeClr val="tx1"/>
+          </a:fontRef>
+        </p:style>
+        <p:txBody>
+          <a:bodyPr rtlCol="0" anchor="ctr"/>
+          <a:lstStyle/>
+          <a:p>
+            <a:pPr algn="ctr"/>
+            <a:endParaRPr lang="en-US"/>
+          </a:p>
+        </p:txBody>
+      </p:sp>
+      <p:sp>
+        <p:nvSpPr>
+          <p:cNvPr id="13" name="Arc 12"/>
+          <p:cNvSpPr/>
+          <p:nvPr/>
+        </p:nvSpPr>
+        <p:spPr>
+          <a:xfrm flipH="1">
+            <a:off x="3171825" y="1295400"/>
+            <a:ext cx="2673350" cy="4102100"/>
+          </a:xfrm>
+          <a:prstGeom prst="arc">
+            <a:avLst>
+              <a:gd name="adj1" fmla="val 16200000"/>
+              <a:gd name="adj2" fmla="val 5412291"/>
+            </a:avLst>
+          </a:prstGeom>
+          <a:ln w="76200" cmpd="sng">
+            <a:solidFill>
+              <a:schemeClr val="tx1"/>
+            </a:solidFill>
+          </a:ln>
+          <a:effectLst/>
+        </p:spPr>
+        <p:style>
+          <a:lnRef idx="2">
+            <a:schemeClr val="accent1"/>
+          </a:lnRef>
+          <a:fillRef idx="0">
+            <a:schemeClr val="accent1"/>
+          </a:fillRef>
+          <a:effectRef idx="1">
+            <a:schemeClr val="accent1"/>
+          </a:effectRef>
+          <a:fontRef idx="minor">
+            <a:schemeClr val="tx1"/>
+          </a:fontRef>
+        </p:style>
+        <p:txBody>
+          <a:bodyPr rtlCol="0" anchor="ctr"/>
+          <a:lstStyle/>
+          <a:p>
+            <a:pPr algn="ctr"/>
+            <a:endParaRPr lang="en-US"/>
+          </a:p>
+        </p:txBody>
+      </p:sp>
+      <p:sp>
+        <p:nvSpPr>
+          <p:cNvPr id="14" name="Arc 13"/>
+          <p:cNvSpPr/>
+          <p:nvPr/>
+        </p:nvSpPr>
+        <p:spPr>
+          <a:xfrm flipH="1">
+            <a:off x="3924299" y="1295400"/>
+            <a:ext cx="1271586" cy="4102100"/>
+          </a:xfrm>
+          <a:prstGeom prst="arc">
+            <a:avLst>
+              <a:gd name="adj1" fmla="val 16200000"/>
+              <a:gd name="adj2" fmla="val 5412291"/>
+            </a:avLst>
+          </a:prstGeom>
+          <a:ln w="76200" cmpd="sng">
+            <a:solidFill>
+              <a:schemeClr val="tx1"/>
+            </a:solidFill>
+          </a:ln>
+          <a:effectLst/>
+        </p:spPr>
+        <p:style>
+          <a:lnRef idx="2">
+            <a:schemeClr val="accent1"/>
+          </a:lnRef>
+          <a:fillRef idx="0">
+            <a:schemeClr val="accent1"/>
+          </a:fillRef>
+          <a:effectRef idx="1">
+            <a:schemeClr val="accent1"/>
+          </a:effectRef>
+          <a:fontRef idx="minor">
+            <a:schemeClr val="tx1"/>
+          </a:fontRef>
+        </p:style>
+        <p:txBody>
+          <a:bodyPr rtlCol="0" anchor="ctr"/>
+          <a:lstStyle/>
+          <a:p>
+            <a:pPr algn="ctr"/>
+            <a:endParaRPr lang="en-US"/>
+          </a:p>
+        </p:txBody>
+      </p:sp>
+      <p:cxnSp>
+        <p:nvCxnSpPr>
+          <p:cNvPr id="16" name="Straight Connector 15"/>
+          <p:cNvCxnSpPr>
+            <a:stCxn id="2" idx="2"/>
+            <a:endCxn id="2" idx="6"/>
+          </p:cNvCxnSpPr>
+          <p:nvPr/>
+        </p:nvCxnSpPr>
+        <p:spPr>
+          <a:xfrm>
+            <a:off x="2451100" y="3352800"/>
+            <a:ext cx="4114800" cy="0"/>
+          </a:xfrm>
+          <a:prstGeom prst="line">
+            <a:avLst/>
+          </a:prstGeom>
+          <a:ln w="76200" cmpd="sng">
+            <a:solidFill>
+              <a:schemeClr val="tx1"/>
+            </a:solidFill>
+          </a:ln>
+          <a:effectLst/>
+        </p:spPr>
+        <p:style>
+          <a:lnRef idx="2">
+            <a:schemeClr val="accent1"/>
+          </a:lnRef>
+          <a:fillRef idx="0">
+            <a:schemeClr val="accent1"/>
+          </a:fillRef>
+          <a:effectRef idx="1">
+            <a:schemeClr val="accent1"/>
+          </a:effectRef>
+          <a:fontRef idx="minor">
+            <a:schemeClr val="tx1"/>
+          </a:fontRef>
+        </p:style>
+      </p:cxnSp>
+      <p:cxnSp>
+        <p:nvCxnSpPr>
+          <p:cNvPr id="18" name="Straight Connector 17"/>
+          <p:cNvCxnSpPr/>
+          <p:nvPr/>
+        </p:nvCxnSpPr>
+        <p:spPr>
+          <a:xfrm>
+            <a:off x="2654300" y="2451100"/>
+            <a:ext cx="3721100" cy="0"/>
+          </a:xfrm>
+          <a:prstGeom prst="line">
+            <a:avLst/>
+          </a:prstGeom>
+          <a:ln w="76200" cmpd="sng">
+            <a:solidFill>
+              <a:schemeClr val="tx1"/>
+            </a:solidFill>
+          </a:ln>
+          <a:effectLst/>
+        </p:spPr>
+        <p:style>
+          <a:lnRef idx="2">
+            <a:schemeClr val="accent1"/>
+          </a:lnRef>
+          <a:fillRef idx="0">
+            <a:schemeClr val="accent1"/>
+          </a:fillRef>
+          <a:effectRef idx="1">
+            <a:schemeClr val="accent1"/>
+          </a:effectRef>
+          <a:fontRef idx="minor">
+            <a:schemeClr val="tx1"/>
+          </a:fontRef>
+        </p:style>
+      </p:cxnSp>
+      <p:cxnSp>
+        <p:nvCxnSpPr>
+          <p:cNvPr id="20" name="Straight Connector 19"/>
+          <p:cNvCxnSpPr/>
+          <p:nvPr/>
+        </p:nvCxnSpPr>
+        <p:spPr>
+          <a:xfrm>
+            <a:off x="3175000" y="1778000"/>
+            <a:ext cx="2654300" cy="0"/>
+          </a:xfrm>
+          <a:prstGeom prst="line">
+            <a:avLst/>
+          </a:prstGeom>
+          <a:ln w="76200" cmpd="sng">
+            <a:solidFill>
+              <a:srgbClr val="000000"/>
+            </a:solidFill>
+          </a:ln>
+          <a:effectLst/>
+        </p:spPr>
+        <p:style>
+          <a:lnRef idx="2">
+            <a:schemeClr val="accent1"/>
+          </a:lnRef>
+          <a:fillRef idx="0">
+            <a:schemeClr val="accent1"/>
+          </a:fillRef>
+          <a:effectRef idx="1">
+            <a:schemeClr val="accent1"/>
+          </a:effectRef>
+          <a:fontRef idx="minor">
+            <a:schemeClr val="tx1"/>
+          </a:fontRef>
+        </p:style>
+      </p:cxnSp>
+      <p:cxnSp>
+        <p:nvCxnSpPr>
+          <p:cNvPr id="23" name="Straight Connector 22"/>
+          <p:cNvCxnSpPr/>
+          <p:nvPr/>
+        </p:nvCxnSpPr>
+        <p:spPr>
+          <a:xfrm>
+            <a:off x="2667000" y="4267200"/>
+            <a:ext cx="3683000" cy="0"/>
+          </a:xfrm>
+          <a:prstGeom prst="line">
+            <a:avLst/>
+          </a:prstGeom>
+          <a:ln w="76200" cmpd="sng">
+            <a:solidFill>
+              <a:schemeClr val="tx1"/>
+            </a:solidFill>
+          </a:ln>
+          <a:effectLst/>
+        </p:spPr>
+        <p:style>
+          <a:lnRef idx="2">
+            <a:schemeClr val="accent1"/>
+          </a:lnRef>
+          <a:fillRef idx="0">
+            <a:schemeClr val="accent1"/>
+          </a:fillRef>
+          <a:effectRef idx="1">
+            <a:schemeClr val="accent1"/>
+          </a:effectRef>
+          <a:fontRef idx="minor">
+            <a:schemeClr val="tx1"/>
+          </a:fontRef>
+        </p:style>
+      </p:cxnSp>
+      <p:cxnSp>
+        <p:nvCxnSpPr>
+          <p:cNvPr id="24" name="Straight Connector 23"/>
+          <p:cNvCxnSpPr/>
+          <p:nvPr/>
+        </p:nvCxnSpPr>
+        <p:spPr>
+          <a:xfrm>
+            <a:off x="3187700" y="4940300"/>
+            <a:ext cx="2637367" cy="0"/>
+          </a:xfrm>
+          <a:prstGeom prst="line">
+            <a:avLst/>
+          </a:prstGeom>
+          <a:ln w="76200" cmpd="sng">
+            <a:solidFill>
+              <a:srgbClr val="000000"/>
+            </a:solidFill>
+          </a:ln>
+          <a:effectLst/>
+        </p:spPr>
+        <p:style>
+          <a:lnRef idx="2">
+            <a:schemeClr val="accent1"/>
+          </a:lnRef>
+          <a:fillRef idx="0">
+            <a:schemeClr val="accent1"/>
+          </a:fillRef>
+          <a:effectRef idx="1">
+            <a:schemeClr val="accent1"/>
+          </a:effectRef>
+          <a:fontRef idx="minor">
+            <a:schemeClr val="tx1"/>
+          </a:fontRef>
+        </p:style>
+      </p:cxnSp>
+    </p:spTree>
+    <p:extLst>
+      <p:ext uri="{BB962C8B-B14F-4D97-AF65-F5344CB8AC3E}">
+        <p14:creationId xmlns:p14="http://schemas.microsoft.com/office/powerpoint/2010/main" val="597060449"/>
+      </p:ext>
+    </p:extLst>
+  </p:cSld>
+  <p:clrMapOvr>
+    <a:masterClrMapping/>
+  </p:clrMapOvr>
+</p:sld>
+</file>
+
+<file path=ppt/slides/slide47.xml><?xml version="1.0" encoding="utf-8"?>
+<p:sld xmlns:a="http://schemas.openxmlformats.org/drawingml/2006/main" xmlns:r="http://schemas.openxmlformats.org/officeDocument/2006/relationships" xmlns:p="http://schemas.openxmlformats.org/presentationml/2006/main">
+  <p:cSld>
+    <p:spTree>
+      <p:nvGrpSpPr>
+        <p:cNvPr id="1" name=""/>
+        <p:cNvGrpSpPr/>
+        <p:nvPr/>
+      </p:nvGrpSpPr>
+      <p:grpSpPr>
+        <a:xfrm>
+          <a:off x="0" y="0"/>
+          <a:ext cx="0" cy="0"/>
+          <a:chOff x="0" y="0"/>
+          <a:chExt cx="0" cy="0"/>
+        </a:xfrm>
+      </p:grpSpPr>
+      <p:sp>
+        <p:nvSpPr>
+          <p:cNvPr id="2" name="Oval 1"/>
+          <p:cNvSpPr/>
+          <p:nvPr/>
+        </p:nvSpPr>
+        <p:spPr>
+          <a:xfrm>
+            <a:off x="2451100" y="1295400"/>
+            <a:ext cx="4114800" cy="4114800"/>
+          </a:xfrm>
+          <a:prstGeom prst="ellipse">
+            <a:avLst/>
+          </a:prstGeom>
+          <a:noFill/>
+          <a:ln w="76200" cmpd="sng">
+            <a:solidFill>
+              <a:schemeClr val="tx1"/>
+            </a:solidFill>
+          </a:ln>
+          <a:effectLst/>
+        </p:spPr>
+        <p:style>
+          <a:lnRef idx="1">
+            <a:schemeClr val="accent1"/>
+          </a:lnRef>
+          <a:fillRef idx="3">
+            <a:schemeClr val="accent1"/>
+          </a:fillRef>
+          <a:effectRef idx="2">
+            <a:schemeClr val="accent1"/>
+          </a:effectRef>
+          <a:fontRef idx="minor">
+            <a:schemeClr val="lt1"/>
+          </a:fontRef>
+        </p:style>
+        <p:txBody>
+          <a:bodyPr rtlCol="0" anchor="ctr"/>
+          <a:lstStyle/>
+          <a:p>
+            <a:pPr algn="ctr"/>
+            <a:endParaRPr lang="en-US"/>
+          </a:p>
+        </p:txBody>
+      </p:sp>
+      <p:sp>
+        <p:nvSpPr>
+          <p:cNvPr id="4" name="Arc 3"/>
+          <p:cNvSpPr/>
+          <p:nvPr/>
+        </p:nvSpPr>
+        <p:spPr>
+          <a:xfrm>
+            <a:off x="2704306" y="1295400"/>
+            <a:ext cx="3608388" cy="4102100"/>
+          </a:xfrm>
+          <a:prstGeom prst="arc">
+            <a:avLst>
+              <a:gd name="adj1" fmla="val 16200000"/>
+              <a:gd name="adj2" fmla="val 5412291"/>
+            </a:avLst>
+          </a:prstGeom>
+          <a:ln w="76200" cmpd="sng">
+            <a:solidFill>
+              <a:schemeClr val="tx1"/>
+            </a:solidFill>
+          </a:ln>
+          <a:effectLst/>
+        </p:spPr>
+        <p:style>
+          <a:lnRef idx="2">
+            <a:schemeClr val="accent1"/>
+          </a:lnRef>
+          <a:fillRef idx="0">
+            <a:schemeClr val="accent1"/>
+          </a:fillRef>
+          <a:effectRef idx="1">
+            <a:schemeClr val="accent1"/>
+          </a:effectRef>
+          <a:fontRef idx="minor">
+            <a:schemeClr val="tx1"/>
+          </a:fontRef>
+        </p:style>
+        <p:txBody>
+          <a:bodyPr rtlCol="0" anchor="ctr"/>
+          <a:lstStyle/>
+          <a:p>
+            <a:pPr algn="ctr"/>
+            <a:endParaRPr lang="en-US"/>
+          </a:p>
+        </p:txBody>
+      </p:sp>
+      <p:sp>
+        <p:nvSpPr>
+          <p:cNvPr id="7" name="Arc 6"/>
+          <p:cNvSpPr/>
+          <p:nvPr/>
+        </p:nvSpPr>
+        <p:spPr>
+          <a:xfrm>
+            <a:off x="3171825" y="1295400"/>
+            <a:ext cx="2673350" cy="4102100"/>
+          </a:xfrm>
+          <a:prstGeom prst="arc">
+            <a:avLst>
+              <a:gd name="adj1" fmla="val 16200000"/>
+              <a:gd name="adj2" fmla="val 5412291"/>
+            </a:avLst>
+          </a:prstGeom>
+          <a:ln w="76200" cmpd="sng">
+            <a:solidFill>
+              <a:schemeClr val="tx1"/>
+            </a:solidFill>
+          </a:ln>
+          <a:effectLst/>
+        </p:spPr>
+        <p:style>
+          <a:lnRef idx="2">
+            <a:schemeClr val="accent1"/>
+          </a:lnRef>
+          <a:fillRef idx="0">
+            <a:schemeClr val="accent1"/>
+          </a:fillRef>
+          <a:effectRef idx="1">
+            <a:schemeClr val="accent1"/>
+          </a:effectRef>
+          <a:fontRef idx="minor">
+            <a:schemeClr val="tx1"/>
+          </a:fontRef>
+        </p:style>
+        <p:txBody>
+          <a:bodyPr rtlCol="0" anchor="ctr"/>
+          <a:lstStyle/>
+          <a:p>
+            <a:pPr algn="ctr"/>
+            <a:endParaRPr lang="en-US"/>
+          </a:p>
+        </p:txBody>
+      </p:sp>
+      <p:sp>
+        <p:nvSpPr>
+          <p:cNvPr id="8" name="Arc 7"/>
+          <p:cNvSpPr/>
+          <p:nvPr/>
+        </p:nvSpPr>
+        <p:spPr>
+          <a:xfrm>
+            <a:off x="3821113" y="1295400"/>
+            <a:ext cx="1246187" cy="4102100"/>
+          </a:xfrm>
+          <a:prstGeom prst="arc">
+            <a:avLst>
+              <a:gd name="adj1" fmla="val 16200000"/>
+              <a:gd name="adj2" fmla="val 5412291"/>
+            </a:avLst>
+          </a:prstGeom>
+          <a:ln w="76200" cmpd="sng">
+            <a:solidFill>
+              <a:schemeClr val="tx1"/>
+            </a:solidFill>
+          </a:ln>
+          <a:effectLst/>
+        </p:spPr>
+        <p:style>
+          <a:lnRef idx="2">
+            <a:schemeClr val="accent1"/>
+          </a:lnRef>
+          <a:fillRef idx="0">
+            <a:schemeClr val="accent1"/>
+          </a:fillRef>
+          <a:effectRef idx="1">
+            <a:schemeClr val="accent1"/>
+          </a:effectRef>
+          <a:fontRef idx="minor">
+            <a:schemeClr val="tx1"/>
+          </a:fontRef>
+        </p:style>
+        <p:txBody>
+          <a:bodyPr rtlCol="0" anchor="ctr"/>
+          <a:lstStyle/>
+          <a:p>
+            <a:pPr algn="ctr"/>
+            <a:endParaRPr lang="en-US"/>
+          </a:p>
+        </p:txBody>
+      </p:sp>
+      <p:sp>
+        <p:nvSpPr>
+          <p:cNvPr id="12" name="Arc 11"/>
+          <p:cNvSpPr/>
+          <p:nvPr/>
+        </p:nvSpPr>
+        <p:spPr>
+          <a:xfrm flipH="1">
+            <a:off x="2704306" y="1295400"/>
+            <a:ext cx="3608388" cy="4102100"/>
+          </a:xfrm>
+          <a:prstGeom prst="arc">
+            <a:avLst>
+              <a:gd name="adj1" fmla="val 16200000"/>
+              <a:gd name="adj2" fmla="val 5412291"/>
+            </a:avLst>
+          </a:prstGeom>
+          <a:ln w="76200" cmpd="sng">
+            <a:solidFill>
+              <a:schemeClr val="tx1"/>
+            </a:solidFill>
+          </a:ln>
+          <a:effectLst/>
+        </p:spPr>
+        <p:style>
+          <a:lnRef idx="2">
+            <a:schemeClr val="accent1"/>
+          </a:lnRef>
+          <a:fillRef idx="0">
+            <a:schemeClr val="accent1"/>
+          </a:fillRef>
+          <a:effectRef idx="1">
+            <a:schemeClr val="accent1"/>
+          </a:effectRef>
+          <a:fontRef idx="minor">
+            <a:schemeClr val="tx1"/>
+          </a:fontRef>
+        </p:style>
+        <p:txBody>
+          <a:bodyPr rtlCol="0" anchor="ctr"/>
+          <a:lstStyle/>
+          <a:p>
+            <a:pPr algn="ctr"/>
+            <a:endParaRPr lang="en-US"/>
+          </a:p>
+        </p:txBody>
+      </p:sp>
+      <p:sp>
+        <p:nvSpPr>
+          <p:cNvPr id="13" name="Arc 12"/>
+          <p:cNvSpPr/>
+          <p:nvPr/>
+        </p:nvSpPr>
+        <p:spPr>
+          <a:xfrm flipH="1">
+            <a:off x="3171825" y="1295400"/>
+            <a:ext cx="2673350" cy="4102100"/>
+          </a:xfrm>
+          <a:prstGeom prst="arc">
+            <a:avLst>
+              <a:gd name="adj1" fmla="val 16200000"/>
+              <a:gd name="adj2" fmla="val 5412291"/>
+            </a:avLst>
+          </a:prstGeom>
+          <a:ln w="76200" cmpd="sng">
+            <a:solidFill>
+              <a:schemeClr val="tx1"/>
+            </a:solidFill>
+          </a:ln>
+          <a:effectLst/>
+        </p:spPr>
+        <p:style>
+          <a:lnRef idx="2">
+            <a:schemeClr val="accent1"/>
+          </a:lnRef>
+          <a:fillRef idx="0">
+            <a:schemeClr val="accent1"/>
+          </a:fillRef>
+          <a:effectRef idx="1">
+            <a:schemeClr val="accent1"/>
+          </a:effectRef>
+          <a:fontRef idx="minor">
+            <a:schemeClr val="tx1"/>
+          </a:fontRef>
+        </p:style>
+        <p:txBody>
+          <a:bodyPr rtlCol="0" anchor="ctr"/>
+          <a:lstStyle/>
+          <a:p>
+            <a:pPr algn="ctr"/>
+            <a:endParaRPr lang="en-US"/>
+          </a:p>
+        </p:txBody>
+      </p:sp>
+      <p:sp>
+        <p:nvSpPr>
+          <p:cNvPr id="14" name="Arc 13"/>
+          <p:cNvSpPr/>
+          <p:nvPr/>
+        </p:nvSpPr>
+        <p:spPr>
+          <a:xfrm flipH="1">
+            <a:off x="3924299" y="1295400"/>
+            <a:ext cx="1271586" cy="4102100"/>
+          </a:xfrm>
+          <a:prstGeom prst="arc">
+            <a:avLst>
+              <a:gd name="adj1" fmla="val 16200000"/>
+              <a:gd name="adj2" fmla="val 5412291"/>
+            </a:avLst>
+          </a:prstGeom>
+          <a:ln w="76200" cmpd="sng">
+            <a:solidFill>
+              <a:schemeClr val="tx1"/>
+            </a:solidFill>
+          </a:ln>
+          <a:effectLst/>
+        </p:spPr>
+        <p:style>
+          <a:lnRef idx="2">
+            <a:schemeClr val="accent1"/>
+          </a:lnRef>
+          <a:fillRef idx="0">
+            <a:schemeClr val="accent1"/>
+          </a:fillRef>
+          <a:effectRef idx="1">
+            <a:schemeClr val="accent1"/>
+          </a:effectRef>
+          <a:fontRef idx="minor">
+            <a:schemeClr val="tx1"/>
+          </a:fontRef>
+        </p:style>
+        <p:txBody>
+          <a:bodyPr rtlCol="0" anchor="ctr"/>
+          <a:lstStyle/>
+          <a:p>
+            <a:pPr algn="ctr"/>
+            <a:endParaRPr lang="en-US"/>
+          </a:p>
+        </p:txBody>
+      </p:sp>
+      <p:cxnSp>
+        <p:nvCxnSpPr>
+          <p:cNvPr id="16" name="Straight Connector 15"/>
+          <p:cNvCxnSpPr>
+            <a:stCxn id="2" idx="2"/>
+            <a:endCxn id="2" idx="6"/>
+          </p:cNvCxnSpPr>
+          <p:nvPr/>
+        </p:nvCxnSpPr>
+        <p:spPr>
+          <a:xfrm>
+            <a:off x="2451100" y="3352800"/>
+            <a:ext cx="4114800" cy="0"/>
+          </a:xfrm>
+          <a:prstGeom prst="line">
+            <a:avLst/>
+          </a:prstGeom>
+          <a:ln w="76200" cmpd="sng">
+            <a:solidFill>
+              <a:schemeClr val="tx1"/>
+            </a:solidFill>
+          </a:ln>
+          <a:effectLst/>
+        </p:spPr>
+        <p:style>
+          <a:lnRef idx="2">
+            <a:schemeClr val="accent1"/>
+          </a:lnRef>
+          <a:fillRef idx="0">
+            <a:schemeClr val="accent1"/>
+          </a:fillRef>
+          <a:effectRef idx="1">
+            <a:schemeClr val="accent1"/>
+          </a:effectRef>
+          <a:fontRef idx="minor">
+            <a:schemeClr val="tx1"/>
+          </a:fontRef>
+        </p:style>
+      </p:cxnSp>
+      <p:cxnSp>
+        <p:nvCxnSpPr>
+          <p:cNvPr id="18" name="Straight Connector 17"/>
+          <p:cNvCxnSpPr/>
+          <p:nvPr/>
+        </p:nvCxnSpPr>
+        <p:spPr>
+          <a:xfrm>
+            <a:off x="2654300" y="2451100"/>
+            <a:ext cx="3721100" cy="0"/>
+          </a:xfrm>
+          <a:prstGeom prst="line">
+            <a:avLst/>
+          </a:prstGeom>
+          <a:ln w="76200" cmpd="sng">
+            <a:solidFill>
+              <a:schemeClr val="tx1"/>
+            </a:solidFill>
+          </a:ln>
+          <a:effectLst/>
+        </p:spPr>
+        <p:style>
+          <a:lnRef idx="2">
+            <a:schemeClr val="accent1"/>
+          </a:lnRef>
+          <a:fillRef idx="0">
+            <a:schemeClr val="accent1"/>
+          </a:fillRef>
+          <a:effectRef idx="1">
+            <a:schemeClr val="accent1"/>
+          </a:effectRef>
+          <a:fontRef idx="minor">
+            <a:schemeClr val="tx1"/>
+          </a:fontRef>
+        </p:style>
+      </p:cxnSp>
+      <p:cxnSp>
+        <p:nvCxnSpPr>
+          <p:cNvPr id="20" name="Straight Connector 19"/>
+          <p:cNvCxnSpPr/>
+          <p:nvPr/>
+        </p:nvCxnSpPr>
+        <p:spPr>
+          <a:xfrm>
+            <a:off x="3175000" y="1778000"/>
+            <a:ext cx="2654300" cy="0"/>
+          </a:xfrm>
+          <a:prstGeom prst="line">
+            <a:avLst/>
+          </a:prstGeom>
+          <a:ln w="76200" cmpd="sng">
+            <a:solidFill>
+              <a:srgbClr val="000000"/>
+            </a:solidFill>
+          </a:ln>
+          <a:effectLst/>
+        </p:spPr>
+        <p:style>
+          <a:lnRef idx="2">
+            <a:schemeClr val="accent1"/>
+          </a:lnRef>
+          <a:fillRef idx="0">
+            <a:schemeClr val="accent1"/>
+          </a:fillRef>
+          <a:effectRef idx="1">
+            <a:schemeClr val="accent1"/>
+          </a:effectRef>
+          <a:fontRef idx="minor">
+            <a:schemeClr val="tx1"/>
+          </a:fontRef>
+        </p:style>
+      </p:cxnSp>
+      <p:cxnSp>
+        <p:nvCxnSpPr>
+          <p:cNvPr id="23" name="Straight Connector 22"/>
+          <p:cNvCxnSpPr/>
+          <p:nvPr/>
+        </p:nvCxnSpPr>
+        <p:spPr>
+          <a:xfrm>
+            <a:off x="2667000" y="4267200"/>
+            <a:ext cx="3683000" cy="0"/>
+          </a:xfrm>
+          <a:prstGeom prst="line">
+            <a:avLst/>
+          </a:prstGeom>
+          <a:ln w="76200" cmpd="sng">
+            <a:solidFill>
+              <a:schemeClr val="tx1"/>
+            </a:solidFill>
+          </a:ln>
+          <a:effectLst/>
+        </p:spPr>
+        <p:style>
+          <a:lnRef idx="2">
+            <a:schemeClr val="accent1"/>
+          </a:lnRef>
+          <a:fillRef idx="0">
+            <a:schemeClr val="accent1"/>
+          </a:fillRef>
+          <a:effectRef idx="1">
+            <a:schemeClr val="accent1"/>
+          </a:effectRef>
+          <a:fontRef idx="minor">
+            <a:schemeClr val="tx1"/>
+          </a:fontRef>
+        </p:style>
+      </p:cxnSp>
+      <p:cxnSp>
+        <p:nvCxnSpPr>
+          <p:cNvPr id="24" name="Straight Connector 23"/>
+          <p:cNvCxnSpPr/>
+          <p:nvPr/>
+        </p:nvCxnSpPr>
+        <p:spPr>
+          <a:xfrm>
+            <a:off x="3187700" y="4940300"/>
+            <a:ext cx="2637367" cy="0"/>
+          </a:xfrm>
+          <a:prstGeom prst="line">
+            <a:avLst/>
+          </a:prstGeom>
+          <a:ln w="76200" cmpd="sng">
+            <a:solidFill>
+              <a:srgbClr val="000000"/>
+            </a:solidFill>
+          </a:ln>
+          <a:effectLst/>
+        </p:spPr>
+        <p:style>
+          <a:lnRef idx="2">
+            <a:schemeClr val="accent1"/>
+          </a:lnRef>
+          <a:fillRef idx="0">
+            <a:schemeClr val="accent1"/>
+          </a:fillRef>
+          <a:effectRef idx="1">
+            <a:schemeClr val="accent1"/>
+          </a:effectRef>
+          <a:fontRef idx="minor">
+            <a:schemeClr val="tx1"/>
+          </a:fontRef>
+        </p:style>
+      </p:cxnSp>
+      <p:sp>
+        <p:nvSpPr>
+          <p:cNvPr id="26" name="Freeform 25"/>
+          <p:cNvSpPr/>
+          <p:nvPr/>
+        </p:nvSpPr>
+        <p:spPr>
+          <a:xfrm>
+            <a:off x="2874786" y="2184400"/>
+            <a:ext cx="3068813" cy="2392646"/>
+          </a:xfrm>
+          <a:custGeom>
+            <a:avLst/>
+            <a:gdLst>
+              <a:gd name="connsiteX0" fmla="*/ 61552 w 2487252"/>
+              <a:gd name="connsiteY0" fmla="*/ 876300 h 1720255"/>
+              <a:gd name="connsiteX1" fmla="*/ 112352 w 2487252"/>
+              <a:gd name="connsiteY1" fmla="*/ 901700 h 1720255"/>
+              <a:gd name="connsiteX2" fmla="*/ 1090252 w 2487252"/>
+              <a:gd name="connsiteY2" fmla="*/ 1701800 h 1720255"/>
+              <a:gd name="connsiteX3" fmla="*/ 2487252 w 2487252"/>
+              <a:gd name="connsiteY3" fmla="*/ 0 h 1720255"/>
+              <a:gd name="connsiteX0" fmla="*/ 223657 w 2649357"/>
+              <a:gd name="connsiteY0" fmla="*/ 876300 h 1723311"/>
+              <a:gd name="connsiteX1" fmla="*/ 54828 w 2649357"/>
+              <a:gd name="connsiteY1" fmla="*/ 953687 h 1723311"/>
+              <a:gd name="connsiteX2" fmla="*/ 1252357 w 2649357"/>
+              <a:gd name="connsiteY2" fmla="*/ 1701800 h 1723311"/>
+              <a:gd name="connsiteX3" fmla="*/ 2649357 w 2649357"/>
+              <a:gd name="connsiteY3" fmla="*/ 0 h 1723311"/>
+              <a:gd name="connsiteX0" fmla="*/ 390889 w 2621364"/>
+              <a:gd name="connsiteY0" fmla="*/ 751533 h 1723810"/>
+              <a:gd name="connsiteX1" fmla="*/ 26835 w 2621364"/>
+              <a:gd name="connsiteY1" fmla="*/ 953687 h 1723810"/>
+              <a:gd name="connsiteX2" fmla="*/ 1224364 w 2621364"/>
+              <a:gd name="connsiteY2" fmla="*/ 1701800 h 1723810"/>
+              <a:gd name="connsiteX3" fmla="*/ 2621364 w 2621364"/>
+              <a:gd name="connsiteY3" fmla="*/ 0 h 1723810"/>
+              <a:gd name="connsiteX0" fmla="*/ 358169 w 2625249"/>
+              <a:gd name="connsiteY0" fmla="*/ 845108 h 1723434"/>
+              <a:gd name="connsiteX1" fmla="*/ 30720 w 2625249"/>
+              <a:gd name="connsiteY1" fmla="*/ 953687 h 1723434"/>
+              <a:gd name="connsiteX2" fmla="*/ 1228249 w 2625249"/>
+              <a:gd name="connsiteY2" fmla="*/ 1701800 h 1723434"/>
+              <a:gd name="connsiteX3" fmla="*/ 2625249 w 2625249"/>
+              <a:gd name="connsiteY3" fmla="*/ 0 h 1723434"/>
+              <a:gd name="connsiteX0" fmla="*/ 294385 w 2634674"/>
+              <a:gd name="connsiteY0" fmla="*/ 668355 h 1724155"/>
+              <a:gd name="connsiteX1" fmla="*/ 40145 w 2634674"/>
+              <a:gd name="connsiteY1" fmla="*/ 953687 h 1724155"/>
+              <a:gd name="connsiteX2" fmla="*/ 1237674 w 2634674"/>
+              <a:gd name="connsiteY2" fmla="*/ 1701800 h 1724155"/>
+              <a:gd name="connsiteX3" fmla="*/ 2634674 w 2634674"/>
+              <a:gd name="connsiteY3" fmla="*/ 0 h 1724155"/>
+              <a:gd name="connsiteX0" fmla="*/ 50060 w 2756397"/>
+              <a:gd name="connsiteY0" fmla="*/ 772327 h 1723725"/>
+              <a:gd name="connsiteX1" fmla="*/ 161868 w 2756397"/>
+              <a:gd name="connsiteY1" fmla="*/ 953687 h 1723725"/>
+              <a:gd name="connsiteX2" fmla="*/ 1359397 w 2756397"/>
+              <a:gd name="connsiteY2" fmla="*/ 1701800 h 1723725"/>
+              <a:gd name="connsiteX3" fmla="*/ 2756397 w 2756397"/>
+              <a:gd name="connsiteY3" fmla="*/ 0 h 1723725"/>
+              <a:gd name="connsiteX0" fmla="*/ 0 w 2594529"/>
+              <a:gd name="connsiteY0" fmla="*/ 953687 h 1723725"/>
+              <a:gd name="connsiteX1" fmla="*/ 1197529 w 2594529"/>
+              <a:gd name="connsiteY1" fmla="*/ 1701800 h 1723725"/>
+              <a:gd name="connsiteX2" fmla="*/ 2594529 w 2594529"/>
+              <a:gd name="connsiteY2" fmla="*/ 0 h 1723725"/>
+            </a:gdLst>
+            <a:ahLst/>
+            <a:cxnLst>
+              <a:cxn ang="0">
+                <a:pos x="connsiteX0" y="connsiteY0"/>
+              </a:cxn>
+              <a:cxn ang="0">
+                <a:pos x="connsiteX1" y="connsiteY1"/>
+              </a:cxn>
+              <a:cxn ang="0">
+                <a:pos x="connsiteX2" y="connsiteY2"/>
+              </a:cxn>
+            </a:cxnLst>
+            <a:rect l="l" t="t" r="r" b="b"/>
+            <a:pathLst>
+              <a:path w="2594529" h="1723725">
+                <a:moveTo>
+                  <a:pt x="0" y="953687"/>
+                </a:moveTo>
+                <a:cubicBezTo>
+                  <a:pt x="218223" y="1108599"/>
+                  <a:pt x="765108" y="1860748"/>
+                  <a:pt x="1197529" y="1701800"/>
+                </a:cubicBezTo>
+                <a:cubicBezTo>
+                  <a:pt x="1629951" y="1542852"/>
+                  <a:pt x="2093937" y="775758"/>
+                  <a:pt x="2594529" y="0"/>
+                </a:cubicBezTo>
+              </a:path>
+            </a:pathLst>
+          </a:custGeom>
+          <a:ln w="889000">
+            <a:solidFill>
+              <a:srgbClr val="008000"/>
+            </a:solidFill>
+          </a:ln>
+        </p:spPr>
+        <p:style>
+          <a:lnRef idx="2">
+            <a:schemeClr val="accent1"/>
+          </a:lnRef>
+          <a:fillRef idx="0">
+            <a:schemeClr val="accent1"/>
+          </a:fillRef>
+          <a:effectRef idx="1">
+            <a:schemeClr val="accent1"/>
+          </a:effectRef>
+          <a:fontRef idx="minor">
+            <a:schemeClr val="tx1"/>
+          </a:fontRef>
+        </p:style>
+        <p:txBody>
+          <a:bodyPr rtlCol="0" anchor="ctr"/>
+          <a:lstStyle/>
+          <a:p>
+            <a:pPr algn="ctr"/>
+            <a:endParaRPr lang="en-US"/>
+          </a:p>
+        </p:txBody>
+      </p:sp>
+    </p:spTree>
+    <p:extLst>
+      <p:ext uri="{BB962C8B-B14F-4D97-AF65-F5344CB8AC3E}">
+        <p14:creationId xmlns:p14="http://schemas.microsoft.com/office/powerpoint/2010/main" val="2254998373"/>
       </p:ext>
     </p:extLst>
   </p:cSld>

--- a/dert/doc/Icons.pptx
+++ b/dert/doc/Icons.pptx
@@ -334,7 +334,7 @@
           <a:p>
             <a:fld id="{E988B1C8-4186-F54F-A582-F7FEE240AB22}" type="datetimeFigureOut">
               <a:rPr lang="en-US" smtClean="0"/>
-              <a:t>3/29/16</a:t>
+              <a:t>5/22/16</a:t>
             </a:fld>
             <a:endParaRPr lang="en-US"/>
           </a:p>
@@ -504,7 +504,7 @@
           <a:p>
             <a:fld id="{E988B1C8-4186-F54F-A582-F7FEE240AB22}" type="datetimeFigureOut">
               <a:rPr lang="en-US" smtClean="0"/>
-              <a:t>3/29/16</a:t>
+              <a:t>5/22/16</a:t>
             </a:fld>
             <a:endParaRPr lang="en-US"/>
           </a:p>
@@ -684,7 +684,7 @@
           <a:p>
             <a:fld id="{E988B1C8-4186-F54F-A582-F7FEE240AB22}" type="datetimeFigureOut">
               <a:rPr lang="en-US" smtClean="0"/>
-              <a:t>3/29/16</a:t>
+              <a:t>5/22/16</a:t>
             </a:fld>
             <a:endParaRPr lang="en-US"/>
           </a:p>
@@ -854,7 +854,7 @@
           <a:p>
             <a:fld id="{E988B1C8-4186-F54F-A582-F7FEE240AB22}" type="datetimeFigureOut">
               <a:rPr lang="en-US" smtClean="0"/>
-              <a:t>3/29/16</a:t>
+              <a:t>5/22/16</a:t>
             </a:fld>
             <a:endParaRPr lang="en-US"/>
           </a:p>
@@ -1100,7 +1100,7 @@
           <a:p>
             <a:fld id="{E988B1C8-4186-F54F-A582-F7FEE240AB22}" type="datetimeFigureOut">
               <a:rPr lang="en-US" smtClean="0"/>
-              <a:t>3/29/16</a:t>
+              <a:t>5/22/16</a:t>
             </a:fld>
             <a:endParaRPr lang="en-US"/>
           </a:p>
@@ -1388,7 +1388,7 @@
           <a:p>
             <a:fld id="{E988B1C8-4186-F54F-A582-F7FEE240AB22}" type="datetimeFigureOut">
               <a:rPr lang="en-US" smtClean="0"/>
-              <a:t>3/29/16</a:t>
+              <a:t>5/22/16</a:t>
             </a:fld>
             <a:endParaRPr lang="en-US"/>
           </a:p>
@@ -1810,7 +1810,7 @@
           <a:p>
             <a:fld id="{E988B1C8-4186-F54F-A582-F7FEE240AB22}" type="datetimeFigureOut">
               <a:rPr lang="en-US" smtClean="0"/>
-              <a:t>3/29/16</a:t>
+              <a:t>5/22/16</a:t>
             </a:fld>
             <a:endParaRPr lang="en-US"/>
           </a:p>
@@ -1928,7 +1928,7 @@
           <a:p>
             <a:fld id="{E988B1C8-4186-F54F-A582-F7FEE240AB22}" type="datetimeFigureOut">
               <a:rPr lang="en-US" smtClean="0"/>
-              <a:t>3/29/16</a:t>
+              <a:t>5/22/16</a:t>
             </a:fld>
             <a:endParaRPr lang="en-US"/>
           </a:p>
@@ -2023,7 +2023,7 @@
           <a:p>
             <a:fld id="{E988B1C8-4186-F54F-A582-F7FEE240AB22}" type="datetimeFigureOut">
               <a:rPr lang="en-US" smtClean="0"/>
-              <a:t>3/29/16</a:t>
+              <a:t>5/22/16</a:t>
             </a:fld>
             <a:endParaRPr lang="en-US"/>
           </a:p>
@@ -2300,7 +2300,7 @@
           <a:p>
             <a:fld id="{E988B1C8-4186-F54F-A582-F7FEE240AB22}" type="datetimeFigureOut">
               <a:rPr lang="en-US" smtClean="0"/>
-              <a:t>3/29/16</a:t>
+              <a:t>5/22/16</a:t>
             </a:fld>
             <a:endParaRPr lang="en-US"/>
           </a:p>
@@ -2553,7 +2553,7 @@
           <a:p>
             <a:fld id="{E988B1C8-4186-F54F-A582-F7FEE240AB22}" type="datetimeFigureOut">
               <a:rPr lang="en-US" smtClean="0"/>
-              <a:t>3/29/16</a:t>
+              <a:t>5/22/16</a:t>
             </a:fld>
             <a:endParaRPr lang="en-US"/>
           </a:p>
@@ -2766,7 +2766,7 @@
           <a:p>
             <a:fld id="{E988B1C8-4186-F54F-A582-F7FEE240AB22}" type="datetimeFigureOut">
               <a:rPr lang="en-US" smtClean="0"/>
-              <a:t>3/29/16</a:t>
+              <a:t>5/22/16</a:t>
             </a:fld>
             <a:endParaRPr lang="en-US"/>
           </a:p>
@@ -6718,6 +6718,46 @@
           </a:fontRef>
         </p:style>
       </p:cxnSp>
+      <p:sp>
+        <p:nvSpPr>
+          <p:cNvPr id="2" name="Rectangle 1"/>
+          <p:cNvSpPr/>
+          <p:nvPr/>
+        </p:nvSpPr>
+        <p:spPr>
+          <a:xfrm>
+            <a:off x="1159934" y="592668"/>
+            <a:ext cx="7027334" cy="5681132"/>
+          </a:xfrm>
+          <a:prstGeom prst="rect">
+            <a:avLst/>
+          </a:prstGeom>
+          <a:noFill/>
+          <a:effectLst/>
+        </p:spPr>
+        <p:style>
+          <a:lnRef idx="1">
+            <a:schemeClr val="accent1"/>
+          </a:lnRef>
+          <a:fillRef idx="3">
+            <a:schemeClr val="accent1"/>
+          </a:fillRef>
+          <a:effectRef idx="2">
+            <a:schemeClr val="accent1"/>
+          </a:effectRef>
+          <a:fontRef idx="minor">
+            <a:schemeClr val="lt1"/>
+          </a:fontRef>
+        </p:style>
+        <p:txBody>
+          <a:bodyPr rtlCol="0" anchor="ctr"/>
+          <a:lstStyle/>
+          <a:p>
+            <a:pPr algn="ctr"/>
+            <a:endParaRPr lang="en-US"/>
+          </a:p>
+        </p:txBody>
+      </p:sp>
     </p:spTree>
     <p:extLst>
       <p:ext uri="{BB962C8B-B14F-4D97-AF65-F5344CB8AC3E}">
@@ -6848,24 +6888,72 @@
       </p:cxnSp>
       <p:sp>
         <p:nvSpPr>
-          <p:cNvPr id="5" name="Freeform 4"/>
+          <p:cNvPr id="7" name="Freeform 6"/>
           <p:cNvSpPr/>
           <p:nvPr/>
         </p:nvSpPr>
         <p:spPr>
           <a:xfrm>
-            <a:off x="2937934" y="1066800"/>
-            <a:ext cx="4563533" cy="4749800"/>
+            <a:off x="2959454" y="2895602"/>
+            <a:ext cx="3068813" cy="2392646"/>
           </a:xfrm>
           <a:custGeom>
             <a:avLst/>
             <a:gdLst>
-              <a:gd name="connsiteX0" fmla="*/ 0 w 4834466"/>
-              <a:gd name="connsiteY0" fmla="*/ 2463800 h 5223933"/>
-              <a:gd name="connsiteX1" fmla="*/ 1625600 w 4834466"/>
-              <a:gd name="connsiteY1" fmla="*/ 5223933 h 5223933"/>
-              <a:gd name="connsiteX2" fmla="*/ 4834466 w 4834466"/>
-              <a:gd name="connsiteY2" fmla="*/ 0 h 5223933"/>
+              <a:gd name="connsiteX0" fmla="*/ 61552 w 2487252"/>
+              <a:gd name="connsiteY0" fmla="*/ 876300 h 1720255"/>
+              <a:gd name="connsiteX1" fmla="*/ 112352 w 2487252"/>
+              <a:gd name="connsiteY1" fmla="*/ 901700 h 1720255"/>
+              <a:gd name="connsiteX2" fmla="*/ 1090252 w 2487252"/>
+              <a:gd name="connsiteY2" fmla="*/ 1701800 h 1720255"/>
+              <a:gd name="connsiteX3" fmla="*/ 2487252 w 2487252"/>
+              <a:gd name="connsiteY3" fmla="*/ 0 h 1720255"/>
+              <a:gd name="connsiteX0" fmla="*/ 223657 w 2649357"/>
+              <a:gd name="connsiteY0" fmla="*/ 876300 h 1723311"/>
+              <a:gd name="connsiteX1" fmla="*/ 54828 w 2649357"/>
+              <a:gd name="connsiteY1" fmla="*/ 953687 h 1723311"/>
+              <a:gd name="connsiteX2" fmla="*/ 1252357 w 2649357"/>
+              <a:gd name="connsiteY2" fmla="*/ 1701800 h 1723311"/>
+              <a:gd name="connsiteX3" fmla="*/ 2649357 w 2649357"/>
+              <a:gd name="connsiteY3" fmla="*/ 0 h 1723311"/>
+              <a:gd name="connsiteX0" fmla="*/ 390889 w 2621364"/>
+              <a:gd name="connsiteY0" fmla="*/ 751533 h 1723810"/>
+              <a:gd name="connsiteX1" fmla="*/ 26835 w 2621364"/>
+              <a:gd name="connsiteY1" fmla="*/ 953687 h 1723810"/>
+              <a:gd name="connsiteX2" fmla="*/ 1224364 w 2621364"/>
+              <a:gd name="connsiteY2" fmla="*/ 1701800 h 1723810"/>
+              <a:gd name="connsiteX3" fmla="*/ 2621364 w 2621364"/>
+              <a:gd name="connsiteY3" fmla="*/ 0 h 1723810"/>
+              <a:gd name="connsiteX0" fmla="*/ 358169 w 2625249"/>
+              <a:gd name="connsiteY0" fmla="*/ 845108 h 1723434"/>
+              <a:gd name="connsiteX1" fmla="*/ 30720 w 2625249"/>
+              <a:gd name="connsiteY1" fmla="*/ 953687 h 1723434"/>
+              <a:gd name="connsiteX2" fmla="*/ 1228249 w 2625249"/>
+              <a:gd name="connsiteY2" fmla="*/ 1701800 h 1723434"/>
+              <a:gd name="connsiteX3" fmla="*/ 2625249 w 2625249"/>
+              <a:gd name="connsiteY3" fmla="*/ 0 h 1723434"/>
+              <a:gd name="connsiteX0" fmla="*/ 294385 w 2634674"/>
+              <a:gd name="connsiteY0" fmla="*/ 668355 h 1724155"/>
+              <a:gd name="connsiteX1" fmla="*/ 40145 w 2634674"/>
+              <a:gd name="connsiteY1" fmla="*/ 953687 h 1724155"/>
+              <a:gd name="connsiteX2" fmla="*/ 1237674 w 2634674"/>
+              <a:gd name="connsiteY2" fmla="*/ 1701800 h 1724155"/>
+              <a:gd name="connsiteX3" fmla="*/ 2634674 w 2634674"/>
+              <a:gd name="connsiteY3" fmla="*/ 0 h 1724155"/>
+              <a:gd name="connsiteX0" fmla="*/ 50060 w 2756397"/>
+              <a:gd name="connsiteY0" fmla="*/ 772327 h 1723725"/>
+              <a:gd name="connsiteX1" fmla="*/ 161868 w 2756397"/>
+              <a:gd name="connsiteY1" fmla="*/ 953687 h 1723725"/>
+              <a:gd name="connsiteX2" fmla="*/ 1359397 w 2756397"/>
+              <a:gd name="connsiteY2" fmla="*/ 1701800 h 1723725"/>
+              <a:gd name="connsiteX3" fmla="*/ 2756397 w 2756397"/>
+              <a:gd name="connsiteY3" fmla="*/ 0 h 1723725"/>
+              <a:gd name="connsiteX0" fmla="*/ 0 w 2594529"/>
+              <a:gd name="connsiteY0" fmla="*/ 953687 h 1723725"/>
+              <a:gd name="connsiteX1" fmla="*/ 1197529 w 2594529"/>
+              <a:gd name="connsiteY1" fmla="*/ 1701800 h 1723725"/>
+              <a:gd name="connsiteX2" fmla="*/ 2594529 w 2594529"/>
+              <a:gd name="connsiteY2" fmla="*/ 0 h 1723725"/>
             </a:gdLst>
             <a:ahLst/>
             <a:cxnLst>
@@ -6881,24 +6969,29 @@
             </a:cxnLst>
             <a:rect l="l" t="t" r="r" b="b"/>
             <a:pathLst>
-              <a:path w="4834466" h="5223933">
+              <a:path w="2594529" h="1723725">
                 <a:moveTo>
-                  <a:pt x="0" y="2463800"/>
+                  <a:pt x="0" y="953687"/>
                 </a:moveTo>
-                <a:lnTo>
-                  <a:pt x="1625600" y="5223933"/>
-                </a:lnTo>
-                <a:lnTo>
-                  <a:pt x="4834466" y="0"/>
-                </a:lnTo>
+                <a:cubicBezTo>
+                  <a:pt x="218223" y="1108599"/>
+                  <a:pt x="765108" y="1860748"/>
+                  <a:pt x="1197529" y="1701800"/>
+                </a:cubicBezTo>
+                <a:cubicBezTo>
+                  <a:pt x="1629951" y="1542852"/>
+                  <a:pt x="2093937" y="775758"/>
+                  <a:pt x="2594529" y="0"/>
+                </a:cubicBezTo>
               </a:path>
             </a:pathLst>
           </a:custGeom>
-          <a:ln w="508000">
+          <a:ln w="889000">
             <a:solidFill>
               <a:srgbClr val="008000"/>
             </a:solidFill>
           </a:ln>
+          <a:effectLst/>
         </p:spPr>
         <p:style>
           <a:lnRef idx="2">
@@ -6912,6 +7005,46 @@
           </a:effectRef>
           <a:fontRef idx="minor">
             <a:schemeClr val="tx1"/>
+          </a:fontRef>
+        </p:style>
+        <p:txBody>
+          <a:bodyPr rtlCol="0" anchor="ctr"/>
+          <a:lstStyle/>
+          <a:p>
+            <a:pPr algn="ctr"/>
+            <a:endParaRPr lang="en-US"/>
+          </a:p>
+        </p:txBody>
+      </p:sp>
+      <p:sp>
+        <p:nvSpPr>
+          <p:cNvPr id="5" name="Rectangle 4"/>
+          <p:cNvSpPr/>
+          <p:nvPr/>
+        </p:nvSpPr>
+        <p:spPr>
+          <a:xfrm>
+            <a:off x="1159934" y="592668"/>
+            <a:ext cx="7027334" cy="5681132"/>
+          </a:xfrm>
+          <a:prstGeom prst="rect">
+            <a:avLst/>
+          </a:prstGeom>
+          <a:noFill/>
+          <a:effectLst/>
+        </p:spPr>
+        <p:style>
+          <a:lnRef idx="1">
+            <a:schemeClr val="accent1"/>
+          </a:lnRef>
+          <a:fillRef idx="3">
+            <a:schemeClr val="accent1"/>
+          </a:fillRef>
+          <a:effectRef idx="2">
+            <a:schemeClr val="accent1"/>
+          </a:effectRef>
+          <a:fontRef idx="minor">
+            <a:schemeClr val="lt1"/>
           </a:fontRef>
         </p:style>
         <p:txBody>
@@ -6955,24 +7088,72 @@
       </p:grpSpPr>
       <p:sp>
         <p:nvSpPr>
-          <p:cNvPr id="5" name="Freeform 4"/>
+          <p:cNvPr id="3" name="Freeform 2"/>
           <p:cNvSpPr/>
           <p:nvPr/>
         </p:nvSpPr>
         <p:spPr>
           <a:xfrm>
-            <a:off x="2252134" y="1054100"/>
-            <a:ext cx="4563533" cy="4749800"/>
+            <a:off x="2764721" y="2091268"/>
+            <a:ext cx="3068813" cy="2392646"/>
           </a:xfrm>
           <a:custGeom>
             <a:avLst/>
             <a:gdLst>
-              <a:gd name="connsiteX0" fmla="*/ 0 w 4834466"/>
-              <a:gd name="connsiteY0" fmla="*/ 2463800 h 5223933"/>
-              <a:gd name="connsiteX1" fmla="*/ 1625600 w 4834466"/>
-              <a:gd name="connsiteY1" fmla="*/ 5223933 h 5223933"/>
-              <a:gd name="connsiteX2" fmla="*/ 4834466 w 4834466"/>
-              <a:gd name="connsiteY2" fmla="*/ 0 h 5223933"/>
+              <a:gd name="connsiteX0" fmla="*/ 61552 w 2487252"/>
+              <a:gd name="connsiteY0" fmla="*/ 876300 h 1720255"/>
+              <a:gd name="connsiteX1" fmla="*/ 112352 w 2487252"/>
+              <a:gd name="connsiteY1" fmla="*/ 901700 h 1720255"/>
+              <a:gd name="connsiteX2" fmla="*/ 1090252 w 2487252"/>
+              <a:gd name="connsiteY2" fmla="*/ 1701800 h 1720255"/>
+              <a:gd name="connsiteX3" fmla="*/ 2487252 w 2487252"/>
+              <a:gd name="connsiteY3" fmla="*/ 0 h 1720255"/>
+              <a:gd name="connsiteX0" fmla="*/ 223657 w 2649357"/>
+              <a:gd name="connsiteY0" fmla="*/ 876300 h 1723311"/>
+              <a:gd name="connsiteX1" fmla="*/ 54828 w 2649357"/>
+              <a:gd name="connsiteY1" fmla="*/ 953687 h 1723311"/>
+              <a:gd name="connsiteX2" fmla="*/ 1252357 w 2649357"/>
+              <a:gd name="connsiteY2" fmla="*/ 1701800 h 1723311"/>
+              <a:gd name="connsiteX3" fmla="*/ 2649357 w 2649357"/>
+              <a:gd name="connsiteY3" fmla="*/ 0 h 1723311"/>
+              <a:gd name="connsiteX0" fmla="*/ 390889 w 2621364"/>
+              <a:gd name="connsiteY0" fmla="*/ 751533 h 1723810"/>
+              <a:gd name="connsiteX1" fmla="*/ 26835 w 2621364"/>
+              <a:gd name="connsiteY1" fmla="*/ 953687 h 1723810"/>
+              <a:gd name="connsiteX2" fmla="*/ 1224364 w 2621364"/>
+              <a:gd name="connsiteY2" fmla="*/ 1701800 h 1723810"/>
+              <a:gd name="connsiteX3" fmla="*/ 2621364 w 2621364"/>
+              <a:gd name="connsiteY3" fmla="*/ 0 h 1723810"/>
+              <a:gd name="connsiteX0" fmla="*/ 358169 w 2625249"/>
+              <a:gd name="connsiteY0" fmla="*/ 845108 h 1723434"/>
+              <a:gd name="connsiteX1" fmla="*/ 30720 w 2625249"/>
+              <a:gd name="connsiteY1" fmla="*/ 953687 h 1723434"/>
+              <a:gd name="connsiteX2" fmla="*/ 1228249 w 2625249"/>
+              <a:gd name="connsiteY2" fmla="*/ 1701800 h 1723434"/>
+              <a:gd name="connsiteX3" fmla="*/ 2625249 w 2625249"/>
+              <a:gd name="connsiteY3" fmla="*/ 0 h 1723434"/>
+              <a:gd name="connsiteX0" fmla="*/ 294385 w 2634674"/>
+              <a:gd name="connsiteY0" fmla="*/ 668355 h 1724155"/>
+              <a:gd name="connsiteX1" fmla="*/ 40145 w 2634674"/>
+              <a:gd name="connsiteY1" fmla="*/ 953687 h 1724155"/>
+              <a:gd name="connsiteX2" fmla="*/ 1237674 w 2634674"/>
+              <a:gd name="connsiteY2" fmla="*/ 1701800 h 1724155"/>
+              <a:gd name="connsiteX3" fmla="*/ 2634674 w 2634674"/>
+              <a:gd name="connsiteY3" fmla="*/ 0 h 1724155"/>
+              <a:gd name="connsiteX0" fmla="*/ 50060 w 2756397"/>
+              <a:gd name="connsiteY0" fmla="*/ 772327 h 1723725"/>
+              <a:gd name="connsiteX1" fmla="*/ 161868 w 2756397"/>
+              <a:gd name="connsiteY1" fmla="*/ 953687 h 1723725"/>
+              <a:gd name="connsiteX2" fmla="*/ 1359397 w 2756397"/>
+              <a:gd name="connsiteY2" fmla="*/ 1701800 h 1723725"/>
+              <a:gd name="connsiteX3" fmla="*/ 2756397 w 2756397"/>
+              <a:gd name="connsiteY3" fmla="*/ 0 h 1723725"/>
+              <a:gd name="connsiteX0" fmla="*/ 0 w 2594529"/>
+              <a:gd name="connsiteY0" fmla="*/ 953687 h 1723725"/>
+              <a:gd name="connsiteX1" fmla="*/ 1197529 w 2594529"/>
+              <a:gd name="connsiteY1" fmla="*/ 1701800 h 1723725"/>
+              <a:gd name="connsiteX2" fmla="*/ 2594529 w 2594529"/>
+              <a:gd name="connsiteY2" fmla="*/ 0 h 1723725"/>
             </a:gdLst>
             <a:ahLst/>
             <a:cxnLst>
@@ -6988,24 +7169,29 @@
             </a:cxnLst>
             <a:rect l="l" t="t" r="r" b="b"/>
             <a:pathLst>
-              <a:path w="4834466" h="5223933">
+              <a:path w="2594529" h="1723725">
                 <a:moveTo>
-                  <a:pt x="0" y="2463800"/>
+                  <a:pt x="0" y="953687"/>
                 </a:moveTo>
-                <a:lnTo>
-                  <a:pt x="1625600" y="5223933"/>
-                </a:lnTo>
-                <a:lnTo>
-                  <a:pt x="4834466" y="0"/>
-                </a:lnTo>
+                <a:cubicBezTo>
+                  <a:pt x="218223" y="1108599"/>
+                  <a:pt x="765108" y="1860748"/>
+                  <a:pt x="1197529" y="1701800"/>
+                </a:cubicBezTo>
+                <a:cubicBezTo>
+                  <a:pt x="1629951" y="1542852"/>
+                  <a:pt x="2093937" y="775758"/>
+                  <a:pt x="2594529" y="0"/>
+                </a:cubicBezTo>
               </a:path>
             </a:pathLst>
           </a:custGeom>
-          <a:ln w="508000">
+          <a:ln w="889000">
             <a:solidFill>
               <a:srgbClr val="008000"/>
             </a:solidFill>
           </a:ln>
+          <a:effectLst/>
         </p:spPr>
         <p:style>
           <a:lnRef idx="2">
@@ -8201,6 +8387,46 @@
           </a:p>
         </p:txBody>
       </p:sp>
+      <p:sp>
+        <p:nvSpPr>
+          <p:cNvPr id="11" name="Rectangle 10"/>
+          <p:cNvSpPr/>
+          <p:nvPr/>
+        </p:nvSpPr>
+        <p:spPr>
+          <a:xfrm>
+            <a:off x="965200" y="397934"/>
+            <a:ext cx="7222068" cy="5816600"/>
+          </a:xfrm>
+          <a:prstGeom prst="rect">
+            <a:avLst/>
+          </a:prstGeom>
+          <a:noFill/>
+          <a:effectLst/>
+        </p:spPr>
+        <p:style>
+          <a:lnRef idx="1">
+            <a:schemeClr val="accent1"/>
+          </a:lnRef>
+          <a:fillRef idx="3">
+            <a:schemeClr val="accent1"/>
+          </a:fillRef>
+          <a:effectRef idx="2">
+            <a:schemeClr val="accent1"/>
+          </a:effectRef>
+          <a:fontRef idx="minor">
+            <a:schemeClr val="lt1"/>
+          </a:fontRef>
+        </p:style>
+        <p:txBody>
+          <a:bodyPr rtlCol="0" anchor="ctr"/>
+          <a:lstStyle/>
+          <a:p>
+            <a:pPr algn="ctr"/>
+            <a:endParaRPr lang="en-US"/>
+          </a:p>
+        </p:txBody>
+      </p:sp>
     </p:spTree>
     <p:extLst>
       <p:ext uri="{BB962C8B-B14F-4D97-AF65-F5344CB8AC3E}">
@@ -8568,24 +8794,72 @@
       </p:sp>
       <p:sp>
         <p:nvSpPr>
-          <p:cNvPr id="5" name="Freeform 4"/>
+          <p:cNvPr id="11" name="Freeform 10"/>
           <p:cNvSpPr/>
           <p:nvPr/>
         </p:nvSpPr>
         <p:spPr>
           <a:xfrm>
-            <a:off x="3158067" y="1016000"/>
-            <a:ext cx="4563533" cy="4800600"/>
+            <a:off x="1901122" y="2751667"/>
+            <a:ext cx="3068813" cy="2392646"/>
           </a:xfrm>
           <a:custGeom>
             <a:avLst/>
             <a:gdLst>
-              <a:gd name="connsiteX0" fmla="*/ 0 w 4834466"/>
-              <a:gd name="connsiteY0" fmla="*/ 2463800 h 5223933"/>
-              <a:gd name="connsiteX1" fmla="*/ 1625600 w 4834466"/>
-              <a:gd name="connsiteY1" fmla="*/ 5223933 h 5223933"/>
-              <a:gd name="connsiteX2" fmla="*/ 4834466 w 4834466"/>
-              <a:gd name="connsiteY2" fmla="*/ 0 h 5223933"/>
+              <a:gd name="connsiteX0" fmla="*/ 61552 w 2487252"/>
+              <a:gd name="connsiteY0" fmla="*/ 876300 h 1720255"/>
+              <a:gd name="connsiteX1" fmla="*/ 112352 w 2487252"/>
+              <a:gd name="connsiteY1" fmla="*/ 901700 h 1720255"/>
+              <a:gd name="connsiteX2" fmla="*/ 1090252 w 2487252"/>
+              <a:gd name="connsiteY2" fmla="*/ 1701800 h 1720255"/>
+              <a:gd name="connsiteX3" fmla="*/ 2487252 w 2487252"/>
+              <a:gd name="connsiteY3" fmla="*/ 0 h 1720255"/>
+              <a:gd name="connsiteX0" fmla="*/ 223657 w 2649357"/>
+              <a:gd name="connsiteY0" fmla="*/ 876300 h 1723311"/>
+              <a:gd name="connsiteX1" fmla="*/ 54828 w 2649357"/>
+              <a:gd name="connsiteY1" fmla="*/ 953687 h 1723311"/>
+              <a:gd name="connsiteX2" fmla="*/ 1252357 w 2649357"/>
+              <a:gd name="connsiteY2" fmla="*/ 1701800 h 1723311"/>
+              <a:gd name="connsiteX3" fmla="*/ 2649357 w 2649357"/>
+              <a:gd name="connsiteY3" fmla="*/ 0 h 1723311"/>
+              <a:gd name="connsiteX0" fmla="*/ 390889 w 2621364"/>
+              <a:gd name="connsiteY0" fmla="*/ 751533 h 1723810"/>
+              <a:gd name="connsiteX1" fmla="*/ 26835 w 2621364"/>
+              <a:gd name="connsiteY1" fmla="*/ 953687 h 1723810"/>
+              <a:gd name="connsiteX2" fmla="*/ 1224364 w 2621364"/>
+              <a:gd name="connsiteY2" fmla="*/ 1701800 h 1723810"/>
+              <a:gd name="connsiteX3" fmla="*/ 2621364 w 2621364"/>
+              <a:gd name="connsiteY3" fmla="*/ 0 h 1723810"/>
+              <a:gd name="connsiteX0" fmla="*/ 358169 w 2625249"/>
+              <a:gd name="connsiteY0" fmla="*/ 845108 h 1723434"/>
+              <a:gd name="connsiteX1" fmla="*/ 30720 w 2625249"/>
+              <a:gd name="connsiteY1" fmla="*/ 953687 h 1723434"/>
+              <a:gd name="connsiteX2" fmla="*/ 1228249 w 2625249"/>
+              <a:gd name="connsiteY2" fmla="*/ 1701800 h 1723434"/>
+              <a:gd name="connsiteX3" fmla="*/ 2625249 w 2625249"/>
+              <a:gd name="connsiteY3" fmla="*/ 0 h 1723434"/>
+              <a:gd name="connsiteX0" fmla="*/ 294385 w 2634674"/>
+              <a:gd name="connsiteY0" fmla="*/ 668355 h 1724155"/>
+              <a:gd name="connsiteX1" fmla="*/ 40145 w 2634674"/>
+              <a:gd name="connsiteY1" fmla="*/ 953687 h 1724155"/>
+              <a:gd name="connsiteX2" fmla="*/ 1237674 w 2634674"/>
+              <a:gd name="connsiteY2" fmla="*/ 1701800 h 1724155"/>
+              <a:gd name="connsiteX3" fmla="*/ 2634674 w 2634674"/>
+              <a:gd name="connsiteY3" fmla="*/ 0 h 1724155"/>
+              <a:gd name="connsiteX0" fmla="*/ 50060 w 2756397"/>
+              <a:gd name="connsiteY0" fmla="*/ 772327 h 1723725"/>
+              <a:gd name="connsiteX1" fmla="*/ 161868 w 2756397"/>
+              <a:gd name="connsiteY1" fmla="*/ 953687 h 1723725"/>
+              <a:gd name="connsiteX2" fmla="*/ 1359397 w 2756397"/>
+              <a:gd name="connsiteY2" fmla="*/ 1701800 h 1723725"/>
+              <a:gd name="connsiteX3" fmla="*/ 2756397 w 2756397"/>
+              <a:gd name="connsiteY3" fmla="*/ 0 h 1723725"/>
+              <a:gd name="connsiteX0" fmla="*/ 0 w 2594529"/>
+              <a:gd name="connsiteY0" fmla="*/ 953687 h 1723725"/>
+              <a:gd name="connsiteX1" fmla="*/ 1197529 w 2594529"/>
+              <a:gd name="connsiteY1" fmla="*/ 1701800 h 1723725"/>
+              <a:gd name="connsiteX2" fmla="*/ 2594529 w 2594529"/>
+              <a:gd name="connsiteY2" fmla="*/ 0 h 1723725"/>
             </a:gdLst>
             <a:ahLst/>
             <a:cxnLst>
@@ -8601,24 +8875,29 @@
             </a:cxnLst>
             <a:rect l="l" t="t" r="r" b="b"/>
             <a:pathLst>
-              <a:path w="4834466" h="5223933">
+              <a:path w="2594529" h="1723725">
                 <a:moveTo>
-                  <a:pt x="0" y="2463800"/>
+                  <a:pt x="0" y="953687"/>
                 </a:moveTo>
-                <a:lnTo>
-                  <a:pt x="1625600" y="5223933"/>
-                </a:lnTo>
-                <a:lnTo>
-                  <a:pt x="4834466" y="0"/>
-                </a:lnTo>
+                <a:cubicBezTo>
+                  <a:pt x="218223" y="1108599"/>
+                  <a:pt x="765108" y="1860748"/>
+                  <a:pt x="1197529" y="1701800"/>
+                </a:cubicBezTo>
+                <a:cubicBezTo>
+                  <a:pt x="1629951" y="1542852"/>
+                  <a:pt x="2093937" y="775758"/>
+                  <a:pt x="2594529" y="0"/>
+                </a:cubicBezTo>
               </a:path>
             </a:pathLst>
           </a:custGeom>
-          <a:ln w="508000">
+          <a:ln w="889000">
             <a:solidFill>
               <a:srgbClr val="008000"/>
             </a:solidFill>
           </a:ln>
+          <a:effectLst/>
         </p:spPr>
         <p:style>
           <a:lnRef idx="2">
@@ -8632,6 +8911,46 @@
           </a:effectRef>
           <a:fontRef idx="minor">
             <a:schemeClr val="tx1"/>
+          </a:fontRef>
+        </p:style>
+        <p:txBody>
+          <a:bodyPr rtlCol="0" anchor="ctr"/>
+          <a:lstStyle/>
+          <a:p>
+            <a:pPr algn="ctr"/>
+            <a:endParaRPr lang="en-US"/>
+          </a:p>
+        </p:txBody>
+      </p:sp>
+      <p:sp>
+        <p:nvSpPr>
+          <p:cNvPr id="16" name="Rectangle 15"/>
+          <p:cNvSpPr/>
+          <p:nvPr/>
+        </p:nvSpPr>
+        <p:spPr>
+          <a:xfrm>
+            <a:off x="965200" y="397934"/>
+            <a:ext cx="7222068" cy="5816600"/>
+          </a:xfrm>
+          <a:prstGeom prst="rect">
+            <a:avLst/>
+          </a:prstGeom>
+          <a:noFill/>
+          <a:effectLst/>
+        </p:spPr>
+        <p:style>
+          <a:lnRef idx="1">
+            <a:schemeClr val="accent1"/>
+          </a:lnRef>
+          <a:fillRef idx="3">
+            <a:schemeClr val="accent1"/>
+          </a:fillRef>
+          <a:effectRef idx="2">
+            <a:schemeClr val="accent1"/>
+          </a:effectRef>
+          <a:fontRef idx="minor">
+            <a:schemeClr val="lt1"/>
           </a:fontRef>
         </p:style>
         <p:txBody>
@@ -13745,6 +14064,46 @@
           </a:fontRef>
         </p:style>
       </p:cxnSp>
+      <p:sp>
+        <p:nvSpPr>
+          <p:cNvPr id="3" name="Rectangle 2"/>
+          <p:cNvSpPr/>
+          <p:nvPr/>
+        </p:nvSpPr>
+        <p:spPr>
+          <a:xfrm>
+            <a:off x="1896533" y="829733"/>
+            <a:ext cx="5198534" cy="5080000"/>
+          </a:xfrm>
+          <a:prstGeom prst="rect">
+            <a:avLst/>
+          </a:prstGeom>
+          <a:noFill/>
+          <a:effectLst/>
+        </p:spPr>
+        <p:style>
+          <a:lnRef idx="1">
+            <a:schemeClr val="accent1"/>
+          </a:lnRef>
+          <a:fillRef idx="3">
+            <a:schemeClr val="accent1"/>
+          </a:fillRef>
+          <a:effectRef idx="2">
+            <a:schemeClr val="accent1"/>
+          </a:effectRef>
+          <a:fontRef idx="minor">
+            <a:schemeClr val="lt1"/>
+          </a:fontRef>
+        </p:style>
+        <p:txBody>
+          <a:bodyPr rtlCol="0" anchor="ctr"/>
+          <a:lstStyle/>
+          <a:p>
+            <a:pPr algn="ctr"/>
+            <a:endParaRPr lang="en-US"/>
+          </a:p>
+        </p:txBody>
+      </p:sp>
     </p:spTree>
     <p:extLst>
       <p:ext uri="{BB962C8B-B14F-4D97-AF65-F5344CB8AC3E}">
@@ -14390,6 +14749,7 @@
               <a:srgbClr val="008000"/>
             </a:solidFill>
           </a:ln>
+          <a:effectLst/>
         </p:spPr>
         <p:style>
           <a:lnRef idx="2">
@@ -14403,6 +14763,46 @@
           </a:effectRef>
           <a:fontRef idx="minor">
             <a:schemeClr val="tx1"/>
+          </a:fontRef>
+        </p:style>
+        <p:txBody>
+          <a:bodyPr rtlCol="0" anchor="ctr"/>
+          <a:lstStyle/>
+          <a:p>
+            <a:pPr algn="ctr"/>
+            <a:endParaRPr lang="en-US"/>
+          </a:p>
+        </p:txBody>
+      </p:sp>
+      <p:sp>
+        <p:nvSpPr>
+          <p:cNvPr id="17" name="Rectangle 16"/>
+          <p:cNvSpPr/>
+          <p:nvPr/>
+        </p:nvSpPr>
+        <p:spPr>
+          <a:xfrm>
+            <a:off x="1896533" y="829733"/>
+            <a:ext cx="5198534" cy="5080000"/>
+          </a:xfrm>
+          <a:prstGeom prst="rect">
+            <a:avLst/>
+          </a:prstGeom>
+          <a:noFill/>
+          <a:effectLst/>
+        </p:spPr>
+        <p:style>
+          <a:lnRef idx="1">
+            <a:schemeClr val="accent1"/>
+          </a:lnRef>
+          <a:fillRef idx="3">
+            <a:schemeClr val="accent1"/>
+          </a:fillRef>
+          <a:effectRef idx="2">
+            <a:schemeClr val="accent1"/>
+          </a:effectRef>
+          <a:fontRef idx="minor">
+            <a:schemeClr val="lt1"/>
           </a:fontRef>
         </p:style>
         <p:txBody>

--- a/dert/doc/Icons.pptx
+++ b/dert/doc/Icons.pptx
@@ -52,6 +52,7 @@
     <p:sldId id="302" r:id="rId46"/>
     <p:sldId id="306" r:id="rId47"/>
     <p:sldId id="307" r:id="rId48"/>
+    <p:sldId id="308" r:id="rId49"/>
   </p:sldIdLst>
   <p:sldSz cx="9144000" cy="6858000" type="screen4x3"/>
   <p:notesSz cx="6858000" cy="9144000"/>
@@ -334,7 +335,7 @@
           <a:p>
             <a:fld id="{E988B1C8-4186-F54F-A582-F7FEE240AB22}" type="datetimeFigureOut">
               <a:rPr lang="en-US" smtClean="0"/>
-              <a:t>5/22/16</a:t>
+              <a:t>7/21/16</a:t>
             </a:fld>
             <a:endParaRPr lang="en-US"/>
           </a:p>
@@ -504,7 +505,7 @@
           <a:p>
             <a:fld id="{E988B1C8-4186-F54F-A582-F7FEE240AB22}" type="datetimeFigureOut">
               <a:rPr lang="en-US" smtClean="0"/>
-              <a:t>5/22/16</a:t>
+              <a:t>7/21/16</a:t>
             </a:fld>
             <a:endParaRPr lang="en-US"/>
           </a:p>
@@ -684,7 +685,7 @@
           <a:p>
             <a:fld id="{E988B1C8-4186-F54F-A582-F7FEE240AB22}" type="datetimeFigureOut">
               <a:rPr lang="en-US" smtClean="0"/>
-              <a:t>5/22/16</a:t>
+              <a:t>7/21/16</a:t>
             </a:fld>
             <a:endParaRPr lang="en-US"/>
           </a:p>
@@ -854,7 +855,7 @@
           <a:p>
             <a:fld id="{E988B1C8-4186-F54F-A582-F7FEE240AB22}" type="datetimeFigureOut">
               <a:rPr lang="en-US" smtClean="0"/>
-              <a:t>5/22/16</a:t>
+              <a:t>7/21/16</a:t>
             </a:fld>
             <a:endParaRPr lang="en-US"/>
           </a:p>
@@ -1100,7 +1101,7 @@
           <a:p>
             <a:fld id="{E988B1C8-4186-F54F-A582-F7FEE240AB22}" type="datetimeFigureOut">
               <a:rPr lang="en-US" smtClean="0"/>
-              <a:t>5/22/16</a:t>
+              <a:t>7/21/16</a:t>
             </a:fld>
             <a:endParaRPr lang="en-US"/>
           </a:p>
@@ -1388,7 +1389,7 @@
           <a:p>
             <a:fld id="{E988B1C8-4186-F54F-A582-F7FEE240AB22}" type="datetimeFigureOut">
               <a:rPr lang="en-US" smtClean="0"/>
-              <a:t>5/22/16</a:t>
+              <a:t>7/21/16</a:t>
             </a:fld>
             <a:endParaRPr lang="en-US"/>
           </a:p>
@@ -1810,7 +1811,7 @@
           <a:p>
             <a:fld id="{E988B1C8-4186-F54F-A582-F7FEE240AB22}" type="datetimeFigureOut">
               <a:rPr lang="en-US" smtClean="0"/>
-              <a:t>5/22/16</a:t>
+              <a:t>7/21/16</a:t>
             </a:fld>
             <a:endParaRPr lang="en-US"/>
           </a:p>
@@ -1928,7 +1929,7 @@
           <a:p>
             <a:fld id="{E988B1C8-4186-F54F-A582-F7FEE240AB22}" type="datetimeFigureOut">
               <a:rPr lang="en-US" smtClean="0"/>
-              <a:t>5/22/16</a:t>
+              <a:t>7/21/16</a:t>
             </a:fld>
             <a:endParaRPr lang="en-US"/>
           </a:p>
@@ -2023,7 +2024,7 @@
           <a:p>
             <a:fld id="{E988B1C8-4186-F54F-A582-F7FEE240AB22}" type="datetimeFigureOut">
               <a:rPr lang="en-US" smtClean="0"/>
-              <a:t>5/22/16</a:t>
+              <a:t>7/21/16</a:t>
             </a:fld>
             <a:endParaRPr lang="en-US"/>
           </a:p>
@@ -2300,7 +2301,7 @@
           <a:p>
             <a:fld id="{E988B1C8-4186-F54F-A582-F7FEE240AB22}" type="datetimeFigureOut">
               <a:rPr lang="en-US" smtClean="0"/>
-              <a:t>5/22/16</a:t>
+              <a:t>7/21/16</a:t>
             </a:fld>
             <a:endParaRPr lang="en-US"/>
           </a:p>
@@ -2553,7 +2554,7 @@
           <a:p>
             <a:fld id="{E988B1C8-4186-F54F-A582-F7FEE240AB22}" type="datetimeFigureOut">
               <a:rPr lang="en-US" smtClean="0"/>
-              <a:t>5/22/16</a:t>
+              <a:t>7/21/16</a:t>
             </a:fld>
             <a:endParaRPr lang="en-US"/>
           </a:p>
@@ -2766,7 +2767,7 @@
           <a:p>
             <a:fld id="{E988B1C8-4186-F54F-A582-F7FEE240AB22}" type="datetimeFigureOut">
               <a:rPr lang="en-US" smtClean="0"/>
-              <a:t>5/22/16</a:t>
+              <a:t>7/21/16</a:t>
             </a:fld>
             <a:endParaRPr lang="en-US"/>
           </a:p>
@@ -14818,6 +14819,204 @@
     <p:extLst>
       <p:ext uri="{BB962C8B-B14F-4D97-AF65-F5344CB8AC3E}">
         <p14:creationId xmlns:p14="http://schemas.microsoft.com/office/powerpoint/2010/main" val="2254998373"/>
+      </p:ext>
+    </p:extLst>
+  </p:cSld>
+  <p:clrMapOvr>
+    <a:masterClrMapping/>
+  </p:clrMapOvr>
+</p:sld>
+</file>
+
+<file path=ppt/slides/slide48.xml><?xml version="1.0" encoding="utf-8"?>
+<p:sld xmlns:a="http://schemas.openxmlformats.org/drawingml/2006/main" xmlns:r="http://schemas.openxmlformats.org/officeDocument/2006/relationships" xmlns:p="http://schemas.openxmlformats.org/presentationml/2006/main">
+  <p:cSld>
+    <p:spTree>
+      <p:nvGrpSpPr>
+        <p:cNvPr id="1" name=""/>
+        <p:cNvGrpSpPr/>
+        <p:nvPr/>
+      </p:nvGrpSpPr>
+      <p:grpSpPr>
+        <a:xfrm>
+          <a:off x="0" y="0"/>
+          <a:ext cx="0" cy="0"/>
+          <a:chOff x="0" y="0"/>
+          <a:chExt cx="0" cy="0"/>
+        </a:xfrm>
+      </p:grpSpPr>
+      <p:sp>
+        <p:nvSpPr>
+          <p:cNvPr id="9" name="Can 8"/>
+          <p:cNvSpPr/>
+          <p:nvPr/>
+        </p:nvSpPr>
+        <p:spPr>
+          <a:xfrm rot="16200000">
+            <a:off x="6273435" y="2184768"/>
+            <a:ext cx="1473934" cy="2048931"/>
+          </a:xfrm>
+          <a:prstGeom prst="can">
+            <a:avLst/>
+          </a:prstGeom>
+        </p:spPr>
+        <p:style>
+          <a:lnRef idx="0">
+            <a:schemeClr val="accent6"/>
+          </a:lnRef>
+          <a:fillRef idx="3">
+            <a:schemeClr val="accent6"/>
+          </a:fillRef>
+          <a:effectRef idx="3">
+            <a:schemeClr val="accent6"/>
+          </a:effectRef>
+          <a:fontRef idx="minor">
+            <a:schemeClr val="lt1"/>
+          </a:fontRef>
+        </p:style>
+        <p:txBody>
+          <a:bodyPr rtlCol="0" anchor="ctr"/>
+          <a:lstStyle/>
+          <a:p>
+            <a:pPr algn="ctr"/>
+            <a:endParaRPr lang="en-US"/>
+          </a:p>
+        </p:txBody>
+      </p:sp>
+      <p:sp>
+        <p:nvSpPr>
+          <p:cNvPr id="8" name="Can 7"/>
+          <p:cNvSpPr/>
+          <p:nvPr/>
+        </p:nvSpPr>
+        <p:spPr>
+          <a:xfrm rot="16200000">
+            <a:off x="4644621" y="2221114"/>
+            <a:ext cx="1473934" cy="2008634"/>
+          </a:xfrm>
+          <a:prstGeom prst="can">
+            <a:avLst/>
+          </a:prstGeom>
+          <a:solidFill>
+            <a:schemeClr val="tx1"/>
+          </a:solidFill>
+          <a:ln>
+            <a:solidFill>
+              <a:schemeClr val="tx1"/>
+            </a:solidFill>
+          </a:ln>
+        </p:spPr>
+        <p:style>
+          <a:lnRef idx="1">
+            <a:schemeClr val="accent1"/>
+          </a:lnRef>
+          <a:fillRef idx="3">
+            <a:schemeClr val="accent1"/>
+          </a:fillRef>
+          <a:effectRef idx="2">
+            <a:schemeClr val="accent1"/>
+          </a:effectRef>
+          <a:fontRef idx="minor">
+            <a:schemeClr val="lt1"/>
+          </a:fontRef>
+        </p:style>
+        <p:txBody>
+          <a:bodyPr rtlCol="0" anchor="ctr"/>
+          <a:lstStyle/>
+          <a:p>
+            <a:pPr algn="ctr"/>
+            <a:endParaRPr lang="en-US"/>
+          </a:p>
+        </p:txBody>
+      </p:sp>
+      <p:sp>
+        <p:nvSpPr>
+          <p:cNvPr id="7" name="Can 6"/>
+          <p:cNvSpPr/>
+          <p:nvPr/>
+        </p:nvSpPr>
+        <p:spPr>
+          <a:xfrm rot="16200000">
+            <a:off x="2984386" y="2221883"/>
+            <a:ext cx="1473934" cy="2007099"/>
+          </a:xfrm>
+          <a:prstGeom prst="can">
+            <a:avLst/>
+          </a:prstGeom>
+        </p:spPr>
+        <p:style>
+          <a:lnRef idx="1">
+            <a:schemeClr val="accent6"/>
+          </a:lnRef>
+          <a:fillRef idx="3">
+            <a:schemeClr val="accent6"/>
+          </a:fillRef>
+          <a:effectRef idx="2">
+            <a:schemeClr val="accent6"/>
+          </a:effectRef>
+          <a:fontRef idx="minor">
+            <a:schemeClr val="lt1"/>
+          </a:fontRef>
+        </p:style>
+        <p:txBody>
+          <a:bodyPr rtlCol="0" anchor="ctr"/>
+          <a:lstStyle/>
+          <a:p>
+            <a:pPr algn="ctr"/>
+            <a:endParaRPr lang="en-US"/>
+          </a:p>
+        </p:txBody>
+      </p:sp>
+      <p:sp>
+        <p:nvSpPr>
+          <p:cNvPr id="6" name="Can 5"/>
+          <p:cNvSpPr/>
+          <p:nvPr/>
+        </p:nvSpPr>
+        <p:spPr>
+          <a:xfrm rot="16200000">
+            <a:off x="1358017" y="2256514"/>
+            <a:ext cx="1473934" cy="1937833"/>
+          </a:xfrm>
+          <a:prstGeom prst="can">
+            <a:avLst/>
+          </a:prstGeom>
+          <a:solidFill>
+            <a:schemeClr val="tx1"/>
+          </a:solidFill>
+          <a:ln>
+            <a:solidFill>
+              <a:schemeClr val="tx1"/>
+            </a:solidFill>
+          </a:ln>
+        </p:spPr>
+        <p:style>
+          <a:lnRef idx="1">
+            <a:schemeClr val="accent1"/>
+          </a:lnRef>
+          <a:fillRef idx="3">
+            <a:schemeClr val="accent1"/>
+          </a:fillRef>
+          <a:effectRef idx="2">
+            <a:schemeClr val="accent1"/>
+          </a:effectRef>
+          <a:fontRef idx="minor">
+            <a:schemeClr val="lt1"/>
+          </a:fontRef>
+        </p:style>
+        <p:txBody>
+          <a:bodyPr rtlCol="0" anchor="ctr"/>
+          <a:lstStyle/>
+          <a:p>
+            <a:pPr algn="ctr"/>
+            <a:endParaRPr lang="en-US"/>
+          </a:p>
+        </p:txBody>
+      </p:sp>
+    </p:spTree>
+    <p:extLst>
+      <p:ext uri="{BB962C8B-B14F-4D97-AF65-F5344CB8AC3E}">
+        <p14:creationId xmlns:p14="http://schemas.microsoft.com/office/powerpoint/2010/main" val="1457797837"/>
       </p:ext>
     </p:extLst>
   </p:cSld>

--- a/dert/doc/Icons.pptx
+++ b/dert/doc/Icons.pptx
@@ -30,29 +30,30 @@
     <p:sldId id="294" r:id="rId24"/>
     <p:sldId id="303" r:id="rId25"/>
     <p:sldId id="273" r:id="rId26"/>
-    <p:sldId id="274" r:id="rId27"/>
-    <p:sldId id="275" r:id="rId28"/>
-    <p:sldId id="295" r:id="rId29"/>
-    <p:sldId id="277" r:id="rId30"/>
-    <p:sldId id="257" r:id="rId31"/>
-    <p:sldId id="282" r:id="rId32"/>
-    <p:sldId id="285" r:id="rId33"/>
-    <p:sldId id="286" r:id="rId34"/>
-    <p:sldId id="287" r:id="rId35"/>
-    <p:sldId id="288" r:id="rId36"/>
-    <p:sldId id="289" r:id="rId37"/>
-    <p:sldId id="290" r:id="rId38"/>
-    <p:sldId id="291" r:id="rId39"/>
-    <p:sldId id="300" r:id="rId40"/>
-    <p:sldId id="292" r:id="rId41"/>
-    <p:sldId id="293" r:id="rId42"/>
-    <p:sldId id="301" r:id="rId43"/>
-    <p:sldId id="304" r:id="rId44"/>
-    <p:sldId id="305" r:id="rId45"/>
-    <p:sldId id="302" r:id="rId46"/>
-    <p:sldId id="306" r:id="rId47"/>
-    <p:sldId id="307" r:id="rId48"/>
-    <p:sldId id="308" r:id="rId49"/>
+    <p:sldId id="309" r:id="rId27"/>
+    <p:sldId id="274" r:id="rId28"/>
+    <p:sldId id="275" r:id="rId29"/>
+    <p:sldId id="295" r:id="rId30"/>
+    <p:sldId id="277" r:id="rId31"/>
+    <p:sldId id="257" r:id="rId32"/>
+    <p:sldId id="282" r:id="rId33"/>
+    <p:sldId id="285" r:id="rId34"/>
+    <p:sldId id="286" r:id="rId35"/>
+    <p:sldId id="287" r:id="rId36"/>
+    <p:sldId id="288" r:id="rId37"/>
+    <p:sldId id="289" r:id="rId38"/>
+    <p:sldId id="290" r:id="rId39"/>
+    <p:sldId id="291" r:id="rId40"/>
+    <p:sldId id="300" r:id="rId41"/>
+    <p:sldId id="292" r:id="rId42"/>
+    <p:sldId id="293" r:id="rId43"/>
+    <p:sldId id="301" r:id="rId44"/>
+    <p:sldId id="304" r:id="rId45"/>
+    <p:sldId id="305" r:id="rId46"/>
+    <p:sldId id="302" r:id="rId47"/>
+    <p:sldId id="306" r:id="rId48"/>
+    <p:sldId id="307" r:id="rId49"/>
+    <p:sldId id="308" r:id="rId50"/>
   </p:sldIdLst>
   <p:sldSz cx="9144000" cy="6858000" type="screen4x3"/>
   <p:notesSz cx="6858000" cy="9144000"/>
@@ -335,7 +336,7 @@
           <a:p>
             <a:fld id="{E988B1C8-4186-F54F-A582-F7FEE240AB22}" type="datetimeFigureOut">
               <a:rPr lang="en-US" smtClean="0"/>
-              <a:t>7/21/16</a:t>
+              <a:t>8/24/16</a:t>
             </a:fld>
             <a:endParaRPr lang="en-US"/>
           </a:p>
@@ -505,7 +506,7 @@
           <a:p>
             <a:fld id="{E988B1C8-4186-F54F-A582-F7FEE240AB22}" type="datetimeFigureOut">
               <a:rPr lang="en-US" smtClean="0"/>
-              <a:t>7/21/16</a:t>
+              <a:t>8/24/16</a:t>
             </a:fld>
             <a:endParaRPr lang="en-US"/>
           </a:p>
@@ -685,7 +686,7 @@
           <a:p>
             <a:fld id="{E988B1C8-4186-F54F-A582-F7FEE240AB22}" type="datetimeFigureOut">
               <a:rPr lang="en-US" smtClean="0"/>
-              <a:t>7/21/16</a:t>
+              <a:t>8/24/16</a:t>
             </a:fld>
             <a:endParaRPr lang="en-US"/>
           </a:p>
@@ -855,7 +856,7 @@
           <a:p>
             <a:fld id="{E988B1C8-4186-F54F-A582-F7FEE240AB22}" type="datetimeFigureOut">
               <a:rPr lang="en-US" smtClean="0"/>
-              <a:t>7/21/16</a:t>
+              <a:t>8/24/16</a:t>
             </a:fld>
             <a:endParaRPr lang="en-US"/>
           </a:p>
@@ -1101,7 +1102,7 @@
           <a:p>
             <a:fld id="{E988B1C8-4186-F54F-A582-F7FEE240AB22}" type="datetimeFigureOut">
               <a:rPr lang="en-US" smtClean="0"/>
-              <a:t>7/21/16</a:t>
+              <a:t>8/24/16</a:t>
             </a:fld>
             <a:endParaRPr lang="en-US"/>
           </a:p>
@@ -1389,7 +1390,7 @@
           <a:p>
             <a:fld id="{E988B1C8-4186-F54F-A582-F7FEE240AB22}" type="datetimeFigureOut">
               <a:rPr lang="en-US" smtClean="0"/>
-              <a:t>7/21/16</a:t>
+              <a:t>8/24/16</a:t>
             </a:fld>
             <a:endParaRPr lang="en-US"/>
           </a:p>
@@ -1811,7 +1812,7 @@
           <a:p>
             <a:fld id="{E988B1C8-4186-F54F-A582-F7FEE240AB22}" type="datetimeFigureOut">
               <a:rPr lang="en-US" smtClean="0"/>
-              <a:t>7/21/16</a:t>
+              <a:t>8/24/16</a:t>
             </a:fld>
             <a:endParaRPr lang="en-US"/>
           </a:p>
@@ -1929,7 +1930,7 @@
           <a:p>
             <a:fld id="{E988B1C8-4186-F54F-A582-F7FEE240AB22}" type="datetimeFigureOut">
               <a:rPr lang="en-US" smtClean="0"/>
-              <a:t>7/21/16</a:t>
+              <a:t>8/24/16</a:t>
             </a:fld>
             <a:endParaRPr lang="en-US"/>
           </a:p>
@@ -2024,7 +2025,7 @@
           <a:p>
             <a:fld id="{E988B1C8-4186-F54F-A582-F7FEE240AB22}" type="datetimeFigureOut">
               <a:rPr lang="en-US" smtClean="0"/>
-              <a:t>7/21/16</a:t>
+              <a:t>8/24/16</a:t>
             </a:fld>
             <a:endParaRPr lang="en-US"/>
           </a:p>
@@ -2301,7 +2302,7 @@
           <a:p>
             <a:fld id="{E988B1C8-4186-F54F-A582-F7FEE240AB22}" type="datetimeFigureOut">
               <a:rPr lang="en-US" smtClean="0"/>
-              <a:t>7/21/16</a:t>
+              <a:t>8/24/16</a:t>
             </a:fld>
             <a:endParaRPr lang="en-US"/>
           </a:p>
@@ -2554,7 +2555,7 @@
           <a:p>
             <a:fld id="{E988B1C8-4186-F54F-A582-F7FEE240AB22}" type="datetimeFigureOut">
               <a:rPr lang="en-US" smtClean="0"/>
-              <a:t>7/21/16</a:t>
+              <a:t>8/24/16</a:t>
             </a:fld>
             <a:endParaRPr lang="en-US"/>
           </a:p>
@@ -2767,7 +2768,7 @@
           <a:p>
             <a:fld id="{E988B1C8-4186-F54F-A582-F7FEE240AB22}" type="datetimeFigureOut">
               <a:rPr lang="en-US" smtClean="0"/>
-              <a:t>7/21/16</a:t>
+              <a:t>8/24/16</a:t>
             </a:fld>
             <a:endParaRPr lang="en-US"/>
           </a:p>
@@ -7521,6 +7522,46 @@
           </a:p>
         </p:txBody>
       </p:sp>
+      <p:sp>
+        <p:nvSpPr>
+          <p:cNvPr id="2" name="Rectangle 1"/>
+          <p:cNvSpPr/>
+          <p:nvPr/>
+        </p:nvSpPr>
+        <p:spPr>
+          <a:xfrm>
+            <a:off x="1540933" y="1481667"/>
+            <a:ext cx="6341534" cy="3843866"/>
+          </a:xfrm>
+          <a:prstGeom prst="rect">
+            <a:avLst/>
+          </a:prstGeom>
+          <a:noFill/>
+          <a:effectLst/>
+        </p:spPr>
+        <p:style>
+          <a:lnRef idx="1">
+            <a:schemeClr val="accent1"/>
+          </a:lnRef>
+          <a:fillRef idx="3">
+            <a:schemeClr val="accent1"/>
+          </a:fillRef>
+          <a:effectRef idx="2">
+            <a:schemeClr val="accent1"/>
+          </a:effectRef>
+          <a:fontRef idx="minor">
+            <a:schemeClr val="lt1"/>
+          </a:fontRef>
+        </p:style>
+        <p:txBody>
+          <a:bodyPr rtlCol="0" anchor="ctr"/>
+          <a:lstStyle/>
+          <a:p>
+            <a:pPr algn="ctr"/>
+            <a:endParaRPr lang="en-US"/>
+          </a:p>
+        </p:txBody>
+      </p:sp>
     </p:spTree>
     <p:extLst>
       <p:ext uri="{BB962C8B-B14F-4D97-AF65-F5344CB8AC3E}">
@@ -7535,6 +7576,890 @@
 </file>
 
 <file path=ppt/slides/slide26.xml><?xml version="1.0" encoding="utf-8"?>
+<p:sld xmlns:a="http://schemas.openxmlformats.org/drawingml/2006/main" xmlns:r="http://schemas.openxmlformats.org/officeDocument/2006/relationships" xmlns:p="http://schemas.openxmlformats.org/presentationml/2006/main">
+  <p:cSld>
+    <p:spTree>
+      <p:nvGrpSpPr>
+        <p:cNvPr id="1" name=""/>
+        <p:cNvGrpSpPr/>
+        <p:nvPr/>
+      </p:nvGrpSpPr>
+      <p:grpSpPr>
+        <a:xfrm>
+          <a:off x="0" y="0"/>
+          <a:ext cx="0" cy="0"/>
+          <a:chOff x="0" y="0"/>
+          <a:chExt cx="0" cy="0"/>
+        </a:xfrm>
+      </p:grpSpPr>
+      <p:sp>
+        <p:nvSpPr>
+          <p:cNvPr id="5" name="Oval 4"/>
+          <p:cNvSpPr/>
+          <p:nvPr/>
+        </p:nvSpPr>
+        <p:spPr>
+          <a:xfrm>
+            <a:off x="3418417" y="2102042"/>
+            <a:ext cx="2599267" cy="2599267"/>
+          </a:xfrm>
+          <a:prstGeom prst="ellipse">
+            <a:avLst/>
+          </a:prstGeom>
+          <a:gradFill>
+            <a:gsLst>
+              <a:gs pos="0">
+                <a:schemeClr val="accent3">
+                  <a:lumMod val="50000"/>
+                </a:schemeClr>
+              </a:gs>
+              <a:gs pos="100000">
+                <a:schemeClr val="accent3">
+                  <a:tint val="50000"/>
+                  <a:shade val="100000"/>
+                  <a:satMod val="350000"/>
+                </a:schemeClr>
+              </a:gs>
+            </a:gsLst>
+          </a:gradFill>
+          <a:ln w="203200" cmpd="sng">
+            <a:solidFill>
+              <a:schemeClr val="tx1">
+                <a:lumMod val="95000"/>
+                <a:lumOff val="5000"/>
+              </a:schemeClr>
+            </a:solidFill>
+          </a:ln>
+          <a:effectLst/>
+        </p:spPr>
+        <p:style>
+          <a:lnRef idx="1">
+            <a:schemeClr val="accent3"/>
+          </a:lnRef>
+          <a:fillRef idx="3">
+            <a:schemeClr val="accent3"/>
+          </a:fillRef>
+          <a:effectRef idx="2">
+            <a:schemeClr val="accent3"/>
+          </a:effectRef>
+          <a:fontRef idx="minor">
+            <a:schemeClr val="lt1"/>
+          </a:fontRef>
+        </p:style>
+        <p:txBody>
+          <a:bodyPr rtlCol="0" anchor="ctr"/>
+          <a:lstStyle/>
+          <a:p>
+            <a:pPr algn="ctr"/>
+            <a:endParaRPr lang="en-US"/>
+          </a:p>
+        </p:txBody>
+      </p:sp>
+      <p:sp>
+        <p:nvSpPr>
+          <p:cNvPr id="8" name="Oval 7"/>
+          <p:cNvSpPr/>
+          <p:nvPr/>
+        </p:nvSpPr>
+        <p:spPr>
+          <a:xfrm>
+            <a:off x="4203123" y="2869046"/>
+            <a:ext cx="1029854" cy="1029854"/>
+          </a:xfrm>
+          <a:prstGeom prst="ellipse">
+            <a:avLst/>
+          </a:prstGeom>
+          <a:solidFill>
+            <a:schemeClr val="tx1"/>
+          </a:solidFill>
+          <a:ln>
+            <a:solidFill>
+              <a:schemeClr val="tx1"/>
+            </a:solidFill>
+          </a:ln>
+          <a:effectLst/>
+        </p:spPr>
+        <p:style>
+          <a:lnRef idx="1">
+            <a:schemeClr val="accent1"/>
+          </a:lnRef>
+          <a:fillRef idx="3">
+            <a:schemeClr val="accent1"/>
+          </a:fillRef>
+          <a:effectRef idx="2">
+            <a:schemeClr val="accent1"/>
+          </a:effectRef>
+          <a:fontRef idx="minor">
+            <a:schemeClr val="lt1"/>
+          </a:fontRef>
+        </p:style>
+        <p:txBody>
+          <a:bodyPr rtlCol="0" anchor="ctr"/>
+          <a:lstStyle/>
+          <a:p>
+            <a:pPr algn="ctr"/>
+            <a:endParaRPr lang="en-US"/>
+          </a:p>
+        </p:txBody>
+      </p:sp>
+      <p:sp>
+        <p:nvSpPr>
+          <p:cNvPr id="19" name="Freeform 18"/>
+          <p:cNvSpPr/>
+          <p:nvPr/>
+        </p:nvSpPr>
+        <p:spPr>
+          <a:xfrm>
+            <a:off x="2114550" y="2108200"/>
+            <a:ext cx="5207000" cy="1371600"/>
+          </a:xfrm>
+          <a:custGeom>
+            <a:avLst/>
+            <a:gdLst>
+              <a:gd name="connsiteX0" fmla="*/ 0 w 5207000"/>
+              <a:gd name="connsiteY0" fmla="*/ 1320820 h 1346220"/>
+              <a:gd name="connsiteX1" fmla="*/ 2641600 w 5207000"/>
+              <a:gd name="connsiteY1" fmla="*/ 20 h 1346220"/>
+              <a:gd name="connsiteX2" fmla="*/ 5207000 w 5207000"/>
+              <a:gd name="connsiteY2" fmla="*/ 1346220 h 1346220"/>
+            </a:gdLst>
+            <a:ahLst/>
+            <a:cxnLst>
+              <a:cxn ang="0">
+                <a:pos x="connsiteX0" y="connsiteY0"/>
+              </a:cxn>
+              <a:cxn ang="0">
+                <a:pos x="connsiteX1" y="connsiteY1"/>
+              </a:cxn>
+              <a:cxn ang="0">
+                <a:pos x="connsiteX2" y="connsiteY2"/>
+              </a:cxn>
+            </a:cxnLst>
+            <a:rect l="l" t="t" r="r" b="b"/>
+            <a:pathLst>
+              <a:path w="5207000" h="1346220">
+                <a:moveTo>
+                  <a:pt x="0" y="1320820"/>
+                </a:moveTo>
+                <a:cubicBezTo>
+                  <a:pt x="886883" y="658303"/>
+                  <a:pt x="1773767" y="-4213"/>
+                  <a:pt x="2641600" y="20"/>
+                </a:cubicBezTo>
+                <a:cubicBezTo>
+                  <a:pt x="3509433" y="4253"/>
+                  <a:pt x="5207000" y="1346220"/>
+                  <a:pt x="5207000" y="1346220"/>
+                </a:cubicBezTo>
+              </a:path>
+            </a:pathLst>
+          </a:custGeom>
+          <a:ln w="254000" cmpd="sng">
+            <a:solidFill>
+              <a:schemeClr val="tx1"/>
+            </a:solidFill>
+          </a:ln>
+          <a:effectLst/>
+        </p:spPr>
+        <p:style>
+          <a:lnRef idx="2">
+            <a:schemeClr val="accent1"/>
+          </a:lnRef>
+          <a:fillRef idx="0">
+            <a:schemeClr val="accent1"/>
+          </a:fillRef>
+          <a:effectRef idx="1">
+            <a:schemeClr val="accent1"/>
+          </a:effectRef>
+          <a:fontRef idx="minor">
+            <a:schemeClr val="tx1"/>
+          </a:fontRef>
+        </p:style>
+        <p:txBody>
+          <a:bodyPr rtlCol="0" anchor="ctr"/>
+          <a:lstStyle/>
+          <a:p>
+            <a:pPr algn="ctr"/>
+            <a:endParaRPr lang="en-US"/>
+          </a:p>
+        </p:txBody>
+      </p:sp>
+      <p:sp>
+        <p:nvSpPr>
+          <p:cNvPr id="20" name="Freeform 19"/>
+          <p:cNvSpPr/>
+          <p:nvPr/>
+        </p:nvSpPr>
+        <p:spPr>
+          <a:xfrm flipV="1">
+            <a:off x="2114550" y="3390900"/>
+            <a:ext cx="5207000" cy="1295400"/>
+          </a:xfrm>
+          <a:custGeom>
+            <a:avLst/>
+            <a:gdLst>
+              <a:gd name="connsiteX0" fmla="*/ 0 w 5207000"/>
+              <a:gd name="connsiteY0" fmla="*/ 1320820 h 1346220"/>
+              <a:gd name="connsiteX1" fmla="*/ 2641600 w 5207000"/>
+              <a:gd name="connsiteY1" fmla="*/ 20 h 1346220"/>
+              <a:gd name="connsiteX2" fmla="*/ 5207000 w 5207000"/>
+              <a:gd name="connsiteY2" fmla="*/ 1346220 h 1346220"/>
+            </a:gdLst>
+            <a:ahLst/>
+            <a:cxnLst>
+              <a:cxn ang="0">
+                <a:pos x="connsiteX0" y="connsiteY0"/>
+              </a:cxn>
+              <a:cxn ang="0">
+                <a:pos x="connsiteX1" y="connsiteY1"/>
+              </a:cxn>
+              <a:cxn ang="0">
+                <a:pos x="connsiteX2" y="connsiteY2"/>
+              </a:cxn>
+            </a:cxnLst>
+            <a:rect l="l" t="t" r="r" b="b"/>
+            <a:pathLst>
+              <a:path w="5207000" h="1346220">
+                <a:moveTo>
+                  <a:pt x="0" y="1320820"/>
+                </a:moveTo>
+                <a:cubicBezTo>
+                  <a:pt x="886883" y="658303"/>
+                  <a:pt x="1773767" y="-4213"/>
+                  <a:pt x="2641600" y="20"/>
+                </a:cubicBezTo>
+                <a:cubicBezTo>
+                  <a:pt x="3509433" y="4253"/>
+                  <a:pt x="5207000" y="1346220"/>
+                  <a:pt x="5207000" y="1346220"/>
+                </a:cubicBezTo>
+              </a:path>
+            </a:pathLst>
+          </a:custGeom>
+          <a:ln w="254000" cmpd="sng">
+            <a:solidFill>
+              <a:schemeClr val="tx1"/>
+            </a:solidFill>
+          </a:ln>
+          <a:effectLst/>
+        </p:spPr>
+        <p:style>
+          <a:lnRef idx="2">
+            <a:schemeClr val="accent1"/>
+          </a:lnRef>
+          <a:fillRef idx="0">
+            <a:schemeClr val="accent1"/>
+          </a:fillRef>
+          <a:effectRef idx="1">
+            <a:schemeClr val="accent1"/>
+          </a:effectRef>
+          <a:fontRef idx="minor">
+            <a:schemeClr val="tx1"/>
+          </a:fontRef>
+        </p:style>
+        <p:txBody>
+          <a:bodyPr rtlCol="0" anchor="ctr"/>
+          <a:lstStyle/>
+          <a:p>
+            <a:pPr algn="ctr"/>
+            <a:endParaRPr lang="en-US"/>
+          </a:p>
+        </p:txBody>
+      </p:sp>
+      <p:sp>
+        <p:nvSpPr>
+          <p:cNvPr id="25" name="Rectangle 24"/>
+          <p:cNvSpPr/>
+          <p:nvPr/>
+        </p:nvSpPr>
+        <p:spPr>
+          <a:xfrm>
+            <a:off x="1540933" y="1481667"/>
+            <a:ext cx="6341534" cy="3843866"/>
+          </a:xfrm>
+          <a:prstGeom prst="rect">
+            <a:avLst/>
+          </a:prstGeom>
+          <a:noFill/>
+          <a:effectLst/>
+        </p:spPr>
+        <p:style>
+          <a:lnRef idx="1">
+            <a:schemeClr val="accent1"/>
+          </a:lnRef>
+          <a:fillRef idx="3">
+            <a:schemeClr val="accent1"/>
+          </a:fillRef>
+          <a:effectRef idx="2">
+            <a:schemeClr val="accent1"/>
+          </a:effectRef>
+          <a:fontRef idx="minor">
+            <a:schemeClr val="lt1"/>
+          </a:fontRef>
+        </p:style>
+        <p:txBody>
+          <a:bodyPr rtlCol="0" anchor="ctr"/>
+          <a:lstStyle/>
+          <a:p>
+            <a:pPr algn="ctr"/>
+            <a:endParaRPr lang="en-US"/>
+          </a:p>
+        </p:txBody>
+      </p:sp>
+      <p:grpSp>
+        <p:nvGrpSpPr>
+          <p:cNvPr id="27" name="Group 26"/>
+          <p:cNvGrpSpPr/>
+          <p:nvPr/>
+        </p:nvGrpSpPr>
+        <p:grpSpPr>
+          <a:xfrm>
+            <a:off x="3699935" y="2565400"/>
+            <a:ext cx="3202618" cy="2521209"/>
+            <a:chOff x="3699935" y="2565400"/>
+            <a:chExt cx="3202618" cy="2521209"/>
+          </a:xfrm>
+        </p:grpSpPr>
+        <p:grpSp>
+          <p:nvGrpSpPr>
+            <p:cNvPr id="23" name="Group 22"/>
+            <p:cNvGrpSpPr/>
+            <p:nvPr/>
+          </p:nvGrpSpPr>
+          <p:grpSpPr>
+            <a:xfrm flipH="1">
+              <a:off x="3699935" y="2565400"/>
+              <a:ext cx="3202618" cy="2521209"/>
+              <a:chOff x="355601" y="3454400"/>
+              <a:chExt cx="3202618" cy="2521209"/>
+            </a:xfrm>
+          </p:grpSpPr>
+          <p:sp>
+            <p:nvSpPr>
+              <p:cNvPr id="2" name="Right Triangle 1"/>
+              <p:cNvSpPr/>
+              <p:nvPr/>
+            </p:nvSpPr>
+            <p:spPr>
+              <a:xfrm>
+                <a:off x="355601" y="3468029"/>
+                <a:ext cx="3202616" cy="2235017"/>
+              </a:xfrm>
+              <a:prstGeom prst="rtTriangle">
+                <a:avLst/>
+              </a:prstGeom>
+              <a:solidFill>
+                <a:srgbClr val="804000"/>
+              </a:solidFill>
+              <a:ln>
+                <a:solidFill>
+                  <a:srgbClr val="804000"/>
+                </a:solidFill>
+              </a:ln>
+              <a:effectLst/>
+            </p:spPr>
+            <p:style>
+              <a:lnRef idx="1">
+                <a:schemeClr val="accent1"/>
+              </a:lnRef>
+              <a:fillRef idx="3">
+                <a:schemeClr val="accent1"/>
+              </a:fillRef>
+              <a:effectRef idx="2">
+                <a:schemeClr val="accent1"/>
+              </a:effectRef>
+              <a:fontRef idx="minor">
+                <a:schemeClr val="lt1"/>
+              </a:fontRef>
+            </p:style>
+            <p:txBody>
+              <a:bodyPr rtlCol="0" anchor="ctr"/>
+              <a:lstStyle/>
+              <a:p>
+                <a:pPr algn="ctr"/>
+                <a:endParaRPr lang="en-US"/>
+              </a:p>
+            </p:txBody>
+          </p:sp>
+          <p:sp>
+            <p:nvSpPr>
+              <p:cNvPr id="3" name="Rectangle 2"/>
+              <p:cNvSpPr/>
+              <p:nvPr/>
+            </p:nvSpPr>
+            <p:spPr>
+              <a:xfrm>
+                <a:off x="369229" y="5703046"/>
+                <a:ext cx="1076624" cy="272563"/>
+              </a:xfrm>
+              <a:prstGeom prst="rect">
+                <a:avLst/>
+              </a:prstGeom>
+              <a:solidFill>
+                <a:srgbClr val="804000"/>
+              </a:solidFill>
+              <a:ln>
+                <a:solidFill>
+                  <a:srgbClr val="804000"/>
+                </a:solidFill>
+              </a:ln>
+              <a:effectLst/>
+            </p:spPr>
+            <p:style>
+              <a:lnRef idx="1">
+                <a:schemeClr val="accent1"/>
+              </a:lnRef>
+              <a:fillRef idx="3">
+                <a:schemeClr val="accent1"/>
+              </a:fillRef>
+              <a:effectRef idx="2">
+                <a:schemeClr val="accent1"/>
+              </a:effectRef>
+              <a:fontRef idx="minor">
+                <a:schemeClr val="lt1"/>
+              </a:fontRef>
+            </p:style>
+            <p:txBody>
+              <a:bodyPr rtlCol="0" anchor="ctr"/>
+              <a:lstStyle/>
+              <a:p>
+                <a:pPr algn="ctr"/>
+                <a:endParaRPr lang="en-US"/>
+              </a:p>
+            </p:txBody>
+          </p:sp>
+          <p:sp>
+            <p:nvSpPr>
+              <p:cNvPr id="10" name="Rectangle 9"/>
+              <p:cNvSpPr/>
+              <p:nvPr/>
+            </p:nvSpPr>
+            <p:spPr>
+              <a:xfrm>
+                <a:off x="355602" y="3454400"/>
+                <a:ext cx="1090252" cy="783620"/>
+              </a:xfrm>
+              <a:prstGeom prst="rect">
+                <a:avLst/>
+              </a:prstGeom>
+              <a:solidFill>
+                <a:srgbClr val="804000"/>
+              </a:solidFill>
+              <a:ln>
+                <a:solidFill>
+                  <a:srgbClr val="804000"/>
+                </a:solidFill>
+              </a:ln>
+              <a:effectLst/>
+            </p:spPr>
+            <p:style>
+              <a:lnRef idx="1">
+                <a:schemeClr val="accent1"/>
+              </a:lnRef>
+              <a:fillRef idx="3">
+                <a:schemeClr val="accent1"/>
+              </a:fillRef>
+              <a:effectRef idx="2">
+                <a:schemeClr val="accent1"/>
+              </a:effectRef>
+              <a:fontRef idx="minor">
+                <a:schemeClr val="lt1"/>
+              </a:fontRef>
+            </p:style>
+            <p:txBody>
+              <a:bodyPr rtlCol="0" anchor="ctr"/>
+              <a:lstStyle/>
+              <a:p>
+                <a:pPr algn="ctr"/>
+                <a:endParaRPr lang="en-US"/>
+              </a:p>
+            </p:txBody>
+          </p:sp>
+          <p:sp>
+            <p:nvSpPr>
+              <p:cNvPr id="4" name="Oval 3"/>
+              <p:cNvSpPr/>
+              <p:nvPr/>
+            </p:nvSpPr>
+            <p:spPr>
+              <a:xfrm>
+                <a:off x="2563362" y="5008010"/>
+                <a:ext cx="994857" cy="935589"/>
+              </a:xfrm>
+              <a:prstGeom prst="ellipse">
+                <a:avLst/>
+              </a:prstGeom>
+              <a:solidFill>
+                <a:srgbClr val="804000"/>
+              </a:solidFill>
+              <a:ln>
+                <a:solidFill>
+                  <a:srgbClr val="804000"/>
+                </a:solidFill>
+              </a:ln>
+              <a:effectLst/>
+            </p:spPr>
+            <p:style>
+              <a:lnRef idx="1">
+                <a:schemeClr val="accent1"/>
+              </a:lnRef>
+              <a:fillRef idx="3">
+                <a:schemeClr val="accent1"/>
+              </a:fillRef>
+              <a:effectRef idx="2">
+                <a:schemeClr val="accent1"/>
+              </a:effectRef>
+              <a:fontRef idx="minor">
+                <a:schemeClr val="lt1"/>
+              </a:fontRef>
+            </p:style>
+            <p:txBody>
+              <a:bodyPr rtlCol="0" anchor="ctr"/>
+              <a:lstStyle/>
+              <a:p>
+                <a:pPr algn="ctr"/>
+                <a:endParaRPr lang="en-US"/>
+              </a:p>
+            </p:txBody>
+          </p:sp>
+          <p:sp>
+            <p:nvSpPr>
+              <p:cNvPr id="9" name="Rectangle 8"/>
+              <p:cNvSpPr/>
+              <p:nvPr/>
+            </p:nvSpPr>
+            <p:spPr>
+              <a:xfrm>
+                <a:off x="2447523" y="5682604"/>
+                <a:ext cx="1110695" cy="272563"/>
+              </a:xfrm>
+              <a:prstGeom prst="rect">
+                <a:avLst/>
+              </a:prstGeom>
+              <a:solidFill>
+                <a:srgbClr val="804000"/>
+              </a:solidFill>
+              <a:ln>
+                <a:solidFill>
+                  <a:srgbClr val="804000"/>
+                </a:solidFill>
+              </a:ln>
+              <a:effectLst/>
+            </p:spPr>
+            <p:style>
+              <a:lnRef idx="1">
+                <a:schemeClr val="accent1"/>
+              </a:lnRef>
+              <a:fillRef idx="3">
+                <a:schemeClr val="accent1"/>
+              </a:fillRef>
+              <a:effectRef idx="2">
+                <a:schemeClr val="accent1"/>
+              </a:effectRef>
+              <a:fontRef idx="minor">
+                <a:schemeClr val="lt1"/>
+              </a:fontRef>
+            </p:style>
+            <p:txBody>
+              <a:bodyPr rtlCol="0" anchor="ctr"/>
+              <a:lstStyle/>
+              <a:p>
+                <a:pPr algn="ctr"/>
+                <a:endParaRPr lang="en-US"/>
+              </a:p>
+            </p:txBody>
+          </p:sp>
+          <p:sp>
+            <p:nvSpPr>
+              <p:cNvPr id="11" name="Rectangle 10"/>
+              <p:cNvSpPr/>
+              <p:nvPr/>
+            </p:nvSpPr>
+            <p:spPr>
+              <a:xfrm>
+                <a:off x="2086377" y="5021639"/>
+                <a:ext cx="1001669" cy="272563"/>
+              </a:xfrm>
+              <a:prstGeom prst="rect">
+                <a:avLst/>
+              </a:prstGeom>
+              <a:solidFill>
+                <a:srgbClr val="804000"/>
+              </a:solidFill>
+              <a:ln>
+                <a:solidFill>
+                  <a:srgbClr val="804000"/>
+                </a:solidFill>
+              </a:ln>
+              <a:effectLst/>
+            </p:spPr>
+            <p:style>
+              <a:lnRef idx="1">
+                <a:schemeClr val="accent1"/>
+              </a:lnRef>
+              <a:fillRef idx="3">
+                <a:schemeClr val="accent1"/>
+              </a:fillRef>
+              <a:effectRef idx="2">
+                <a:schemeClr val="accent1"/>
+              </a:effectRef>
+              <a:fontRef idx="minor">
+                <a:schemeClr val="lt1"/>
+              </a:fontRef>
+            </p:style>
+            <p:txBody>
+              <a:bodyPr rtlCol="0" anchor="ctr"/>
+              <a:lstStyle/>
+              <a:p>
+                <a:pPr algn="ctr"/>
+                <a:endParaRPr lang="en-US"/>
+              </a:p>
+            </p:txBody>
+          </p:sp>
+          <p:cxnSp>
+            <p:nvCxnSpPr>
+              <p:cNvPr id="12" name="Straight Connector 11"/>
+              <p:cNvCxnSpPr/>
+              <p:nvPr/>
+            </p:nvCxnSpPr>
+            <p:spPr>
+              <a:xfrm flipH="1">
+                <a:off x="1507067" y="4385733"/>
+                <a:ext cx="279400" cy="338666"/>
+              </a:xfrm>
+              <a:prstGeom prst="line">
+                <a:avLst/>
+              </a:prstGeom>
+              <a:solidFill>
+                <a:srgbClr val="804000"/>
+              </a:solidFill>
+              <a:ln>
+                <a:solidFill>
+                  <a:schemeClr val="tx1"/>
+                </a:solidFill>
+              </a:ln>
+              <a:effectLst/>
+            </p:spPr>
+            <p:style>
+              <a:lnRef idx="2">
+                <a:schemeClr val="accent1"/>
+              </a:lnRef>
+              <a:fillRef idx="0">
+                <a:schemeClr val="accent1"/>
+              </a:fillRef>
+              <a:effectRef idx="1">
+                <a:schemeClr val="accent1"/>
+              </a:effectRef>
+              <a:fontRef idx="minor">
+                <a:schemeClr val="tx1"/>
+              </a:fontRef>
+            </p:style>
+          </p:cxnSp>
+          <p:cxnSp>
+            <p:nvCxnSpPr>
+              <p:cNvPr id="15" name="Straight Connector 14"/>
+              <p:cNvCxnSpPr/>
+              <p:nvPr/>
+            </p:nvCxnSpPr>
+            <p:spPr>
+              <a:xfrm flipH="1">
+                <a:off x="1786467" y="4572000"/>
+                <a:ext cx="279400" cy="338666"/>
+              </a:xfrm>
+              <a:prstGeom prst="line">
+                <a:avLst/>
+              </a:prstGeom>
+              <a:solidFill>
+                <a:srgbClr val="804000"/>
+              </a:solidFill>
+              <a:ln>
+                <a:solidFill>
+                  <a:schemeClr val="tx1"/>
+                </a:solidFill>
+              </a:ln>
+              <a:effectLst/>
+            </p:spPr>
+            <p:style>
+              <a:lnRef idx="2">
+                <a:schemeClr val="accent1"/>
+              </a:lnRef>
+              <a:fillRef idx="0">
+                <a:schemeClr val="accent1"/>
+              </a:fillRef>
+              <a:effectRef idx="1">
+                <a:schemeClr val="accent1"/>
+              </a:effectRef>
+              <a:fontRef idx="minor">
+                <a:schemeClr val="tx1"/>
+              </a:fontRef>
+            </p:style>
+          </p:cxnSp>
+          <p:cxnSp>
+            <p:nvCxnSpPr>
+              <p:cNvPr id="16" name="Straight Connector 15"/>
+              <p:cNvCxnSpPr/>
+              <p:nvPr/>
+            </p:nvCxnSpPr>
+            <p:spPr>
+              <a:xfrm flipH="1">
+                <a:off x="2091267" y="4783667"/>
+                <a:ext cx="279400" cy="338666"/>
+              </a:xfrm>
+              <a:prstGeom prst="line">
+                <a:avLst/>
+              </a:prstGeom>
+              <a:solidFill>
+                <a:srgbClr val="804000"/>
+              </a:solidFill>
+              <a:ln>
+                <a:solidFill>
+                  <a:schemeClr val="tx1"/>
+                </a:solidFill>
+              </a:ln>
+              <a:effectLst/>
+            </p:spPr>
+            <p:style>
+              <a:lnRef idx="2">
+                <a:schemeClr val="accent1"/>
+              </a:lnRef>
+              <a:fillRef idx="0">
+                <a:schemeClr val="accent1"/>
+              </a:fillRef>
+              <a:effectRef idx="1">
+                <a:schemeClr val="accent1"/>
+              </a:effectRef>
+              <a:fontRef idx="minor">
+                <a:schemeClr val="tx1"/>
+              </a:fontRef>
+            </p:style>
+          </p:cxnSp>
+          <p:cxnSp>
+            <p:nvCxnSpPr>
+              <p:cNvPr id="17" name="Straight Connector 16"/>
+              <p:cNvCxnSpPr/>
+              <p:nvPr/>
+            </p:nvCxnSpPr>
+            <p:spPr>
+              <a:xfrm>
+                <a:off x="364067" y="5706533"/>
+                <a:ext cx="1075266" cy="0"/>
+              </a:xfrm>
+              <a:prstGeom prst="line">
+                <a:avLst/>
+              </a:prstGeom>
+              <a:ln>
+                <a:solidFill>
+                  <a:schemeClr val="tx1"/>
+                </a:solidFill>
+              </a:ln>
+              <a:effectLst/>
+            </p:spPr>
+            <p:style>
+              <a:lnRef idx="2">
+                <a:schemeClr val="accent1"/>
+              </a:lnRef>
+              <a:fillRef idx="0">
+                <a:schemeClr val="accent1"/>
+              </a:fillRef>
+              <a:effectRef idx="1">
+                <a:schemeClr val="accent1"/>
+              </a:effectRef>
+              <a:fontRef idx="minor">
+                <a:schemeClr val="tx1"/>
+              </a:fontRef>
+            </p:style>
+          </p:cxnSp>
+          <p:cxnSp>
+            <p:nvCxnSpPr>
+              <p:cNvPr id="21" name="Straight Connector 20"/>
+              <p:cNvCxnSpPr/>
+              <p:nvPr/>
+            </p:nvCxnSpPr>
+            <p:spPr>
+              <a:xfrm>
+                <a:off x="2429934" y="5706533"/>
+                <a:ext cx="1075266" cy="0"/>
+              </a:xfrm>
+              <a:prstGeom prst="line">
+                <a:avLst/>
+              </a:prstGeom>
+              <a:ln>
+                <a:solidFill>
+                  <a:schemeClr val="tx1"/>
+                </a:solidFill>
+              </a:ln>
+              <a:effectLst/>
+            </p:spPr>
+            <p:style>
+              <a:lnRef idx="2">
+                <a:schemeClr val="accent1"/>
+              </a:lnRef>
+              <a:fillRef idx="0">
+                <a:schemeClr val="accent1"/>
+              </a:fillRef>
+              <a:effectRef idx="1">
+                <a:schemeClr val="accent1"/>
+              </a:effectRef>
+              <a:fontRef idx="minor">
+                <a:schemeClr val="tx1"/>
+              </a:fontRef>
+            </p:style>
+          </p:cxnSp>
+        </p:grpSp>
+        <p:cxnSp>
+          <p:nvCxnSpPr>
+            <p:cNvPr id="26" name="Straight Connector 25"/>
+            <p:cNvCxnSpPr/>
+            <p:nvPr/>
+          </p:nvCxnSpPr>
+          <p:spPr>
+            <a:xfrm>
+              <a:off x="5759553" y="3276600"/>
+              <a:ext cx="279400" cy="338666"/>
+            </a:xfrm>
+            <a:prstGeom prst="line">
+              <a:avLst/>
+            </a:prstGeom>
+            <a:solidFill>
+              <a:srgbClr val="804000"/>
+            </a:solidFill>
+            <a:ln>
+              <a:solidFill>
+                <a:schemeClr val="tx1"/>
+              </a:solidFill>
+            </a:ln>
+            <a:effectLst/>
+          </p:spPr>
+          <p:style>
+            <a:lnRef idx="2">
+              <a:schemeClr val="accent1"/>
+            </a:lnRef>
+            <a:fillRef idx="0">
+              <a:schemeClr val="accent1"/>
+            </a:fillRef>
+            <a:effectRef idx="1">
+              <a:schemeClr val="accent1"/>
+            </a:effectRef>
+            <a:fontRef idx="minor">
+              <a:schemeClr val="tx1"/>
+            </a:fontRef>
+          </p:style>
+        </p:cxnSp>
+      </p:grpSp>
+    </p:spTree>
+    <p:extLst>
+      <p:ext uri="{BB962C8B-B14F-4D97-AF65-F5344CB8AC3E}">
+        <p14:creationId xmlns:p14="http://schemas.microsoft.com/office/powerpoint/2010/main" val="723744897"/>
+      </p:ext>
+    </p:extLst>
+  </p:cSld>
+  <p:clrMapOvr>
+    <a:masterClrMapping/>
+  </p:clrMapOvr>
+</p:sld>
+</file>
+
+<file path=ppt/slides/slide27.xml><?xml version="1.0" encoding="utf-8"?>
 <p:sld xmlns:a="http://schemas.openxmlformats.org/drawingml/2006/main" xmlns:r="http://schemas.openxmlformats.org/officeDocument/2006/relationships" xmlns:p="http://schemas.openxmlformats.org/presentationml/2006/main">
   <p:cSld>
     <p:spTree>
@@ -8036,7 +8961,7 @@
 </p:sld>
 </file>
 
-<file path=ppt/slides/slide27.xml><?xml version="1.0" encoding="utf-8"?>
+<file path=ppt/slides/slide28.xml><?xml version="1.0" encoding="utf-8"?>
 <p:sld xmlns:a="http://schemas.openxmlformats.org/drawingml/2006/main" xmlns:r="http://schemas.openxmlformats.org/officeDocument/2006/relationships" xmlns:p="http://schemas.openxmlformats.org/presentationml/2006/main">
   <p:cSld>
     <p:spTree>
@@ -8441,7 +9366,7 @@
 </p:sld>
 </file>
 
-<file path=ppt/slides/slide28.xml><?xml version="1.0" encoding="utf-8"?>
+<file path=ppt/slides/slide29.xml><?xml version="1.0" encoding="utf-8"?>
 <p:sld xmlns:a="http://schemas.openxmlformats.org/drawingml/2006/main" xmlns:r="http://schemas.openxmlformats.org/officeDocument/2006/relationships" xmlns:p="http://schemas.openxmlformats.org/presentationml/2006/main">
   <p:cSld>
     <p:spTree>
@@ -8976,7 +9901,449 @@
 </p:sld>
 </file>
 
-<file path=ppt/slides/slide29.xml><?xml version="1.0" encoding="utf-8"?>
+<file path=ppt/slides/slide3.xml><?xml version="1.0" encoding="utf-8"?>
+<p:sld xmlns:a="http://schemas.openxmlformats.org/drawingml/2006/main" xmlns:r="http://schemas.openxmlformats.org/officeDocument/2006/relationships" xmlns:p="http://schemas.openxmlformats.org/presentationml/2006/main">
+  <p:cSld>
+    <p:spTree>
+      <p:nvGrpSpPr>
+        <p:cNvPr id="1" name=""/>
+        <p:cNvGrpSpPr/>
+        <p:nvPr/>
+      </p:nvGrpSpPr>
+      <p:grpSpPr>
+        <a:xfrm>
+          <a:off x="0" y="0"/>
+          <a:ext cx="0" cy="0"/>
+          <a:chOff x="0" y="0"/>
+          <a:chExt cx="0" cy="0"/>
+        </a:xfrm>
+      </p:grpSpPr>
+      <p:cxnSp>
+        <p:nvCxnSpPr>
+          <p:cNvPr id="14" name="Straight Connector 13"/>
+          <p:cNvCxnSpPr/>
+          <p:nvPr/>
+        </p:nvCxnSpPr>
+        <p:spPr>
+          <a:xfrm>
+            <a:off x="4406515" y="4832928"/>
+            <a:ext cx="13085" cy="1351972"/>
+          </a:xfrm>
+          <a:prstGeom prst="line">
+            <a:avLst/>
+          </a:prstGeom>
+          <a:ln w="177800" cmpd="sng">
+            <a:solidFill>
+              <a:schemeClr val="tx1"/>
+            </a:solidFill>
+          </a:ln>
+          <a:effectLst/>
+          <a:scene3d>
+            <a:camera prst="perspectiveFront" fov="2400000">
+              <a:rot lat="0" lon="0" rev="0"/>
+            </a:camera>
+            <a:lightRig rig="threePt" dir="t"/>
+          </a:scene3d>
+          <a:sp3d/>
+        </p:spPr>
+        <p:style>
+          <a:lnRef idx="2">
+            <a:schemeClr val="accent1"/>
+          </a:lnRef>
+          <a:fillRef idx="0">
+            <a:schemeClr val="accent1"/>
+          </a:fillRef>
+          <a:effectRef idx="1">
+            <a:schemeClr val="accent1"/>
+          </a:effectRef>
+          <a:fontRef idx="minor">
+            <a:schemeClr val="tx1"/>
+          </a:fontRef>
+        </p:style>
+      </p:cxnSp>
+      <p:cxnSp>
+        <p:nvCxnSpPr>
+          <p:cNvPr id="15" name="Straight Connector 14"/>
+          <p:cNvCxnSpPr/>
+          <p:nvPr/>
+        </p:nvCxnSpPr>
+        <p:spPr>
+          <a:xfrm>
+            <a:off x="4270856" y="4797906"/>
+            <a:ext cx="15394" cy="1285394"/>
+          </a:xfrm>
+          <a:prstGeom prst="line">
+            <a:avLst/>
+          </a:prstGeom>
+          <a:ln w="101600" cmpd="sng">
+            <a:solidFill>
+              <a:schemeClr val="bg1">
+                <a:lumMod val="85000"/>
+              </a:schemeClr>
+            </a:solidFill>
+          </a:ln>
+          <a:effectLst/>
+          <a:scene3d>
+            <a:camera prst="perspectiveFront" fov="2400000">
+              <a:rot lat="0" lon="0" rev="0"/>
+            </a:camera>
+            <a:lightRig rig="threePt" dir="t"/>
+          </a:scene3d>
+          <a:sp3d/>
+        </p:spPr>
+        <p:style>
+          <a:lnRef idx="2">
+            <a:schemeClr val="accent1"/>
+          </a:lnRef>
+          <a:fillRef idx="0">
+            <a:schemeClr val="accent1"/>
+          </a:fillRef>
+          <a:effectRef idx="1">
+            <a:schemeClr val="accent1"/>
+          </a:effectRef>
+          <a:fontRef idx="minor">
+            <a:schemeClr val="tx1"/>
+          </a:fontRef>
+        </p:style>
+      </p:cxnSp>
+      <p:sp>
+        <p:nvSpPr>
+          <p:cNvPr id="17" name="Connector 16"/>
+          <p:cNvSpPr/>
+          <p:nvPr/>
+        </p:nvSpPr>
+        <p:spPr>
+          <a:xfrm>
+            <a:off x="2781300" y="2743848"/>
+            <a:ext cx="3098801" cy="2270729"/>
+          </a:xfrm>
+          <a:prstGeom prst="flowChartConnector">
+            <a:avLst/>
+          </a:prstGeom>
+          <a:gradFill flip="none" rotWithShape="1">
+            <a:gsLst>
+              <a:gs pos="7000">
+                <a:schemeClr val="bg1">
+                  <a:lumMod val="95000"/>
+                </a:schemeClr>
+              </a:gs>
+              <a:gs pos="100000">
+                <a:schemeClr val="tx1">
+                  <a:lumMod val="75000"/>
+                  <a:lumOff val="25000"/>
+                </a:schemeClr>
+              </a:gs>
+            </a:gsLst>
+            <a:path path="circle">
+              <a:fillToRect t="100000" r="100000"/>
+            </a:path>
+            <a:tileRect l="-100000" b="-100000"/>
+          </a:gradFill>
+          <a:ln w="12700" cmpd="sng">
+            <a:solidFill>
+              <a:schemeClr val="bg1">
+                <a:lumMod val="65000"/>
+              </a:schemeClr>
+            </a:solidFill>
+          </a:ln>
+          <a:effectLst/>
+          <a:scene3d>
+            <a:camera prst="orthographicFront">
+              <a:rot lat="20099998" lon="0" rev="0"/>
+            </a:camera>
+            <a:lightRig rig="threePt" dir="t"/>
+          </a:scene3d>
+          <a:sp3d/>
+        </p:spPr>
+        <p:style>
+          <a:lnRef idx="1">
+            <a:schemeClr val="accent1"/>
+          </a:lnRef>
+          <a:fillRef idx="3">
+            <a:schemeClr val="accent1"/>
+          </a:fillRef>
+          <a:effectRef idx="2">
+            <a:schemeClr val="accent1"/>
+          </a:effectRef>
+          <a:fontRef idx="minor">
+            <a:schemeClr val="lt1"/>
+          </a:fontRef>
+        </p:style>
+        <p:txBody>
+          <a:bodyPr rtlCol="0" anchor="ctr"/>
+          <a:lstStyle/>
+          <a:p>
+            <a:pPr algn="ctr"/>
+            <a:endParaRPr lang="en-US"/>
+          </a:p>
+        </p:txBody>
+      </p:sp>
+      <p:sp>
+        <p:nvSpPr>
+          <p:cNvPr id="18" name="Magnetic Disk 17"/>
+          <p:cNvSpPr/>
+          <p:nvPr/>
+        </p:nvSpPr>
+        <p:spPr>
+          <a:xfrm>
+            <a:off x="3402036" y="723906"/>
+            <a:ext cx="1877663" cy="3395004"/>
+          </a:xfrm>
+          <a:prstGeom prst="flowChartMagneticDisk">
+            <a:avLst/>
+          </a:prstGeom>
+          <a:gradFill flip="none" rotWithShape="1">
+            <a:gsLst>
+              <a:gs pos="13000">
+                <a:schemeClr val="tx1">
+                  <a:lumMod val="75000"/>
+                  <a:lumOff val="25000"/>
+                </a:schemeClr>
+              </a:gs>
+              <a:gs pos="97000">
+                <a:schemeClr val="bg1"/>
+              </a:gs>
+            </a:gsLst>
+            <a:lin ang="10800000" scaled="0"/>
+            <a:tileRect/>
+          </a:gradFill>
+          <a:ln w="12700" cmpd="sng">
+            <a:solidFill>
+              <a:schemeClr val="bg1">
+                <a:lumMod val="65000"/>
+              </a:schemeClr>
+            </a:solidFill>
+          </a:ln>
+          <a:effectLst/>
+          <a:scene3d>
+            <a:camera prst="orthographicFront">
+              <a:rot lat="20099998" lon="0" rev="0"/>
+            </a:camera>
+            <a:lightRig rig="threePt" dir="t"/>
+          </a:scene3d>
+          <a:sp3d/>
+        </p:spPr>
+        <p:style>
+          <a:lnRef idx="1">
+            <a:schemeClr val="accent1"/>
+          </a:lnRef>
+          <a:fillRef idx="3">
+            <a:schemeClr val="accent1"/>
+          </a:fillRef>
+          <a:effectRef idx="2">
+            <a:schemeClr val="accent1"/>
+          </a:effectRef>
+          <a:fontRef idx="minor">
+            <a:schemeClr val="lt1"/>
+          </a:fontRef>
+        </p:style>
+        <p:txBody>
+          <a:bodyPr rtlCol="0" anchor="ctr"/>
+          <a:lstStyle/>
+          <a:p>
+            <a:pPr algn="ctr"/>
+            <a:endParaRPr lang="en-US"/>
+          </a:p>
+        </p:txBody>
+      </p:sp>
+      <p:sp>
+        <p:nvSpPr>
+          <p:cNvPr id="3" name="Freeform 2"/>
+          <p:cNvSpPr/>
+          <p:nvPr/>
+        </p:nvSpPr>
+        <p:spPr>
+          <a:xfrm>
+            <a:off x="3877733" y="2116666"/>
+            <a:ext cx="1380067" cy="279913"/>
+          </a:xfrm>
+          <a:custGeom>
+            <a:avLst/>
+            <a:gdLst>
+              <a:gd name="connsiteX0" fmla="*/ 0 w 1329267"/>
+              <a:gd name="connsiteY0" fmla="*/ 228600 h 279913"/>
+              <a:gd name="connsiteX1" fmla="*/ 321734 w 1329267"/>
+              <a:gd name="connsiteY1" fmla="*/ 279400 h 279913"/>
+              <a:gd name="connsiteX2" fmla="*/ 770467 w 1329267"/>
+              <a:gd name="connsiteY2" fmla="*/ 245534 h 279913"/>
+              <a:gd name="connsiteX3" fmla="*/ 1151467 w 1329267"/>
+              <a:gd name="connsiteY3" fmla="*/ 110067 h 279913"/>
+              <a:gd name="connsiteX4" fmla="*/ 1329267 w 1329267"/>
+              <a:gd name="connsiteY4" fmla="*/ 0 h 279913"/>
+            </a:gdLst>
+            <a:ahLst/>
+            <a:cxnLst>
+              <a:cxn ang="0">
+                <a:pos x="connsiteX0" y="connsiteY0"/>
+              </a:cxn>
+              <a:cxn ang="0">
+                <a:pos x="connsiteX1" y="connsiteY1"/>
+              </a:cxn>
+              <a:cxn ang="0">
+                <a:pos x="connsiteX2" y="connsiteY2"/>
+              </a:cxn>
+              <a:cxn ang="0">
+                <a:pos x="connsiteX3" y="connsiteY3"/>
+              </a:cxn>
+              <a:cxn ang="0">
+                <a:pos x="connsiteX4" y="connsiteY4"/>
+              </a:cxn>
+            </a:cxnLst>
+            <a:rect l="l" t="t" r="r" b="b"/>
+            <a:pathLst>
+              <a:path w="1329267" h="279913">
+                <a:moveTo>
+                  <a:pt x="0" y="228600"/>
+                </a:moveTo>
+                <a:cubicBezTo>
+                  <a:pt x="96661" y="252589"/>
+                  <a:pt x="193323" y="276578"/>
+                  <a:pt x="321734" y="279400"/>
+                </a:cubicBezTo>
+                <a:cubicBezTo>
+                  <a:pt x="450145" y="282222"/>
+                  <a:pt x="632178" y="273756"/>
+                  <a:pt x="770467" y="245534"/>
+                </a:cubicBezTo>
+                <a:cubicBezTo>
+                  <a:pt x="908756" y="217312"/>
+                  <a:pt x="1058334" y="150989"/>
+                  <a:pt x="1151467" y="110067"/>
+                </a:cubicBezTo>
+                <a:cubicBezTo>
+                  <a:pt x="1244600" y="69145"/>
+                  <a:pt x="1329267" y="0"/>
+                  <a:pt x="1329267" y="0"/>
+                </a:cubicBezTo>
+              </a:path>
+            </a:pathLst>
+          </a:custGeom>
+          <a:ln w="203200" cap="flat" cmpd="sng">
+            <a:gradFill flip="none" rotWithShape="1">
+              <a:gsLst>
+                <a:gs pos="23000">
+                  <a:schemeClr val="tx1">
+                    <a:lumMod val="85000"/>
+                    <a:lumOff val="15000"/>
+                  </a:schemeClr>
+                </a:gs>
+                <a:gs pos="93000">
+                  <a:prstClr val="white"/>
+                </a:gs>
+              </a:gsLst>
+              <a:lin ang="10800000" scaled="0"/>
+              <a:tileRect/>
+            </a:gradFill>
+          </a:ln>
+          <a:effectLst/>
+        </p:spPr>
+        <p:style>
+          <a:lnRef idx="2">
+            <a:schemeClr val="accent1"/>
+          </a:lnRef>
+          <a:fillRef idx="0">
+            <a:schemeClr val="accent1"/>
+          </a:fillRef>
+          <a:effectRef idx="1">
+            <a:schemeClr val="accent1"/>
+          </a:effectRef>
+          <a:fontRef idx="minor">
+            <a:schemeClr val="tx1"/>
+          </a:fontRef>
+        </p:style>
+        <p:txBody>
+          <a:bodyPr rtlCol="0" anchor="ctr"/>
+          <a:lstStyle/>
+          <a:p>
+            <a:pPr algn="ctr"/>
+            <a:endParaRPr lang="en-US"/>
+          </a:p>
+        </p:txBody>
+      </p:sp>
+      <p:sp>
+        <p:nvSpPr>
+          <p:cNvPr id="19" name="Connector 18"/>
+          <p:cNvSpPr/>
+          <p:nvPr/>
+        </p:nvSpPr>
+        <p:spPr>
+          <a:xfrm>
+            <a:off x="3029749" y="495300"/>
+            <a:ext cx="2637842" cy="1932948"/>
+          </a:xfrm>
+          <a:prstGeom prst="flowChartConnector">
+            <a:avLst/>
+          </a:prstGeom>
+          <a:gradFill flip="none" rotWithShape="1">
+            <a:gsLst>
+              <a:gs pos="14000">
+                <a:schemeClr val="bg1"/>
+              </a:gs>
+              <a:gs pos="100000">
+                <a:schemeClr val="tx1">
+                  <a:lumMod val="75000"/>
+                  <a:lumOff val="25000"/>
+                </a:schemeClr>
+              </a:gs>
+            </a:gsLst>
+            <a:path path="circle">
+              <a:fillToRect t="100000" r="100000"/>
+            </a:path>
+            <a:tileRect l="-100000" b="-100000"/>
+          </a:gradFill>
+          <a:ln w="12700" cmpd="sng">
+            <a:solidFill>
+              <a:schemeClr val="bg1">
+                <a:lumMod val="65000"/>
+              </a:schemeClr>
+            </a:solidFill>
+          </a:ln>
+          <a:effectLst/>
+          <a:scene3d>
+            <a:camera prst="orthographicFront">
+              <a:rot lat="20099998" lon="0" rev="0"/>
+            </a:camera>
+            <a:lightRig rig="threePt" dir="t"/>
+          </a:scene3d>
+          <a:sp3d/>
+        </p:spPr>
+        <p:style>
+          <a:lnRef idx="1">
+            <a:schemeClr val="accent1"/>
+          </a:lnRef>
+          <a:fillRef idx="3">
+            <a:schemeClr val="accent1"/>
+          </a:fillRef>
+          <a:effectRef idx="2">
+            <a:schemeClr val="accent1"/>
+          </a:effectRef>
+          <a:fontRef idx="minor">
+            <a:schemeClr val="lt1"/>
+          </a:fontRef>
+        </p:style>
+        <p:txBody>
+          <a:bodyPr rtlCol="0" anchor="ctr"/>
+          <a:lstStyle/>
+          <a:p>
+            <a:pPr algn="ctr"/>
+            <a:endParaRPr lang="en-US"/>
+          </a:p>
+        </p:txBody>
+      </p:sp>
+    </p:spTree>
+    <p:extLst>
+      <p:ext uri="{BB962C8B-B14F-4D97-AF65-F5344CB8AC3E}">
+        <p14:creationId xmlns:p14="http://schemas.microsoft.com/office/powerpoint/2010/main" val="3184639359"/>
+      </p:ext>
+    </p:extLst>
+  </p:cSld>
+  <p:clrMapOvr>
+    <a:masterClrMapping/>
+  </p:clrMapOvr>
+</p:sld>
+</file>
+
+<file path=ppt/slides/slide30.xml><?xml version="1.0" encoding="utf-8"?>
 <p:sld xmlns:a="http://schemas.openxmlformats.org/drawingml/2006/main" xmlns:r="http://schemas.openxmlformats.org/officeDocument/2006/relationships" xmlns:p="http://schemas.openxmlformats.org/presentationml/2006/main">
   <p:cSld>
     <p:spTree>
@@ -9164,7 +10531,7 @@
 </p:sld>
 </file>
 
-<file path=ppt/slides/slide3.xml><?xml version="1.0" encoding="utf-8"?>
+<file path=ppt/slides/slide31.xml><?xml version="1.0" encoding="utf-8"?>
 <p:sld xmlns:a="http://schemas.openxmlformats.org/drawingml/2006/main" xmlns:r="http://schemas.openxmlformats.org/officeDocument/2006/relationships" xmlns:p="http://schemas.openxmlformats.org/presentationml/2006/main">
   <p:cSld>
     <p:spTree>
@@ -9181,448 +10548,6 @@
           <a:chExt cx="0" cy="0"/>
         </a:xfrm>
       </p:grpSpPr>
-      <p:cxnSp>
-        <p:nvCxnSpPr>
-          <p:cNvPr id="14" name="Straight Connector 13"/>
-          <p:cNvCxnSpPr/>
-          <p:nvPr/>
-        </p:nvCxnSpPr>
-        <p:spPr>
-          <a:xfrm>
-            <a:off x="4406515" y="4832928"/>
-            <a:ext cx="13085" cy="1351972"/>
-          </a:xfrm>
-          <a:prstGeom prst="line">
-            <a:avLst/>
-          </a:prstGeom>
-          <a:ln w="177800" cmpd="sng">
-            <a:solidFill>
-              <a:schemeClr val="tx1"/>
-            </a:solidFill>
-          </a:ln>
-          <a:effectLst/>
-          <a:scene3d>
-            <a:camera prst="perspectiveFront" fov="2400000">
-              <a:rot lat="0" lon="0" rev="0"/>
-            </a:camera>
-            <a:lightRig rig="threePt" dir="t"/>
-          </a:scene3d>
-          <a:sp3d/>
-        </p:spPr>
-        <p:style>
-          <a:lnRef idx="2">
-            <a:schemeClr val="accent1"/>
-          </a:lnRef>
-          <a:fillRef idx="0">
-            <a:schemeClr val="accent1"/>
-          </a:fillRef>
-          <a:effectRef idx="1">
-            <a:schemeClr val="accent1"/>
-          </a:effectRef>
-          <a:fontRef idx="minor">
-            <a:schemeClr val="tx1"/>
-          </a:fontRef>
-        </p:style>
-      </p:cxnSp>
-      <p:cxnSp>
-        <p:nvCxnSpPr>
-          <p:cNvPr id="15" name="Straight Connector 14"/>
-          <p:cNvCxnSpPr/>
-          <p:nvPr/>
-        </p:nvCxnSpPr>
-        <p:spPr>
-          <a:xfrm>
-            <a:off x="4270856" y="4797906"/>
-            <a:ext cx="15394" cy="1285394"/>
-          </a:xfrm>
-          <a:prstGeom prst="line">
-            <a:avLst/>
-          </a:prstGeom>
-          <a:ln w="101600" cmpd="sng">
-            <a:solidFill>
-              <a:schemeClr val="bg1">
-                <a:lumMod val="85000"/>
-              </a:schemeClr>
-            </a:solidFill>
-          </a:ln>
-          <a:effectLst/>
-          <a:scene3d>
-            <a:camera prst="perspectiveFront" fov="2400000">
-              <a:rot lat="0" lon="0" rev="0"/>
-            </a:camera>
-            <a:lightRig rig="threePt" dir="t"/>
-          </a:scene3d>
-          <a:sp3d/>
-        </p:spPr>
-        <p:style>
-          <a:lnRef idx="2">
-            <a:schemeClr val="accent1"/>
-          </a:lnRef>
-          <a:fillRef idx="0">
-            <a:schemeClr val="accent1"/>
-          </a:fillRef>
-          <a:effectRef idx="1">
-            <a:schemeClr val="accent1"/>
-          </a:effectRef>
-          <a:fontRef idx="minor">
-            <a:schemeClr val="tx1"/>
-          </a:fontRef>
-        </p:style>
-      </p:cxnSp>
-      <p:sp>
-        <p:nvSpPr>
-          <p:cNvPr id="17" name="Connector 16"/>
-          <p:cNvSpPr/>
-          <p:nvPr/>
-        </p:nvSpPr>
-        <p:spPr>
-          <a:xfrm>
-            <a:off x="2781300" y="2743848"/>
-            <a:ext cx="3098801" cy="2270729"/>
-          </a:xfrm>
-          <a:prstGeom prst="flowChartConnector">
-            <a:avLst/>
-          </a:prstGeom>
-          <a:gradFill flip="none" rotWithShape="1">
-            <a:gsLst>
-              <a:gs pos="7000">
-                <a:schemeClr val="bg1">
-                  <a:lumMod val="95000"/>
-                </a:schemeClr>
-              </a:gs>
-              <a:gs pos="100000">
-                <a:schemeClr val="tx1">
-                  <a:lumMod val="75000"/>
-                  <a:lumOff val="25000"/>
-                </a:schemeClr>
-              </a:gs>
-            </a:gsLst>
-            <a:path path="circle">
-              <a:fillToRect t="100000" r="100000"/>
-            </a:path>
-            <a:tileRect l="-100000" b="-100000"/>
-          </a:gradFill>
-          <a:ln w="12700" cmpd="sng">
-            <a:solidFill>
-              <a:schemeClr val="bg1">
-                <a:lumMod val="65000"/>
-              </a:schemeClr>
-            </a:solidFill>
-          </a:ln>
-          <a:effectLst/>
-          <a:scene3d>
-            <a:camera prst="orthographicFront">
-              <a:rot lat="20099998" lon="0" rev="0"/>
-            </a:camera>
-            <a:lightRig rig="threePt" dir="t"/>
-          </a:scene3d>
-          <a:sp3d/>
-        </p:spPr>
-        <p:style>
-          <a:lnRef idx="1">
-            <a:schemeClr val="accent1"/>
-          </a:lnRef>
-          <a:fillRef idx="3">
-            <a:schemeClr val="accent1"/>
-          </a:fillRef>
-          <a:effectRef idx="2">
-            <a:schemeClr val="accent1"/>
-          </a:effectRef>
-          <a:fontRef idx="minor">
-            <a:schemeClr val="lt1"/>
-          </a:fontRef>
-        </p:style>
-        <p:txBody>
-          <a:bodyPr rtlCol="0" anchor="ctr"/>
-          <a:lstStyle/>
-          <a:p>
-            <a:pPr algn="ctr"/>
-            <a:endParaRPr lang="en-US"/>
-          </a:p>
-        </p:txBody>
-      </p:sp>
-      <p:sp>
-        <p:nvSpPr>
-          <p:cNvPr id="18" name="Magnetic Disk 17"/>
-          <p:cNvSpPr/>
-          <p:nvPr/>
-        </p:nvSpPr>
-        <p:spPr>
-          <a:xfrm>
-            <a:off x="3402036" y="723906"/>
-            <a:ext cx="1877663" cy="3395004"/>
-          </a:xfrm>
-          <a:prstGeom prst="flowChartMagneticDisk">
-            <a:avLst/>
-          </a:prstGeom>
-          <a:gradFill flip="none" rotWithShape="1">
-            <a:gsLst>
-              <a:gs pos="13000">
-                <a:schemeClr val="tx1">
-                  <a:lumMod val="75000"/>
-                  <a:lumOff val="25000"/>
-                </a:schemeClr>
-              </a:gs>
-              <a:gs pos="97000">
-                <a:schemeClr val="bg1"/>
-              </a:gs>
-            </a:gsLst>
-            <a:lin ang="10800000" scaled="0"/>
-            <a:tileRect/>
-          </a:gradFill>
-          <a:ln w="12700" cmpd="sng">
-            <a:solidFill>
-              <a:schemeClr val="bg1">
-                <a:lumMod val="65000"/>
-              </a:schemeClr>
-            </a:solidFill>
-          </a:ln>
-          <a:effectLst/>
-          <a:scene3d>
-            <a:camera prst="orthographicFront">
-              <a:rot lat="20099998" lon="0" rev="0"/>
-            </a:camera>
-            <a:lightRig rig="threePt" dir="t"/>
-          </a:scene3d>
-          <a:sp3d/>
-        </p:spPr>
-        <p:style>
-          <a:lnRef idx="1">
-            <a:schemeClr val="accent1"/>
-          </a:lnRef>
-          <a:fillRef idx="3">
-            <a:schemeClr val="accent1"/>
-          </a:fillRef>
-          <a:effectRef idx="2">
-            <a:schemeClr val="accent1"/>
-          </a:effectRef>
-          <a:fontRef idx="minor">
-            <a:schemeClr val="lt1"/>
-          </a:fontRef>
-        </p:style>
-        <p:txBody>
-          <a:bodyPr rtlCol="0" anchor="ctr"/>
-          <a:lstStyle/>
-          <a:p>
-            <a:pPr algn="ctr"/>
-            <a:endParaRPr lang="en-US"/>
-          </a:p>
-        </p:txBody>
-      </p:sp>
-      <p:sp>
-        <p:nvSpPr>
-          <p:cNvPr id="3" name="Freeform 2"/>
-          <p:cNvSpPr/>
-          <p:nvPr/>
-        </p:nvSpPr>
-        <p:spPr>
-          <a:xfrm>
-            <a:off x="3877733" y="2116666"/>
-            <a:ext cx="1380067" cy="279913"/>
-          </a:xfrm>
-          <a:custGeom>
-            <a:avLst/>
-            <a:gdLst>
-              <a:gd name="connsiteX0" fmla="*/ 0 w 1329267"/>
-              <a:gd name="connsiteY0" fmla="*/ 228600 h 279913"/>
-              <a:gd name="connsiteX1" fmla="*/ 321734 w 1329267"/>
-              <a:gd name="connsiteY1" fmla="*/ 279400 h 279913"/>
-              <a:gd name="connsiteX2" fmla="*/ 770467 w 1329267"/>
-              <a:gd name="connsiteY2" fmla="*/ 245534 h 279913"/>
-              <a:gd name="connsiteX3" fmla="*/ 1151467 w 1329267"/>
-              <a:gd name="connsiteY3" fmla="*/ 110067 h 279913"/>
-              <a:gd name="connsiteX4" fmla="*/ 1329267 w 1329267"/>
-              <a:gd name="connsiteY4" fmla="*/ 0 h 279913"/>
-            </a:gdLst>
-            <a:ahLst/>
-            <a:cxnLst>
-              <a:cxn ang="0">
-                <a:pos x="connsiteX0" y="connsiteY0"/>
-              </a:cxn>
-              <a:cxn ang="0">
-                <a:pos x="connsiteX1" y="connsiteY1"/>
-              </a:cxn>
-              <a:cxn ang="0">
-                <a:pos x="connsiteX2" y="connsiteY2"/>
-              </a:cxn>
-              <a:cxn ang="0">
-                <a:pos x="connsiteX3" y="connsiteY3"/>
-              </a:cxn>
-              <a:cxn ang="0">
-                <a:pos x="connsiteX4" y="connsiteY4"/>
-              </a:cxn>
-            </a:cxnLst>
-            <a:rect l="l" t="t" r="r" b="b"/>
-            <a:pathLst>
-              <a:path w="1329267" h="279913">
-                <a:moveTo>
-                  <a:pt x="0" y="228600"/>
-                </a:moveTo>
-                <a:cubicBezTo>
-                  <a:pt x="96661" y="252589"/>
-                  <a:pt x="193323" y="276578"/>
-                  <a:pt x="321734" y="279400"/>
-                </a:cubicBezTo>
-                <a:cubicBezTo>
-                  <a:pt x="450145" y="282222"/>
-                  <a:pt x="632178" y="273756"/>
-                  <a:pt x="770467" y="245534"/>
-                </a:cubicBezTo>
-                <a:cubicBezTo>
-                  <a:pt x="908756" y="217312"/>
-                  <a:pt x="1058334" y="150989"/>
-                  <a:pt x="1151467" y="110067"/>
-                </a:cubicBezTo>
-                <a:cubicBezTo>
-                  <a:pt x="1244600" y="69145"/>
-                  <a:pt x="1329267" y="0"/>
-                  <a:pt x="1329267" y="0"/>
-                </a:cubicBezTo>
-              </a:path>
-            </a:pathLst>
-          </a:custGeom>
-          <a:ln w="203200" cap="flat" cmpd="sng">
-            <a:gradFill flip="none" rotWithShape="1">
-              <a:gsLst>
-                <a:gs pos="23000">
-                  <a:schemeClr val="tx1">
-                    <a:lumMod val="85000"/>
-                    <a:lumOff val="15000"/>
-                  </a:schemeClr>
-                </a:gs>
-                <a:gs pos="93000">
-                  <a:prstClr val="white"/>
-                </a:gs>
-              </a:gsLst>
-              <a:lin ang="10800000" scaled="0"/>
-              <a:tileRect/>
-            </a:gradFill>
-          </a:ln>
-          <a:effectLst/>
-        </p:spPr>
-        <p:style>
-          <a:lnRef idx="2">
-            <a:schemeClr val="accent1"/>
-          </a:lnRef>
-          <a:fillRef idx="0">
-            <a:schemeClr val="accent1"/>
-          </a:fillRef>
-          <a:effectRef idx="1">
-            <a:schemeClr val="accent1"/>
-          </a:effectRef>
-          <a:fontRef idx="minor">
-            <a:schemeClr val="tx1"/>
-          </a:fontRef>
-        </p:style>
-        <p:txBody>
-          <a:bodyPr rtlCol="0" anchor="ctr"/>
-          <a:lstStyle/>
-          <a:p>
-            <a:pPr algn="ctr"/>
-            <a:endParaRPr lang="en-US"/>
-          </a:p>
-        </p:txBody>
-      </p:sp>
-      <p:sp>
-        <p:nvSpPr>
-          <p:cNvPr id="19" name="Connector 18"/>
-          <p:cNvSpPr/>
-          <p:nvPr/>
-        </p:nvSpPr>
-        <p:spPr>
-          <a:xfrm>
-            <a:off x="3029749" y="495300"/>
-            <a:ext cx="2637842" cy="1932948"/>
-          </a:xfrm>
-          <a:prstGeom prst="flowChartConnector">
-            <a:avLst/>
-          </a:prstGeom>
-          <a:gradFill flip="none" rotWithShape="1">
-            <a:gsLst>
-              <a:gs pos="14000">
-                <a:schemeClr val="bg1"/>
-              </a:gs>
-              <a:gs pos="100000">
-                <a:schemeClr val="tx1">
-                  <a:lumMod val="75000"/>
-                  <a:lumOff val="25000"/>
-                </a:schemeClr>
-              </a:gs>
-            </a:gsLst>
-            <a:path path="circle">
-              <a:fillToRect t="100000" r="100000"/>
-            </a:path>
-            <a:tileRect l="-100000" b="-100000"/>
-          </a:gradFill>
-          <a:ln w="12700" cmpd="sng">
-            <a:solidFill>
-              <a:schemeClr val="bg1">
-                <a:lumMod val="65000"/>
-              </a:schemeClr>
-            </a:solidFill>
-          </a:ln>
-          <a:effectLst/>
-          <a:scene3d>
-            <a:camera prst="orthographicFront">
-              <a:rot lat="20099998" lon="0" rev="0"/>
-            </a:camera>
-            <a:lightRig rig="threePt" dir="t"/>
-          </a:scene3d>
-          <a:sp3d/>
-        </p:spPr>
-        <p:style>
-          <a:lnRef idx="1">
-            <a:schemeClr val="accent1"/>
-          </a:lnRef>
-          <a:fillRef idx="3">
-            <a:schemeClr val="accent1"/>
-          </a:fillRef>
-          <a:effectRef idx="2">
-            <a:schemeClr val="accent1"/>
-          </a:effectRef>
-          <a:fontRef idx="minor">
-            <a:schemeClr val="lt1"/>
-          </a:fontRef>
-        </p:style>
-        <p:txBody>
-          <a:bodyPr rtlCol="0" anchor="ctr"/>
-          <a:lstStyle/>
-          <a:p>
-            <a:pPr algn="ctr"/>
-            <a:endParaRPr lang="en-US"/>
-          </a:p>
-        </p:txBody>
-      </p:sp>
-    </p:spTree>
-    <p:extLst>
-      <p:ext uri="{BB962C8B-B14F-4D97-AF65-F5344CB8AC3E}">
-        <p14:creationId xmlns:p14="http://schemas.microsoft.com/office/powerpoint/2010/main" val="3184639359"/>
-      </p:ext>
-    </p:extLst>
-  </p:cSld>
-  <p:clrMapOvr>
-    <a:masterClrMapping/>
-  </p:clrMapOvr>
-</p:sld>
-</file>
-
-<file path=ppt/slides/slide30.xml><?xml version="1.0" encoding="utf-8"?>
-<p:sld xmlns:a="http://schemas.openxmlformats.org/drawingml/2006/main" xmlns:r="http://schemas.openxmlformats.org/officeDocument/2006/relationships" xmlns:p="http://schemas.openxmlformats.org/presentationml/2006/main">
-  <p:cSld>
-    <p:spTree>
-      <p:nvGrpSpPr>
-        <p:cNvPr id="1" name=""/>
-        <p:cNvGrpSpPr/>
-        <p:nvPr/>
-      </p:nvGrpSpPr>
-      <p:grpSpPr>
-        <a:xfrm>
-          <a:off x="0" y="0"/>
-          <a:ext cx="0" cy="0"/>
-          <a:chOff x="0" y="0"/>
-          <a:chExt cx="0" cy="0"/>
-        </a:xfrm>
-      </p:grpSpPr>
       <p:sp>
         <p:nvSpPr>
           <p:cNvPr id="10" name="Oval 9"/>
@@ -9827,7 +10752,7 @@
 </p:sld>
 </file>
 
-<file path=ppt/slides/slide31.xml><?xml version="1.0" encoding="utf-8"?>
+<file path=ppt/slides/slide32.xml><?xml version="1.0" encoding="utf-8"?>
 <p:sld xmlns:a="http://schemas.openxmlformats.org/drawingml/2006/main" xmlns:r="http://schemas.openxmlformats.org/officeDocument/2006/relationships" xmlns:p="http://schemas.openxmlformats.org/presentationml/2006/main">
   <p:cSld>
     <p:spTree>
@@ -9920,7 +10845,7 @@
 </p:sld>
 </file>
 
-<file path=ppt/slides/slide32.xml><?xml version="1.0" encoding="utf-8"?>
+<file path=ppt/slides/slide33.xml><?xml version="1.0" encoding="utf-8"?>
 <p:sld xmlns:a="http://schemas.openxmlformats.org/drawingml/2006/main" xmlns:r="http://schemas.openxmlformats.org/officeDocument/2006/relationships" xmlns:p="http://schemas.openxmlformats.org/presentationml/2006/main">
   <p:cSld>
     <p:spTree>
@@ -10084,7 +11009,7 @@
 </p:sld>
 </file>
 
-<file path=ppt/slides/slide33.xml><?xml version="1.0" encoding="utf-8"?>
+<file path=ppt/slides/slide34.xml><?xml version="1.0" encoding="utf-8"?>
 <p:sld xmlns:a="http://schemas.openxmlformats.org/drawingml/2006/main" xmlns:r="http://schemas.openxmlformats.org/officeDocument/2006/relationships" xmlns:p="http://schemas.openxmlformats.org/presentationml/2006/main">
   <p:cSld>
     <p:spTree>
@@ -10181,7 +11106,7 @@
 </p:sld>
 </file>
 
-<file path=ppt/slides/slide34.xml><?xml version="1.0" encoding="utf-8"?>
+<file path=ppt/slides/slide35.xml><?xml version="1.0" encoding="utf-8"?>
 <p:sld xmlns:a="http://schemas.openxmlformats.org/drawingml/2006/main" xmlns:r="http://schemas.openxmlformats.org/officeDocument/2006/relationships" xmlns:p="http://schemas.openxmlformats.org/presentationml/2006/main">
   <p:cSld>
     <p:spTree>
@@ -10312,7 +11237,7 @@
 </p:sld>
 </file>
 
-<file path=ppt/slides/slide35.xml><?xml version="1.0" encoding="utf-8"?>
+<file path=ppt/slides/slide36.xml><?xml version="1.0" encoding="utf-8"?>
 <p:sld xmlns:a="http://schemas.openxmlformats.org/drawingml/2006/main" xmlns:r="http://schemas.openxmlformats.org/officeDocument/2006/relationships" xmlns:p="http://schemas.openxmlformats.org/presentationml/2006/main">
   <p:cSld>
     <p:spTree>
@@ -10917,7 +11842,7 @@
 </p:sld>
 </file>
 
-<file path=ppt/slides/slide36.xml><?xml version="1.0" encoding="utf-8"?>
+<file path=ppt/slides/slide37.xml><?xml version="1.0" encoding="utf-8"?>
 <p:sld xmlns:a="http://schemas.openxmlformats.org/drawingml/2006/main" xmlns:r="http://schemas.openxmlformats.org/officeDocument/2006/relationships" xmlns:p="http://schemas.openxmlformats.org/presentationml/2006/main">
   <p:cSld>
     <p:spTree>
@@ -11148,7 +12073,7 @@
 </p:sld>
 </file>
 
-<file path=ppt/slides/slide37.xml><?xml version="1.0" encoding="utf-8"?>
+<file path=ppt/slides/slide38.xml><?xml version="1.0" encoding="utf-8"?>
 <p:sld xmlns:a="http://schemas.openxmlformats.org/drawingml/2006/main" xmlns:r="http://schemas.openxmlformats.org/officeDocument/2006/relationships" xmlns:p="http://schemas.openxmlformats.org/presentationml/2006/main">
   <p:cSld>
     <p:spTree>
@@ -11334,7 +12259,7 @@
 </p:sld>
 </file>
 
-<file path=ppt/slides/slide38.xml><?xml version="1.0" encoding="utf-8"?>
+<file path=ppt/slides/slide39.xml><?xml version="1.0" encoding="utf-8"?>
 <p:sld xmlns:a="http://schemas.openxmlformats.org/drawingml/2006/main" xmlns:r="http://schemas.openxmlformats.org/officeDocument/2006/relationships" xmlns:p="http://schemas.openxmlformats.org/presentationml/2006/main">
   <p:cSld>
     <p:spTree>
@@ -11498,7 +12423,435 @@
 </p:sld>
 </file>
 
-<file path=ppt/slides/slide39.xml><?xml version="1.0" encoding="utf-8"?>
+<file path=ppt/slides/slide4.xml><?xml version="1.0" encoding="utf-8"?>
+<p:sld xmlns:a="http://schemas.openxmlformats.org/drawingml/2006/main" xmlns:r="http://schemas.openxmlformats.org/officeDocument/2006/relationships" xmlns:p="http://schemas.openxmlformats.org/presentationml/2006/main">
+  <p:cSld>
+    <p:spTree>
+      <p:nvGrpSpPr>
+        <p:cNvPr id="1" name=""/>
+        <p:cNvGrpSpPr/>
+        <p:nvPr/>
+      </p:nvGrpSpPr>
+      <p:grpSpPr>
+        <a:xfrm>
+          <a:off x="0" y="0"/>
+          <a:ext cx="0" cy="0"/>
+          <a:chOff x="0" y="0"/>
+          <a:chExt cx="0" cy="0"/>
+        </a:xfrm>
+      </p:grpSpPr>
+      <p:cxnSp>
+        <p:nvCxnSpPr>
+          <p:cNvPr id="14" name="Straight Connector 13"/>
+          <p:cNvCxnSpPr/>
+          <p:nvPr/>
+        </p:nvCxnSpPr>
+        <p:spPr>
+          <a:xfrm>
+            <a:off x="4406515" y="4832928"/>
+            <a:ext cx="13085" cy="1351972"/>
+          </a:xfrm>
+          <a:prstGeom prst="line">
+            <a:avLst/>
+          </a:prstGeom>
+          <a:ln w="177800" cmpd="sng">
+            <a:solidFill>
+              <a:schemeClr val="tx1"/>
+            </a:solidFill>
+          </a:ln>
+          <a:effectLst/>
+          <a:scene3d>
+            <a:camera prst="perspectiveFront" fov="2400000">
+              <a:rot lat="0" lon="0" rev="0"/>
+            </a:camera>
+            <a:lightRig rig="threePt" dir="t"/>
+          </a:scene3d>
+          <a:sp3d/>
+        </p:spPr>
+        <p:style>
+          <a:lnRef idx="2">
+            <a:schemeClr val="accent1"/>
+          </a:lnRef>
+          <a:fillRef idx="0">
+            <a:schemeClr val="accent1"/>
+          </a:fillRef>
+          <a:effectRef idx="1">
+            <a:schemeClr val="accent1"/>
+          </a:effectRef>
+          <a:fontRef idx="minor">
+            <a:schemeClr val="tx1"/>
+          </a:fontRef>
+        </p:style>
+      </p:cxnSp>
+      <p:cxnSp>
+        <p:nvCxnSpPr>
+          <p:cNvPr id="15" name="Straight Connector 14"/>
+          <p:cNvCxnSpPr/>
+          <p:nvPr/>
+        </p:nvCxnSpPr>
+        <p:spPr>
+          <a:xfrm>
+            <a:off x="4270856" y="4797906"/>
+            <a:ext cx="15394" cy="1285394"/>
+          </a:xfrm>
+          <a:prstGeom prst="line">
+            <a:avLst/>
+          </a:prstGeom>
+          <a:ln w="101600" cmpd="sng">
+            <a:solidFill>
+              <a:schemeClr val="bg1">
+                <a:lumMod val="85000"/>
+              </a:schemeClr>
+            </a:solidFill>
+          </a:ln>
+          <a:effectLst/>
+          <a:scene3d>
+            <a:camera prst="perspectiveFront" fov="2400000">
+              <a:rot lat="0" lon="0" rev="0"/>
+            </a:camera>
+            <a:lightRig rig="threePt" dir="t"/>
+          </a:scene3d>
+          <a:sp3d/>
+        </p:spPr>
+        <p:style>
+          <a:lnRef idx="2">
+            <a:schemeClr val="accent1"/>
+          </a:lnRef>
+          <a:fillRef idx="0">
+            <a:schemeClr val="accent1"/>
+          </a:fillRef>
+          <a:effectRef idx="1">
+            <a:schemeClr val="accent1"/>
+          </a:effectRef>
+          <a:fontRef idx="minor">
+            <a:schemeClr val="tx1"/>
+          </a:fontRef>
+        </p:style>
+      </p:cxnSp>
+      <p:sp>
+        <p:nvSpPr>
+          <p:cNvPr id="17" name="Connector 16"/>
+          <p:cNvSpPr/>
+          <p:nvPr/>
+        </p:nvSpPr>
+        <p:spPr>
+          <a:xfrm>
+            <a:off x="2781300" y="2743848"/>
+            <a:ext cx="3098801" cy="2270729"/>
+          </a:xfrm>
+          <a:prstGeom prst="flowChartConnector">
+            <a:avLst/>
+          </a:prstGeom>
+          <a:gradFill flip="none" rotWithShape="1">
+            <a:gsLst>
+              <a:gs pos="7000">
+                <a:srgbClr val="FFFF00"/>
+              </a:gs>
+              <a:gs pos="100000">
+                <a:schemeClr val="tx1">
+                  <a:lumMod val="75000"/>
+                  <a:lumOff val="25000"/>
+                </a:schemeClr>
+              </a:gs>
+            </a:gsLst>
+            <a:path path="circle">
+              <a:fillToRect t="100000" r="100000"/>
+            </a:path>
+            <a:tileRect l="-100000" b="-100000"/>
+          </a:gradFill>
+          <a:ln w="12700" cmpd="sng">
+            <a:noFill/>
+          </a:ln>
+          <a:effectLst/>
+          <a:scene3d>
+            <a:camera prst="orthographicFront">
+              <a:rot lat="20099998" lon="0" rev="0"/>
+            </a:camera>
+            <a:lightRig rig="threePt" dir="t"/>
+          </a:scene3d>
+          <a:sp3d/>
+        </p:spPr>
+        <p:style>
+          <a:lnRef idx="1">
+            <a:schemeClr val="accent1"/>
+          </a:lnRef>
+          <a:fillRef idx="3">
+            <a:schemeClr val="accent1"/>
+          </a:fillRef>
+          <a:effectRef idx="2">
+            <a:schemeClr val="accent1"/>
+          </a:effectRef>
+          <a:fontRef idx="minor">
+            <a:schemeClr val="lt1"/>
+          </a:fontRef>
+        </p:style>
+        <p:txBody>
+          <a:bodyPr rtlCol="0" anchor="ctr"/>
+          <a:lstStyle/>
+          <a:p>
+            <a:pPr algn="ctr"/>
+            <a:endParaRPr lang="en-US"/>
+          </a:p>
+        </p:txBody>
+      </p:sp>
+      <p:sp>
+        <p:nvSpPr>
+          <p:cNvPr id="18" name="Magnetic Disk 17"/>
+          <p:cNvSpPr/>
+          <p:nvPr/>
+        </p:nvSpPr>
+        <p:spPr>
+          <a:xfrm>
+            <a:off x="3402036" y="723906"/>
+            <a:ext cx="1877663" cy="3395004"/>
+          </a:xfrm>
+          <a:prstGeom prst="flowChartMagneticDisk">
+            <a:avLst/>
+          </a:prstGeom>
+          <a:gradFill flip="none" rotWithShape="1">
+            <a:gsLst>
+              <a:gs pos="13000">
+                <a:schemeClr val="tx1">
+                  <a:lumMod val="75000"/>
+                  <a:lumOff val="25000"/>
+                </a:schemeClr>
+              </a:gs>
+              <a:gs pos="97000">
+                <a:srgbClr val="FFFF00"/>
+              </a:gs>
+            </a:gsLst>
+            <a:lin ang="10800000" scaled="0"/>
+            <a:tileRect/>
+          </a:gradFill>
+          <a:ln w="12700" cmpd="sng">
+            <a:noFill/>
+          </a:ln>
+          <a:effectLst/>
+          <a:scene3d>
+            <a:camera prst="orthographicFront">
+              <a:rot lat="20099998" lon="0" rev="0"/>
+            </a:camera>
+            <a:lightRig rig="threePt" dir="t"/>
+          </a:scene3d>
+          <a:sp3d/>
+        </p:spPr>
+        <p:style>
+          <a:lnRef idx="1">
+            <a:schemeClr val="accent1"/>
+          </a:lnRef>
+          <a:fillRef idx="3">
+            <a:schemeClr val="accent1"/>
+          </a:fillRef>
+          <a:effectRef idx="2">
+            <a:schemeClr val="accent1"/>
+          </a:effectRef>
+          <a:fontRef idx="minor">
+            <a:schemeClr val="lt1"/>
+          </a:fontRef>
+        </p:style>
+        <p:txBody>
+          <a:bodyPr rtlCol="0" anchor="ctr"/>
+          <a:lstStyle/>
+          <a:p>
+            <a:pPr algn="ctr"/>
+            <a:endParaRPr lang="en-US"/>
+          </a:p>
+        </p:txBody>
+      </p:sp>
+      <p:sp>
+        <p:nvSpPr>
+          <p:cNvPr id="3" name="Freeform 2"/>
+          <p:cNvSpPr/>
+          <p:nvPr/>
+        </p:nvSpPr>
+        <p:spPr>
+          <a:xfrm>
+            <a:off x="3877733" y="2116666"/>
+            <a:ext cx="1380067" cy="279913"/>
+          </a:xfrm>
+          <a:custGeom>
+            <a:avLst/>
+            <a:gdLst>
+              <a:gd name="connsiteX0" fmla="*/ 0 w 1329267"/>
+              <a:gd name="connsiteY0" fmla="*/ 228600 h 279913"/>
+              <a:gd name="connsiteX1" fmla="*/ 321734 w 1329267"/>
+              <a:gd name="connsiteY1" fmla="*/ 279400 h 279913"/>
+              <a:gd name="connsiteX2" fmla="*/ 770467 w 1329267"/>
+              <a:gd name="connsiteY2" fmla="*/ 245534 h 279913"/>
+              <a:gd name="connsiteX3" fmla="*/ 1151467 w 1329267"/>
+              <a:gd name="connsiteY3" fmla="*/ 110067 h 279913"/>
+              <a:gd name="connsiteX4" fmla="*/ 1329267 w 1329267"/>
+              <a:gd name="connsiteY4" fmla="*/ 0 h 279913"/>
+            </a:gdLst>
+            <a:ahLst/>
+            <a:cxnLst>
+              <a:cxn ang="0">
+                <a:pos x="connsiteX0" y="connsiteY0"/>
+              </a:cxn>
+              <a:cxn ang="0">
+                <a:pos x="connsiteX1" y="connsiteY1"/>
+              </a:cxn>
+              <a:cxn ang="0">
+                <a:pos x="connsiteX2" y="connsiteY2"/>
+              </a:cxn>
+              <a:cxn ang="0">
+                <a:pos x="connsiteX3" y="connsiteY3"/>
+              </a:cxn>
+              <a:cxn ang="0">
+                <a:pos x="connsiteX4" y="connsiteY4"/>
+              </a:cxn>
+            </a:cxnLst>
+            <a:rect l="l" t="t" r="r" b="b"/>
+            <a:pathLst>
+              <a:path w="1329267" h="279913">
+                <a:moveTo>
+                  <a:pt x="0" y="228600"/>
+                </a:moveTo>
+                <a:cubicBezTo>
+                  <a:pt x="96661" y="252589"/>
+                  <a:pt x="193323" y="276578"/>
+                  <a:pt x="321734" y="279400"/>
+                </a:cubicBezTo>
+                <a:cubicBezTo>
+                  <a:pt x="450145" y="282222"/>
+                  <a:pt x="632178" y="273756"/>
+                  <a:pt x="770467" y="245534"/>
+                </a:cubicBezTo>
+                <a:cubicBezTo>
+                  <a:pt x="908756" y="217312"/>
+                  <a:pt x="1058334" y="150989"/>
+                  <a:pt x="1151467" y="110067"/>
+                </a:cubicBezTo>
+                <a:cubicBezTo>
+                  <a:pt x="1244600" y="69145"/>
+                  <a:pt x="1329267" y="0"/>
+                  <a:pt x="1329267" y="0"/>
+                </a:cubicBezTo>
+              </a:path>
+            </a:pathLst>
+          </a:custGeom>
+          <a:ln w="203200" cap="flat" cmpd="sng">
+            <a:gradFill flip="none" rotWithShape="1">
+              <a:gsLst>
+                <a:gs pos="23000">
+                  <a:schemeClr val="tx1">
+                    <a:lumMod val="85000"/>
+                    <a:lumOff val="15000"/>
+                  </a:schemeClr>
+                </a:gs>
+                <a:gs pos="93000">
+                  <a:srgbClr val="FFFF00"/>
+                </a:gs>
+              </a:gsLst>
+              <a:lin ang="10800000" scaled="0"/>
+              <a:tileRect/>
+            </a:gradFill>
+          </a:ln>
+          <a:effectLst/>
+        </p:spPr>
+        <p:style>
+          <a:lnRef idx="2">
+            <a:schemeClr val="accent1"/>
+          </a:lnRef>
+          <a:fillRef idx="0">
+            <a:schemeClr val="accent1"/>
+          </a:fillRef>
+          <a:effectRef idx="1">
+            <a:schemeClr val="accent1"/>
+          </a:effectRef>
+          <a:fontRef idx="minor">
+            <a:schemeClr val="tx1"/>
+          </a:fontRef>
+        </p:style>
+        <p:txBody>
+          <a:bodyPr rtlCol="0" anchor="ctr"/>
+          <a:lstStyle/>
+          <a:p>
+            <a:pPr algn="ctr"/>
+            <a:endParaRPr lang="en-US"/>
+          </a:p>
+        </p:txBody>
+      </p:sp>
+      <p:sp>
+        <p:nvSpPr>
+          <p:cNvPr id="19" name="Connector 18"/>
+          <p:cNvSpPr/>
+          <p:nvPr/>
+        </p:nvSpPr>
+        <p:spPr>
+          <a:xfrm>
+            <a:off x="3029749" y="495300"/>
+            <a:ext cx="2637842" cy="1932948"/>
+          </a:xfrm>
+          <a:prstGeom prst="flowChartConnector">
+            <a:avLst/>
+          </a:prstGeom>
+          <a:gradFill flip="none" rotWithShape="1">
+            <a:gsLst>
+              <a:gs pos="14000">
+                <a:srgbClr val="FFFF00"/>
+              </a:gs>
+              <a:gs pos="100000">
+                <a:schemeClr val="tx1">
+                  <a:lumMod val="75000"/>
+                  <a:lumOff val="25000"/>
+                </a:schemeClr>
+              </a:gs>
+            </a:gsLst>
+            <a:path path="circle">
+              <a:fillToRect t="100000" r="100000"/>
+            </a:path>
+            <a:tileRect l="-100000" b="-100000"/>
+          </a:gradFill>
+          <a:ln w="12700" cmpd="sng">
+            <a:noFill/>
+          </a:ln>
+          <a:effectLst/>
+          <a:scene3d>
+            <a:camera prst="orthographicFront">
+              <a:rot lat="20099998" lon="0" rev="0"/>
+            </a:camera>
+            <a:lightRig rig="threePt" dir="t"/>
+          </a:scene3d>
+          <a:sp3d/>
+        </p:spPr>
+        <p:style>
+          <a:lnRef idx="1">
+            <a:schemeClr val="accent1"/>
+          </a:lnRef>
+          <a:fillRef idx="3">
+            <a:schemeClr val="accent1"/>
+          </a:fillRef>
+          <a:effectRef idx="2">
+            <a:schemeClr val="accent1"/>
+          </a:effectRef>
+          <a:fontRef idx="minor">
+            <a:schemeClr val="lt1"/>
+          </a:fontRef>
+        </p:style>
+        <p:txBody>
+          <a:bodyPr rtlCol="0" anchor="ctr"/>
+          <a:lstStyle/>
+          <a:p>
+            <a:pPr algn="ctr"/>
+            <a:endParaRPr lang="en-US"/>
+          </a:p>
+        </p:txBody>
+      </p:sp>
+    </p:spTree>
+    <p:extLst>
+      <p:ext uri="{BB962C8B-B14F-4D97-AF65-F5344CB8AC3E}">
+        <p14:creationId xmlns:p14="http://schemas.microsoft.com/office/powerpoint/2010/main" val="1837503632"/>
+      </p:ext>
+    </p:extLst>
+  </p:cSld>
+  <p:clrMapOvr>
+    <a:masterClrMapping/>
+  </p:clrMapOvr>
+</p:sld>
+</file>
+
+<file path=ppt/slides/slide40.xml><?xml version="1.0" encoding="utf-8"?>
 <p:sld xmlns:a="http://schemas.openxmlformats.org/drawingml/2006/main" xmlns:r="http://schemas.openxmlformats.org/officeDocument/2006/relationships" xmlns:p="http://schemas.openxmlformats.org/presentationml/2006/main">
   <p:cSld>
     <p:spTree>
@@ -11961,435 +13314,7 @@
 </p:sld>
 </file>
 
-<file path=ppt/slides/slide4.xml><?xml version="1.0" encoding="utf-8"?>
-<p:sld xmlns:a="http://schemas.openxmlformats.org/drawingml/2006/main" xmlns:r="http://schemas.openxmlformats.org/officeDocument/2006/relationships" xmlns:p="http://schemas.openxmlformats.org/presentationml/2006/main">
-  <p:cSld>
-    <p:spTree>
-      <p:nvGrpSpPr>
-        <p:cNvPr id="1" name=""/>
-        <p:cNvGrpSpPr/>
-        <p:nvPr/>
-      </p:nvGrpSpPr>
-      <p:grpSpPr>
-        <a:xfrm>
-          <a:off x="0" y="0"/>
-          <a:ext cx="0" cy="0"/>
-          <a:chOff x="0" y="0"/>
-          <a:chExt cx="0" cy="0"/>
-        </a:xfrm>
-      </p:grpSpPr>
-      <p:cxnSp>
-        <p:nvCxnSpPr>
-          <p:cNvPr id="14" name="Straight Connector 13"/>
-          <p:cNvCxnSpPr/>
-          <p:nvPr/>
-        </p:nvCxnSpPr>
-        <p:spPr>
-          <a:xfrm>
-            <a:off x="4406515" y="4832928"/>
-            <a:ext cx="13085" cy="1351972"/>
-          </a:xfrm>
-          <a:prstGeom prst="line">
-            <a:avLst/>
-          </a:prstGeom>
-          <a:ln w="177800" cmpd="sng">
-            <a:solidFill>
-              <a:schemeClr val="tx1"/>
-            </a:solidFill>
-          </a:ln>
-          <a:effectLst/>
-          <a:scene3d>
-            <a:camera prst="perspectiveFront" fov="2400000">
-              <a:rot lat="0" lon="0" rev="0"/>
-            </a:camera>
-            <a:lightRig rig="threePt" dir="t"/>
-          </a:scene3d>
-          <a:sp3d/>
-        </p:spPr>
-        <p:style>
-          <a:lnRef idx="2">
-            <a:schemeClr val="accent1"/>
-          </a:lnRef>
-          <a:fillRef idx="0">
-            <a:schemeClr val="accent1"/>
-          </a:fillRef>
-          <a:effectRef idx="1">
-            <a:schemeClr val="accent1"/>
-          </a:effectRef>
-          <a:fontRef idx="minor">
-            <a:schemeClr val="tx1"/>
-          </a:fontRef>
-        </p:style>
-      </p:cxnSp>
-      <p:cxnSp>
-        <p:nvCxnSpPr>
-          <p:cNvPr id="15" name="Straight Connector 14"/>
-          <p:cNvCxnSpPr/>
-          <p:nvPr/>
-        </p:nvCxnSpPr>
-        <p:spPr>
-          <a:xfrm>
-            <a:off x="4270856" y="4797906"/>
-            <a:ext cx="15394" cy="1285394"/>
-          </a:xfrm>
-          <a:prstGeom prst="line">
-            <a:avLst/>
-          </a:prstGeom>
-          <a:ln w="101600" cmpd="sng">
-            <a:solidFill>
-              <a:schemeClr val="bg1">
-                <a:lumMod val="85000"/>
-              </a:schemeClr>
-            </a:solidFill>
-          </a:ln>
-          <a:effectLst/>
-          <a:scene3d>
-            <a:camera prst="perspectiveFront" fov="2400000">
-              <a:rot lat="0" lon="0" rev="0"/>
-            </a:camera>
-            <a:lightRig rig="threePt" dir="t"/>
-          </a:scene3d>
-          <a:sp3d/>
-        </p:spPr>
-        <p:style>
-          <a:lnRef idx="2">
-            <a:schemeClr val="accent1"/>
-          </a:lnRef>
-          <a:fillRef idx="0">
-            <a:schemeClr val="accent1"/>
-          </a:fillRef>
-          <a:effectRef idx="1">
-            <a:schemeClr val="accent1"/>
-          </a:effectRef>
-          <a:fontRef idx="minor">
-            <a:schemeClr val="tx1"/>
-          </a:fontRef>
-        </p:style>
-      </p:cxnSp>
-      <p:sp>
-        <p:nvSpPr>
-          <p:cNvPr id="17" name="Connector 16"/>
-          <p:cNvSpPr/>
-          <p:nvPr/>
-        </p:nvSpPr>
-        <p:spPr>
-          <a:xfrm>
-            <a:off x="2781300" y="2743848"/>
-            <a:ext cx="3098801" cy="2270729"/>
-          </a:xfrm>
-          <a:prstGeom prst="flowChartConnector">
-            <a:avLst/>
-          </a:prstGeom>
-          <a:gradFill flip="none" rotWithShape="1">
-            <a:gsLst>
-              <a:gs pos="7000">
-                <a:srgbClr val="FFFF00"/>
-              </a:gs>
-              <a:gs pos="100000">
-                <a:schemeClr val="tx1">
-                  <a:lumMod val="75000"/>
-                  <a:lumOff val="25000"/>
-                </a:schemeClr>
-              </a:gs>
-            </a:gsLst>
-            <a:path path="circle">
-              <a:fillToRect t="100000" r="100000"/>
-            </a:path>
-            <a:tileRect l="-100000" b="-100000"/>
-          </a:gradFill>
-          <a:ln w="12700" cmpd="sng">
-            <a:noFill/>
-          </a:ln>
-          <a:effectLst/>
-          <a:scene3d>
-            <a:camera prst="orthographicFront">
-              <a:rot lat="20099998" lon="0" rev="0"/>
-            </a:camera>
-            <a:lightRig rig="threePt" dir="t"/>
-          </a:scene3d>
-          <a:sp3d/>
-        </p:spPr>
-        <p:style>
-          <a:lnRef idx="1">
-            <a:schemeClr val="accent1"/>
-          </a:lnRef>
-          <a:fillRef idx="3">
-            <a:schemeClr val="accent1"/>
-          </a:fillRef>
-          <a:effectRef idx="2">
-            <a:schemeClr val="accent1"/>
-          </a:effectRef>
-          <a:fontRef idx="minor">
-            <a:schemeClr val="lt1"/>
-          </a:fontRef>
-        </p:style>
-        <p:txBody>
-          <a:bodyPr rtlCol="0" anchor="ctr"/>
-          <a:lstStyle/>
-          <a:p>
-            <a:pPr algn="ctr"/>
-            <a:endParaRPr lang="en-US"/>
-          </a:p>
-        </p:txBody>
-      </p:sp>
-      <p:sp>
-        <p:nvSpPr>
-          <p:cNvPr id="18" name="Magnetic Disk 17"/>
-          <p:cNvSpPr/>
-          <p:nvPr/>
-        </p:nvSpPr>
-        <p:spPr>
-          <a:xfrm>
-            <a:off x="3402036" y="723906"/>
-            <a:ext cx="1877663" cy="3395004"/>
-          </a:xfrm>
-          <a:prstGeom prst="flowChartMagneticDisk">
-            <a:avLst/>
-          </a:prstGeom>
-          <a:gradFill flip="none" rotWithShape="1">
-            <a:gsLst>
-              <a:gs pos="13000">
-                <a:schemeClr val="tx1">
-                  <a:lumMod val="75000"/>
-                  <a:lumOff val="25000"/>
-                </a:schemeClr>
-              </a:gs>
-              <a:gs pos="97000">
-                <a:srgbClr val="FFFF00"/>
-              </a:gs>
-            </a:gsLst>
-            <a:lin ang="10800000" scaled="0"/>
-            <a:tileRect/>
-          </a:gradFill>
-          <a:ln w="12700" cmpd="sng">
-            <a:noFill/>
-          </a:ln>
-          <a:effectLst/>
-          <a:scene3d>
-            <a:camera prst="orthographicFront">
-              <a:rot lat="20099998" lon="0" rev="0"/>
-            </a:camera>
-            <a:lightRig rig="threePt" dir="t"/>
-          </a:scene3d>
-          <a:sp3d/>
-        </p:spPr>
-        <p:style>
-          <a:lnRef idx="1">
-            <a:schemeClr val="accent1"/>
-          </a:lnRef>
-          <a:fillRef idx="3">
-            <a:schemeClr val="accent1"/>
-          </a:fillRef>
-          <a:effectRef idx="2">
-            <a:schemeClr val="accent1"/>
-          </a:effectRef>
-          <a:fontRef idx="minor">
-            <a:schemeClr val="lt1"/>
-          </a:fontRef>
-        </p:style>
-        <p:txBody>
-          <a:bodyPr rtlCol="0" anchor="ctr"/>
-          <a:lstStyle/>
-          <a:p>
-            <a:pPr algn="ctr"/>
-            <a:endParaRPr lang="en-US"/>
-          </a:p>
-        </p:txBody>
-      </p:sp>
-      <p:sp>
-        <p:nvSpPr>
-          <p:cNvPr id="3" name="Freeform 2"/>
-          <p:cNvSpPr/>
-          <p:nvPr/>
-        </p:nvSpPr>
-        <p:spPr>
-          <a:xfrm>
-            <a:off x="3877733" y="2116666"/>
-            <a:ext cx="1380067" cy="279913"/>
-          </a:xfrm>
-          <a:custGeom>
-            <a:avLst/>
-            <a:gdLst>
-              <a:gd name="connsiteX0" fmla="*/ 0 w 1329267"/>
-              <a:gd name="connsiteY0" fmla="*/ 228600 h 279913"/>
-              <a:gd name="connsiteX1" fmla="*/ 321734 w 1329267"/>
-              <a:gd name="connsiteY1" fmla="*/ 279400 h 279913"/>
-              <a:gd name="connsiteX2" fmla="*/ 770467 w 1329267"/>
-              <a:gd name="connsiteY2" fmla="*/ 245534 h 279913"/>
-              <a:gd name="connsiteX3" fmla="*/ 1151467 w 1329267"/>
-              <a:gd name="connsiteY3" fmla="*/ 110067 h 279913"/>
-              <a:gd name="connsiteX4" fmla="*/ 1329267 w 1329267"/>
-              <a:gd name="connsiteY4" fmla="*/ 0 h 279913"/>
-            </a:gdLst>
-            <a:ahLst/>
-            <a:cxnLst>
-              <a:cxn ang="0">
-                <a:pos x="connsiteX0" y="connsiteY0"/>
-              </a:cxn>
-              <a:cxn ang="0">
-                <a:pos x="connsiteX1" y="connsiteY1"/>
-              </a:cxn>
-              <a:cxn ang="0">
-                <a:pos x="connsiteX2" y="connsiteY2"/>
-              </a:cxn>
-              <a:cxn ang="0">
-                <a:pos x="connsiteX3" y="connsiteY3"/>
-              </a:cxn>
-              <a:cxn ang="0">
-                <a:pos x="connsiteX4" y="connsiteY4"/>
-              </a:cxn>
-            </a:cxnLst>
-            <a:rect l="l" t="t" r="r" b="b"/>
-            <a:pathLst>
-              <a:path w="1329267" h="279913">
-                <a:moveTo>
-                  <a:pt x="0" y="228600"/>
-                </a:moveTo>
-                <a:cubicBezTo>
-                  <a:pt x="96661" y="252589"/>
-                  <a:pt x="193323" y="276578"/>
-                  <a:pt x="321734" y="279400"/>
-                </a:cubicBezTo>
-                <a:cubicBezTo>
-                  <a:pt x="450145" y="282222"/>
-                  <a:pt x="632178" y="273756"/>
-                  <a:pt x="770467" y="245534"/>
-                </a:cubicBezTo>
-                <a:cubicBezTo>
-                  <a:pt x="908756" y="217312"/>
-                  <a:pt x="1058334" y="150989"/>
-                  <a:pt x="1151467" y="110067"/>
-                </a:cubicBezTo>
-                <a:cubicBezTo>
-                  <a:pt x="1244600" y="69145"/>
-                  <a:pt x="1329267" y="0"/>
-                  <a:pt x="1329267" y="0"/>
-                </a:cubicBezTo>
-              </a:path>
-            </a:pathLst>
-          </a:custGeom>
-          <a:ln w="203200" cap="flat" cmpd="sng">
-            <a:gradFill flip="none" rotWithShape="1">
-              <a:gsLst>
-                <a:gs pos="23000">
-                  <a:schemeClr val="tx1">
-                    <a:lumMod val="85000"/>
-                    <a:lumOff val="15000"/>
-                  </a:schemeClr>
-                </a:gs>
-                <a:gs pos="93000">
-                  <a:srgbClr val="FFFF00"/>
-                </a:gs>
-              </a:gsLst>
-              <a:lin ang="10800000" scaled="0"/>
-              <a:tileRect/>
-            </a:gradFill>
-          </a:ln>
-          <a:effectLst/>
-        </p:spPr>
-        <p:style>
-          <a:lnRef idx="2">
-            <a:schemeClr val="accent1"/>
-          </a:lnRef>
-          <a:fillRef idx="0">
-            <a:schemeClr val="accent1"/>
-          </a:fillRef>
-          <a:effectRef idx="1">
-            <a:schemeClr val="accent1"/>
-          </a:effectRef>
-          <a:fontRef idx="minor">
-            <a:schemeClr val="tx1"/>
-          </a:fontRef>
-        </p:style>
-        <p:txBody>
-          <a:bodyPr rtlCol="0" anchor="ctr"/>
-          <a:lstStyle/>
-          <a:p>
-            <a:pPr algn="ctr"/>
-            <a:endParaRPr lang="en-US"/>
-          </a:p>
-        </p:txBody>
-      </p:sp>
-      <p:sp>
-        <p:nvSpPr>
-          <p:cNvPr id="19" name="Connector 18"/>
-          <p:cNvSpPr/>
-          <p:nvPr/>
-        </p:nvSpPr>
-        <p:spPr>
-          <a:xfrm>
-            <a:off x="3029749" y="495300"/>
-            <a:ext cx="2637842" cy="1932948"/>
-          </a:xfrm>
-          <a:prstGeom prst="flowChartConnector">
-            <a:avLst/>
-          </a:prstGeom>
-          <a:gradFill flip="none" rotWithShape="1">
-            <a:gsLst>
-              <a:gs pos="14000">
-                <a:srgbClr val="FFFF00"/>
-              </a:gs>
-              <a:gs pos="100000">
-                <a:schemeClr val="tx1">
-                  <a:lumMod val="75000"/>
-                  <a:lumOff val="25000"/>
-                </a:schemeClr>
-              </a:gs>
-            </a:gsLst>
-            <a:path path="circle">
-              <a:fillToRect t="100000" r="100000"/>
-            </a:path>
-            <a:tileRect l="-100000" b="-100000"/>
-          </a:gradFill>
-          <a:ln w="12700" cmpd="sng">
-            <a:noFill/>
-          </a:ln>
-          <a:effectLst/>
-          <a:scene3d>
-            <a:camera prst="orthographicFront">
-              <a:rot lat="20099998" lon="0" rev="0"/>
-            </a:camera>
-            <a:lightRig rig="threePt" dir="t"/>
-          </a:scene3d>
-          <a:sp3d/>
-        </p:spPr>
-        <p:style>
-          <a:lnRef idx="1">
-            <a:schemeClr val="accent1"/>
-          </a:lnRef>
-          <a:fillRef idx="3">
-            <a:schemeClr val="accent1"/>
-          </a:fillRef>
-          <a:effectRef idx="2">
-            <a:schemeClr val="accent1"/>
-          </a:effectRef>
-          <a:fontRef idx="minor">
-            <a:schemeClr val="lt1"/>
-          </a:fontRef>
-        </p:style>
-        <p:txBody>
-          <a:bodyPr rtlCol="0" anchor="ctr"/>
-          <a:lstStyle/>
-          <a:p>
-            <a:pPr algn="ctr"/>
-            <a:endParaRPr lang="en-US"/>
-          </a:p>
-        </p:txBody>
-      </p:sp>
-    </p:spTree>
-    <p:extLst>
-      <p:ext uri="{BB962C8B-B14F-4D97-AF65-F5344CB8AC3E}">
-        <p14:creationId xmlns:p14="http://schemas.microsoft.com/office/powerpoint/2010/main" val="1837503632"/>
-      </p:ext>
-    </p:extLst>
-  </p:cSld>
-  <p:clrMapOvr>
-    <a:masterClrMapping/>
-  </p:clrMapOvr>
-</p:sld>
-</file>
-
-<file path=ppt/slides/slide40.xml><?xml version="1.0" encoding="utf-8"?>
+<file path=ppt/slides/slide41.xml><?xml version="1.0" encoding="utf-8"?>
 <p:sld xmlns:a="http://schemas.openxmlformats.org/drawingml/2006/main" xmlns:r="http://schemas.openxmlformats.org/officeDocument/2006/relationships" xmlns:p="http://schemas.openxmlformats.org/presentationml/2006/main">
   <p:cSld>
     <p:spTree>
@@ -12504,7 +13429,7 @@
 </p:sld>
 </file>
 
-<file path=ppt/slides/slide41.xml><?xml version="1.0" encoding="utf-8"?>
+<file path=ppt/slides/slide42.xml><?xml version="1.0" encoding="utf-8"?>
 <p:sld xmlns:a="http://schemas.openxmlformats.org/drawingml/2006/main" xmlns:r="http://schemas.openxmlformats.org/officeDocument/2006/relationships" xmlns:p="http://schemas.openxmlformats.org/presentationml/2006/main">
   <p:cSld>
     <p:spTree>
@@ -12804,7 +13729,7 @@
 </p:sld>
 </file>
 
-<file path=ppt/slides/slide42.xml><?xml version="1.0" encoding="utf-8"?>
+<file path=ppt/slides/slide43.xml><?xml version="1.0" encoding="utf-8"?>
 <p:sld xmlns:a="http://schemas.openxmlformats.org/drawingml/2006/main" xmlns:r="http://schemas.openxmlformats.org/officeDocument/2006/relationships" xmlns:p="http://schemas.openxmlformats.org/presentationml/2006/main">
   <p:cSld>
     <p:spTree>
@@ -12960,7 +13885,7 @@
 </p:sld>
 </file>
 
-<file path=ppt/slides/slide43.xml><?xml version="1.0" encoding="utf-8"?>
+<file path=ppt/slides/slide44.xml><?xml version="1.0" encoding="utf-8"?>
 <p:sld xmlns:a="http://schemas.openxmlformats.org/drawingml/2006/main" xmlns:r="http://schemas.openxmlformats.org/officeDocument/2006/relationships" xmlns:p="http://schemas.openxmlformats.org/presentationml/2006/main">
   <p:cSld>
     <p:spTree>
@@ -13191,7 +14116,7 @@
 </p:sld>
 </file>
 
-<file path=ppt/slides/slide44.xml><?xml version="1.0" encoding="utf-8"?>
+<file path=ppt/slides/slide45.xml><?xml version="1.0" encoding="utf-8"?>
 <p:sld xmlns:a="http://schemas.openxmlformats.org/drawingml/2006/main" xmlns:r="http://schemas.openxmlformats.org/officeDocument/2006/relationships" xmlns:p="http://schemas.openxmlformats.org/presentationml/2006/main">
   <p:cSld>
     <p:spTree>
@@ -13422,122 +14347,6 @@
 </p:sld>
 </file>
 
-<file path=ppt/slides/slide45.xml><?xml version="1.0" encoding="utf-8"?>
-<p:sld xmlns:a="http://schemas.openxmlformats.org/drawingml/2006/main" xmlns:r="http://schemas.openxmlformats.org/officeDocument/2006/relationships" xmlns:p="http://schemas.openxmlformats.org/presentationml/2006/main">
-  <p:cSld>
-    <p:spTree>
-      <p:nvGrpSpPr>
-        <p:cNvPr id="1" name=""/>
-        <p:cNvGrpSpPr/>
-        <p:nvPr/>
-      </p:nvGrpSpPr>
-      <p:grpSpPr>
-        <a:xfrm>
-          <a:off x="0" y="0"/>
-          <a:ext cx="0" cy="0"/>
-          <a:chOff x="0" y="0"/>
-          <a:chExt cx="0" cy="0"/>
-        </a:xfrm>
-      </p:grpSpPr>
-      <p:sp>
-        <p:nvSpPr>
-          <p:cNvPr id="5" name="Circular Arrow 4"/>
-          <p:cNvSpPr/>
-          <p:nvPr/>
-        </p:nvSpPr>
-        <p:spPr>
-          <a:xfrm>
-            <a:off x="2277532" y="1054100"/>
-            <a:ext cx="4493940" cy="4296102"/>
-          </a:xfrm>
-          <a:prstGeom prst="circularArrow">
-            <a:avLst/>
-          </a:prstGeom>
-          <a:effectLst/>
-        </p:spPr>
-        <p:style>
-          <a:lnRef idx="1">
-            <a:schemeClr val="accent1"/>
-          </a:lnRef>
-          <a:fillRef idx="3">
-            <a:schemeClr val="accent1"/>
-          </a:fillRef>
-          <a:effectRef idx="2">
-            <a:schemeClr val="accent1"/>
-          </a:effectRef>
-          <a:fontRef idx="minor">
-            <a:schemeClr val="lt1"/>
-          </a:fontRef>
-        </p:style>
-        <p:txBody>
-          <a:bodyPr rtlCol="0" anchor="ctr"/>
-          <a:lstStyle/>
-          <a:p>
-            <a:pPr algn="ctr"/>
-            <a:endParaRPr lang="en-US">
-              <a:solidFill>
-                <a:schemeClr val="tx1"/>
-              </a:solidFill>
-            </a:endParaRPr>
-          </a:p>
-        </p:txBody>
-      </p:sp>
-      <p:sp>
-        <p:nvSpPr>
-          <p:cNvPr id="6" name="Circular Arrow 5"/>
-          <p:cNvSpPr/>
-          <p:nvPr/>
-        </p:nvSpPr>
-        <p:spPr>
-          <a:xfrm flipH="1" flipV="1">
-            <a:off x="2203193" y="1521860"/>
-            <a:ext cx="4493940" cy="4180440"/>
-          </a:xfrm>
-          <a:prstGeom prst="circularArrow">
-            <a:avLst/>
-          </a:prstGeom>
-          <a:effectLst/>
-        </p:spPr>
-        <p:style>
-          <a:lnRef idx="1">
-            <a:schemeClr val="accent1"/>
-          </a:lnRef>
-          <a:fillRef idx="3">
-            <a:schemeClr val="accent1"/>
-          </a:fillRef>
-          <a:effectRef idx="2">
-            <a:schemeClr val="accent1"/>
-          </a:effectRef>
-          <a:fontRef idx="minor">
-            <a:schemeClr val="lt1"/>
-          </a:fontRef>
-        </p:style>
-        <p:txBody>
-          <a:bodyPr rtlCol="0" anchor="ctr"/>
-          <a:lstStyle/>
-          <a:p>
-            <a:pPr algn="ctr"/>
-            <a:endParaRPr lang="en-US">
-              <a:solidFill>
-                <a:schemeClr val="tx1"/>
-              </a:solidFill>
-            </a:endParaRPr>
-          </a:p>
-        </p:txBody>
-      </p:sp>
-    </p:spTree>
-    <p:extLst>
-      <p:ext uri="{BB962C8B-B14F-4D97-AF65-F5344CB8AC3E}">
-        <p14:creationId xmlns:p14="http://schemas.microsoft.com/office/powerpoint/2010/main" val="1387979101"/>
-      </p:ext>
-    </p:extLst>
-  </p:cSld>
-  <p:clrMapOvr>
-    <a:masterClrMapping/>
-  </p:clrMapOvr>
-</p:sld>
-</file>
-
 <file path=ppt/slides/slide46.xml><?xml version="1.0" encoding="utf-8"?>
 <p:sld xmlns:a="http://schemas.openxmlformats.org/drawingml/2006/main" xmlns:r="http://schemas.openxmlformats.org/officeDocument/2006/relationships" xmlns:p="http://schemas.openxmlformats.org/presentationml/2006/main">
   <p:cSld>
@@ -13557,6 +14366,122 @@
       </p:grpSpPr>
       <p:sp>
         <p:nvSpPr>
+          <p:cNvPr id="5" name="Circular Arrow 4"/>
+          <p:cNvSpPr/>
+          <p:nvPr/>
+        </p:nvSpPr>
+        <p:spPr>
+          <a:xfrm>
+            <a:off x="2277532" y="1054100"/>
+            <a:ext cx="4493940" cy="4296102"/>
+          </a:xfrm>
+          <a:prstGeom prst="circularArrow">
+            <a:avLst/>
+          </a:prstGeom>
+          <a:effectLst/>
+        </p:spPr>
+        <p:style>
+          <a:lnRef idx="1">
+            <a:schemeClr val="accent1"/>
+          </a:lnRef>
+          <a:fillRef idx="3">
+            <a:schemeClr val="accent1"/>
+          </a:fillRef>
+          <a:effectRef idx="2">
+            <a:schemeClr val="accent1"/>
+          </a:effectRef>
+          <a:fontRef idx="minor">
+            <a:schemeClr val="lt1"/>
+          </a:fontRef>
+        </p:style>
+        <p:txBody>
+          <a:bodyPr rtlCol="0" anchor="ctr"/>
+          <a:lstStyle/>
+          <a:p>
+            <a:pPr algn="ctr"/>
+            <a:endParaRPr lang="en-US">
+              <a:solidFill>
+                <a:schemeClr val="tx1"/>
+              </a:solidFill>
+            </a:endParaRPr>
+          </a:p>
+        </p:txBody>
+      </p:sp>
+      <p:sp>
+        <p:nvSpPr>
+          <p:cNvPr id="6" name="Circular Arrow 5"/>
+          <p:cNvSpPr/>
+          <p:nvPr/>
+        </p:nvSpPr>
+        <p:spPr>
+          <a:xfrm flipH="1" flipV="1">
+            <a:off x="2203193" y="1521860"/>
+            <a:ext cx="4493940" cy="4180440"/>
+          </a:xfrm>
+          <a:prstGeom prst="circularArrow">
+            <a:avLst/>
+          </a:prstGeom>
+          <a:effectLst/>
+        </p:spPr>
+        <p:style>
+          <a:lnRef idx="1">
+            <a:schemeClr val="accent1"/>
+          </a:lnRef>
+          <a:fillRef idx="3">
+            <a:schemeClr val="accent1"/>
+          </a:fillRef>
+          <a:effectRef idx="2">
+            <a:schemeClr val="accent1"/>
+          </a:effectRef>
+          <a:fontRef idx="minor">
+            <a:schemeClr val="lt1"/>
+          </a:fontRef>
+        </p:style>
+        <p:txBody>
+          <a:bodyPr rtlCol="0" anchor="ctr"/>
+          <a:lstStyle/>
+          <a:p>
+            <a:pPr algn="ctr"/>
+            <a:endParaRPr lang="en-US">
+              <a:solidFill>
+                <a:schemeClr val="tx1"/>
+              </a:solidFill>
+            </a:endParaRPr>
+          </a:p>
+        </p:txBody>
+      </p:sp>
+    </p:spTree>
+    <p:extLst>
+      <p:ext uri="{BB962C8B-B14F-4D97-AF65-F5344CB8AC3E}">
+        <p14:creationId xmlns:p14="http://schemas.microsoft.com/office/powerpoint/2010/main" val="1387979101"/>
+      </p:ext>
+    </p:extLst>
+  </p:cSld>
+  <p:clrMapOvr>
+    <a:masterClrMapping/>
+  </p:clrMapOvr>
+</p:sld>
+</file>
+
+<file path=ppt/slides/slide47.xml><?xml version="1.0" encoding="utf-8"?>
+<p:sld xmlns:a="http://schemas.openxmlformats.org/drawingml/2006/main" xmlns:r="http://schemas.openxmlformats.org/officeDocument/2006/relationships" xmlns:p="http://schemas.openxmlformats.org/presentationml/2006/main">
+  <p:cSld>
+    <p:spTree>
+      <p:nvGrpSpPr>
+        <p:cNvPr id="1" name=""/>
+        <p:cNvGrpSpPr/>
+        <p:nvPr/>
+      </p:nvGrpSpPr>
+      <p:grpSpPr>
+        <a:xfrm>
+          <a:off x="0" y="0"/>
+          <a:ext cx="0" cy="0"/>
+          <a:chOff x="0" y="0"/>
+          <a:chExt cx="0" cy="0"/>
+        </a:xfrm>
+      </p:grpSpPr>
+      <p:sp>
+        <p:nvSpPr>
           <p:cNvPr id="2" name="Oval 1"/>
           <p:cNvSpPr/>
           <p:nvPr/>
@@ -14118,7 +15043,7 @@
 </p:sld>
 </file>
 
-<file path=ppt/slides/slide47.xml><?xml version="1.0" encoding="utf-8"?>
+<file path=ppt/slides/slide48.xml><?xml version="1.0" encoding="utf-8"?>
 <p:sld xmlns:a="http://schemas.openxmlformats.org/drawingml/2006/main" xmlns:r="http://schemas.openxmlformats.org/officeDocument/2006/relationships" xmlns:p="http://schemas.openxmlformats.org/presentationml/2006/main">
   <p:cSld>
     <p:spTree>
@@ -14828,7 +15753,7 @@
 </p:sld>
 </file>
 
-<file path=ppt/slides/slide48.xml><?xml version="1.0" encoding="utf-8"?>
+<file path=ppt/slides/slide49.xml><?xml version="1.0" encoding="utf-8"?>
 <p:sld xmlns:a="http://schemas.openxmlformats.org/drawingml/2006/main" xmlns:r="http://schemas.openxmlformats.org/officeDocument/2006/relationships" xmlns:p="http://schemas.openxmlformats.org/presentationml/2006/main">
   <p:cSld>
     <p:spTree>

--- a/dert/doc/Icons.pptx
+++ b/dert/doc/Icons.pptx
@@ -336,7 +336,7 @@
           <a:p>
             <a:fld id="{E988B1C8-4186-F54F-A582-F7FEE240AB22}" type="datetimeFigureOut">
               <a:rPr lang="en-US" smtClean="0"/>
-              <a:t>8/24/16</a:t>
+              <a:t>8/30/16</a:t>
             </a:fld>
             <a:endParaRPr lang="en-US"/>
           </a:p>
@@ -506,7 +506,7 @@
           <a:p>
             <a:fld id="{E988B1C8-4186-F54F-A582-F7FEE240AB22}" type="datetimeFigureOut">
               <a:rPr lang="en-US" smtClean="0"/>
-              <a:t>8/24/16</a:t>
+              <a:t>8/30/16</a:t>
             </a:fld>
             <a:endParaRPr lang="en-US"/>
           </a:p>
@@ -686,7 +686,7 @@
           <a:p>
             <a:fld id="{E988B1C8-4186-F54F-A582-F7FEE240AB22}" type="datetimeFigureOut">
               <a:rPr lang="en-US" smtClean="0"/>
-              <a:t>8/24/16</a:t>
+              <a:t>8/30/16</a:t>
             </a:fld>
             <a:endParaRPr lang="en-US"/>
           </a:p>
@@ -856,7 +856,7 @@
           <a:p>
             <a:fld id="{E988B1C8-4186-F54F-A582-F7FEE240AB22}" type="datetimeFigureOut">
               <a:rPr lang="en-US" smtClean="0"/>
-              <a:t>8/24/16</a:t>
+              <a:t>8/30/16</a:t>
             </a:fld>
             <a:endParaRPr lang="en-US"/>
           </a:p>
@@ -1102,7 +1102,7 @@
           <a:p>
             <a:fld id="{E988B1C8-4186-F54F-A582-F7FEE240AB22}" type="datetimeFigureOut">
               <a:rPr lang="en-US" smtClean="0"/>
-              <a:t>8/24/16</a:t>
+              <a:t>8/30/16</a:t>
             </a:fld>
             <a:endParaRPr lang="en-US"/>
           </a:p>
@@ -1390,7 +1390,7 @@
           <a:p>
             <a:fld id="{E988B1C8-4186-F54F-A582-F7FEE240AB22}" type="datetimeFigureOut">
               <a:rPr lang="en-US" smtClean="0"/>
-              <a:t>8/24/16</a:t>
+              <a:t>8/30/16</a:t>
             </a:fld>
             <a:endParaRPr lang="en-US"/>
           </a:p>
@@ -1812,7 +1812,7 @@
           <a:p>
             <a:fld id="{E988B1C8-4186-F54F-A582-F7FEE240AB22}" type="datetimeFigureOut">
               <a:rPr lang="en-US" smtClean="0"/>
-              <a:t>8/24/16</a:t>
+              <a:t>8/30/16</a:t>
             </a:fld>
             <a:endParaRPr lang="en-US"/>
           </a:p>
@@ -1930,7 +1930,7 @@
           <a:p>
             <a:fld id="{E988B1C8-4186-F54F-A582-F7FEE240AB22}" type="datetimeFigureOut">
               <a:rPr lang="en-US" smtClean="0"/>
-              <a:t>8/24/16</a:t>
+              <a:t>8/30/16</a:t>
             </a:fld>
             <a:endParaRPr lang="en-US"/>
           </a:p>
@@ -2025,7 +2025,7 @@
           <a:p>
             <a:fld id="{E988B1C8-4186-F54F-A582-F7FEE240AB22}" type="datetimeFigureOut">
               <a:rPr lang="en-US" smtClean="0"/>
-              <a:t>8/24/16</a:t>
+              <a:t>8/30/16</a:t>
             </a:fld>
             <a:endParaRPr lang="en-US"/>
           </a:p>
@@ -2302,7 +2302,7 @@
           <a:p>
             <a:fld id="{E988B1C8-4186-F54F-A582-F7FEE240AB22}" type="datetimeFigureOut">
               <a:rPr lang="en-US" smtClean="0"/>
-              <a:t>8/24/16</a:t>
+              <a:t>8/30/16</a:t>
             </a:fld>
             <a:endParaRPr lang="en-US"/>
           </a:p>
@@ -2555,7 +2555,7 @@
           <a:p>
             <a:fld id="{E988B1C8-4186-F54F-A582-F7FEE240AB22}" type="datetimeFigureOut">
               <a:rPr lang="en-US" smtClean="0"/>
-              <a:t>8/24/16</a:t>
+              <a:t>8/30/16</a:t>
             </a:fld>
             <a:endParaRPr lang="en-US"/>
           </a:p>
@@ -2768,7 +2768,7 @@
           <a:p>
             <a:fld id="{E988B1C8-4186-F54F-A582-F7FEE240AB22}" type="datetimeFigureOut">
               <a:rPr lang="en-US" smtClean="0"/>
-              <a:t>8/24/16</a:t>
+              <a:t>8/30/16</a:t>
             </a:fld>
             <a:endParaRPr lang="en-US"/>
           </a:p>
@@ -7914,8 +7914,8 @@
         </p:nvGrpSpPr>
         <p:grpSpPr>
           <a:xfrm>
-            <a:off x="3699935" y="2565400"/>
-            <a:ext cx="3202618" cy="2521209"/>
+            <a:off x="3767667" y="2565400"/>
+            <a:ext cx="2921000" cy="2521209"/>
             <a:chOff x="3699935" y="2565400"/>
             <a:chExt cx="3202618" cy="2521209"/>
           </a:xfrm>
@@ -8233,7 +8233,7 @@
               <a:solidFill>
                 <a:srgbClr val="804000"/>
               </a:solidFill>
-              <a:ln>
+              <a:ln w="76200" cmpd="sng">
                 <a:solidFill>
                   <a:schemeClr val="tx1"/>
                 </a:solidFill>
@@ -8272,7 +8272,7 @@
               <a:solidFill>
                 <a:srgbClr val="804000"/>
               </a:solidFill>
-              <a:ln>
+              <a:ln w="76200" cmpd="sng">
                 <a:solidFill>
                   <a:schemeClr val="tx1"/>
                 </a:solidFill>
@@ -8311,7 +8311,7 @@
               <a:solidFill>
                 <a:srgbClr val="804000"/>
               </a:solidFill>
-              <a:ln>
+              <a:ln w="76200" cmpd="sng">
                 <a:solidFill>
                   <a:schemeClr val="tx1"/>
                 </a:solidFill>
@@ -8347,7 +8347,7 @@
               <a:prstGeom prst="line">
                 <a:avLst/>
               </a:prstGeom>
-              <a:ln>
+              <a:ln w="76200" cmpd="sng">
                 <a:solidFill>
                   <a:schemeClr val="tx1"/>
                 </a:solidFill>
@@ -8383,7 +8383,7 @@
               <a:prstGeom prst="line">
                 <a:avLst/>
               </a:prstGeom>
-              <a:ln>
+              <a:ln w="76200" cmpd="sng">
                 <a:solidFill>
                   <a:schemeClr val="tx1"/>
                 </a:solidFill>
@@ -8423,7 +8423,7 @@
             <a:solidFill>
               <a:srgbClr val="804000"/>
             </a:solidFill>
-            <a:ln>
+            <a:ln w="76200" cmpd="sng">
               <a:solidFill>
                 <a:schemeClr val="tx1"/>
               </a:solidFill>

--- a/dert/doc/Icons.pptx
+++ b/dert/doc/Icons.pptx
@@ -336,7 +336,7 @@
           <a:p>
             <a:fld id="{E988B1C8-4186-F54F-A582-F7FEE240AB22}" type="datetimeFigureOut">
               <a:rPr lang="en-US" smtClean="0"/>
-              <a:t>8/30/16</a:t>
+              <a:t>11/23/16</a:t>
             </a:fld>
             <a:endParaRPr lang="en-US"/>
           </a:p>
@@ -506,7 +506,7 @@
           <a:p>
             <a:fld id="{E988B1C8-4186-F54F-A582-F7FEE240AB22}" type="datetimeFigureOut">
               <a:rPr lang="en-US" smtClean="0"/>
-              <a:t>8/30/16</a:t>
+              <a:t>11/23/16</a:t>
             </a:fld>
             <a:endParaRPr lang="en-US"/>
           </a:p>
@@ -686,7 +686,7 @@
           <a:p>
             <a:fld id="{E988B1C8-4186-F54F-A582-F7FEE240AB22}" type="datetimeFigureOut">
               <a:rPr lang="en-US" smtClean="0"/>
-              <a:t>8/30/16</a:t>
+              <a:t>11/23/16</a:t>
             </a:fld>
             <a:endParaRPr lang="en-US"/>
           </a:p>
@@ -856,7 +856,7 @@
           <a:p>
             <a:fld id="{E988B1C8-4186-F54F-A582-F7FEE240AB22}" type="datetimeFigureOut">
               <a:rPr lang="en-US" smtClean="0"/>
-              <a:t>8/30/16</a:t>
+              <a:t>11/23/16</a:t>
             </a:fld>
             <a:endParaRPr lang="en-US"/>
           </a:p>
@@ -1102,7 +1102,7 @@
           <a:p>
             <a:fld id="{E988B1C8-4186-F54F-A582-F7FEE240AB22}" type="datetimeFigureOut">
               <a:rPr lang="en-US" smtClean="0"/>
-              <a:t>8/30/16</a:t>
+              <a:t>11/23/16</a:t>
             </a:fld>
             <a:endParaRPr lang="en-US"/>
           </a:p>
@@ -1390,7 +1390,7 @@
           <a:p>
             <a:fld id="{E988B1C8-4186-F54F-A582-F7FEE240AB22}" type="datetimeFigureOut">
               <a:rPr lang="en-US" smtClean="0"/>
-              <a:t>8/30/16</a:t>
+              <a:t>11/23/16</a:t>
             </a:fld>
             <a:endParaRPr lang="en-US"/>
           </a:p>
@@ -1812,7 +1812,7 @@
           <a:p>
             <a:fld id="{E988B1C8-4186-F54F-A582-F7FEE240AB22}" type="datetimeFigureOut">
               <a:rPr lang="en-US" smtClean="0"/>
-              <a:t>8/30/16</a:t>
+              <a:t>11/23/16</a:t>
             </a:fld>
             <a:endParaRPr lang="en-US"/>
           </a:p>
@@ -1930,7 +1930,7 @@
           <a:p>
             <a:fld id="{E988B1C8-4186-F54F-A582-F7FEE240AB22}" type="datetimeFigureOut">
               <a:rPr lang="en-US" smtClean="0"/>
-              <a:t>8/30/16</a:t>
+              <a:t>11/23/16</a:t>
             </a:fld>
             <a:endParaRPr lang="en-US"/>
           </a:p>
@@ -2025,7 +2025,7 @@
           <a:p>
             <a:fld id="{E988B1C8-4186-F54F-A582-F7FEE240AB22}" type="datetimeFigureOut">
               <a:rPr lang="en-US" smtClean="0"/>
-              <a:t>8/30/16</a:t>
+              <a:t>11/23/16</a:t>
             </a:fld>
             <a:endParaRPr lang="en-US"/>
           </a:p>
@@ -2302,7 +2302,7 @@
           <a:p>
             <a:fld id="{E988B1C8-4186-F54F-A582-F7FEE240AB22}" type="datetimeFigureOut">
               <a:rPr lang="en-US" smtClean="0"/>
-              <a:t>8/30/16</a:t>
+              <a:t>11/23/16</a:t>
             </a:fld>
             <a:endParaRPr lang="en-US"/>
           </a:p>
@@ -2555,7 +2555,7 @@
           <a:p>
             <a:fld id="{E988B1C8-4186-F54F-A582-F7FEE240AB22}" type="datetimeFigureOut">
               <a:rPr lang="en-US" smtClean="0"/>
-              <a:t>8/30/16</a:t>
+              <a:t>11/23/16</a:t>
             </a:fld>
             <a:endParaRPr lang="en-US"/>
           </a:p>
@@ -2768,7 +2768,7 @@
           <a:p>
             <a:fld id="{E988B1C8-4186-F54F-A582-F7FEE240AB22}" type="datetimeFigureOut">
               <a:rPr lang="en-US" smtClean="0"/>
-              <a:t>8/30/16</a:t>
+              <a:t>11/23/16</a:t>
             </a:fld>
             <a:endParaRPr lang="en-US"/>
           </a:p>
@@ -17632,156 +17632,65 @@
           <a:chExt cx="0" cy="0"/>
         </a:xfrm>
       </p:grpSpPr>
-      <p:grpSp>
-        <p:nvGrpSpPr>
-          <p:cNvPr id="2" name="Group 1"/>
-          <p:cNvGrpSpPr/>
-          <p:nvPr/>
-        </p:nvGrpSpPr>
-        <p:grpSpPr>
+      <p:sp>
+        <p:nvSpPr>
+          <p:cNvPr id="4" name="Oval 3"/>
+          <p:cNvSpPr/>
+          <p:nvPr/>
+        </p:nvSpPr>
+        <p:spPr>
           <a:xfrm>
-            <a:off x="2963337" y="1117600"/>
-            <a:ext cx="2683934" cy="4902200"/>
-            <a:chOff x="2963337" y="1117600"/>
-            <a:chExt cx="2683934" cy="4902200"/>
-          </a:xfrm>
-        </p:grpSpPr>
-        <p:cxnSp>
-          <p:nvCxnSpPr>
-            <p:cNvPr id="10" name="Straight Connector 9"/>
-            <p:cNvCxnSpPr>
-              <a:stCxn id="4" idx="4"/>
-            </p:cNvCxnSpPr>
-            <p:nvPr/>
-          </p:nvCxnSpPr>
-          <p:spPr>
-            <a:xfrm>
-              <a:off x="4305304" y="3801534"/>
-              <a:ext cx="4230" cy="2218266"/>
-            </a:xfrm>
-            <a:prstGeom prst="line">
-              <a:avLst/>
-            </a:prstGeom>
-            <a:ln w="177800" cmpd="sng">
-              <a:solidFill>
-                <a:schemeClr val="tx1"/>
-              </a:solidFill>
-            </a:ln>
-            <a:effectLst/>
-          </p:spPr>
-          <p:style>
-            <a:lnRef idx="2">
-              <a:schemeClr val="accent1"/>
-            </a:lnRef>
-            <a:fillRef idx="0">
-              <a:schemeClr val="accent1"/>
-            </a:fillRef>
-            <a:effectRef idx="1">
-              <a:schemeClr val="accent1"/>
-            </a:effectRef>
-            <a:fontRef idx="minor">
-              <a:schemeClr val="tx1"/>
-            </a:fontRef>
-          </p:style>
-        </p:cxnSp>
-        <p:cxnSp>
-          <p:nvCxnSpPr>
-            <p:cNvPr id="9" name="Straight Connector 8"/>
-            <p:cNvCxnSpPr/>
-            <p:nvPr/>
-          </p:nvCxnSpPr>
-          <p:spPr>
-            <a:xfrm>
-              <a:off x="4216400" y="3797300"/>
-              <a:ext cx="0" cy="1981200"/>
-            </a:xfrm>
-            <a:prstGeom prst="line">
-              <a:avLst/>
-            </a:prstGeom>
-            <a:ln w="101600" cmpd="sng">
-              <a:solidFill>
-                <a:schemeClr val="bg1">
-                  <a:lumMod val="95000"/>
+            <a:off x="3259671" y="2150533"/>
+            <a:ext cx="2683934" cy="2683934"/>
+          </a:xfrm>
+          <a:prstGeom prst="ellipse">
+            <a:avLst/>
+          </a:prstGeom>
+          <a:gradFill flip="none" rotWithShape="1">
+            <a:gsLst>
+              <a:gs pos="25000">
+                <a:srgbClr val="FF4CFF"/>
+              </a:gs>
+              <a:gs pos="91000">
+                <a:schemeClr val="tx1">
+                  <a:lumMod val="50000"/>
+                  <a:lumOff val="50000"/>
                 </a:schemeClr>
-              </a:solidFill>
-            </a:ln>
-            <a:effectLst/>
-          </p:spPr>
-          <p:style>
-            <a:lnRef idx="2">
-              <a:schemeClr val="accent1"/>
-            </a:lnRef>
-            <a:fillRef idx="0">
-              <a:schemeClr val="accent1"/>
-            </a:fillRef>
-            <a:effectRef idx="1">
-              <a:schemeClr val="accent1"/>
-            </a:effectRef>
-            <a:fontRef idx="minor">
-              <a:schemeClr val="tx1"/>
-            </a:fontRef>
-          </p:style>
-        </p:cxnSp>
-        <p:sp>
-          <p:nvSpPr>
-            <p:cNvPr id="4" name="Oval 3"/>
-            <p:cNvSpPr/>
-            <p:nvPr/>
-          </p:nvSpPr>
-          <p:spPr>
-            <a:xfrm>
-              <a:off x="2963337" y="1117600"/>
-              <a:ext cx="2683934" cy="2683934"/>
-            </a:xfrm>
-            <a:prstGeom prst="ellipse">
-              <a:avLst/>
-            </a:prstGeom>
-            <a:gradFill flip="none" rotWithShape="1">
-              <a:gsLst>
-                <a:gs pos="25000">
-                  <a:srgbClr val="FF4CFF"/>
-                </a:gs>
-                <a:gs pos="91000">
-                  <a:schemeClr val="tx1">
-                    <a:lumMod val="50000"/>
-                    <a:lumOff val="50000"/>
-                  </a:schemeClr>
-                </a:gs>
-              </a:gsLst>
-              <a:path path="circle">
-                <a:fillToRect r="100000" b="100000"/>
-              </a:path>
-              <a:tileRect l="-100000" t="-100000"/>
-            </a:gradFill>
-            <a:ln w="12700" cmpd="sng">
-              <a:noFill/>
-            </a:ln>
-            <a:effectLst/>
-          </p:spPr>
-          <p:style>
-            <a:lnRef idx="1">
-              <a:schemeClr val="accent1"/>
-            </a:lnRef>
-            <a:fillRef idx="3">
-              <a:schemeClr val="accent1"/>
-            </a:fillRef>
-            <a:effectRef idx="2">
-              <a:schemeClr val="accent1"/>
-            </a:effectRef>
-            <a:fontRef idx="minor">
-              <a:schemeClr val="lt1"/>
-            </a:fontRef>
-          </p:style>
-          <p:txBody>
-            <a:bodyPr rtlCol="0" anchor="ctr"/>
-            <a:lstStyle/>
-            <a:p>
-              <a:pPr algn="ctr"/>
-              <a:endParaRPr lang="en-US"/>
-            </a:p>
-          </p:txBody>
-        </p:sp>
-      </p:grpSp>
+              </a:gs>
+            </a:gsLst>
+            <a:path path="circle">
+              <a:fillToRect r="100000" b="100000"/>
+            </a:path>
+            <a:tileRect l="-100000" t="-100000"/>
+          </a:gradFill>
+          <a:ln w="12700" cmpd="sng">
+            <a:noFill/>
+          </a:ln>
+          <a:effectLst/>
+        </p:spPr>
+        <p:style>
+          <a:lnRef idx="1">
+            <a:schemeClr val="accent1"/>
+          </a:lnRef>
+          <a:fillRef idx="3">
+            <a:schemeClr val="accent1"/>
+          </a:fillRef>
+          <a:effectRef idx="2">
+            <a:schemeClr val="accent1"/>
+          </a:effectRef>
+          <a:fontRef idx="minor">
+            <a:schemeClr val="lt1"/>
+          </a:fontRef>
+        </p:style>
+        <p:txBody>
+          <a:bodyPr rtlCol="0" anchor="ctr"/>
+          <a:lstStyle/>
+          <a:p>
+            <a:pPr algn="ctr"/>
+            <a:endParaRPr lang="en-US"/>
+          </a:p>
+        </p:txBody>
+      </p:sp>
     </p:spTree>
     <p:extLst>
       <p:ext uri="{BB962C8B-B14F-4D97-AF65-F5344CB8AC3E}">

--- a/dert/doc/Icons.pptx
+++ b/dert/doc/Icons.pptx
@@ -336,7 +336,7 @@
           <a:p>
             <a:fld id="{E988B1C8-4186-F54F-A582-F7FEE240AB22}" type="datetimeFigureOut">
               <a:rPr lang="en-US" smtClean="0"/>
-              <a:t>11/23/16</a:t>
+              <a:t>12/6/16</a:t>
             </a:fld>
             <a:endParaRPr lang="en-US"/>
           </a:p>
@@ -506,7 +506,7 @@
           <a:p>
             <a:fld id="{E988B1C8-4186-F54F-A582-F7FEE240AB22}" type="datetimeFigureOut">
               <a:rPr lang="en-US" smtClean="0"/>
-              <a:t>11/23/16</a:t>
+              <a:t>12/6/16</a:t>
             </a:fld>
             <a:endParaRPr lang="en-US"/>
           </a:p>
@@ -686,7 +686,7 @@
           <a:p>
             <a:fld id="{E988B1C8-4186-F54F-A582-F7FEE240AB22}" type="datetimeFigureOut">
               <a:rPr lang="en-US" smtClean="0"/>
-              <a:t>11/23/16</a:t>
+              <a:t>12/6/16</a:t>
             </a:fld>
             <a:endParaRPr lang="en-US"/>
           </a:p>
@@ -856,7 +856,7 @@
           <a:p>
             <a:fld id="{E988B1C8-4186-F54F-A582-F7FEE240AB22}" type="datetimeFigureOut">
               <a:rPr lang="en-US" smtClean="0"/>
-              <a:t>11/23/16</a:t>
+              <a:t>12/6/16</a:t>
             </a:fld>
             <a:endParaRPr lang="en-US"/>
           </a:p>
@@ -1102,7 +1102,7 @@
           <a:p>
             <a:fld id="{E988B1C8-4186-F54F-A582-F7FEE240AB22}" type="datetimeFigureOut">
               <a:rPr lang="en-US" smtClean="0"/>
-              <a:t>11/23/16</a:t>
+              <a:t>12/6/16</a:t>
             </a:fld>
             <a:endParaRPr lang="en-US"/>
           </a:p>
@@ -1390,7 +1390,7 @@
           <a:p>
             <a:fld id="{E988B1C8-4186-F54F-A582-F7FEE240AB22}" type="datetimeFigureOut">
               <a:rPr lang="en-US" smtClean="0"/>
-              <a:t>11/23/16</a:t>
+              <a:t>12/6/16</a:t>
             </a:fld>
             <a:endParaRPr lang="en-US"/>
           </a:p>
@@ -1812,7 +1812,7 @@
           <a:p>
             <a:fld id="{E988B1C8-4186-F54F-A582-F7FEE240AB22}" type="datetimeFigureOut">
               <a:rPr lang="en-US" smtClean="0"/>
-              <a:t>11/23/16</a:t>
+              <a:t>12/6/16</a:t>
             </a:fld>
             <a:endParaRPr lang="en-US"/>
           </a:p>
@@ -1930,7 +1930,7 @@
           <a:p>
             <a:fld id="{E988B1C8-4186-F54F-A582-F7FEE240AB22}" type="datetimeFigureOut">
               <a:rPr lang="en-US" smtClean="0"/>
-              <a:t>11/23/16</a:t>
+              <a:t>12/6/16</a:t>
             </a:fld>
             <a:endParaRPr lang="en-US"/>
           </a:p>
@@ -2025,7 +2025,7 @@
           <a:p>
             <a:fld id="{E988B1C8-4186-F54F-A582-F7FEE240AB22}" type="datetimeFigureOut">
               <a:rPr lang="en-US" smtClean="0"/>
-              <a:t>11/23/16</a:t>
+              <a:t>12/6/16</a:t>
             </a:fld>
             <a:endParaRPr lang="en-US"/>
           </a:p>
@@ -2302,7 +2302,7 @@
           <a:p>
             <a:fld id="{E988B1C8-4186-F54F-A582-F7FEE240AB22}" type="datetimeFigureOut">
               <a:rPr lang="en-US" smtClean="0"/>
-              <a:t>11/23/16</a:t>
+              <a:t>12/6/16</a:t>
             </a:fld>
             <a:endParaRPr lang="en-US"/>
           </a:p>
@@ -2555,7 +2555,7 @@
           <a:p>
             <a:fld id="{E988B1C8-4186-F54F-A582-F7FEE240AB22}" type="datetimeFigureOut">
               <a:rPr lang="en-US" smtClean="0"/>
-              <a:t>11/23/16</a:t>
+              <a:t>12/6/16</a:t>
             </a:fld>
             <a:endParaRPr lang="en-US"/>
           </a:p>
@@ -2768,7 +2768,7 @@
           <a:p>
             <a:fld id="{E988B1C8-4186-F54F-A582-F7FEE240AB22}" type="datetimeFigureOut">
               <a:rPr lang="en-US" smtClean="0"/>
-              <a:t>11/23/16</a:t>
+              <a:t>12/6/16</a:t>
             </a:fld>
             <a:endParaRPr lang="en-US"/>
           </a:p>
@@ -17721,158 +17721,143 @@
           <a:chExt cx="0" cy="0"/>
         </a:xfrm>
       </p:grpSpPr>
-      <p:grpSp>
-        <p:nvGrpSpPr>
-          <p:cNvPr id="3" name="Group 2"/>
-          <p:cNvGrpSpPr/>
-          <p:nvPr/>
-        </p:nvGrpSpPr>
-        <p:grpSpPr>
+      <p:cxnSp>
+        <p:nvCxnSpPr>
+          <p:cNvPr id="10" name="Straight Connector 9"/>
+          <p:cNvCxnSpPr/>
+          <p:nvPr/>
+        </p:nvCxnSpPr>
+        <p:spPr>
+          <a:xfrm>
+            <a:off x="4305304" y="3801534"/>
+            <a:ext cx="0" cy="1413933"/>
+          </a:xfrm>
+          <a:prstGeom prst="line">
+            <a:avLst/>
+          </a:prstGeom>
+          <a:ln w="177800" cmpd="sng">
+            <a:solidFill>
+              <a:schemeClr val="tx1"/>
+            </a:solidFill>
+          </a:ln>
+          <a:effectLst/>
+        </p:spPr>
+        <p:style>
+          <a:lnRef idx="2">
+            <a:schemeClr val="accent1"/>
+          </a:lnRef>
+          <a:fillRef idx="0">
+            <a:schemeClr val="accent1"/>
+          </a:fillRef>
+          <a:effectRef idx="1">
+            <a:schemeClr val="accent1"/>
+          </a:effectRef>
+          <a:fontRef idx="minor">
+            <a:schemeClr val="tx1"/>
+          </a:fontRef>
+        </p:style>
+      </p:cxnSp>
+      <p:cxnSp>
+        <p:nvCxnSpPr>
+          <p:cNvPr id="9" name="Straight Connector 8"/>
+          <p:cNvCxnSpPr/>
+          <p:nvPr/>
+        </p:nvCxnSpPr>
+        <p:spPr>
+          <a:xfrm>
+            <a:off x="4216400" y="3702050"/>
+            <a:ext cx="0" cy="1377950"/>
+          </a:xfrm>
+          <a:prstGeom prst="line">
+            <a:avLst/>
+          </a:prstGeom>
+          <a:ln w="101600" cmpd="sng">
+            <a:solidFill>
+              <a:schemeClr val="bg1">
+                <a:lumMod val="95000"/>
+              </a:schemeClr>
+            </a:solidFill>
+          </a:ln>
+          <a:effectLst/>
+        </p:spPr>
+        <p:style>
+          <a:lnRef idx="2">
+            <a:schemeClr val="accent1"/>
+          </a:lnRef>
+          <a:fillRef idx="0">
+            <a:schemeClr val="accent1"/>
+          </a:fillRef>
+          <a:effectRef idx="1">
+            <a:schemeClr val="accent1"/>
+          </a:effectRef>
+          <a:fontRef idx="minor">
+            <a:schemeClr val="tx1"/>
+          </a:fontRef>
+        </p:style>
+      </p:cxnSp>
+      <p:sp>
+        <p:nvSpPr>
+          <p:cNvPr id="2" name="Diamond 1"/>
+          <p:cNvSpPr/>
+          <p:nvPr/>
+        </p:nvSpPr>
+        <p:spPr>
           <a:xfrm>
             <a:off x="2609273" y="823576"/>
-            <a:ext cx="3371273" cy="5196224"/>
-            <a:chOff x="2609273" y="823576"/>
-            <a:chExt cx="3371273" cy="5196224"/>
-          </a:xfrm>
-        </p:grpSpPr>
-        <p:cxnSp>
-          <p:nvCxnSpPr>
-            <p:cNvPr id="10" name="Straight Connector 9"/>
-            <p:cNvCxnSpPr/>
-            <p:nvPr/>
-          </p:nvCxnSpPr>
-          <p:spPr>
-            <a:xfrm>
-              <a:off x="4305304" y="3801534"/>
-              <a:ext cx="4230" cy="2218266"/>
-            </a:xfrm>
-            <a:prstGeom prst="line">
-              <a:avLst/>
-            </a:prstGeom>
-            <a:ln w="177800" cmpd="sng">
-              <a:solidFill>
-                <a:schemeClr val="tx1"/>
-              </a:solidFill>
-            </a:ln>
-            <a:effectLst/>
-          </p:spPr>
-          <p:style>
-            <a:lnRef idx="2">
-              <a:schemeClr val="accent1"/>
-            </a:lnRef>
-            <a:fillRef idx="0">
-              <a:schemeClr val="accent1"/>
-            </a:fillRef>
-            <a:effectRef idx="1">
-              <a:schemeClr val="accent1"/>
-            </a:effectRef>
-            <a:fontRef idx="minor">
-              <a:schemeClr val="tx1"/>
-            </a:fontRef>
-          </p:style>
-        </p:cxnSp>
-        <p:cxnSp>
-          <p:nvCxnSpPr>
-            <p:cNvPr id="9" name="Straight Connector 8"/>
-            <p:cNvCxnSpPr/>
-            <p:nvPr/>
-          </p:nvCxnSpPr>
-          <p:spPr>
-            <a:xfrm>
-              <a:off x="4216400" y="3702050"/>
-              <a:ext cx="0" cy="2127250"/>
-            </a:xfrm>
-            <a:prstGeom prst="line">
-              <a:avLst/>
-            </a:prstGeom>
-            <a:ln w="101600" cmpd="sng">
-              <a:solidFill>
-                <a:schemeClr val="bg1">
-                  <a:lumMod val="95000"/>
+            <a:ext cx="3371273" cy="3371273"/>
+          </a:xfrm>
+          <a:prstGeom prst="diamond">
+            <a:avLst/>
+          </a:prstGeom>
+          <a:gradFill flip="none" rotWithShape="1">
+            <a:gsLst>
+              <a:gs pos="0">
+                <a:schemeClr val="tx1">
+                  <a:lumMod val="65000"/>
+                  <a:lumOff val="35000"/>
                 </a:schemeClr>
-              </a:solidFill>
-            </a:ln>
-            <a:effectLst/>
-          </p:spPr>
-          <p:style>
-            <a:lnRef idx="2">
-              <a:schemeClr val="accent1"/>
-            </a:lnRef>
-            <a:fillRef idx="0">
-              <a:schemeClr val="accent1"/>
-            </a:fillRef>
-            <a:effectRef idx="1">
-              <a:schemeClr val="accent1"/>
-            </a:effectRef>
-            <a:fontRef idx="minor">
-              <a:schemeClr val="tx1"/>
-            </a:fontRef>
-          </p:style>
-        </p:cxnSp>
-        <p:sp>
-          <p:nvSpPr>
-            <p:cNvPr id="2" name="Diamond 1"/>
-            <p:cNvSpPr/>
-            <p:nvPr/>
-          </p:nvSpPr>
-          <p:spPr>
-            <a:xfrm>
-              <a:off x="2609273" y="823576"/>
-              <a:ext cx="3371273" cy="3371273"/>
-            </a:xfrm>
-            <a:prstGeom prst="diamond">
-              <a:avLst/>
-            </a:prstGeom>
-            <a:gradFill flip="none" rotWithShape="1">
-              <a:gsLst>
-                <a:gs pos="0">
-                  <a:schemeClr val="tx1">
-                    <a:lumMod val="65000"/>
-                    <a:lumOff val="35000"/>
-                  </a:schemeClr>
-                </a:gs>
-                <a:gs pos="80000">
-                  <a:srgbClr val="FFFFFF"/>
-                </a:gs>
-              </a:gsLst>
-              <a:path path="circle">
-                <a:fillToRect l="100000" t="100000"/>
-              </a:path>
-              <a:tileRect r="-100000" b="-100000"/>
-            </a:gradFill>
-            <a:ln w="12700" cmpd="sng">
-              <a:solidFill>
-                <a:schemeClr val="bg1">
-                  <a:lumMod val="85000"/>
-                </a:schemeClr>
-              </a:solidFill>
-            </a:ln>
-            <a:effectLst/>
-          </p:spPr>
-          <p:style>
-            <a:lnRef idx="1">
-              <a:schemeClr val="accent1"/>
-            </a:lnRef>
-            <a:fillRef idx="3">
-              <a:schemeClr val="accent1"/>
-            </a:fillRef>
-            <a:effectRef idx="2">
-              <a:schemeClr val="accent1"/>
-            </a:effectRef>
-            <a:fontRef idx="minor">
-              <a:schemeClr val="lt1"/>
-            </a:fontRef>
-          </p:style>
-          <p:txBody>
-            <a:bodyPr rtlCol="0" anchor="ctr"/>
-            <a:lstStyle/>
-            <a:p>
-              <a:pPr algn="ctr"/>
-              <a:endParaRPr lang="en-US"/>
-            </a:p>
-          </p:txBody>
-        </p:sp>
-      </p:grpSp>
+              </a:gs>
+              <a:gs pos="80000">
+                <a:srgbClr val="FFFFFF"/>
+              </a:gs>
+            </a:gsLst>
+            <a:path path="circle">
+              <a:fillToRect l="100000" t="100000"/>
+            </a:path>
+            <a:tileRect r="-100000" b="-100000"/>
+          </a:gradFill>
+          <a:ln w="12700" cmpd="sng">
+            <a:solidFill>
+              <a:schemeClr val="bg1">
+                <a:lumMod val="85000"/>
+              </a:schemeClr>
+            </a:solidFill>
+          </a:ln>
+          <a:effectLst/>
+        </p:spPr>
+        <p:style>
+          <a:lnRef idx="1">
+            <a:schemeClr val="accent1"/>
+          </a:lnRef>
+          <a:fillRef idx="3">
+            <a:schemeClr val="accent1"/>
+          </a:fillRef>
+          <a:effectRef idx="2">
+            <a:schemeClr val="accent1"/>
+          </a:effectRef>
+          <a:fontRef idx="minor">
+            <a:schemeClr val="lt1"/>
+          </a:fontRef>
+        </p:style>
+        <p:txBody>
+          <a:bodyPr rtlCol="0" anchor="ctr"/>
+          <a:lstStyle/>
+          <a:p>
+            <a:pPr algn="ctr"/>
+            <a:endParaRPr lang="en-US"/>
+          </a:p>
+        </p:txBody>
+      </p:sp>
     </p:spTree>
     <p:extLst>
       <p:ext uri="{BB962C8B-B14F-4D97-AF65-F5344CB8AC3E}">

--- a/dert/doc/Icons.pptx
+++ b/dert/doc/Icons.pptx
@@ -31,29 +31,32 @@
     <p:sldId id="303" r:id="rId25"/>
     <p:sldId id="273" r:id="rId26"/>
     <p:sldId id="309" r:id="rId27"/>
-    <p:sldId id="274" r:id="rId28"/>
-    <p:sldId id="275" r:id="rId29"/>
-    <p:sldId id="295" r:id="rId30"/>
-    <p:sldId id="277" r:id="rId31"/>
-    <p:sldId id="257" r:id="rId32"/>
-    <p:sldId id="282" r:id="rId33"/>
-    <p:sldId id="285" r:id="rId34"/>
-    <p:sldId id="286" r:id="rId35"/>
-    <p:sldId id="287" r:id="rId36"/>
-    <p:sldId id="288" r:id="rId37"/>
-    <p:sldId id="289" r:id="rId38"/>
-    <p:sldId id="290" r:id="rId39"/>
-    <p:sldId id="291" r:id="rId40"/>
-    <p:sldId id="300" r:id="rId41"/>
-    <p:sldId id="292" r:id="rId42"/>
-    <p:sldId id="293" r:id="rId43"/>
-    <p:sldId id="301" r:id="rId44"/>
-    <p:sldId id="304" r:id="rId45"/>
-    <p:sldId id="305" r:id="rId46"/>
-    <p:sldId id="302" r:id="rId47"/>
-    <p:sldId id="306" r:id="rId48"/>
-    <p:sldId id="307" r:id="rId49"/>
-    <p:sldId id="308" r:id="rId50"/>
+    <p:sldId id="311" r:id="rId28"/>
+    <p:sldId id="312" r:id="rId29"/>
+    <p:sldId id="310" r:id="rId30"/>
+    <p:sldId id="274" r:id="rId31"/>
+    <p:sldId id="275" r:id="rId32"/>
+    <p:sldId id="295" r:id="rId33"/>
+    <p:sldId id="277" r:id="rId34"/>
+    <p:sldId id="257" r:id="rId35"/>
+    <p:sldId id="282" r:id="rId36"/>
+    <p:sldId id="285" r:id="rId37"/>
+    <p:sldId id="286" r:id="rId38"/>
+    <p:sldId id="287" r:id="rId39"/>
+    <p:sldId id="288" r:id="rId40"/>
+    <p:sldId id="289" r:id="rId41"/>
+    <p:sldId id="290" r:id="rId42"/>
+    <p:sldId id="291" r:id="rId43"/>
+    <p:sldId id="300" r:id="rId44"/>
+    <p:sldId id="292" r:id="rId45"/>
+    <p:sldId id="293" r:id="rId46"/>
+    <p:sldId id="301" r:id="rId47"/>
+    <p:sldId id="304" r:id="rId48"/>
+    <p:sldId id="305" r:id="rId49"/>
+    <p:sldId id="302" r:id="rId50"/>
+    <p:sldId id="306" r:id="rId51"/>
+    <p:sldId id="307" r:id="rId52"/>
+    <p:sldId id="308" r:id="rId53"/>
   </p:sldIdLst>
   <p:sldSz cx="9144000" cy="6858000" type="screen4x3"/>
   <p:notesSz cx="6858000" cy="9144000"/>
@@ -336,7 +339,7 @@
           <a:p>
             <a:fld id="{E988B1C8-4186-F54F-A582-F7FEE240AB22}" type="datetimeFigureOut">
               <a:rPr lang="en-US" smtClean="0"/>
-              <a:t>12/6/16</a:t>
+              <a:t>1/15/17</a:t>
             </a:fld>
             <a:endParaRPr lang="en-US"/>
           </a:p>
@@ -506,7 +509,7 @@
           <a:p>
             <a:fld id="{E988B1C8-4186-F54F-A582-F7FEE240AB22}" type="datetimeFigureOut">
               <a:rPr lang="en-US" smtClean="0"/>
-              <a:t>12/6/16</a:t>
+              <a:t>1/15/17</a:t>
             </a:fld>
             <a:endParaRPr lang="en-US"/>
           </a:p>
@@ -686,7 +689,7 @@
           <a:p>
             <a:fld id="{E988B1C8-4186-F54F-A582-F7FEE240AB22}" type="datetimeFigureOut">
               <a:rPr lang="en-US" smtClean="0"/>
-              <a:t>12/6/16</a:t>
+              <a:t>1/15/17</a:t>
             </a:fld>
             <a:endParaRPr lang="en-US"/>
           </a:p>
@@ -856,7 +859,7 @@
           <a:p>
             <a:fld id="{E988B1C8-4186-F54F-A582-F7FEE240AB22}" type="datetimeFigureOut">
               <a:rPr lang="en-US" smtClean="0"/>
-              <a:t>12/6/16</a:t>
+              <a:t>1/15/17</a:t>
             </a:fld>
             <a:endParaRPr lang="en-US"/>
           </a:p>
@@ -1102,7 +1105,7 @@
           <a:p>
             <a:fld id="{E988B1C8-4186-F54F-A582-F7FEE240AB22}" type="datetimeFigureOut">
               <a:rPr lang="en-US" smtClean="0"/>
-              <a:t>12/6/16</a:t>
+              <a:t>1/15/17</a:t>
             </a:fld>
             <a:endParaRPr lang="en-US"/>
           </a:p>
@@ -1390,7 +1393,7 @@
           <a:p>
             <a:fld id="{E988B1C8-4186-F54F-A582-F7FEE240AB22}" type="datetimeFigureOut">
               <a:rPr lang="en-US" smtClean="0"/>
-              <a:t>12/6/16</a:t>
+              <a:t>1/15/17</a:t>
             </a:fld>
             <a:endParaRPr lang="en-US"/>
           </a:p>
@@ -1812,7 +1815,7 @@
           <a:p>
             <a:fld id="{E988B1C8-4186-F54F-A582-F7FEE240AB22}" type="datetimeFigureOut">
               <a:rPr lang="en-US" smtClean="0"/>
-              <a:t>12/6/16</a:t>
+              <a:t>1/15/17</a:t>
             </a:fld>
             <a:endParaRPr lang="en-US"/>
           </a:p>
@@ -1930,7 +1933,7 @@
           <a:p>
             <a:fld id="{E988B1C8-4186-F54F-A582-F7FEE240AB22}" type="datetimeFigureOut">
               <a:rPr lang="en-US" smtClean="0"/>
-              <a:t>12/6/16</a:t>
+              <a:t>1/15/17</a:t>
             </a:fld>
             <a:endParaRPr lang="en-US"/>
           </a:p>
@@ -2025,7 +2028,7 @@
           <a:p>
             <a:fld id="{E988B1C8-4186-F54F-A582-F7FEE240AB22}" type="datetimeFigureOut">
               <a:rPr lang="en-US" smtClean="0"/>
-              <a:t>12/6/16</a:t>
+              <a:t>1/15/17</a:t>
             </a:fld>
             <a:endParaRPr lang="en-US"/>
           </a:p>
@@ -2302,7 +2305,7 @@
           <a:p>
             <a:fld id="{E988B1C8-4186-F54F-A582-F7FEE240AB22}" type="datetimeFigureOut">
               <a:rPr lang="en-US" smtClean="0"/>
-              <a:t>12/6/16</a:t>
+              <a:t>1/15/17</a:t>
             </a:fld>
             <a:endParaRPr lang="en-US"/>
           </a:p>
@@ -2555,7 +2558,7 @@
           <a:p>
             <a:fld id="{E988B1C8-4186-F54F-A582-F7FEE240AB22}" type="datetimeFigureOut">
               <a:rPr lang="en-US" smtClean="0"/>
-              <a:t>12/6/16</a:t>
+              <a:t>1/15/17</a:t>
             </a:fld>
             <a:endParaRPr lang="en-US"/>
           </a:p>
@@ -2768,7 +2771,7 @@
           <a:p>
             <a:fld id="{E988B1C8-4186-F54F-A582-F7FEE240AB22}" type="datetimeFigureOut">
               <a:rPr lang="en-US" smtClean="0"/>
-              <a:t>12/6/16</a:t>
+              <a:t>1/15/17</a:t>
             </a:fld>
             <a:endParaRPr lang="en-US"/>
           </a:p>
@@ -8478,6 +8481,2563 @@
       </p:grpSpPr>
       <p:sp>
         <p:nvSpPr>
+          <p:cNvPr id="5" name="Oval 4"/>
+          <p:cNvSpPr/>
+          <p:nvPr/>
+        </p:nvSpPr>
+        <p:spPr>
+          <a:xfrm>
+            <a:off x="3418417" y="2102042"/>
+            <a:ext cx="2599267" cy="2599267"/>
+          </a:xfrm>
+          <a:prstGeom prst="ellipse">
+            <a:avLst/>
+          </a:prstGeom>
+          <a:gradFill>
+            <a:gsLst>
+              <a:gs pos="0">
+                <a:schemeClr val="accent3">
+                  <a:lumMod val="50000"/>
+                </a:schemeClr>
+              </a:gs>
+              <a:gs pos="100000">
+                <a:schemeClr val="accent3">
+                  <a:tint val="50000"/>
+                  <a:shade val="100000"/>
+                  <a:satMod val="350000"/>
+                </a:schemeClr>
+              </a:gs>
+            </a:gsLst>
+          </a:gradFill>
+          <a:ln w="203200" cmpd="sng">
+            <a:solidFill>
+              <a:schemeClr val="tx1">
+                <a:lumMod val="95000"/>
+                <a:lumOff val="5000"/>
+              </a:schemeClr>
+            </a:solidFill>
+          </a:ln>
+          <a:effectLst/>
+        </p:spPr>
+        <p:style>
+          <a:lnRef idx="1">
+            <a:schemeClr val="accent3"/>
+          </a:lnRef>
+          <a:fillRef idx="3">
+            <a:schemeClr val="accent3"/>
+          </a:fillRef>
+          <a:effectRef idx="2">
+            <a:schemeClr val="accent3"/>
+          </a:effectRef>
+          <a:fontRef idx="minor">
+            <a:schemeClr val="lt1"/>
+          </a:fontRef>
+        </p:style>
+        <p:txBody>
+          <a:bodyPr rtlCol="0" anchor="ctr"/>
+          <a:lstStyle/>
+          <a:p>
+            <a:pPr algn="ctr"/>
+            <a:endParaRPr lang="en-US"/>
+          </a:p>
+        </p:txBody>
+      </p:sp>
+      <p:sp>
+        <p:nvSpPr>
+          <p:cNvPr id="8" name="Oval 7"/>
+          <p:cNvSpPr/>
+          <p:nvPr/>
+        </p:nvSpPr>
+        <p:spPr>
+          <a:xfrm>
+            <a:off x="4203123" y="2869046"/>
+            <a:ext cx="1029854" cy="1029854"/>
+          </a:xfrm>
+          <a:prstGeom prst="ellipse">
+            <a:avLst/>
+          </a:prstGeom>
+          <a:solidFill>
+            <a:schemeClr val="tx1"/>
+          </a:solidFill>
+          <a:ln>
+            <a:solidFill>
+              <a:schemeClr val="tx1"/>
+            </a:solidFill>
+          </a:ln>
+          <a:effectLst/>
+        </p:spPr>
+        <p:style>
+          <a:lnRef idx="1">
+            <a:schemeClr val="accent1"/>
+          </a:lnRef>
+          <a:fillRef idx="3">
+            <a:schemeClr val="accent1"/>
+          </a:fillRef>
+          <a:effectRef idx="2">
+            <a:schemeClr val="accent1"/>
+          </a:effectRef>
+          <a:fontRef idx="minor">
+            <a:schemeClr val="lt1"/>
+          </a:fontRef>
+        </p:style>
+        <p:txBody>
+          <a:bodyPr rtlCol="0" anchor="ctr"/>
+          <a:lstStyle/>
+          <a:p>
+            <a:pPr algn="ctr"/>
+            <a:endParaRPr lang="en-US"/>
+          </a:p>
+        </p:txBody>
+      </p:sp>
+      <p:sp>
+        <p:nvSpPr>
+          <p:cNvPr id="19" name="Freeform 18"/>
+          <p:cNvSpPr/>
+          <p:nvPr/>
+        </p:nvSpPr>
+        <p:spPr>
+          <a:xfrm>
+            <a:off x="2114550" y="2108200"/>
+            <a:ext cx="5207000" cy="1371600"/>
+          </a:xfrm>
+          <a:custGeom>
+            <a:avLst/>
+            <a:gdLst>
+              <a:gd name="connsiteX0" fmla="*/ 0 w 5207000"/>
+              <a:gd name="connsiteY0" fmla="*/ 1320820 h 1346220"/>
+              <a:gd name="connsiteX1" fmla="*/ 2641600 w 5207000"/>
+              <a:gd name="connsiteY1" fmla="*/ 20 h 1346220"/>
+              <a:gd name="connsiteX2" fmla="*/ 5207000 w 5207000"/>
+              <a:gd name="connsiteY2" fmla="*/ 1346220 h 1346220"/>
+            </a:gdLst>
+            <a:ahLst/>
+            <a:cxnLst>
+              <a:cxn ang="0">
+                <a:pos x="connsiteX0" y="connsiteY0"/>
+              </a:cxn>
+              <a:cxn ang="0">
+                <a:pos x="connsiteX1" y="connsiteY1"/>
+              </a:cxn>
+              <a:cxn ang="0">
+                <a:pos x="connsiteX2" y="connsiteY2"/>
+              </a:cxn>
+            </a:cxnLst>
+            <a:rect l="l" t="t" r="r" b="b"/>
+            <a:pathLst>
+              <a:path w="5207000" h="1346220">
+                <a:moveTo>
+                  <a:pt x="0" y="1320820"/>
+                </a:moveTo>
+                <a:cubicBezTo>
+                  <a:pt x="886883" y="658303"/>
+                  <a:pt x="1773767" y="-4213"/>
+                  <a:pt x="2641600" y="20"/>
+                </a:cubicBezTo>
+                <a:cubicBezTo>
+                  <a:pt x="3509433" y="4253"/>
+                  <a:pt x="5207000" y="1346220"/>
+                  <a:pt x="5207000" y="1346220"/>
+                </a:cubicBezTo>
+              </a:path>
+            </a:pathLst>
+          </a:custGeom>
+          <a:ln w="254000" cmpd="sng">
+            <a:solidFill>
+              <a:schemeClr val="tx1"/>
+            </a:solidFill>
+          </a:ln>
+          <a:effectLst/>
+        </p:spPr>
+        <p:style>
+          <a:lnRef idx="2">
+            <a:schemeClr val="accent1"/>
+          </a:lnRef>
+          <a:fillRef idx="0">
+            <a:schemeClr val="accent1"/>
+          </a:fillRef>
+          <a:effectRef idx="1">
+            <a:schemeClr val="accent1"/>
+          </a:effectRef>
+          <a:fontRef idx="minor">
+            <a:schemeClr val="tx1"/>
+          </a:fontRef>
+        </p:style>
+        <p:txBody>
+          <a:bodyPr rtlCol="0" anchor="ctr"/>
+          <a:lstStyle/>
+          <a:p>
+            <a:pPr algn="ctr"/>
+            <a:endParaRPr lang="en-US"/>
+          </a:p>
+        </p:txBody>
+      </p:sp>
+      <p:sp>
+        <p:nvSpPr>
+          <p:cNvPr id="20" name="Freeform 19"/>
+          <p:cNvSpPr/>
+          <p:nvPr/>
+        </p:nvSpPr>
+        <p:spPr>
+          <a:xfrm flipV="1">
+            <a:off x="2114550" y="3390900"/>
+            <a:ext cx="5207000" cy="1295400"/>
+          </a:xfrm>
+          <a:custGeom>
+            <a:avLst/>
+            <a:gdLst>
+              <a:gd name="connsiteX0" fmla="*/ 0 w 5207000"/>
+              <a:gd name="connsiteY0" fmla="*/ 1320820 h 1346220"/>
+              <a:gd name="connsiteX1" fmla="*/ 2641600 w 5207000"/>
+              <a:gd name="connsiteY1" fmla="*/ 20 h 1346220"/>
+              <a:gd name="connsiteX2" fmla="*/ 5207000 w 5207000"/>
+              <a:gd name="connsiteY2" fmla="*/ 1346220 h 1346220"/>
+            </a:gdLst>
+            <a:ahLst/>
+            <a:cxnLst>
+              <a:cxn ang="0">
+                <a:pos x="connsiteX0" y="connsiteY0"/>
+              </a:cxn>
+              <a:cxn ang="0">
+                <a:pos x="connsiteX1" y="connsiteY1"/>
+              </a:cxn>
+              <a:cxn ang="0">
+                <a:pos x="connsiteX2" y="connsiteY2"/>
+              </a:cxn>
+            </a:cxnLst>
+            <a:rect l="l" t="t" r="r" b="b"/>
+            <a:pathLst>
+              <a:path w="5207000" h="1346220">
+                <a:moveTo>
+                  <a:pt x="0" y="1320820"/>
+                </a:moveTo>
+                <a:cubicBezTo>
+                  <a:pt x="886883" y="658303"/>
+                  <a:pt x="1773767" y="-4213"/>
+                  <a:pt x="2641600" y="20"/>
+                </a:cubicBezTo>
+                <a:cubicBezTo>
+                  <a:pt x="3509433" y="4253"/>
+                  <a:pt x="5207000" y="1346220"/>
+                  <a:pt x="5207000" y="1346220"/>
+                </a:cubicBezTo>
+              </a:path>
+            </a:pathLst>
+          </a:custGeom>
+          <a:ln w="254000" cmpd="sng">
+            <a:solidFill>
+              <a:schemeClr val="tx1"/>
+            </a:solidFill>
+          </a:ln>
+          <a:effectLst/>
+        </p:spPr>
+        <p:style>
+          <a:lnRef idx="2">
+            <a:schemeClr val="accent1"/>
+          </a:lnRef>
+          <a:fillRef idx="0">
+            <a:schemeClr val="accent1"/>
+          </a:fillRef>
+          <a:effectRef idx="1">
+            <a:schemeClr val="accent1"/>
+          </a:effectRef>
+          <a:fontRef idx="minor">
+            <a:schemeClr val="tx1"/>
+          </a:fontRef>
+        </p:style>
+        <p:txBody>
+          <a:bodyPr rtlCol="0" anchor="ctr"/>
+          <a:lstStyle/>
+          <a:p>
+            <a:pPr algn="ctr"/>
+            <a:endParaRPr lang="en-US"/>
+          </a:p>
+        </p:txBody>
+      </p:sp>
+      <p:sp>
+        <p:nvSpPr>
+          <p:cNvPr id="25" name="Rectangle 24"/>
+          <p:cNvSpPr/>
+          <p:nvPr/>
+        </p:nvSpPr>
+        <p:spPr>
+          <a:xfrm>
+            <a:off x="1540933" y="1481667"/>
+            <a:ext cx="6341534" cy="3843866"/>
+          </a:xfrm>
+          <a:prstGeom prst="rect">
+            <a:avLst/>
+          </a:prstGeom>
+          <a:noFill/>
+          <a:effectLst/>
+        </p:spPr>
+        <p:style>
+          <a:lnRef idx="1">
+            <a:schemeClr val="accent1"/>
+          </a:lnRef>
+          <a:fillRef idx="3">
+            <a:schemeClr val="accent1"/>
+          </a:fillRef>
+          <a:effectRef idx="2">
+            <a:schemeClr val="accent1"/>
+          </a:effectRef>
+          <a:fontRef idx="minor">
+            <a:schemeClr val="lt1"/>
+          </a:fontRef>
+        </p:style>
+        <p:txBody>
+          <a:bodyPr rtlCol="0" anchor="ctr"/>
+          <a:lstStyle/>
+          <a:p>
+            <a:pPr algn="ctr"/>
+            <a:endParaRPr lang="en-US"/>
+          </a:p>
+        </p:txBody>
+      </p:sp>
+      <p:sp>
+        <p:nvSpPr>
+          <p:cNvPr id="6" name="Rectangle 5"/>
+          <p:cNvSpPr/>
+          <p:nvPr/>
+        </p:nvSpPr>
+        <p:spPr>
+          <a:xfrm>
+            <a:off x="3683000" y="2480733"/>
+            <a:ext cx="3056467" cy="2675467"/>
+          </a:xfrm>
+          <a:prstGeom prst="rect">
+            <a:avLst/>
+          </a:prstGeom>
+          <a:ln w="28575" cmpd="sng">
+            <a:solidFill>
+              <a:schemeClr val="tx1"/>
+            </a:solidFill>
+          </a:ln>
+          <a:effectLst/>
+        </p:spPr>
+        <p:style>
+          <a:lnRef idx="1">
+            <a:schemeClr val="accent1"/>
+          </a:lnRef>
+          <a:fillRef idx="3">
+            <a:schemeClr val="accent1"/>
+          </a:fillRef>
+          <a:effectRef idx="2">
+            <a:schemeClr val="accent1"/>
+          </a:effectRef>
+          <a:fontRef idx="minor">
+            <a:schemeClr val="lt1"/>
+          </a:fontRef>
+        </p:style>
+        <p:txBody>
+          <a:bodyPr rtlCol="0" anchor="ctr"/>
+          <a:lstStyle/>
+          <a:p>
+            <a:pPr algn="ctr"/>
+            <a:endParaRPr lang="en-US"/>
+          </a:p>
+        </p:txBody>
+      </p:sp>
+      <p:sp>
+        <p:nvSpPr>
+          <p:cNvPr id="7" name="Freeform 6"/>
+          <p:cNvSpPr/>
+          <p:nvPr/>
+        </p:nvSpPr>
+        <p:spPr>
+          <a:xfrm>
+            <a:off x="3708400" y="3073401"/>
+            <a:ext cx="1744133" cy="2065866"/>
+          </a:xfrm>
+          <a:custGeom>
+            <a:avLst/>
+            <a:gdLst>
+              <a:gd name="connsiteX0" fmla="*/ 0 w 1744133"/>
+              <a:gd name="connsiteY0" fmla="*/ 0 h 2065866"/>
+              <a:gd name="connsiteX1" fmla="*/ 474133 w 1744133"/>
+              <a:gd name="connsiteY1" fmla="*/ 220133 h 2065866"/>
+              <a:gd name="connsiteX2" fmla="*/ 575733 w 1744133"/>
+              <a:gd name="connsiteY2" fmla="*/ 660400 h 2065866"/>
+              <a:gd name="connsiteX3" fmla="*/ 939800 w 1744133"/>
+              <a:gd name="connsiteY3" fmla="*/ 914400 h 2065866"/>
+              <a:gd name="connsiteX4" fmla="*/ 956733 w 1744133"/>
+              <a:gd name="connsiteY4" fmla="*/ 1583266 h 2065866"/>
+              <a:gd name="connsiteX5" fmla="*/ 1744133 w 1744133"/>
+              <a:gd name="connsiteY5" fmla="*/ 2057400 h 2065866"/>
+              <a:gd name="connsiteX6" fmla="*/ 0 w 1744133"/>
+              <a:gd name="connsiteY6" fmla="*/ 2065866 h 2065866"/>
+              <a:gd name="connsiteX7" fmla="*/ 0 w 1744133"/>
+              <a:gd name="connsiteY7" fmla="*/ 0 h 2065866"/>
+            </a:gdLst>
+            <a:ahLst/>
+            <a:cxnLst>
+              <a:cxn ang="0">
+                <a:pos x="connsiteX0" y="connsiteY0"/>
+              </a:cxn>
+              <a:cxn ang="0">
+                <a:pos x="connsiteX1" y="connsiteY1"/>
+              </a:cxn>
+              <a:cxn ang="0">
+                <a:pos x="connsiteX2" y="connsiteY2"/>
+              </a:cxn>
+              <a:cxn ang="0">
+                <a:pos x="connsiteX3" y="connsiteY3"/>
+              </a:cxn>
+              <a:cxn ang="0">
+                <a:pos x="connsiteX4" y="connsiteY4"/>
+              </a:cxn>
+              <a:cxn ang="0">
+                <a:pos x="connsiteX5" y="connsiteY5"/>
+              </a:cxn>
+              <a:cxn ang="0">
+                <a:pos x="connsiteX6" y="connsiteY6"/>
+              </a:cxn>
+              <a:cxn ang="0">
+                <a:pos x="connsiteX7" y="connsiteY7"/>
+              </a:cxn>
+            </a:cxnLst>
+            <a:rect l="l" t="t" r="r" b="b"/>
+            <a:pathLst>
+              <a:path w="1744133" h="2065866">
+                <a:moveTo>
+                  <a:pt x="0" y="0"/>
+                </a:moveTo>
+                <a:lnTo>
+                  <a:pt x="474133" y="220133"/>
+                </a:lnTo>
+                <a:lnTo>
+                  <a:pt x="575733" y="660400"/>
+                </a:lnTo>
+                <a:lnTo>
+                  <a:pt x="939800" y="914400"/>
+                </a:lnTo>
+                <a:lnTo>
+                  <a:pt x="956733" y="1583266"/>
+                </a:lnTo>
+                <a:lnTo>
+                  <a:pt x="1744133" y="2057400"/>
+                </a:lnTo>
+                <a:lnTo>
+                  <a:pt x="0" y="2065866"/>
+                </a:lnTo>
+                <a:cubicBezTo>
+                  <a:pt x="2822" y="1377244"/>
+                  <a:pt x="5645" y="688622"/>
+                  <a:pt x="0" y="0"/>
+                </a:cubicBezTo>
+                <a:close/>
+              </a:path>
+            </a:pathLst>
+          </a:custGeom>
+          <a:solidFill>
+            <a:schemeClr val="bg2">
+              <a:lumMod val="50000"/>
+            </a:schemeClr>
+          </a:solidFill>
+          <a:ln>
+            <a:solidFill>
+              <a:schemeClr val="bg2">
+                <a:lumMod val="50000"/>
+              </a:schemeClr>
+            </a:solidFill>
+          </a:ln>
+          <a:effectLst/>
+        </p:spPr>
+        <p:style>
+          <a:lnRef idx="1">
+            <a:schemeClr val="accent1"/>
+          </a:lnRef>
+          <a:fillRef idx="3">
+            <a:schemeClr val="accent1"/>
+          </a:fillRef>
+          <a:effectRef idx="2">
+            <a:schemeClr val="accent1"/>
+          </a:effectRef>
+          <a:fontRef idx="minor">
+            <a:schemeClr val="lt1"/>
+          </a:fontRef>
+        </p:style>
+        <p:txBody>
+          <a:bodyPr rtlCol="0" anchor="ctr"/>
+          <a:lstStyle/>
+          <a:p>
+            <a:pPr algn="ctr"/>
+            <a:endParaRPr lang="en-US"/>
+          </a:p>
+        </p:txBody>
+      </p:sp>
+      <p:sp>
+        <p:nvSpPr>
+          <p:cNvPr id="13" name="Freeform 12"/>
+          <p:cNvSpPr/>
+          <p:nvPr/>
+        </p:nvSpPr>
+        <p:spPr>
+          <a:xfrm>
+            <a:off x="5063067" y="2514600"/>
+            <a:ext cx="1651000" cy="2074333"/>
+          </a:xfrm>
+          <a:custGeom>
+            <a:avLst/>
+            <a:gdLst>
+              <a:gd name="connsiteX0" fmla="*/ 448733 w 1651000"/>
+              <a:gd name="connsiteY0" fmla="*/ 0 h 2074333"/>
+              <a:gd name="connsiteX1" fmla="*/ 431800 w 1651000"/>
+              <a:gd name="connsiteY1" fmla="*/ 406400 h 2074333"/>
+              <a:gd name="connsiteX2" fmla="*/ 296333 w 1651000"/>
+              <a:gd name="connsiteY2" fmla="*/ 795867 h 2074333"/>
+              <a:gd name="connsiteX3" fmla="*/ 0 w 1651000"/>
+              <a:gd name="connsiteY3" fmla="*/ 1007533 h 2074333"/>
+              <a:gd name="connsiteX4" fmla="*/ 50800 w 1651000"/>
+              <a:gd name="connsiteY4" fmla="*/ 1210733 h 2074333"/>
+              <a:gd name="connsiteX5" fmla="*/ 364066 w 1651000"/>
+              <a:gd name="connsiteY5" fmla="*/ 1286933 h 2074333"/>
+              <a:gd name="connsiteX6" fmla="*/ 753533 w 1651000"/>
+              <a:gd name="connsiteY6" fmla="*/ 982133 h 2074333"/>
+              <a:gd name="connsiteX7" fmla="*/ 855133 w 1651000"/>
+              <a:gd name="connsiteY7" fmla="*/ 541867 h 2074333"/>
+              <a:gd name="connsiteX8" fmla="*/ 1312333 w 1651000"/>
+              <a:gd name="connsiteY8" fmla="*/ 465667 h 2074333"/>
+              <a:gd name="connsiteX9" fmla="*/ 1405466 w 1651000"/>
+              <a:gd name="connsiteY9" fmla="*/ 999067 h 2074333"/>
+              <a:gd name="connsiteX10" fmla="*/ 1261533 w 1651000"/>
+              <a:gd name="connsiteY10" fmla="*/ 1608667 h 2074333"/>
+              <a:gd name="connsiteX11" fmla="*/ 1634066 w 1651000"/>
+              <a:gd name="connsiteY11" fmla="*/ 2074333 h 2074333"/>
+              <a:gd name="connsiteX12" fmla="*/ 1651000 w 1651000"/>
+              <a:gd name="connsiteY12" fmla="*/ 0 h 2074333"/>
+              <a:gd name="connsiteX13" fmla="*/ 448733 w 1651000"/>
+              <a:gd name="connsiteY13" fmla="*/ 0 h 2074333"/>
+            </a:gdLst>
+            <a:ahLst/>
+            <a:cxnLst>
+              <a:cxn ang="0">
+                <a:pos x="connsiteX0" y="connsiteY0"/>
+              </a:cxn>
+              <a:cxn ang="0">
+                <a:pos x="connsiteX1" y="connsiteY1"/>
+              </a:cxn>
+              <a:cxn ang="0">
+                <a:pos x="connsiteX2" y="connsiteY2"/>
+              </a:cxn>
+              <a:cxn ang="0">
+                <a:pos x="connsiteX3" y="connsiteY3"/>
+              </a:cxn>
+              <a:cxn ang="0">
+                <a:pos x="connsiteX4" y="connsiteY4"/>
+              </a:cxn>
+              <a:cxn ang="0">
+                <a:pos x="connsiteX5" y="connsiteY5"/>
+              </a:cxn>
+              <a:cxn ang="0">
+                <a:pos x="connsiteX6" y="connsiteY6"/>
+              </a:cxn>
+              <a:cxn ang="0">
+                <a:pos x="connsiteX7" y="connsiteY7"/>
+              </a:cxn>
+              <a:cxn ang="0">
+                <a:pos x="connsiteX8" y="connsiteY8"/>
+              </a:cxn>
+              <a:cxn ang="0">
+                <a:pos x="connsiteX9" y="connsiteY9"/>
+              </a:cxn>
+              <a:cxn ang="0">
+                <a:pos x="connsiteX10" y="connsiteY10"/>
+              </a:cxn>
+              <a:cxn ang="0">
+                <a:pos x="connsiteX11" y="connsiteY11"/>
+              </a:cxn>
+              <a:cxn ang="0">
+                <a:pos x="connsiteX12" y="connsiteY12"/>
+              </a:cxn>
+              <a:cxn ang="0">
+                <a:pos x="connsiteX13" y="connsiteY13"/>
+              </a:cxn>
+            </a:cxnLst>
+            <a:rect l="l" t="t" r="r" b="b"/>
+            <a:pathLst>
+              <a:path w="1651000" h="2074333">
+                <a:moveTo>
+                  <a:pt x="448733" y="0"/>
+                </a:moveTo>
+                <a:lnTo>
+                  <a:pt x="431800" y="406400"/>
+                </a:lnTo>
+                <a:lnTo>
+                  <a:pt x="296333" y="795867"/>
+                </a:lnTo>
+                <a:lnTo>
+                  <a:pt x="0" y="1007533"/>
+                </a:lnTo>
+                <a:lnTo>
+                  <a:pt x="50800" y="1210733"/>
+                </a:lnTo>
+                <a:lnTo>
+                  <a:pt x="364066" y="1286933"/>
+                </a:lnTo>
+                <a:lnTo>
+                  <a:pt x="753533" y="982133"/>
+                </a:lnTo>
+                <a:lnTo>
+                  <a:pt x="855133" y="541867"/>
+                </a:lnTo>
+                <a:lnTo>
+                  <a:pt x="1312333" y="465667"/>
+                </a:lnTo>
+                <a:lnTo>
+                  <a:pt x="1405466" y="999067"/>
+                </a:lnTo>
+                <a:lnTo>
+                  <a:pt x="1261533" y="1608667"/>
+                </a:lnTo>
+                <a:lnTo>
+                  <a:pt x="1634066" y="2074333"/>
+                </a:lnTo>
+                <a:lnTo>
+                  <a:pt x="1651000" y="0"/>
+                </a:lnTo>
+                <a:lnTo>
+                  <a:pt x="448733" y="0"/>
+                </a:lnTo>
+                <a:close/>
+              </a:path>
+            </a:pathLst>
+          </a:custGeom>
+          <a:solidFill>
+            <a:schemeClr val="bg2">
+              <a:lumMod val="50000"/>
+            </a:schemeClr>
+          </a:solidFill>
+          <a:ln>
+            <a:solidFill>
+              <a:schemeClr val="bg2">
+                <a:lumMod val="50000"/>
+              </a:schemeClr>
+            </a:solidFill>
+          </a:ln>
+          <a:effectLst/>
+        </p:spPr>
+        <p:style>
+          <a:lnRef idx="1">
+            <a:schemeClr val="accent1"/>
+          </a:lnRef>
+          <a:fillRef idx="3">
+            <a:schemeClr val="accent1"/>
+          </a:fillRef>
+          <a:effectRef idx="2">
+            <a:schemeClr val="accent1"/>
+          </a:effectRef>
+          <a:fontRef idx="minor">
+            <a:schemeClr val="lt1"/>
+          </a:fontRef>
+        </p:style>
+        <p:txBody>
+          <a:bodyPr rtlCol="0" anchor="ctr"/>
+          <a:lstStyle/>
+          <a:p>
+            <a:pPr algn="ctr"/>
+            <a:endParaRPr lang="en-US"/>
+          </a:p>
+        </p:txBody>
+      </p:sp>
+      <p:cxnSp>
+        <p:nvCxnSpPr>
+          <p:cNvPr id="18" name="Straight Connector 17"/>
+          <p:cNvCxnSpPr/>
+          <p:nvPr/>
+        </p:nvCxnSpPr>
+        <p:spPr>
+          <a:xfrm>
+            <a:off x="4150425" y="2509562"/>
+            <a:ext cx="0" cy="2618937"/>
+          </a:xfrm>
+          <a:prstGeom prst="line">
+            <a:avLst/>
+          </a:prstGeom>
+          <a:ln>
+            <a:solidFill>
+              <a:schemeClr val="bg1"/>
+            </a:solidFill>
+          </a:ln>
+          <a:effectLst/>
+        </p:spPr>
+        <p:style>
+          <a:lnRef idx="2">
+            <a:schemeClr val="accent1"/>
+          </a:lnRef>
+          <a:fillRef idx="0">
+            <a:schemeClr val="accent1"/>
+          </a:fillRef>
+          <a:effectRef idx="1">
+            <a:schemeClr val="accent1"/>
+          </a:effectRef>
+          <a:fontRef idx="minor">
+            <a:schemeClr val="tx1"/>
+          </a:fontRef>
+        </p:style>
+      </p:cxnSp>
+      <p:cxnSp>
+        <p:nvCxnSpPr>
+          <p:cNvPr id="29" name="Straight Connector 28"/>
+          <p:cNvCxnSpPr/>
+          <p:nvPr/>
+        </p:nvCxnSpPr>
+        <p:spPr>
+          <a:xfrm flipH="1">
+            <a:off x="5201704" y="2511115"/>
+            <a:ext cx="9530" cy="2623460"/>
+          </a:xfrm>
+          <a:prstGeom prst="line">
+            <a:avLst/>
+          </a:prstGeom>
+          <a:ln>
+            <a:solidFill>
+              <a:schemeClr val="bg1"/>
+            </a:solidFill>
+          </a:ln>
+          <a:effectLst/>
+        </p:spPr>
+        <p:style>
+          <a:lnRef idx="2">
+            <a:schemeClr val="accent1"/>
+          </a:lnRef>
+          <a:fillRef idx="0">
+            <a:schemeClr val="accent1"/>
+          </a:fillRef>
+          <a:effectRef idx="1">
+            <a:schemeClr val="accent1"/>
+          </a:effectRef>
+          <a:fontRef idx="minor">
+            <a:schemeClr val="tx1"/>
+          </a:fontRef>
+        </p:style>
+      </p:cxnSp>
+      <p:cxnSp>
+        <p:nvCxnSpPr>
+          <p:cNvPr id="30" name="Straight Connector 29"/>
+          <p:cNvCxnSpPr/>
+          <p:nvPr/>
+        </p:nvCxnSpPr>
+        <p:spPr>
+          <a:xfrm>
+            <a:off x="6259060" y="2509562"/>
+            <a:ext cx="6076" cy="2625013"/>
+          </a:xfrm>
+          <a:prstGeom prst="line">
+            <a:avLst/>
+          </a:prstGeom>
+          <a:ln>
+            <a:solidFill>
+              <a:schemeClr val="bg1"/>
+            </a:solidFill>
+          </a:ln>
+          <a:effectLst/>
+        </p:spPr>
+        <p:style>
+          <a:lnRef idx="2">
+            <a:schemeClr val="accent1"/>
+          </a:lnRef>
+          <a:fillRef idx="0">
+            <a:schemeClr val="accent1"/>
+          </a:fillRef>
+          <a:effectRef idx="1">
+            <a:schemeClr val="accent1"/>
+          </a:effectRef>
+          <a:fontRef idx="minor">
+            <a:schemeClr val="tx1"/>
+          </a:fontRef>
+        </p:style>
+      </p:cxnSp>
+      <p:cxnSp>
+        <p:nvCxnSpPr>
+          <p:cNvPr id="31" name="Straight Connector 30"/>
+          <p:cNvCxnSpPr/>
+          <p:nvPr/>
+        </p:nvCxnSpPr>
+        <p:spPr>
+          <a:xfrm>
+            <a:off x="3706822" y="2916682"/>
+            <a:ext cx="3014071" cy="6076"/>
+          </a:xfrm>
+          <a:prstGeom prst="line">
+            <a:avLst/>
+          </a:prstGeom>
+          <a:ln>
+            <a:solidFill>
+              <a:schemeClr val="bg1"/>
+            </a:solidFill>
+          </a:ln>
+          <a:effectLst/>
+        </p:spPr>
+        <p:style>
+          <a:lnRef idx="2">
+            <a:schemeClr val="accent1"/>
+          </a:lnRef>
+          <a:fillRef idx="0">
+            <a:schemeClr val="accent1"/>
+          </a:fillRef>
+          <a:effectRef idx="1">
+            <a:schemeClr val="accent1"/>
+          </a:effectRef>
+          <a:fontRef idx="minor">
+            <a:schemeClr val="tx1"/>
+          </a:fontRef>
+        </p:style>
+      </p:cxnSp>
+      <p:cxnSp>
+        <p:nvCxnSpPr>
+          <p:cNvPr id="33" name="Straight Connector 32"/>
+          <p:cNvCxnSpPr/>
+          <p:nvPr/>
+        </p:nvCxnSpPr>
+        <p:spPr>
+          <a:xfrm>
+            <a:off x="3700745" y="3749151"/>
+            <a:ext cx="3001918" cy="0"/>
+          </a:xfrm>
+          <a:prstGeom prst="line">
+            <a:avLst/>
+          </a:prstGeom>
+          <a:ln>
+            <a:solidFill>
+              <a:schemeClr val="bg1"/>
+            </a:solidFill>
+          </a:ln>
+          <a:effectLst/>
+        </p:spPr>
+        <p:style>
+          <a:lnRef idx="2">
+            <a:schemeClr val="accent1"/>
+          </a:lnRef>
+          <a:fillRef idx="0">
+            <a:schemeClr val="accent1"/>
+          </a:fillRef>
+          <a:effectRef idx="1">
+            <a:schemeClr val="accent1"/>
+          </a:effectRef>
+          <a:fontRef idx="minor">
+            <a:schemeClr val="tx1"/>
+          </a:fontRef>
+        </p:style>
+      </p:cxnSp>
+      <p:cxnSp>
+        <p:nvCxnSpPr>
+          <p:cNvPr id="35" name="Straight Connector 34"/>
+          <p:cNvCxnSpPr/>
+          <p:nvPr/>
+        </p:nvCxnSpPr>
+        <p:spPr>
+          <a:xfrm>
+            <a:off x="3712898" y="4739608"/>
+            <a:ext cx="2989765" cy="6076"/>
+          </a:xfrm>
+          <a:prstGeom prst="line">
+            <a:avLst/>
+          </a:prstGeom>
+          <a:ln>
+            <a:solidFill>
+              <a:schemeClr val="bg1"/>
+            </a:solidFill>
+          </a:ln>
+          <a:effectLst/>
+        </p:spPr>
+        <p:style>
+          <a:lnRef idx="2">
+            <a:schemeClr val="accent1"/>
+          </a:lnRef>
+          <a:fillRef idx="0">
+            <a:schemeClr val="accent1"/>
+          </a:fillRef>
+          <a:effectRef idx="1">
+            <a:schemeClr val="accent1"/>
+          </a:effectRef>
+          <a:fontRef idx="minor">
+            <a:schemeClr val="tx1"/>
+          </a:fontRef>
+        </p:style>
+      </p:cxnSp>
+    </p:spTree>
+    <p:extLst>
+      <p:ext uri="{BB962C8B-B14F-4D97-AF65-F5344CB8AC3E}">
+        <p14:creationId xmlns:p14="http://schemas.microsoft.com/office/powerpoint/2010/main" val="727899329"/>
+      </p:ext>
+    </p:extLst>
+  </p:cSld>
+  <p:clrMapOvr>
+    <a:masterClrMapping/>
+  </p:clrMapOvr>
+</p:sld>
+</file>
+
+<file path=ppt/slides/slide28.xml><?xml version="1.0" encoding="utf-8"?>
+<p:sld xmlns:a="http://schemas.openxmlformats.org/drawingml/2006/main" xmlns:r="http://schemas.openxmlformats.org/officeDocument/2006/relationships" xmlns:p="http://schemas.openxmlformats.org/presentationml/2006/main">
+  <p:cSld>
+    <p:spTree>
+      <p:nvGrpSpPr>
+        <p:cNvPr id="1" name=""/>
+        <p:cNvGrpSpPr/>
+        <p:nvPr/>
+      </p:nvGrpSpPr>
+      <p:grpSpPr>
+        <a:xfrm>
+          <a:off x="0" y="0"/>
+          <a:ext cx="0" cy="0"/>
+          <a:chOff x="0" y="0"/>
+          <a:chExt cx="0" cy="0"/>
+        </a:xfrm>
+      </p:grpSpPr>
+      <p:sp>
+        <p:nvSpPr>
+          <p:cNvPr id="8" name="Oval 7"/>
+          <p:cNvSpPr/>
+          <p:nvPr/>
+        </p:nvSpPr>
+        <p:spPr>
+          <a:xfrm>
+            <a:off x="3704829" y="2480155"/>
+            <a:ext cx="1029854" cy="1029854"/>
+          </a:xfrm>
+          <a:prstGeom prst="ellipse">
+            <a:avLst/>
+          </a:prstGeom>
+          <a:solidFill>
+            <a:schemeClr val="tx1"/>
+          </a:solidFill>
+          <a:ln>
+            <a:solidFill>
+              <a:schemeClr val="tx1"/>
+            </a:solidFill>
+          </a:ln>
+          <a:effectLst/>
+        </p:spPr>
+        <p:style>
+          <a:lnRef idx="1">
+            <a:schemeClr val="accent1"/>
+          </a:lnRef>
+          <a:fillRef idx="3">
+            <a:schemeClr val="accent1"/>
+          </a:fillRef>
+          <a:effectRef idx="2">
+            <a:schemeClr val="accent1"/>
+          </a:effectRef>
+          <a:fontRef idx="minor">
+            <a:schemeClr val="lt1"/>
+          </a:fontRef>
+        </p:style>
+        <p:txBody>
+          <a:bodyPr rtlCol="0" anchor="ctr"/>
+          <a:lstStyle/>
+          <a:p>
+            <a:pPr algn="ctr"/>
+            <a:endParaRPr lang="en-US"/>
+          </a:p>
+        </p:txBody>
+      </p:sp>
+      <p:sp>
+        <p:nvSpPr>
+          <p:cNvPr id="6" name="Rectangle 5"/>
+          <p:cNvSpPr/>
+          <p:nvPr/>
+        </p:nvSpPr>
+        <p:spPr>
+          <a:xfrm>
+            <a:off x="3184706" y="2091842"/>
+            <a:ext cx="3056467" cy="2675467"/>
+          </a:xfrm>
+          <a:prstGeom prst="rect">
+            <a:avLst/>
+          </a:prstGeom>
+          <a:ln w="28575" cmpd="sng">
+            <a:solidFill>
+              <a:schemeClr val="tx1"/>
+            </a:solidFill>
+          </a:ln>
+          <a:effectLst/>
+        </p:spPr>
+        <p:style>
+          <a:lnRef idx="1">
+            <a:schemeClr val="accent1"/>
+          </a:lnRef>
+          <a:fillRef idx="3">
+            <a:schemeClr val="accent1"/>
+          </a:fillRef>
+          <a:effectRef idx="2">
+            <a:schemeClr val="accent1"/>
+          </a:effectRef>
+          <a:fontRef idx="minor">
+            <a:schemeClr val="lt1"/>
+          </a:fontRef>
+        </p:style>
+        <p:txBody>
+          <a:bodyPr rtlCol="0" anchor="ctr"/>
+          <a:lstStyle/>
+          <a:p>
+            <a:pPr algn="ctr"/>
+            <a:endParaRPr lang="en-US"/>
+          </a:p>
+        </p:txBody>
+      </p:sp>
+      <p:sp>
+        <p:nvSpPr>
+          <p:cNvPr id="7" name="Freeform 6"/>
+          <p:cNvSpPr/>
+          <p:nvPr/>
+        </p:nvSpPr>
+        <p:spPr>
+          <a:xfrm>
+            <a:off x="3210106" y="2684510"/>
+            <a:ext cx="1744133" cy="2065866"/>
+          </a:xfrm>
+          <a:custGeom>
+            <a:avLst/>
+            <a:gdLst>
+              <a:gd name="connsiteX0" fmla="*/ 0 w 1744133"/>
+              <a:gd name="connsiteY0" fmla="*/ 0 h 2065866"/>
+              <a:gd name="connsiteX1" fmla="*/ 474133 w 1744133"/>
+              <a:gd name="connsiteY1" fmla="*/ 220133 h 2065866"/>
+              <a:gd name="connsiteX2" fmla="*/ 575733 w 1744133"/>
+              <a:gd name="connsiteY2" fmla="*/ 660400 h 2065866"/>
+              <a:gd name="connsiteX3" fmla="*/ 939800 w 1744133"/>
+              <a:gd name="connsiteY3" fmla="*/ 914400 h 2065866"/>
+              <a:gd name="connsiteX4" fmla="*/ 956733 w 1744133"/>
+              <a:gd name="connsiteY4" fmla="*/ 1583266 h 2065866"/>
+              <a:gd name="connsiteX5" fmla="*/ 1744133 w 1744133"/>
+              <a:gd name="connsiteY5" fmla="*/ 2057400 h 2065866"/>
+              <a:gd name="connsiteX6" fmla="*/ 0 w 1744133"/>
+              <a:gd name="connsiteY6" fmla="*/ 2065866 h 2065866"/>
+              <a:gd name="connsiteX7" fmla="*/ 0 w 1744133"/>
+              <a:gd name="connsiteY7" fmla="*/ 0 h 2065866"/>
+            </a:gdLst>
+            <a:ahLst/>
+            <a:cxnLst>
+              <a:cxn ang="0">
+                <a:pos x="connsiteX0" y="connsiteY0"/>
+              </a:cxn>
+              <a:cxn ang="0">
+                <a:pos x="connsiteX1" y="connsiteY1"/>
+              </a:cxn>
+              <a:cxn ang="0">
+                <a:pos x="connsiteX2" y="connsiteY2"/>
+              </a:cxn>
+              <a:cxn ang="0">
+                <a:pos x="connsiteX3" y="connsiteY3"/>
+              </a:cxn>
+              <a:cxn ang="0">
+                <a:pos x="connsiteX4" y="connsiteY4"/>
+              </a:cxn>
+              <a:cxn ang="0">
+                <a:pos x="connsiteX5" y="connsiteY5"/>
+              </a:cxn>
+              <a:cxn ang="0">
+                <a:pos x="connsiteX6" y="connsiteY6"/>
+              </a:cxn>
+              <a:cxn ang="0">
+                <a:pos x="connsiteX7" y="connsiteY7"/>
+              </a:cxn>
+            </a:cxnLst>
+            <a:rect l="l" t="t" r="r" b="b"/>
+            <a:pathLst>
+              <a:path w="1744133" h="2065866">
+                <a:moveTo>
+                  <a:pt x="0" y="0"/>
+                </a:moveTo>
+                <a:lnTo>
+                  <a:pt x="474133" y="220133"/>
+                </a:lnTo>
+                <a:lnTo>
+                  <a:pt x="575733" y="660400"/>
+                </a:lnTo>
+                <a:lnTo>
+                  <a:pt x="939800" y="914400"/>
+                </a:lnTo>
+                <a:lnTo>
+                  <a:pt x="956733" y="1583266"/>
+                </a:lnTo>
+                <a:lnTo>
+                  <a:pt x="1744133" y="2057400"/>
+                </a:lnTo>
+                <a:lnTo>
+                  <a:pt x="0" y="2065866"/>
+                </a:lnTo>
+                <a:cubicBezTo>
+                  <a:pt x="2822" y="1377244"/>
+                  <a:pt x="5645" y="688622"/>
+                  <a:pt x="0" y="0"/>
+                </a:cubicBezTo>
+                <a:close/>
+              </a:path>
+            </a:pathLst>
+          </a:custGeom>
+          <a:solidFill>
+            <a:schemeClr val="bg2">
+              <a:lumMod val="50000"/>
+            </a:schemeClr>
+          </a:solidFill>
+          <a:ln>
+            <a:solidFill>
+              <a:schemeClr val="bg2">
+                <a:lumMod val="50000"/>
+              </a:schemeClr>
+            </a:solidFill>
+          </a:ln>
+          <a:effectLst/>
+        </p:spPr>
+        <p:style>
+          <a:lnRef idx="1">
+            <a:schemeClr val="accent1"/>
+          </a:lnRef>
+          <a:fillRef idx="3">
+            <a:schemeClr val="accent1"/>
+          </a:fillRef>
+          <a:effectRef idx="2">
+            <a:schemeClr val="accent1"/>
+          </a:effectRef>
+          <a:fontRef idx="minor">
+            <a:schemeClr val="lt1"/>
+          </a:fontRef>
+        </p:style>
+        <p:txBody>
+          <a:bodyPr rtlCol="0" anchor="ctr"/>
+          <a:lstStyle/>
+          <a:p>
+            <a:pPr algn="ctr"/>
+            <a:endParaRPr lang="en-US"/>
+          </a:p>
+        </p:txBody>
+      </p:sp>
+      <p:sp>
+        <p:nvSpPr>
+          <p:cNvPr id="13" name="Freeform 12"/>
+          <p:cNvSpPr/>
+          <p:nvPr/>
+        </p:nvSpPr>
+        <p:spPr>
+          <a:xfrm>
+            <a:off x="4564773" y="2125709"/>
+            <a:ext cx="1651000" cy="2074333"/>
+          </a:xfrm>
+          <a:custGeom>
+            <a:avLst/>
+            <a:gdLst>
+              <a:gd name="connsiteX0" fmla="*/ 448733 w 1651000"/>
+              <a:gd name="connsiteY0" fmla="*/ 0 h 2074333"/>
+              <a:gd name="connsiteX1" fmla="*/ 431800 w 1651000"/>
+              <a:gd name="connsiteY1" fmla="*/ 406400 h 2074333"/>
+              <a:gd name="connsiteX2" fmla="*/ 296333 w 1651000"/>
+              <a:gd name="connsiteY2" fmla="*/ 795867 h 2074333"/>
+              <a:gd name="connsiteX3" fmla="*/ 0 w 1651000"/>
+              <a:gd name="connsiteY3" fmla="*/ 1007533 h 2074333"/>
+              <a:gd name="connsiteX4" fmla="*/ 50800 w 1651000"/>
+              <a:gd name="connsiteY4" fmla="*/ 1210733 h 2074333"/>
+              <a:gd name="connsiteX5" fmla="*/ 364066 w 1651000"/>
+              <a:gd name="connsiteY5" fmla="*/ 1286933 h 2074333"/>
+              <a:gd name="connsiteX6" fmla="*/ 753533 w 1651000"/>
+              <a:gd name="connsiteY6" fmla="*/ 982133 h 2074333"/>
+              <a:gd name="connsiteX7" fmla="*/ 855133 w 1651000"/>
+              <a:gd name="connsiteY7" fmla="*/ 541867 h 2074333"/>
+              <a:gd name="connsiteX8" fmla="*/ 1312333 w 1651000"/>
+              <a:gd name="connsiteY8" fmla="*/ 465667 h 2074333"/>
+              <a:gd name="connsiteX9" fmla="*/ 1405466 w 1651000"/>
+              <a:gd name="connsiteY9" fmla="*/ 999067 h 2074333"/>
+              <a:gd name="connsiteX10" fmla="*/ 1261533 w 1651000"/>
+              <a:gd name="connsiteY10" fmla="*/ 1608667 h 2074333"/>
+              <a:gd name="connsiteX11" fmla="*/ 1634066 w 1651000"/>
+              <a:gd name="connsiteY11" fmla="*/ 2074333 h 2074333"/>
+              <a:gd name="connsiteX12" fmla="*/ 1651000 w 1651000"/>
+              <a:gd name="connsiteY12" fmla="*/ 0 h 2074333"/>
+              <a:gd name="connsiteX13" fmla="*/ 448733 w 1651000"/>
+              <a:gd name="connsiteY13" fmla="*/ 0 h 2074333"/>
+            </a:gdLst>
+            <a:ahLst/>
+            <a:cxnLst>
+              <a:cxn ang="0">
+                <a:pos x="connsiteX0" y="connsiteY0"/>
+              </a:cxn>
+              <a:cxn ang="0">
+                <a:pos x="connsiteX1" y="connsiteY1"/>
+              </a:cxn>
+              <a:cxn ang="0">
+                <a:pos x="connsiteX2" y="connsiteY2"/>
+              </a:cxn>
+              <a:cxn ang="0">
+                <a:pos x="connsiteX3" y="connsiteY3"/>
+              </a:cxn>
+              <a:cxn ang="0">
+                <a:pos x="connsiteX4" y="connsiteY4"/>
+              </a:cxn>
+              <a:cxn ang="0">
+                <a:pos x="connsiteX5" y="connsiteY5"/>
+              </a:cxn>
+              <a:cxn ang="0">
+                <a:pos x="connsiteX6" y="connsiteY6"/>
+              </a:cxn>
+              <a:cxn ang="0">
+                <a:pos x="connsiteX7" y="connsiteY7"/>
+              </a:cxn>
+              <a:cxn ang="0">
+                <a:pos x="connsiteX8" y="connsiteY8"/>
+              </a:cxn>
+              <a:cxn ang="0">
+                <a:pos x="connsiteX9" y="connsiteY9"/>
+              </a:cxn>
+              <a:cxn ang="0">
+                <a:pos x="connsiteX10" y="connsiteY10"/>
+              </a:cxn>
+              <a:cxn ang="0">
+                <a:pos x="connsiteX11" y="connsiteY11"/>
+              </a:cxn>
+              <a:cxn ang="0">
+                <a:pos x="connsiteX12" y="connsiteY12"/>
+              </a:cxn>
+              <a:cxn ang="0">
+                <a:pos x="connsiteX13" y="connsiteY13"/>
+              </a:cxn>
+            </a:cxnLst>
+            <a:rect l="l" t="t" r="r" b="b"/>
+            <a:pathLst>
+              <a:path w="1651000" h="2074333">
+                <a:moveTo>
+                  <a:pt x="448733" y="0"/>
+                </a:moveTo>
+                <a:lnTo>
+                  <a:pt x="431800" y="406400"/>
+                </a:lnTo>
+                <a:lnTo>
+                  <a:pt x="296333" y="795867"/>
+                </a:lnTo>
+                <a:lnTo>
+                  <a:pt x="0" y="1007533"/>
+                </a:lnTo>
+                <a:lnTo>
+                  <a:pt x="50800" y="1210733"/>
+                </a:lnTo>
+                <a:lnTo>
+                  <a:pt x="364066" y="1286933"/>
+                </a:lnTo>
+                <a:lnTo>
+                  <a:pt x="753533" y="982133"/>
+                </a:lnTo>
+                <a:lnTo>
+                  <a:pt x="855133" y="541867"/>
+                </a:lnTo>
+                <a:lnTo>
+                  <a:pt x="1312333" y="465667"/>
+                </a:lnTo>
+                <a:lnTo>
+                  <a:pt x="1405466" y="999067"/>
+                </a:lnTo>
+                <a:lnTo>
+                  <a:pt x="1261533" y="1608667"/>
+                </a:lnTo>
+                <a:lnTo>
+                  <a:pt x="1634066" y="2074333"/>
+                </a:lnTo>
+                <a:lnTo>
+                  <a:pt x="1651000" y="0"/>
+                </a:lnTo>
+                <a:lnTo>
+                  <a:pt x="448733" y="0"/>
+                </a:lnTo>
+                <a:close/>
+              </a:path>
+            </a:pathLst>
+          </a:custGeom>
+          <a:solidFill>
+            <a:schemeClr val="bg2">
+              <a:lumMod val="50000"/>
+            </a:schemeClr>
+          </a:solidFill>
+          <a:ln>
+            <a:solidFill>
+              <a:schemeClr val="bg2">
+                <a:lumMod val="50000"/>
+              </a:schemeClr>
+            </a:solidFill>
+          </a:ln>
+          <a:effectLst/>
+        </p:spPr>
+        <p:style>
+          <a:lnRef idx="1">
+            <a:schemeClr val="accent1"/>
+          </a:lnRef>
+          <a:fillRef idx="3">
+            <a:schemeClr val="accent1"/>
+          </a:fillRef>
+          <a:effectRef idx="2">
+            <a:schemeClr val="accent1"/>
+          </a:effectRef>
+          <a:fontRef idx="minor">
+            <a:schemeClr val="lt1"/>
+          </a:fontRef>
+        </p:style>
+        <p:txBody>
+          <a:bodyPr rtlCol="0" anchor="ctr"/>
+          <a:lstStyle/>
+          <a:p>
+            <a:pPr algn="ctr"/>
+            <a:endParaRPr lang="en-US"/>
+          </a:p>
+        </p:txBody>
+      </p:sp>
+      <p:cxnSp>
+        <p:nvCxnSpPr>
+          <p:cNvPr id="18" name="Straight Connector 17"/>
+          <p:cNvCxnSpPr/>
+          <p:nvPr/>
+        </p:nvCxnSpPr>
+        <p:spPr>
+          <a:xfrm>
+            <a:off x="3652131" y="2120671"/>
+            <a:ext cx="0" cy="2618937"/>
+          </a:xfrm>
+          <a:prstGeom prst="line">
+            <a:avLst/>
+          </a:prstGeom>
+          <a:ln>
+            <a:solidFill>
+              <a:schemeClr val="bg1"/>
+            </a:solidFill>
+          </a:ln>
+          <a:effectLst/>
+        </p:spPr>
+        <p:style>
+          <a:lnRef idx="2">
+            <a:schemeClr val="accent1"/>
+          </a:lnRef>
+          <a:fillRef idx="0">
+            <a:schemeClr val="accent1"/>
+          </a:fillRef>
+          <a:effectRef idx="1">
+            <a:schemeClr val="accent1"/>
+          </a:effectRef>
+          <a:fontRef idx="minor">
+            <a:schemeClr val="tx1"/>
+          </a:fontRef>
+        </p:style>
+      </p:cxnSp>
+      <p:cxnSp>
+        <p:nvCxnSpPr>
+          <p:cNvPr id="29" name="Straight Connector 28"/>
+          <p:cNvCxnSpPr/>
+          <p:nvPr/>
+        </p:nvCxnSpPr>
+        <p:spPr>
+          <a:xfrm flipH="1">
+            <a:off x="4703410" y="2122224"/>
+            <a:ext cx="9530" cy="2623460"/>
+          </a:xfrm>
+          <a:prstGeom prst="line">
+            <a:avLst/>
+          </a:prstGeom>
+          <a:ln>
+            <a:solidFill>
+              <a:schemeClr val="bg1"/>
+            </a:solidFill>
+          </a:ln>
+          <a:effectLst/>
+        </p:spPr>
+        <p:style>
+          <a:lnRef idx="2">
+            <a:schemeClr val="accent1"/>
+          </a:lnRef>
+          <a:fillRef idx="0">
+            <a:schemeClr val="accent1"/>
+          </a:fillRef>
+          <a:effectRef idx="1">
+            <a:schemeClr val="accent1"/>
+          </a:effectRef>
+          <a:fontRef idx="minor">
+            <a:schemeClr val="tx1"/>
+          </a:fontRef>
+        </p:style>
+      </p:cxnSp>
+      <p:cxnSp>
+        <p:nvCxnSpPr>
+          <p:cNvPr id="30" name="Straight Connector 29"/>
+          <p:cNvCxnSpPr/>
+          <p:nvPr/>
+        </p:nvCxnSpPr>
+        <p:spPr>
+          <a:xfrm>
+            <a:off x="5760766" y="2120671"/>
+            <a:ext cx="6076" cy="2625013"/>
+          </a:xfrm>
+          <a:prstGeom prst="line">
+            <a:avLst/>
+          </a:prstGeom>
+          <a:ln>
+            <a:solidFill>
+              <a:schemeClr val="bg1"/>
+            </a:solidFill>
+          </a:ln>
+          <a:effectLst/>
+        </p:spPr>
+        <p:style>
+          <a:lnRef idx="2">
+            <a:schemeClr val="accent1"/>
+          </a:lnRef>
+          <a:fillRef idx="0">
+            <a:schemeClr val="accent1"/>
+          </a:fillRef>
+          <a:effectRef idx="1">
+            <a:schemeClr val="accent1"/>
+          </a:effectRef>
+          <a:fontRef idx="minor">
+            <a:schemeClr val="tx1"/>
+          </a:fontRef>
+        </p:style>
+      </p:cxnSp>
+      <p:cxnSp>
+        <p:nvCxnSpPr>
+          <p:cNvPr id="31" name="Straight Connector 30"/>
+          <p:cNvCxnSpPr/>
+          <p:nvPr/>
+        </p:nvCxnSpPr>
+        <p:spPr>
+          <a:xfrm>
+            <a:off x="3208528" y="2527791"/>
+            <a:ext cx="3014071" cy="6076"/>
+          </a:xfrm>
+          <a:prstGeom prst="line">
+            <a:avLst/>
+          </a:prstGeom>
+          <a:ln>
+            <a:solidFill>
+              <a:schemeClr val="bg1"/>
+            </a:solidFill>
+          </a:ln>
+          <a:effectLst/>
+        </p:spPr>
+        <p:style>
+          <a:lnRef idx="2">
+            <a:schemeClr val="accent1"/>
+          </a:lnRef>
+          <a:fillRef idx="0">
+            <a:schemeClr val="accent1"/>
+          </a:fillRef>
+          <a:effectRef idx="1">
+            <a:schemeClr val="accent1"/>
+          </a:effectRef>
+          <a:fontRef idx="minor">
+            <a:schemeClr val="tx1"/>
+          </a:fontRef>
+        </p:style>
+      </p:cxnSp>
+      <p:cxnSp>
+        <p:nvCxnSpPr>
+          <p:cNvPr id="33" name="Straight Connector 32"/>
+          <p:cNvCxnSpPr/>
+          <p:nvPr/>
+        </p:nvCxnSpPr>
+        <p:spPr>
+          <a:xfrm>
+            <a:off x="3202451" y="3360260"/>
+            <a:ext cx="3001918" cy="0"/>
+          </a:xfrm>
+          <a:prstGeom prst="line">
+            <a:avLst/>
+          </a:prstGeom>
+          <a:ln>
+            <a:solidFill>
+              <a:schemeClr val="bg1"/>
+            </a:solidFill>
+          </a:ln>
+          <a:effectLst/>
+        </p:spPr>
+        <p:style>
+          <a:lnRef idx="2">
+            <a:schemeClr val="accent1"/>
+          </a:lnRef>
+          <a:fillRef idx="0">
+            <a:schemeClr val="accent1"/>
+          </a:fillRef>
+          <a:effectRef idx="1">
+            <a:schemeClr val="accent1"/>
+          </a:effectRef>
+          <a:fontRef idx="minor">
+            <a:schemeClr val="tx1"/>
+          </a:fontRef>
+        </p:style>
+      </p:cxnSp>
+      <p:cxnSp>
+        <p:nvCxnSpPr>
+          <p:cNvPr id="35" name="Straight Connector 34"/>
+          <p:cNvCxnSpPr/>
+          <p:nvPr/>
+        </p:nvCxnSpPr>
+        <p:spPr>
+          <a:xfrm>
+            <a:off x="3214604" y="4350717"/>
+            <a:ext cx="2989765" cy="6076"/>
+          </a:xfrm>
+          <a:prstGeom prst="line">
+            <a:avLst/>
+          </a:prstGeom>
+          <a:ln>
+            <a:solidFill>
+              <a:schemeClr val="bg1"/>
+            </a:solidFill>
+          </a:ln>
+          <a:effectLst/>
+        </p:spPr>
+        <p:style>
+          <a:lnRef idx="2">
+            <a:schemeClr val="accent1"/>
+          </a:lnRef>
+          <a:fillRef idx="0">
+            <a:schemeClr val="accent1"/>
+          </a:fillRef>
+          <a:effectRef idx="1">
+            <a:schemeClr val="accent1"/>
+          </a:effectRef>
+          <a:fontRef idx="minor">
+            <a:schemeClr val="tx1"/>
+          </a:fontRef>
+        </p:style>
+      </p:cxnSp>
+    </p:spTree>
+    <p:extLst>
+      <p:ext uri="{BB962C8B-B14F-4D97-AF65-F5344CB8AC3E}">
+        <p14:creationId xmlns:p14="http://schemas.microsoft.com/office/powerpoint/2010/main" val="569905413"/>
+      </p:ext>
+    </p:extLst>
+  </p:cSld>
+  <p:clrMapOvr>
+    <a:masterClrMapping/>
+  </p:clrMapOvr>
+</p:sld>
+</file>
+
+<file path=ppt/slides/slide29.xml><?xml version="1.0" encoding="utf-8"?>
+<p:sld xmlns:a="http://schemas.openxmlformats.org/drawingml/2006/main" xmlns:r="http://schemas.openxmlformats.org/officeDocument/2006/relationships" xmlns:p="http://schemas.openxmlformats.org/presentationml/2006/main">
+  <p:cSld>
+    <p:spTree>
+      <p:nvGrpSpPr>
+        <p:cNvPr id="1" name=""/>
+        <p:cNvGrpSpPr/>
+        <p:nvPr/>
+      </p:nvGrpSpPr>
+      <p:grpSpPr>
+        <a:xfrm>
+          <a:off x="0" y="0"/>
+          <a:ext cx="0" cy="0"/>
+          <a:chOff x="0" y="0"/>
+          <a:chExt cx="0" cy="0"/>
+        </a:xfrm>
+      </p:grpSpPr>
+      <p:grpSp>
+        <p:nvGrpSpPr>
+          <p:cNvPr id="27" name="Group 26"/>
+          <p:cNvGrpSpPr/>
+          <p:nvPr/>
+        </p:nvGrpSpPr>
+        <p:grpSpPr>
+          <a:xfrm>
+            <a:off x="3022601" y="2192866"/>
+            <a:ext cx="2921000" cy="2521209"/>
+            <a:chOff x="3699935" y="2565400"/>
+            <a:chExt cx="3202618" cy="2521209"/>
+          </a:xfrm>
+        </p:grpSpPr>
+        <p:grpSp>
+          <p:nvGrpSpPr>
+            <p:cNvPr id="23" name="Group 22"/>
+            <p:cNvGrpSpPr/>
+            <p:nvPr/>
+          </p:nvGrpSpPr>
+          <p:grpSpPr>
+            <a:xfrm flipH="1">
+              <a:off x="3699935" y="2565400"/>
+              <a:ext cx="3202618" cy="2521209"/>
+              <a:chOff x="355601" y="3454400"/>
+              <a:chExt cx="3202618" cy="2521209"/>
+            </a:xfrm>
+          </p:grpSpPr>
+          <p:sp>
+            <p:nvSpPr>
+              <p:cNvPr id="2" name="Right Triangle 1"/>
+              <p:cNvSpPr/>
+              <p:nvPr/>
+            </p:nvSpPr>
+            <p:spPr>
+              <a:xfrm>
+                <a:off x="355601" y="3468029"/>
+                <a:ext cx="3202616" cy="2235017"/>
+              </a:xfrm>
+              <a:prstGeom prst="rtTriangle">
+                <a:avLst/>
+              </a:prstGeom>
+              <a:solidFill>
+                <a:srgbClr val="804000"/>
+              </a:solidFill>
+              <a:ln>
+                <a:solidFill>
+                  <a:srgbClr val="804000"/>
+                </a:solidFill>
+              </a:ln>
+              <a:effectLst/>
+            </p:spPr>
+            <p:style>
+              <a:lnRef idx="1">
+                <a:schemeClr val="accent1"/>
+              </a:lnRef>
+              <a:fillRef idx="3">
+                <a:schemeClr val="accent1"/>
+              </a:fillRef>
+              <a:effectRef idx="2">
+                <a:schemeClr val="accent1"/>
+              </a:effectRef>
+              <a:fontRef idx="minor">
+                <a:schemeClr val="lt1"/>
+              </a:fontRef>
+            </p:style>
+            <p:txBody>
+              <a:bodyPr rtlCol="0" anchor="ctr"/>
+              <a:lstStyle/>
+              <a:p>
+                <a:pPr algn="ctr"/>
+                <a:endParaRPr lang="en-US"/>
+              </a:p>
+            </p:txBody>
+          </p:sp>
+          <p:sp>
+            <p:nvSpPr>
+              <p:cNvPr id="3" name="Rectangle 2"/>
+              <p:cNvSpPr/>
+              <p:nvPr/>
+            </p:nvSpPr>
+            <p:spPr>
+              <a:xfrm>
+                <a:off x="369229" y="5703046"/>
+                <a:ext cx="1076624" cy="272563"/>
+              </a:xfrm>
+              <a:prstGeom prst="rect">
+                <a:avLst/>
+              </a:prstGeom>
+              <a:solidFill>
+                <a:srgbClr val="804000"/>
+              </a:solidFill>
+              <a:ln>
+                <a:solidFill>
+                  <a:srgbClr val="804000"/>
+                </a:solidFill>
+              </a:ln>
+              <a:effectLst/>
+            </p:spPr>
+            <p:style>
+              <a:lnRef idx="1">
+                <a:schemeClr val="accent1"/>
+              </a:lnRef>
+              <a:fillRef idx="3">
+                <a:schemeClr val="accent1"/>
+              </a:fillRef>
+              <a:effectRef idx="2">
+                <a:schemeClr val="accent1"/>
+              </a:effectRef>
+              <a:fontRef idx="minor">
+                <a:schemeClr val="lt1"/>
+              </a:fontRef>
+            </p:style>
+            <p:txBody>
+              <a:bodyPr rtlCol="0" anchor="ctr"/>
+              <a:lstStyle/>
+              <a:p>
+                <a:pPr algn="ctr"/>
+                <a:endParaRPr lang="en-US"/>
+              </a:p>
+            </p:txBody>
+          </p:sp>
+          <p:sp>
+            <p:nvSpPr>
+              <p:cNvPr id="10" name="Rectangle 9"/>
+              <p:cNvSpPr/>
+              <p:nvPr/>
+            </p:nvSpPr>
+            <p:spPr>
+              <a:xfrm>
+                <a:off x="355602" y="3454400"/>
+                <a:ext cx="1090252" cy="783620"/>
+              </a:xfrm>
+              <a:prstGeom prst="rect">
+                <a:avLst/>
+              </a:prstGeom>
+              <a:solidFill>
+                <a:srgbClr val="804000"/>
+              </a:solidFill>
+              <a:ln>
+                <a:solidFill>
+                  <a:srgbClr val="804000"/>
+                </a:solidFill>
+              </a:ln>
+              <a:effectLst/>
+            </p:spPr>
+            <p:style>
+              <a:lnRef idx="1">
+                <a:schemeClr val="accent1"/>
+              </a:lnRef>
+              <a:fillRef idx="3">
+                <a:schemeClr val="accent1"/>
+              </a:fillRef>
+              <a:effectRef idx="2">
+                <a:schemeClr val="accent1"/>
+              </a:effectRef>
+              <a:fontRef idx="minor">
+                <a:schemeClr val="lt1"/>
+              </a:fontRef>
+            </p:style>
+            <p:txBody>
+              <a:bodyPr rtlCol="0" anchor="ctr"/>
+              <a:lstStyle/>
+              <a:p>
+                <a:pPr algn="ctr"/>
+                <a:endParaRPr lang="en-US"/>
+              </a:p>
+            </p:txBody>
+          </p:sp>
+          <p:sp>
+            <p:nvSpPr>
+              <p:cNvPr id="4" name="Oval 3"/>
+              <p:cNvSpPr/>
+              <p:nvPr/>
+            </p:nvSpPr>
+            <p:spPr>
+              <a:xfrm>
+                <a:off x="2563362" y="5008010"/>
+                <a:ext cx="994857" cy="935589"/>
+              </a:xfrm>
+              <a:prstGeom prst="ellipse">
+                <a:avLst/>
+              </a:prstGeom>
+              <a:solidFill>
+                <a:srgbClr val="804000"/>
+              </a:solidFill>
+              <a:ln>
+                <a:solidFill>
+                  <a:srgbClr val="804000"/>
+                </a:solidFill>
+              </a:ln>
+              <a:effectLst/>
+            </p:spPr>
+            <p:style>
+              <a:lnRef idx="1">
+                <a:schemeClr val="accent1"/>
+              </a:lnRef>
+              <a:fillRef idx="3">
+                <a:schemeClr val="accent1"/>
+              </a:fillRef>
+              <a:effectRef idx="2">
+                <a:schemeClr val="accent1"/>
+              </a:effectRef>
+              <a:fontRef idx="minor">
+                <a:schemeClr val="lt1"/>
+              </a:fontRef>
+            </p:style>
+            <p:txBody>
+              <a:bodyPr rtlCol="0" anchor="ctr"/>
+              <a:lstStyle/>
+              <a:p>
+                <a:pPr algn="ctr"/>
+                <a:endParaRPr lang="en-US"/>
+              </a:p>
+            </p:txBody>
+          </p:sp>
+          <p:sp>
+            <p:nvSpPr>
+              <p:cNvPr id="9" name="Rectangle 8"/>
+              <p:cNvSpPr/>
+              <p:nvPr/>
+            </p:nvSpPr>
+            <p:spPr>
+              <a:xfrm>
+                <a:off x="2447523" y="5682604"/>
+                <a:ext cx="1110695" cy="272563"/>
+              </a:xfrm>
+              <a:prstGeom prst="rect">
+                <a:avLst/>
+              </a:prstGeom>
+              <a:solidFill>
+                <a:srgbClr val="804000"/>
+              </a:solidFill>
+              <a:ln>
+                <a:solidFill>
+                  <a:srgbClr val="804000"/>
+                </a:solidFill>
+              </a:ln>
+              <a:effectLst/>
+            </p:spPr>
+            <p:style>
+              <a:lnRef idx="1">
+                <a:schemeClr val="accent1"/>
+              </a:lnRef>
+              <a:fillRef idx="3">
+                <a:schemeClr val="accent1"/>
+              </a:fillRef>
+              <a:effectRef idx="2">
+                <a:schemeClr val="accent1"/>
+              </a:effectRef>
+              <a:fontRef idx="minor">
+                <a:schemeClr val="lt1"/>
+              </a:fontRef>
+            </p:style>
+            <p:txBody>
+              <a:bodyPr rtlCol="0" anchor="ctr"/>
+              <a:lstStyle/>
+              <a:p>
+                <a:pPr algn="ctr"/>
+                <a:endParaRPr lang="en-US"/>
+              </a:p>
+            </p:txBody>
+          </p:sp>
+          <p:sp>
+            <p:nvSpPr>
+              <p:cNvPr id="11" name="Rectangle 10"/>
+              <p:cNvSpPr/>
+              <p:nvPr/>
+            </p:nvSpPr>
+            <p:spPr>
+              <a:xfrm>
+                <a:off x="2086377" y="5021639"/>
+                <a:ext cx="1001669" cy="272563"/>
+              </a:xfrm>
+              <a:prstGeom prst="rect">
+                <a:avLst/>
+              </a:prstGeom>
+              <a:solidFill>
+                <a:srgbClr val="804000"/>
+              </a:solidFill>
+              <a:ln>
+                <a:solidFill>
+                  <a:srgbClr val="804000"/>
+                </a:solidFill>
+              </a:ln>
+              <a:effectLst/>
+            </p:spPr>
+            <p:style>
+              <a:lnRef idx="1">
+                <a:schemeClr val="accent1"/>
+              </a:lnRef>
+              <a:fillRef idx="3">
+                <a:schemeClr val="accent1"/>
+              </a:fillRef>
+              <a:effectRef idx="2">
+                <a:schemeClr val="accent1"/>
+              </a:effectRef>
+              <a:fontRef idx="minor">
+                <a:schemeClr val="lt1"/>
+              </a:fontRef>
+            </p:style>
+            <p:txBody>
+              <a:bodyPr rtlCol="0" anchor="ctr"/>
+              <a:lstStyle/>
+              <a:p>
+                <a:pPr algn="ctr"/>
+                <a:endParaRPr lang="en-US"/>
+              </a:p>
+            </p:txBody>
+          </p:sp>
+          <p:cxnSp>
+            <p:nvCxnSpPr>
+              <p:cNvPr id="12" name="Straight Connector 11"/>
+              <p:cNvCxnSpPr/>
+              <p:nvPr/>
+            </p:nvCxnSpPr>
+            <p:spPr>
+              <a:xfrm flipH="1">
+                <a:off x="1507067" y="4385733"/>
+                <a:ext cx="279400" cy="338666"/>
+              </a:xfrm>
+              <a:prstGeom prst="line">
+                <a:avLst/>
+              </a:prstGeom>
+              <a:solidFill>
+                <a:srgbClr val="804000"/>
+              </a:solidFill>
+              <a:ln w="76200" cmpd="sng">
+                <a:solidFill>
+                  <a:schemeClr val="tx1"/>
+                </a:solidFill>
+              </a:ln>
+              <a:effectLst/>
+            </p:spPr>
+            <p:style>
+              <a:lnRef idx="2">
+                <a:schemeClr val="accent1"/>
+              </a:lnRef>
+              <a:fillRef idx="0">
+                <a:schemeClr val="accent1"/>
+              </a:fillRef>
+              <a:effectRef idx="1">
+                <a:schemeClr val="accent1"/>
+              </a:effectRef>
+              <a:fontRef idx="minor">
+                <a:schemeClr val="tx1"/>
+              </a:fontRef>
+            </p:style>
+          </p:cxnSp>
+          <p:cxnSp>
+            <p:nvCxnSpPr>
+              <p:cNvPr id="15" name="Straight Connector 14"/>
+              <p:cNvCxnSpPr/>
+              <p:nvPr/>
+            </p:nvCxnSpPr>
+            <p:spPr>
+              <a:xfrm flipH="1">
+                <a:off x="1786467" y="4572000"/>
+                <a:ext cx="279400" cy="338666"/>
+              </a:xfrm>
+              <a:prstGeom prst="line">
+                <a:avLst/>
+              </a:prstGeom>
+              <a:solidFill>
+                <a:srgbClr val="804000"/>
+              </a:solidFill>
+              <a:ln w="76200" cmpd="sng">
+                <a:solidFill>
+                  <a:schemeClr val="tx1"/>
+                </a:solidFill>
+              </a:ln>
+              <a:effectLst/>
+            </p:spPr>
+            <p:style>
+              <a:lnRef idx="2">
+                <a:schemeClr val="accent1"/>
+              </a:lnRef>
+              <a:fillRef idx="0">
+                <a:schemeClr val="accent1"/>
+              </a:fillRef>
+              <a:effectRef idx="1">
+                <a:schemeClr val="accent1"/>
+              </a:effectRef>
+              <a:fontRef idx="minor">
+                <a:schemeClr val="tx1"/>
+              </a:fontRef>
+            </p:style>
+          </p:cxnSp>
+          <p:cxnSp>
+            <p:nvCxnSpPr>
+              <p:cNvPr id="16" name="Straight Connector 15"/>
+              <p:cNvCxnSpPr/>
+              <p:nvPr/>
+            </p:nvCxnSpPr>
+            <p:spPr>
+              <a:xfrm flipH="1">
+                <a:off x="2091267" y="4783667"/>
+                <a:ext cx="279400" cy="338666"/>
+              </a:xfrm>
+              <a:prstGeom prst="line">
+                <a:avLst/>
+              </a:prstGeom>
+              <a:solidFill>
+                <a:srgbClr val="804000"/>
+              </a:solidFill>
+              <a:ln w="76200" cmpd="sng">
+                <a:solidFill>
+                  <a:schemeClr val="tx1"/>
+                </a:solidFill>
+              </a:ln>
+              <a:effectLst/>
+            </p:spPr>
+            <p:style>
+              <a:lnRef idx="2">
+                <a:schemeClr val="accent1"/>
+              </a:lnRef>
+              <a:fillRef idx="0">
+                <a:schemeClr val="accent1"/>
+              </a:fillRef>
+              <a:effectRef idx="1">
+                <a:schemeClr val="accent1"/>
+              </a:effectRef>
+              <a:fontRef idx="minor">
+                <a:schemeClr val="tx1"/>
+              </a:fontRef>
+            </p:style>
+          </p:cxnSp>
+          <p:cxnSp>
+            <p:nvCxnSpPr>
+              <p:cNvPr id="17" name="Straight Connector 16"/>
+              <p:cNvCxnSpPr/>
+              <p:nvPr/>
+            </p:nvCxnSpPr>
+            <p:spPr>
+              <a:xfrm>
+                <a:off x="364067" y="5706533"/>
+                <a:ext cx="1075266" cy="0"/>
+              </a:xfrm>
+              <a:prstGeom prst="line">
+                <a:avLst/>
+              </a:prstGeom>
+              <a:ln w="76200" cmpd="sng">
+                <a:solidFill>
+                  <a:schemeClr val="tx1"/>
+                </a:solidFill>
+              </a:ln>
+              <a:effectLst/>
+            </p:spPr>
+            <p:style>
+              <a:lnRef idx="2">
+                <a:schemeClr val="accent1"/>
+              </a:lnRef>
+              <a:fillRef idx="0">
+                <a:schemeClr val="accent1"/>
+              </a:fillRef>
+              <a:effectRef idx="1">
+                <a:schemeClr val="accent1"/>
+              </a:effectRef>
+              <a:fontRef idx="minor">
+                <a:schemeClr val="tx1"/>
+              </a:fontRef>
+            </p:style>
+          </p:cxnSp>
+          <p:cxnSp>
+            <p:nvCxnSpPr>
+              <p:cNvPr id="21" name="Straight Connector 20"/>
+              <p:cNvCxnSpPr/>
+              <p:nvPr/>
+            </p:nvCxnSpPr>
+            <p:spPr>
+              <a:xfrm>
+                <a:off x="2429934" y="5706533"/>
+                <a:ext cx="1075266" cy="0"/>
+              </a:xfrm>
+              <a:prstGeom prst="line">
+                <a:avLst/>
+              </a:prstGeom>
+              <a:ln w="76200" cmpd="sng">
+                <a:solidFill>
+                  <a:schemeClr val="tx1"/>
+                </a:solidFill>
+              </a:ln>
+              <a:effectLst/>
+            </p:spPr>
+            <p:style>
+              <a:lnRef idx="2">
+                <a:schemeClr val="accent1"/>
+              </a:lnRef>
+              <a:fillRef idx="0">
+                <a:schemeClr val="accent1"/>
+              </a:fillRef>
+              <a:effectRef idx="1">
+                <a:schemeClr val="accent1"/>
+              </a:effectRef>
+              <a:fontRef idx="minor">
+                <a:schemeClr val="tx1"/>
+              </a:fontRef>
+            </p:style>
+          </p:cxnSp>
+        </p:grpSp>
+        <p:cxnSp>
+          <p:nvCxnSpPr>
+            <p:cNvPr id="26" name="Straight Connector 25"/>
+            <p:cNvCxnSpPr/>
+            <p:nvPr/>
+          </p:nvCxnSpPr>
+          <p:spPr>
+            <a:xfrm>
+              <a:off x="5759553" y="3276600"/>
+              <a:ext cx="279400" cy="338666"/>
+            </a:xfrm>
+            <a:prstGeom prst="line">
+              <a:avLst/>
+            </a:prstGeom>
+            <a:solidFill>
+              <a:srgbClr val="804000"/>
+            </a:solidFill>
+            <a:ln w="76200" cmpd="sng">
+              <a:solidFill>
+                <a:schemeClr val="tx1"/>
+              </a:solidFill>
+            </a:ln>
+            <a:effectLst/>
+          </p:spPr>
+          <p:style>
+            <a:lnRef idx="2">
+              <a:schemeClr val="accent1"/>
+            </a:lnRef>
+            <a:fillRef idx="0">
+              <a:schemeClr val="accent1"/>
+            </a:fillRef>
+            <a:effectRef idx="1">
+              <a:schemeClr val="accent1"/>
+            </a:effectRef>
+            <a:fontRef idx="minor">
+              <a:schemeClr val="tx1"/>
+            </a:fontRef>
+          </p:style>
+        </p:cxnSp>
+      </p:grpSp>
+    </p:spTree>
+    <p:extLst>
+      <p:ext uri="{BB962C8B-B14F-4D97-AF65-F5344CB8AC3E}">
+        <p14:creationId xmlns:p14="http://schemas.microsoft.com/office/powerpoint/2010/main" val="2612700421"/>
+      </p:ext>
+    </p:extLst>
+  </p:cSld>
+  <p:clrMapOvr>
+    <a:masterClrMapping/>
+  </p:clrMapOvr>
+</p:sld>
+</file>
+
+<file path=ppt/slides/slide3.xml><?xml version="1.0" encoding="utf-8"?>
+<p:sld xmlns:a="http://schemas.openxmlformats.org/drawingml/2006/main" xmlns:r="http://schemas.openxmlformats.org/officeDocument/2006/relationships" xmlns:p="http://schemas.openxmlformats.org/presentationml/2006/main">
+  <p:cSld>
+    <p:spTree>
+      <p:nvGrpSpPr>
+        <p:cNvPr id="1" name=""/>
+        <p:cNvGrpSpPr/>
+        <p:nvPr/>
+      </p:nvGrpSpPr>
+      <p:grpSpPr>
+        <a:xfrm>
+          <a:off x="0" y="0"/>
+          <a:ext cx="0" cy="0"/>
+          <a:chOff x="0" y="0"/>
+          <a:chExt cx="0" cy="0"/>
+        </a:xfrm>
+      </p:grpSpPr>
+      <p:cxnSp>
+        <p:nvCxnSpPr>
+          <p:cNvPr id="14" name="Straight Connector 13"/>
+          <p:cNvCxnSpPr/>
+          <p:nvPr/>
+        </p:nvCxnSpPr>
+        <p:spPr>
+          <a:xfrm>
+            <a:off x="4406515" y="4832928"/>
+            <a:ext cx="13085" cy="1351972"/>
+          </a:xfrm>
+          <a:prstGeom prst="line">
+            <a:avLst/>
+          </a:prstGeom>
+          <a:ln w="177800" cmpd="sng">
+            <a:solidFill>
+              <a:schemeClr val="tx1"/>
+            </a:solidFill>
+          </a:ln>
+          <a:effectLst/>
+          <a:scene3d>
+            <a:camera prst="perspectiveFront" fov="2400000">
+              <a:rot lat="0" lon="0" rev="0"/>
+            </a:camera>
+            <a:lightRig rig="threePt" dir="t"/>
+          </a:scene3d>
+          <a:sp3d/>
+        </p:spPr>
+        <p:style>
+          <a:lnRef idx="2">
+            <a:schemeClr val="accent1"/>
+          </a:lnRef>
+          <a:fillRef idx="0">
+            <a:schemeClr val="accent1"/>
+          </a:fillRef>
+          <a:effectRef idx="1">
+            <a:schemeClr val="accent1"/>
+          </a:effectRef>
+          <a:fontRef idx="minor">
+            <a:schemeClr val="tx1"/>
+          </a:fontRef>
+        </p:style>
+      </p:cxnSp>
+      <p:cxnSp>
+        <p:nvCxnSpPr>
+          <p:cNvPr id="15" name="Straight Connector 14"/>
+          <p:cNvCxnSpPr/>
+          <p:nvPr/>
+        </p:nvCxnSpPr>
+        <p:spPr>
+          <a:xfrm>
+            <a:off x="4270856" y="4797906"/>
+            <a:ext cx="15394" cy="1285394"/>
+          </a:xfrm>
+          <a:prstGeom prst="line">
+            <a:avLst/>
+          </a:prstGeom>
+          <a:ln w="101600" cmpd="sng">
+            <a:solidFill>
+              <a:schemeClr val="bg1">
+                <a:lumMod val="85000"/>
+              </a:schemeClr>
+            </a:solidFill>
+          </a:ln>
+          <a:effectLst/>
+          <a:scene3d>
+            <a:camera prst="perspectiveFront" fov="2400000">
+              <a:rot lat="0" lon="0" rev="0"/>
+            </a:camera>
+            <a:lightRig rig="threePt" dir="t"/>
+          </a:scene3d>
+          <a:sp3d/>
+        </p:spPr>
+        <p:style>
+          <a:lnRef idx="2">
+            <a:schemeClr val="accent1"/>
+          </a:lnRef>
+          <a:fillRef idx="0">
+            <a:schemeClr val="accent1"/>
+          </a:fillRef>
+          <a:effectRef idx="1">
+            <a:schemeClr val="accent1"/>
+          </a:effectRef>
+          <a:fontRef idx="minor">
+            <a:schemeClr val="tx1"/>
+          </a:fontRef>
+        </p:style>
+      </p:cxnSp>
+      <p:sp>
+        <p:nvSpPr>
+          <p:cNvPr id="17" name="Connector 16"/>
+          <p:cNvSpPr/>
+          <p:nvPr/>
+        </p:nvSpPr>
+        <p:spPr>
+          <a:xfrm>
+            <a:off x="2781300" y="2743848"/>
+            <a:ext cx="3098801" cy="2270729"/>
+          </a:xfrm>
+          <a:prstGeom prst="flowChartConnector">
+            <a:avLst/>
+          </a:prstGeom>
+          <a:gradFill flip="none" rotWithShape="1">
+            <a:gsLst>
+              <a:gs pos="7000">
+                <a:schemeClr val="bg1">
+                  <a:lumMod val="95000"/>
+                </a:schemeClr>
+              </a:gs>
+              <a:gs pos="100000">
+                <a:schemeClr val="tx1">
+                  <a:lumMod val="75000"/>
+                  <a:lumOff val="25000"/>
+                </a:schemeClr>
+              </a:gs>
+            </a:gsLst>
+            <a:path path="circle">
+              <a:fillToRect t="100000" r="100000"/>
+            </a:path>
+            <a:tileRect l="-100000" b="-100000"/>
+          </a:gradFill>
+          <a:ln w="12700" cmpd="sng">
+            <a:solidFill>
+              <a:schemeClr val="bg1">
+                <a:lumMod val="65000"/>
+              </a:schemeClr>
+            </a:solidFill>
+          </a:ln>
+          <a:effectLst/>
+          <a:scene3d>
+            <a:camera prst="orthographicFront">
+              <a:rot lat="20099998" lon="0" rev="0"/>
+            </a:camera>
+            <a:lightRig rig="threePt" dir="t"/>
+          </a:scene3d>
+          <a:sp3d/>
+        </p:spPr>
+        <p:style>
+          <a:lnRef idx="1">
+            <a:schemeClr val="accent1"/>
+          </a:lnRef>
+          <a:fillRef idx="3">
+            <a:schemeClr val="accent1"/>
+          </a:fillRef>
+          <a:effectRef idx="2">
+            <a:schemeClr val="accent1"/>
+          </a:effectRef>
+          <a:fontRef idx="minor">
+            <a:schemeClr val="lt1"/>
+          </a:fontRef>
+        </p:style>
+        <p:txBody>
+          <a:bodyPr rtlCol="0" anchor="ctr"/>
+          <a:lstStyle/>
+          <a:p>
+            <a:pPr algn="ctr"/>
+            <a:endParaRPr lang="en-US"/>
+          </a:p>
+        </p:txBody>
+      </p:sp>
+      <p:sp>
+        <p:nvSpPr>
+          <p:cNvPr id="18" name="Magnetic Disk 17"/>
+          <p:cNvSpPr/>
+          <p:nvPr/>
+        </p:nvSpPr>
+        <p:spPr>
+          <a:xfrm>
+            <a:off x="3402036" y="723906"/>
+            <a:ext cx="1877663" cy="3395004"/>
+          </a:xfrm>
+          <a:prstGeom prst="flowChartMagneticDisk">
+            <a:avLst/>
+          </a:prstGeom>
+          <a:gradFill flip="none" rotWithShape="1">
+            <a:gsLst>
+              <a:gs pos="13000">
+                <a:schemeClr val="tx1">
+                  <a:lumMod val="75000"/>
+                  <a:lumOff val="25000"/>
+                </a:schemeClr>
+              </a:gs>
+              <a:gs pos="97000">
+                <a:schemeClr val="bg1"/>
+              </a:gs>
+            </a:gsLst>
+            <a:lin ang="10800000" scaled="0"/>
+            <a:tileRect/>
+          </a:gradFill>
+          <a:ln w="12700" cmpd="sng">
+            <a:solidFill>
+              <a:schemeClr val="bg1">
+                <a:lumMod val="65000"/>
+              </a:schemeClr>
+            </a:solidFill>
+          </a:ln>
+          <a:effectLst/>
+          <a:scene3d>
+            <a:camera prst="orthographicFront">
+              <a:rot lat="20099998" lon="0" rev="0"/>
+            </a:camera>
+            <a:lightRig rig="threePt" dir="t"/>
+          </a:scene3d>
+          <a:sp3d/>
+        </p:spPr>
+        <p:style>
+          <a:lnRef idx="1">
+            <a:schemeClr val="accent1"/>
+          </a:lnRef>
+          <a:fillRef idx="3">
+            <a:schemeClr val="accent1"/>
+          </a:fillRef>
+          <a:effectRef idx="2">
+            <a:schemeClr val="accent1"/>
+          </a:effectRef>
+          <a:fontRef idx="minor">
+            <a:schemeClr val="lt1"/>
+          </a:fontRef>
+        </p:style>
+        <p:txBody>
+          <a:bodyPr rtlCol="0" anchor="ctr"/>
+          <a:lstStyle/>
+          <a:p>
+            <a:pPr algn="ctr"/>
+            <a:endParaRPr lang="en-US"/>
+          </a:p>
+        </p:txBody>
+      </p:sp>
+      <p:sp>
+        <p:nvSpPr>
+          <p:cNvPr id="3" name="Freeform 2"/>
+          <p:cNvSpPr/>
+          <p:nvPr/>
+        </p:nvSpPr>
+        <p:spPr>
+          <a:xfrm>
+            <a:off x="3877733" y="2116666"/>
+            <a:ext cx="1380067" cy="279913"/>
+          </a:xfrm>
+          <a:custGeom>
+            <a:avLst/>
+            <a:gdLst>
+              <a:gd name="connsiteX0" fmla="*/ 0 w 1329267"/>
+              <a:gd name="connsiteY0" fmla="*/ 228600 h 279913"/>
+              <a:gd name="connsiteX1" fmla="*/ 321734 w 1329267"/>
+              <a:gd name="connsiteY1" fmla="*/ 279400 h 279913"/>
+              <a:gd name="connsiteX2" fmla="*/ 770467 w 1329267"/>
+              <a:gd name="connsiteY2" fmla="*/ 245534 h 279913"/>
+              <a:gd name="connsiteX3" fmla="*/ 1151467 w 1329267"/>
+              <a:gd name="connsiteY3" fmla="*/ 110067 h 279913"/>
+              <a:gd name="connsiteX4" fmla="*/ 1329267 w 1329267"/>
+              <a:gd name="connsiteY4" fmla="*/ 0 h 279913"/>
+            </a:gdLst>
+            <a:ahLst/>
+            <a:cxnLst>
+              <a:cxn ang="0">
+                <a:pos x="connsiteX0" y="connsiteY0"/>
+              </a:cxn>
+              <a:cxn ang="0">
+                <a:pos x="connsiteX1" y="connsiteY1"/>
+              </a:cxn>
+              <a:cxn ang="0">
+                <a:pos x="connsiteX2" y="connsiteY2"/>
+              </a:cxn>
+              <a:cxn ang="0">
+                <a:pos x="connsiteX3" y="connsiteY3"/>
+              </a:cxn>
+              <a:cxn ang="0">
+                <a:pos x="connsiteX4" y="connsiteY4"/>
+              </a:cxn>
+            </a:cxnLst>
+            <a:rect l="l" t="t" r="r" b="b"/>
+            <a:pathLst>
+              <a:path w="1329267" h="279913">
+                <a:moveTo>
+                  <a:pt x="0" y="228600"/>
+                </a:moveTo>
+                <a:cubicBezTo>
+                  <a:pt x="96661" y="252589"/>
+                  <a:pt x="193323" y="276578"/>
+                  <a:pt x="321734" y="279400"/>
+                </a:cubicBezTo>
+                <a:cubicBezTo>
+                  <a:pt x="450145" y="282222"/>
+                  <a:pt x="632178" y="273756"/>
+                  <a:pt x="770467" y="245534"/>
+                </a:cubicBezTo>
+                <a:cubicBezTo>
+                  <a:pt x="908756" y="217312"/>
+                  <a:pt x="1058334" y="150989"/>
+                  <a:pt x="1151467" y="110067"/>
+                </a:cubicBezTo>
+                <a:cubicBezTo>
+                  <a:pt x="1244600" y="69145"/>
+                  <a:pt x="1329267" y="0"/>
+                  <a:pt x="1329267" y="0"/>
+                </a:cubicBezTo>
+              </a:path>
+            </a:pathLst>
+          </a:custGeom>
+          <a:ln w="203200" cap="flat" cmpd="sng">
+            <a:gradFill flip="none" rotWithShape="1">
+              <a:gsLst>
+                <a:gs pos="23000">
+                  <a:schemeClr val="tx1">
+                    <a:lumMod val="85000"/>
+                    <a:lumOff val="15000"/>
+                  </a:schemeClr>
+                </a:gs>
+                <a:gs pos="93000">
+                  <a:prstClr val="white"/>
+                </a:gs>
+              </a:gsLst>
+              <a:lin ang="10800000" scaled="0"/>
+              <a:tileRect/>
+            </a:gradFill>
+          </a:ln>
+          <a:effectLst/>
+        </p:spPr>
+        <p:style>
+          <a:lnRef idx="2">
+            <a:schemeClr val="accent1"/>
+          </a:lnRef>
+          <a:fillRef idx="0">
+            <a:schemeClr val="accent1"/>
+          </a:fillRef>
+          <a:effectRef idx="1">
+            <a:schemeClr val="accent1"/>
+          </a:effectRef>
+          <a:fontRef idx="minor">
+            <a:schemeClr val="tx1"/>
+          </a:fontRef>
+        </p:style>
+        <p:txBody>
+          <a:bodyPr rtlCol="0" anchor="ctr"/>
+          <a:lstStyle/>
+          <a:p>
+            <a:pPr algn="ctr"/>
+            <a:endParaRPr lang="en-US"/>
+          </a:p>
+        </p:txBody>
+      </p:sp>
+      <p:sp>
+        <p:nvSpPr>
+          <p:cNvPr id="19" name="Connector 18"/>
+          <p:cNvSpPr/>
+          <p:nvPr/>
+        </p:nvSpPr>
+        <p:spPr>
+          <a:xfrm>
+            <a:off x="3029749" y="495300"/>
+            <a:ext cx="2637842" cy="1932948"/>
+          </a:xfrm>
+          <a:prstGeom prst="flowChartConnector">
+            <a:avLst/>
+          </a:prstGeom>
+          <a:gradFill flip="none" rotWithShape="1">
+            <a:gsLst>
+              <a:gs pos="14000">
+                <a:schemeClr val="bg1"/>
+              </a:gs>
+              <a:gs pos="100000">
+                <a:schemeClr val="tx1">
+                  <a:lumMod val="75000"/>
+                  <a:lumOff val="25000"/>
+                </a:schemeClr>
+              </a:gs>
+            </a:gsLst>
+            <a:path path="circle">
+              <a:fillToRect t="100000" r="100000"/>
+            </a:path>
+            <a:tileRect l="-100000" b="-100000"/>
+          </a:gradFill>
+          <a:ln w="12700" cmpd="sng">
+            <a:solidFill>
+              <a:schemeClr val="bg1">
+                <a:lumMod val="65000"/>
+              </a:schemeClr>
+            </a:solidFill>
+          </a:ln>
+          <a:effectLst/>
+          <a:scene3d>
+            <a:camera prst="orthographicFront">
+              <a:rot lat="20099998" lon="0" rev="0"/>
+            </a:camera>
+            <a:lightRig rig="threePt" dir="t"/>
+          </a:scene3d>
+          <a:sp3d/>
+        </p:spPr>
+        <p:style>
+          <a:lnRef idx="1">
+            <a:schemeClr val="accent1"/>
+          </a:lnRef>
+          <a:fillRef idx="3">
+            <a:schemeClr val="accent1"/>
+          </a:fillRef>
+          <a:effectRef idx="2">
+            <a:schemeClr val="accent1"/>
+          </a:effectRef>
+          <a:fontRef idx="minor">
+            <a:schemeClr val="lt1"/>
+          </a:fontRef>
+        </p:style>
+        <p:txBody>
+          <a:bodyPr rtlCol="0" anchor="ctr"/>
+          <a:lstStyle/>
+          <a:p>
+            <a:pPr algn="ctr"/>
+            <a:endParaRPr lang="en-US"/>
+          </a:p>
+        </p:txBody>
+      </p:sp>
+    </p:spTree>
+    <p:extLst>
+      <p:ext uri="{BB962C8B-B14F-4D97-AF65-F5344CB8AC3E}">
+        <p14:creationId xmlns:p14="http://schemas.microsoft.com/office/powerpoint/2010/main" val="3184639359"/>
+      </p:ext>
+    </p:extLst>
+  </p:cSld>
+  <p:clrMapOvr>
+    <a:masterClrMapping/>
+  </p:clrMapOvr>
+</p:sld>
+</file>
+
+<file path=ppt/slides/slide30.xml><?xml version="1.0" encoding="utf-8"?>
+<p:sld xmlns:a="http://schemas.openxmlformats.org/drawingml/2006/main" xmlns:r="http://schemas.openxmlformats.org/officeDocument/2006/relationships" xmlns:p="http://schemas.openxmlformats.org/presentationml/2006/main">
+  <p:cSld>
+    <p:spTree>
+      <p:nvGrpSpPr>
+        <p:cNvPr id="1" name=""/>
+        <p:cNvGrpSpPr/>
+        <p:nvPr/>
+      </p:nvGrpSpPr>
+      <p:grpSpPr>
+        <a:xfrm>
+          <a:off x="0" y="0"/>
+          <a:ext cx="0" cy="0"/>
+          <a:chOff x="0" y="0"/>
+          <a:chExt cx="0" cy="0"/>
+        </a:xfrm>
+      </p:grpSpPr>
+      <p:sp>
+        <p:nvSpPr>
           <p:cNvPr id="12" name="Oval 11"/>
           <p:cNvSpPr/>
           <p:nvPr/>
@@ -8961,7 +11521,7 @@
 </p:sld>
 </file>
 
-<file path=ppt/slides/slide28.xml><?xml version="1.0" encoding="utf-8"?>
+<file path=ppt/slides/slide31.xml><?xml version="1.0" encoding="utf-8"?>
 <p:sld xmlns:a="http://schemas.openxmlformats.org/drawingml/2006/main" xmlns:r="http://schemas.openxmlformats.org/officeDocument/2006/relationships" xmlns:p="http://schemas.openxmlformats.org/presentationml/2006/main">
   <p:cSld>
     <p:spTree>
@@ -9366,7 +11926,7 @@
 </p:sld>
 </file>
 
-<file path=ppt/slides/slide29.xml><?xml version="1.0" encoding="utf-8"?>
+<file path=ppt/slides/slide32.xml><?xml version="1.0" encoding="utf-8"?>
 <p:sld xmlns:a="http://schemas.openxmlformats.org/drawingml/2006/main" xmlns:r="http://schemas.openxmlformats.org/officeDocument/2006/relationships" xmlns:p="http://schemas.openxmlformats.org/presentationml/2006/main">
   <p:cSld>
     <p:spTree>
@@ -9901,449 +12461,7 @@
 </p:sld>
 </file>
 
-<file path=ppt/slides/slide3.xml><?xml version="1.0" encoding="utf-8"?>
-<p:sld xmlns:a="http://schemas.openxmlformats.org/drawingml/2006/main" xmlns:r="http://schemas.openxmlformats.org/officeDocument/2006/relationships" xmlns:p="http://schemas.openxmlformats.org/presentationml/2006/main">
-  <p:cSld>
-    <p:spTree>
-      <p:nvGrpSpPr>
-        <p:cNvPr id="1" name=""/>
-        <p:cNvGrpSpPr/>
-        <p:nvPr/>
-      </p:nvGrpSpPr>
-      <p:grpSpPr>
-        <a:xfrm>
-          <a:off x="0" y="0"/>
-          <a:ext cx="0" cy="0"/>
-          <a:chOff x="0" y="0"/>
-          <a:chExt cx="0" cy="0"/>
-        </a:xfrm>
-      </p:grpSpPr>
-      <p:cxnSp>
-        <p:nvCxnSpPr>
-          <p:cNvPr id="14" name="Straight Connector 13"/>
-          <p:cNvCxnSpPr/>
-          <p:nvPr/>
-        </p:nvCxnSpPr>
-        <p:spPr>
-          <a:xfrm>
-            <a:off x="4406515" y="4832928"/>
-            <a:ext cx="13085" cy="1351972"/>
-          </a:xfrm>
-          <a:prstGeom prst="line">
-            <a:avLst/>
-          </a:prstGeom>
-          <a:ln w="177800" cmpd="sng">
-            <a:solidFill>
-              <a:schemeClr val="tx1"/>
-            </a:solidFill>
-          </a:ln>
-          <a:effectLst/>
-          <a:scene3d>
-            <a:camera prst="perspectiveFront" fov="2400000">
-              <a:rot lat="0" lon="0" rev="0"/>
-            </a:camera>
-            <a:lightRig rig="threePt" dir="t"/>
-          </a:scene3d>
-          <a:sp3d/>
-        </p:spPr>
-        <p:style>
-          <a:lnRef idx="2">
-            <a:schemeClr val="accent1"/>
-          </a:lnRef>
-          <a:fillRef idx="0">
-            <a:schemeClr val="accent1"/>
-          </a:fillRef>
-          <a:effectRef idx="1">
-            <a:schemeClr val="accent1"/>
-          </a:effectRef>
-          <a:fontRef idx="minor">
-            <a:schemeClr val="tx1"/>
-          </a:fontRef>
-        </p:style>
-      </p:cxnSp>
-      <p:cxnSp>
-        <p:nvCxnSpPr>
-          <p:cNvPr id="15" name="Straight Connector 14"/>
-          <p:cNvCxnSpPr/>
-          <p:nvPr/>
-        </p:nvCxnSpPr>
-        <p:spPr>
-          <a:xfrm>
-            <a:off x="4270856" y="4797906"/>
-            <a:ext cx="15394" cy="1285394"/>
-          </a:xfrm>
-          <a:prstGeom prst="line">
-            <a:avLst/>
-          </a:prstGeom>
-          <a:ln w="101600" cmpd="sng">
-            <a:solidFill>
-              <a:schemeClr val="bg1">
-                <a:lumMod val="85000"/>
-              </a:schemeClr>
-            </a:solidFill>
-          </a:ln>
-          <a:effectLst/>
-          <a:scene3d>
-            <a:camera prst="perspectiveFront" fov="2400000">
-              <a:rot lat="0" lon="0" rev="0"/>
-            </a:camera>
-            <a:lightRig rig="threePt" dir="t"/>
-          </a:scene3d>
-          <a:sp3d/>
-        </p:spPr>
-        <p:style>
-          <a:lnRef idx="2">
-            <a:schemeClr val="accent1"/>
-          </a:lnRef>
-          <a:fillRef idx="0">
-            <a:schemeClr val="accent1"/>
-          </a:fillRef>
-          <a:effectRef idx="1">
-            <a:schemeClr val="accent1"/>
-          </a:effectRef>
-          <a:fontRef idx="minor">
-            <a:schemeClr val="tx1"/>
-          </a:fontRef>
-        </p:style>
-      </p:cxnSp>
-      <p:sp>
-        <p:nvSpPr>
-          <p:cNvPr id="17" name="Connector 16"/>
-          <p:cNvSpPr/>
-          <p:nvPr/>
-        </p:nvSpPr>
-        <p:spPr>
-          <a:xfrm>
-            <a:off x="2781300" y="2743848"/>
-            <a:ext cx="3098801" cy="2270729"/>
-          </a:xfrm>
-          <a:prstGeom prst="flowChartConnector">
-            <a:avLst/>
-          </a:prstGeom>
-          <a:gradFill flip="none" rotWithShape="1">
-            <a:gsLst>
-              <a:gs pos="7000">
-                <a:schemeClr val="bg1">
-                  <a:lumMod val="95000"/>
-                </a:schemeClr>
-              </a:gs>
-              <a:gs pos="100000">
-                <a:schemeClr val="tx1">
-                  <a:lumMod val="75000"/>
-                  <a:lumOff val="25000"/>
-                </a:schemeClr>
-              </a:gs>
-            </a:gsLst>
-            <a:path path="circle">
-              <a:fillToRect t="100000" r="100000"/>
-            </a:path>
-            <a:tileRect l="-100000" b="-100000"/>
-          </a:gradFill>
-          <a:ln w="12700" cmpd="sng">
-            <a:solidFill>
-              <a:schemeClr val="bg1">
-                <a:lumMod val="65000"/>
-              </a:schemeClr>
-            </a:solidFill>
-          </a:ln>
-          <a:effectLst/>
-          <a:scene3d>
-            <a:camera prst="orthographicFront">
-              <a:rot lat="20099998" lon="0" rev="0"/>
-            </a:camera>
-            <a:lightRig rig="threePt" dir="t"/>
-          </a:scene3d>
-          <a:sp3d/>
-        </p:spPr>
-        <p:style>
-          <a:lnRef idx="1">
-            <a:schemeClr val="accent1"/>
-          </a:lnRef>
-          <a:fillRef idx="3">
-            <a:schemeClr val="accent1"/>
-          </a:fillRef>
-          <a:effectRef idx="2">
-            <a:schemeClr val="accent1"/>
-          </a:effectRef>
-          <a:fontRef idx="minor">
-            <a:schemeClr val="lt1"/>
-          </a:fontRef>
-        </p:style>
-        <p:txBody>
-          <a:bodyPr rtlCol="0" anchor="ctr"/>
-          <a:lstStyle/>
-          <a:p>
-            <a:pPr algn="ctr"/>
-            <a:endParaRPr lang="en-US"/>
-          </a:p>
-        </p:txBody>
-      </p:sp>
-      <p:sp>
-        <p:nvSpPr>
-          <p:cNvPr id="18" name="Magnetic Disk 17"/>
-          <p:cNvSpPr/>
-          <p:nvPr/>
-        </p:nvSpPr>
-        <p:spPr>
-          <a:xfrm>
-            <a:off x="3402036" y="723906"/>
-            <a:ext cx="1877663" cy="3395004"/>
-          </a:xfrm>
-          <a:prstGeom prst="flowChartMagneticDisk">
-            <a:avLst/>
-          </a:prstGeom>
-          <a:gradFill flip="none" rotWithShape="1">
-            <a:gsLst>
-              <a:gs pos="13000">
-                <a:schemeClr val="tx1">
-                  <a:lumMod val="75000"/>
-                  <a:lumOff val="25000"/>
-                </a:schemeClr>
-              </a:gs>
-              <a:gs pos="97000">
-                <a:schemeClr val="bg1"/>
-              </a:gs>
-            </a:gsLst>
-            <a:lin ang="10800000" scaled="0"/>
-            <a:tileRect/>
-          </a:gradFill>
-          <a:ln w="12700" cmpd="sng">
-            <a:solidFill>
-              <a:schemeClr val="bg1">
-                <a:lumMod val="65000"/>
-              </a:schemeClr>
-            </a:solidFill>
-          </a:ln>
-          <a:effectLst/>
-          <a:scene3d>
-            <a:camera prst="orthographicFront">
-              <a:rot lat="20099998" lon="0" rev="0"/>
-            </a:camera>
-            <a:lightRig rig="threePt" dir="t"/>
-          </a:scene3d>
-          <a:sp3d/>
-        </p:spPr>
-        <p:style>
-          <a:lnRef idx="1">
-            <a:schemeClr val="accent1"/>
-          </a:lnRef>
-          <a:fillRef idx="3">
-            <a:schemeClr val="accent1"/>
-          </a:fillRef>
-          <a:effectRef idx="2">
-            <a:schemeClr val="accent1"/>
-          </a:effectRef>
-          <a:fontRef idx="minor">
-            <a:schemeClr val="lt1"/>
-          </a:fontRef>
-        </p:style>
-        <p:txBody>
-          <a:bodyPr rtlCol="0" anchor="ctr"/>
-          <a:lstStyle/>
-          <a:p>
-            <a:pPr algn="ctr"/>
-            <a:endParaRPr lang="en-US"/>
-          </a:p>
-        </p:txBody>
-      </p:sp>
-      <p:sp>
-        <p:nvSpPr>
-          <p:cNvPr id="3" name="Freeform 2"/>
-          <p:cNvSpPr/>
-          <p:nvPr/>
-        </p:nvSpPr>
-        <p:spPr>
-          <a:xfrm>
-            <a:off x="3877733" y="2116666"/>
-            <a:ext cx="1380067" cy="279913"/>
-          </a:xfrm>
-          <a:custGeom>
-            <a:avLst/>
-            <a:gdLst>
-              <a:gd name="connsiteX0" fmla="*/ 0 w 1329267"/>
-              <a:gd name="connsiteY0" fmla="*/ 228600 h 279913"/>
-              <a:gd name="connsiteX1" fmla="*/ 321734 w 1329267"/>
-              <a:gd name="connsiteY1" fmla="*/ 279400 h 279913"/>
-              <a:gd name="connsiteX2" fmla="*/ 770467 w 1329267"/>
-              <a:gd name="connsiteY2" fmla="*/ 245534 h 279913"/>
-              <a:gd name="connsiteX3" fmla="*/ 1151467 w 1329267"/>
-              <a:gd name="connsiteY3" fmla="*/ 110067 h 279913"/>
-              <a:gd name="connsiteX4" fmla="*/ 1329267 w 1329267"/>
-              <a:gd name="connsiteY4" fmla="*/ 0 h 279913"/>
-            </a:gdLst>
-            <a:ahLst/>
-            <a:cxnLst>
-              <a:cxn ang="0">
-                <a:pos x="connsiteX0" y="connsiteY0"/>
-              </a:cxn>
-              <a:cxn ang="0">
-                <a:pos x="connsiteX1" y="connsiteY1"/>
-              </a:cxn>
-              <a:cxn ang="0">
-                <a:pos x="connsiteX2" y="connsiteY2"/>
-              </a:cxn>
-              <a:cxn ang="0">
-                <a:pos x="connsiteX3" y="connsiteY3"/>
-              </a:cxn>
-              <a:cxn ang="0">
-                <a:pos x="connsiteX4" y="connsiteY4"/>
-              </a:cxn>
-            </a:cxnLst>
-            <a:rect l="l" t="t" r="r" b="b"/>
-            <a:pathLst>
-              <a:path w="1329267" h="279913">
-                <a:moveTo>
-                  <a:pt x="0" y="228600"/>
-                </a:moveTo>
-                <a:cubicBezTo>
-                  <a:pt x="96661" y="252589"/>
-                  <a:pt x="193323" y="276578"/>
-                  <a:pt x="321734" y="279400"/>
-                </a:cubicBezTo>
-                <a:cubicBezTo>
-                  <a:pt x="450145" y="282222"/>
-                  <a:pt x="632178" y="273756"/>
-                  <a:pt x="770467" y="245534"/>
-                </a:cubicBezTo>
-                <a:cubicBezTo>
-                  <a:pt x="908756" y="217312"/>
-                  <a:pt x="1058334" y="150989"/>
-                  <a:pt x="1151467" y="110067"/>
-                </a:cubicBezTo>
-                <a:cubicBezTo>
-                  <a:pt x="1244600" y="69145"/>
-                  <a:pt x="1329267" y="0"/>
-                  <a:pt x="1329267" y="0"/>
-                </a:cubicBezTo>
-              </a:path>
-            </a:pathLst>
-          </a:custGeom>
-          <a:ln w="203200" cap="flat" cmpd="sng">
-            <a:gradFill flip="none" rotWithShape="1">
-              <a:gsLst>
-                <a:gs pos="23000">
-                  <a:schemeClr val="tx1">
-                    <a:lumMod val="85000"/>
-                    <a:lumOff val="15000"/>
-                  </a:schemeClr>
-                </a:gs>
-                <a:gs pos="93000">
-                  <a:prstClr val="white"/>
-                </a:gs>
-              </a:gsLst>
-              <a:lin ang="10800000" scaled="0"/>
-              <a:tileRect/>
-            </a:gradFill>
-          </a:ln>
-          <a:effectLst/>
-        </p:spPr>
-        <p:style>
-          <a:lnRef idx="2">
-            <a:schemeClr val="accent1"/>
-          </a:lnRef>
-          <a:fillRef idx="0">
-            <a:schemeClr val="accent1"/>
-          </a:fillRef>
-          <a:effectRef idx="1">
-            <a:schemeClr val="accent1"/>
-          </a:effectRef>
-          <a:fontRef idx="minor">
-            <a:schemeClr val="tx1"/>
-          </a:fontRef>
-        </p:style>
-        <p:txBody>
-          <a:bodyPr rtlCol="0" anchor="ctr"/>
-          <a:lstStyle/>
-          <a:p>
-            <a:pPr algn="ctr"/>
-            <a:endParaRPr lang="en-US"/>
-          </a:p>
-        </p:txBody>
-      </p:sp>
-      <p:sp>
-        <p:nvSpPr>
-          <p:cNvPr id="19" name="Connector 18"/>
-          <p:cNvSpPr/>
-          <p:nvPr/>
-        </p:nvSpPr>
-        <p:spPr>
-          <a:xfrm>
-            <a:off x="3029749" y="495300"/>
-            <a:ext cx="2637842" cy="1932948"/>
-          </a:xfrm>
-          <a:prstGeom prst="flowChartConnector">
-            <a:avLst/>
-          </a:prstGeom>
-          <a:gradFill flip="none" rotWithShape="1">
-            <a:gsLst>
-              <a:gs pos="14000">
-                <a:schemeClr val="bg1"/>
-              </a:gs>
-              <a:gs pos="100000">
-                <a:schemeClr val="tx1">
-                  <a:lumMod val="75000"/>
-                  <a:lumOff val="25000"/>
-                </a:schemeClr>
-              </a:gs>
-            </a:gsLst>
-            <a:path path="circle">
-              <a:fillToRect t="100000" r="100000"/>
-            </a:path>
-            <a:tileRect l="-100000" b="-100000"/>
-          </a:gradFill>
-          <a:ln w="12700" cmpd="sng">
-            <a:solidFill>
-              <a:schemeClr val="bg1">
-                <a:lumMod val="65000"/>
-              </a:schemeClr>
-            </a:solidFill>
-          </a:ln>
-          <a:effectLst/>
-          <a:scene3d>
-            <a:camera prst="orthographicFront">
-              <a:rot lat="20099998" lon="0" rev="0"/>
-            </a:camera>
-            <a:lightRig rig="threePt" dir="t"/>
-          </a:scene3d>
-          <a:sp3d/>
-        </p:spPr>
-        <p:style>
-          <a:lnRef idx="1">
-            <a:schemeClr val="accent1"/>
-          </a:lnRef>
-          <a:fillRef idx="3">
-            <a:schemeClr val="accent1"/>
-          </a:fillRef>
-          <a:effectRef idx="2">
-            <a:schemeClr val="accent1"/>
-          </a:effectRef>
-          <a:fontRef idx="minor">
-            <a:schemeClr val="lt1"/>
-          </a:fontRef>
-        </p:style>
-        <p:txBody>
-          <a:bodyPr rtlCol="0" anchor="ctr"/>
-          <a:lstStyle/>
-          <a:p>
-            <a:pPr algn="ctr"/>
-            <a:endParaRPr lang="en-US"/>
-          </a:p>
-        </p:txBody>
-      </p:sp>
-    </p:spTree>
-    <p:extLst>
-      <p:ext uri="{BB962C8B-B14F-4D97-AF65-F5344CB8AC3E}">
-        <p14:creationId xmlns:p14="http://schemas.microsoft.com/office/powerpoint/2010/main" val="3184639359"/>
-      </p:ext>
-    </p:extLst>
-  </p:cSld>
-  <p:clrMapOvr>
-    <a:masterClrMapping/>
-  </p:clrMapOvr>
-</p:sld>
-</file>
-
-<file path=ppt/slides/slide30.xml><?xml version="1.0" encoding="utf-8"?>
+<file path=ppt/slides/slide33.xml><?xml version="1.0" encoding="utf-8"?>
 <p:sld xmlns:a="http://schemas.openxmlformats.org/drawingml/2006/main" xmlns:r="http://schemas.openxmlformats.org/officeDocument/2006/relationships" xmlns:p="http://schemas.openxmlformats.org/presentationml/2006/main">
   <p:cSld>
     <p:spTree>
@@ -10531,7 +12649,7 @@
 </p:sld>
 </file>
 
-<file path=ppt/slides/slide31.xml><?xml version="1.0" encoding="utf-8"?>
+<file path=ppt/slides/slide34.xml><?xml version="1.0" encoding="utf-8"?>
 <p:sld xmlns:a="http://schemas.openxmlformats.org/drawingml/2006/main" xmlns:r="http://schemas.openxmlformats.org/officeDocument/2006/relationships" xmlns:p="http://schemas.openxmlformats.org/presentationml/2006/main">
   <p:cSld>
     <p:spTree>
@@ -10752,7 +12870,7 @@
 </p:sld>
 </file>
 
-<file path=ppt/slides/slide32.xml><?xml version="1.0" encoding="utf-8"?>
+<file path=ppt/slides/slide35.xml><?xml version="1.0" encoding="utf-8"?>
 <p:sld xmlns:a="http://schemas.openxmlformats.org/drawingml/2006/main" xmlns:r="http://schemas.openxmlformats.org/officeDocument/2006/relationships" xmlns:p="http://schemas.openxmlformats.org/presentationml/2006/main">
   <p:cSld>
     <p:spTree>
@@ -10845,7 +12963,7 @@
 </p:sld>
 </file>
 
-<file path=ppt/slides/slide33.xml><?xml version="1.0" encoding="utf-8"?>
+<file path=ppt/slides/slide36.xml><?xml version="1.0" encoding="utf-8"?>
 <p:sld xmlns:a="http://schemas.openxmlformats.org/drawingml/2006/main" xmlns:r="http://schemas.openxmlformats.org/officeDocument/2006/relationships" xmlns:p="http://schemas.openxmlformats.org/presentationml/2006/main">
   <p:cSld>
     <p:spTree>
@@ -11009,7 +13127,7 @@
 </p:sld>
 </file>
 
-<file path=ppt/slides/slide34.xml><?xml version="1.0" encoding="utf-8"?>
+<file path=ppt/slides/slide37.xml><?xml version="1.0" encoding="utf-8"?>
 <p:sld xmlns:a="http://schemas.openxmlformats.org/drawingml/2006/main" xmlns:r="http://schemas.openxmlformats.org/officeDocument/2006/relationships" xmlns:p="http://schemas.openxmlformats.org/presentationml/2006/main">
   <p:cSld>
     <p:spTree>
@@ -11106,7 +13224,7 @@
 </p:sld>
 </file>
 
-<file path=ppt/slides/slide35.xml><?xml version="1.0" encoding="utf-8"?>
+<file path=ppt/slides/slide38.xml><?xml version="1.0" encoding="utf-8"?>
 <p:sld xmlns:a="http://schemas.openxmlformats.org/drawingml/2006/main" xmlns:r="http://schemas.openxmlformats.org/officeDocument/2006/relationships" xmlns:p="http://schemas.openxmlformats.org/presentationml/2006/main">
   <p:cSld>
     <p:spTree>
@@ -11237,7 +13355,7 @@
 </p:sld>
 </file>
 
-<file path=ppt/slides/slide36.xml><?xml version="1.0" encoding="utf-8"?>
+<file path=ppt/slides/slide39.xml><?xml version="1.0" encoding="utf-8"?>
 <p:sld xmlns:a="http://schemas.openxmlformats.org/drawingml/2006/main" xmlns:r="http://schemas.openxmlformats.org/officeDocument/2006/relationships" xmlns:p="http://schemas.openxmlformats.org/presentationml/2006/main">
   <p:cSld>
     <p:spTree>
@@ -11842,587 +13960,6 @@
 </p:sld>
 </file>
 
-<file path=ppt/slides/slide37.xml><?xml version="1.0" encoding="utf-8"?>
-<p:sld xmlns:a="http://schemas.openxmlformats.org/drawingml/2006/main" xmlns:r="http://schemas.openxmlformats.org/officeDocument/2006/relationships" xmlns:p="http://schemas.openxmlformats.org/presentationml/2006/main">
-  <p:cSld>
-    <p:spTree>
-      <p:nvGrpSpPr>
-        <p:cNvPr id="1" name=""/>
-        <p:cNvGrpSpPr/>
-        <p:nvPr/>
-      </p:nvGrpSpPr>
-      <p:grpSpPr>
-        <a:xfrm>
-          <a:off x="0" y="0"/>
-          <a:ext cx="0" cy="0"/>
-          <a:chOff x="0" y="0"/>
-          <a:chExt cx="0" cy="0"/>
-        </a:xfrm>
-      </p:grpSpPr>
-      <p:sp>
-        <p:nvSpPr>
-          <p:cNvPr id="4" name="Rectangle 3"/>
-          <p:cNvSpPr/>
-          <p:nvPr/>
-        </p:nvSpPr>
-        <p:spPr>
-          <a:xfrm>
-            <a:off x="2192866" y="1350433"/>
-            <a:ext cx="1549400" cy="4140200"/>
-          </a:xfrm>
-          <a:prstGeom prst="rect">
-            <a:avLst/>
-          </a:prstGeom>
-          <a:gradFill flip="none" rotWithShape="1">
-            <a:gsLst>
-              <a:gs pos="0">
-                <a:schemeClr val="accent2">
-                  <a:lumMod val="60000"/>
-                  <a:lumOff val="40000"/>
-                </a:schemeClr>
-              </a:gs>
-              <a:gs pos="75000">
-                <a:schemeClr val="accent2">
-                  <a:lumMod val="50000"/>
-                </a:schemeClr>
-              </a:gs>
-            </a:gsLst>
-            <a:lin ang="3900000" scaled="0"/>
-            <a:tileRect/>
-          </a:gradFill>
-          <a:ln w="76200" cmpd="sng">
-            <a:solidFill>
-              <a:schemeClr val="tx1"/>
-            </a:solidFill>
-          </a:ln>
-          <a:scene3d>
-            <a:camera prst="orthographicFront"/>
-            <a:lightRig rig="threePt" dir="t"/>
-          </a:scene3d>
-          <a:sp3d>
-            <a:bevelT w="508000" prst="coolSlant"/>
-          </a:sp3d>
-        </p:spPr>
-        <p:style>
-          <a:lnRef idx="1">
-            <a:schemeClr val="accent1"/>
-          </a:lnRef>
-          <a:fillRef idx="3">
-            <a:schemeClr val="accent1"/>
-          </a:fillRef>
-          <a:effectRef idx="2">
-            <a:schemeClr val="accent1"/>
-          </a:effectRef>
-          <a:fontRef idx="minor">
-            <a:schemeClr val="lt1"/>
-          </a:fontRef>
-        </p:style>
-        <p:txBody>
-          <a:bodyPr rtlCol="0" anchor="ctr"/>
-          <a:lstStyle/>
-          <a:p>
-            <a:pPr algn="ctr"/>
-            <a:endParaRPr lang="en-US"/>
-          </a:p>
-        </p:txBody>
-      </p:sp>
-      <p:sp>
-        <p:nvSpPr>
-          <p:cNvPr id="5" name="Rectangle 4"/>
-          <p:cNvSpPr/>
-          <p:nvPr/>
-        </p:nvSpPr>
-        <p:spPr>
-          <a:xfrm>
-            <a:off x="3826932" y="1350433"/>
-            <a:ext cx="1549400" cy="4140200"/>
-          </a:xfrm>
-          <a:prstGeom prst="rect">
-            <a:avLst/>
-          </a:prstGeom>
-          <a:gradFill flip="none" rotWithShape="1">
-            <a:gsLst>
-              <a:gs pos="0">
-                <a:schemeClr val="accent3">
-                  <a:lumMod val="60000"/>
-                  <a:lumOff val="40000"/>
-                </a:schemeClr>
-              </a:gs>
-              <a:gs pos="75000">
-                <a:schemeClr val="accent3">
-                  <a:lumMod val="50000"/>
-                </a:schemeClr>
-              </a:gs>
-            </a:gsLst>
-            <a:lin ang="4140000" scaled="0"/>
-            <a:tileRect/>
-          </a:gradFill>
-          <a:ln w="76200" cmpd="sng">
-            <a:solidFill>
-              <a:schemeClr val="tx1"/>
-            </a:solidFill>
-          </a:ln>
-          <a:scene3d>
-            <a:camera prst="orthographicFront"/>
-            <a:lightRig rig="threePt" dir="t"/>
-          </a:scene3d>
-          <a:sp3d>
-            <a:bevelT w="508000" prst="coolSlant"/>
-          </a:sp3d>
-        </p:spPr>
-        <p:style>
-          <a:lnRef idx="1">
-            <a:schemeClr val="accent1"/>
-          </a:lnRef>
-          <a:fillRef idx="3">
-            <a:schemeClr val="accent1"/>
-          </a:fillRef>
-          <a:effectRef idx="2">
-            <a:schemeClr val="accent1"/>
-          </a:effectRef>
-          <a:fontRef idx="minor">
-            <a:schemeClr val="lt1"/>
-          </a:fontRef>
-        </p:style>
-        <p:txBody>
-          <a:bodyPr rtlCol="0" anchor="ctr"/>
-          <a:lstStyle/>
-          <a:p>
-            <a:pPr algn="ctr"/>
-            <a:endParaRPr lang="en-US"/>
-          </a:p>
-        </p:txBody>
-      </p:sp>
-      <p:sp>
-        <p:nvSpPr>
-          <p:cNvPr id="6" name="Rectangle 5"/>
-          <p:cNvSpPr/>
-          <p:nvPr/>
-        </p:nvSpPr>
-        <p:spPr>
-          <a:xfrm>
-            <a:off x="5460998" y="1350433"/>
-            <a:ext cx="1549400" cy="4140200"/>
-          </a:xfrm>
-          <a:prstGeom prst="rect">
-            <a:avLst/>
-          </a:prstGeom>
-          <a:gradFill flip="none" rotWithShape="1">
-            <a:gsLst>
-              <a:gs pos="0">
-                <a:schemeClr val="tx2">
-                  <a:lumMod val="40000"/>
-                  <a:lumOff val="60000"/>
-                </a:schemeClr>
-              </a:gs>
-              <a:gs pos="75000">
-                <a:schemeClr val="tx2">
-                  <a:lumMod val="75000"/>
-                </a:schemeClr>
-              </a:gs>
-            </a:gsLst>
-            <a:lin ang="3480000" scaled="0"/>
-            <a:tileRect/>
-          </a:gradFill>
-          <a:ln w="76200" cmpd="sng">
-            <a:solidFill>
-              <a:schemeClr val="tx1"/>
-            </a:solidFill>
-          </a:ln>
-          <a:scene3d>
-            <a:camera prst="orthographicFront"/>
-            <a:lightRig rig="threePt" dir="t"/>
-          </a:scene3d>
-          <a:sp3d>
-            <a:bevelT w="508000" prst="coolSlant"/>
-          </a:sp3d>
-        </p:spPr>
-        <p:style>
-          <a:lnRef idx="1">
-            <a:schemeClr val="accent1"/>
-          </a:lnRef>
-          <a:fillRef idx="3">
-            <a:schemeClr val="accent1"/>
-          </a:fillRef>
-          <a:effectRef idx="2">
-            <a:schemeClr val="accent1"/>
-          </a:effectRef>
-          <a:fontRef idx="minor">
-            <a:schemeClr val="lt1"/>
-          </a:fontRef>
-        </p:style>
-        <p:txBody>
-          <a:bodyPr rtlCol="0" anchor="ctr"/>
-          <a:lstStyle/>
-          <a:p>
-            <a:pPr algn="ctr"/>
-            <a:endParaRPr lang="en-US"/>
-          </a:p>
-        </p:txBody>
-      </p:sp>
-    </p:spTree>
-    <p:extLst>
-      <p:ext uri="{BB962C8B-B14F-4D97-AF65-F5344CB8AC3E}">
-        <p14:creationId xmlns:p14="http://schemas.microsoft.com/office/powerpoint/2010/main" val="87940256"/>
-      </p:ext>
-    </p:extLst>
-  </p:cSld>
-  <p:clrMapOvr>
-    <a:masterClrMapping/>
-  </p:clrMapOvr>
-</p:sld>
-</file>
-
-<file path=ppt/slides/slide38.xml><?xml version="1.0" encoding="utf-8"?>
-<p:sld xmlns:a="http://schemas.openxmlformats.org/drawingml/2006/main" xmlns:r="http://schemas.openxmlformats.org/officeDocument/2006/relationships" xmlns:p="http://schemas.openxmlformats.org/presentationml/2006/main">
-  <p:cSld>
-    <p:spTree>
-      <p:nvGrpSpPr>
-        <p:cNvPr id="1" name=""/>
-        <p:cNvGrpSpPr/>
-        <p:nvPr/>
-      </p:nvGrpSpPr>
-      <p:grpSpPr>
-        <a:xfrm>
-          <a:off x="0" y="0"/>
-          <a:ext cx="0" cy="0"/>
-          <a:chOff x="0" y="0"/>
-          <a:chExt cx="0" cy="0"/>
-        </a:xfrm>
-      </p:grpSpPr>
-      <p:sp>
-        <p:nvSpPr>
-          <p:cNvPr id="4" name="Trapezoid 3"/>
-          <p:cNvSpPr/>
-          <p:nvPr/>
-        </p:nvSpPr>
-        <p:spPr>
-          <a:xfrm>
-            <a:off x="1333500" y="3937000"/>
-            <a:ext cx="6273800" cy="1871132"/>
-          </a:xfrm>
-          <a:prstGeom prst="trapezoid">
-            <a:avLst>
-              <a:gd name="adj" fmla="val 98958"/>
-            </a:avLst>
-          </a:prstGeom>
-          <a:gradFill>
-            <a:gsLst>
-              <a:gs pos="0">
-                <a:schemeClr val="bg2">
-                  <a:lumMod val="25000"/>
-                </a:schemeClr>
-              </a:gs>
-              <a:gs pos="100000">
-                <a:schemeClr val="bg2">
-                  <a:lumMod val="75000"/>
-                </a:schemeClr>
-              </a:gs>
-            </a:gsLst>
-          </a:gradFill>
-        </p:spPr>
-        <p:style>
-          <a:lnRef idx="1">
-            <a:schemeClr val="accent1"/>
-          </a:lnRef>
-          <a:fillRef idx="3">
-            <a:schemeClr val="accent1"/>
-          </a:fillRef>
-          <a:effectRef idx="2">
-            <a:schemeClr val="accent1"/>
-          </a:effectRef>
-          <a:fontRef idx="minor">
-            <a:schemeClr val="lt1"/>
-          </a:fontRef>
-        </p:style>
-        <p:txBody>
-          <a:bodyPr rtlCol="0" anchor="ctr"/>
-          <a:lstStyle/>
-          <a:p>
-            <a:pPr algn="ctr"/>
-            <a:endParaRPr lang="en-US"/>
-          </a:p>
-        </p:txBody>
-      </p:sp>
-      <p:sp>
-        <p:nvSpPr>
-          <p:cNvPr id="11" name="Trapezoid 10"/>
-          <p:cNvSpPr/>
-          <p:nvPr/>
-        </p:nvSpPr>
-        <p:spPr>
-          <a:xfrm>
-            <a:off x="1333500" y="2556934"/>
-            <a:ext cx="6273800" cy="1871132"/>
-          </a:xfrm>
-          <a:prstGeom prst="trapezoid">
-            <a:avLst>
-              <a:gd name="adj" fmla="val 98958"/>
-            </a:avLst>
-          </a:prstGeom>
-          <a:blipFill rotWithShape="1">
-            <a:blip r:embed="rId2"/>
-            <a:stretch>
-              <a:fillRect/>
-            </a:stretch>
-          </a:blipFill>
-          <a:ln>
-            <a:solidFill>
-              <a:schemeClr val="tx1"/>
-            </a:solidFill>
-          </a:ln>
-        </p:spPr>
-        <p:style>
-          <a:lnRef idx="1">
-            <a:schemeClr val="accent1"/>
-          </a:lnRef>
-          <a:fillRef idx="3">
-            <a:schemeClr val="accent1"/>
-          </a:fillRef>
-          <a:effectRef idx="2">
-            <a:schemeClr val="accent1"/>
-          </a:effectRef>
-          <a:fontRef idx="minor">
-            <a:schemeClr val="lt1"/>
-          </a:fontRef>
-        </p:style>
-        <p:txBody>
-          <a:bodyPr rtlCol="0" anchor="ctr"/>
-          <a:lstStyle/>
-          <a:p>
-            <a:pPr algn="ctr"/>
-            <a:endParaRPr lang="en-US"/>
-          </a:p>
-        </p:txBody>
-      </p:sp>
-      <p:sp>
-        <p:nvSpPr>
-          <p:cNvPr id="12" name="Trapezoid 11"/>
-          <p:cNvSpPr/>
-          <p:nvPr/>
-        </p:nvSpPr>
-        <p:spPr>
-          <a:xfrm>
-            <a:off x="1333500" y="1126067"/>
-            <a:ext cx="6273800" cy="1871132"/>
-          </a:xfrm>
-          <a:prstGeom prst="trapezoid">
-            <a:avLst>
-              <a:gd name="adj" fmla="val 98958"/>
-            </a:avLst>
-          </a:prstGeom>
-          <a:blipFill rotWithShape="1">
-            <a:blip r:embed="rId3"/>
-            <a:stretch>
-              <a:fillRect/>
-            </a:stretch>
-          </a:blipFill>
-          <a:ln>
-            <a:solidFill>
-              <a:schemeClr val="tx1"/>
-            </a:solidFill>
-          </a:ln>
-        </p:spPr>
-        <p:style>
-          <a:lnRef idx="1">
-            <a:schemeClr val="accent1"/>
-          </a:lnRef>
-          <a:fillRef idx="3">
-            <a:schemeClr val="accent1"/>
-          </a:fillRef>
-          <a:effectRef idx="2">
-            <a:schemeClr val="accent1"/>
-          </a:effectRef>
-          <a:fontRef idx="minor">
-            <a:schemeClr val="lt1"/>
-          </a:fontRef>
-        </p:style>
-        <p:txBody>
-          <a:bodyPr rtlCol="0" anchor="ctr"/>
-          <a:lstStyle/>
-          <a:p>
-            <a:pPr algn="ctr"/>
-            <a:endParaRPr lang="en-US"/>
-          </a:p>
-        </p:txBody>
-      </p:sp>
-    </p:spTree>
-    <p:extLst>
-      <p:ext uri="{BB962C8B-B14F-4D97-AF65-F5344CB8AC3E}">
-        <p14:creationId xmlns:p14="http://schemas.microsoft.com/office/powerpoint/2010/main" val="1739564660"/>
-      </p:ext>
-    </p:extLst>
-  </p:cSld>
-  <p:clrMapOvr>
-    <a:masterClrMapping/>
-  </p:clrMapOvr>
-</p:sld>
-</file>
-
-<file path=ppt/slides/slide39.xml><?xml version="1.0" encoding="utf-8"?>
-<p:sld xmlns:a="http://schemas.openxmlformats.org/drawingml/2006/main" xmlns:r="http://schemas.openxmlformats.org/officeDocument/2006/relationships" xmlns:p="http://schemas.openxmlformats.org/presentationml/2006/main">
-  <p:cSld>
-    <p:spTree>
-      <p:nvGrpSpPr>
-        <p:cNvPr id="1" name=""/>
-        <p:cNvGrpSpPr/>
-        <p:nvPr/>
-      </p:nvGrpSpPr>
-      <p:grpSpPr>
-        <a:xfrm>
-          <a:off x="0" y="0"/>
-          <a:ext cx="0" cy="0"/>
-          <a:chOff x="0" y="0"/>
-          <a:chExt cx="0" cy="0"/>
-        </a:xfrm>
-      </p:grpSpPr>
-      <p:sp>
-        <p:nvSpPr>
-          <p:cNvPr id="4" name="Oval 3"/>
-          <p:cNvSpPr/>
-          <p:nvPr/>
-        </p:nvSpPr>
-        <p:spPr>
-          <a:xfrm>
-            <a:off x="2451485" y="1667934"/>
-            <a:ext cx="3987799" cy="3987799"/>
-          </a:xfrm>
-          <a:prstGeom prst="ellipse">
-            <a:avLst/>
-          </a:prstGeom>
-          <a:gradFill flip="none" rotWithShape="1">
-            <a:gsLst>
-              <a:gs pos="12000">
-                <a:srgbClr val="54F053"/>
-              </a:gs>
-              <a:gs pos="99000">
-                <a:schemeClr val="accent3">
-                  <a:lumMod val="50000"/>
-                </a:schemeClr>
-              </a:gs>
-            </a:gsLst>
-            <a:path path="circle">
-              <a:fillToRect r="100000" b="100000"/>
-            </a:path>
-            <a:tileRect l="-100000" t="-100000"/>
-          </a:gradFill>
-          <a:ln w="76200" cmpd="sng">
-            <a:noFill/>
-          </a:ln>
-          <a:effectLst/>
-        </p:spPr>
-        <p:style>
-          <a:lnRef idx="1">
-            <a:schemeClr val="accent3"/>
-          </a:lnRef>
-          <a:fillRef idx="3">
-            <a:schemeClr val="accent3"/>
-          </a:fillRef>
-          <a:effectRef idx="2">
-            <a:schemeClr val="accent3"/>
-          </a:effectRef>
-          <a:fontRef idx="minor">
-            <a:schemeClr val="lt1"/>
-          </a:fontRef>
-        </p:style>
-        <p:txBody>
-          <a:bodyPr rtlCol="0" anchor="ctr"/>
-          <a:lstStyle/>
-          <a:p>
-            <a:pPr algn="ctr"/>
-            <a:endParaRPr lang="en-US"/>
-          </a:p>
-        </p:txBody>
-      </p:sp>
-      <p:cxnSp>
-        <p:nvCxnSpPr>
-          <p:cNvPr id="6" name="Straight Arrow Connector 5"/>
-          <p:cNvCxnSpPr/>
-          <p:nvPr/>
-        </p:nvCxnSpPr>
-        <p:spPr>
-          <a:xfrm flipV="1">
-            <a:off x="5283200" y="1769533"/>
-            <a:ext cx="1498600" cy="1168400"/>
-          </a:xfrm>
-          <a:prstGeom prst="straightConnector1">
-            <a:avLst/>
-          </a:prstGeom>
-          <a:ln w="254000" cap="rnd" cmpd="sng">
-            <a:solidFill>
-              <a:srgbClr val="FF0000"/>
-            </a:solidFill>
-            <a:headEnd type="none"/>
-            <a:tailEnd type="triangle"/>
-          </a:ln>
-          <a:effectLst/>
-        </p:spPr>
-        <p:style>
-          <a:lnRef idx="2">
-            <a:schemeClr val="accent1"/>
-          </a:lnRef>
-          <a:fillRef idx="0">
-            <a:schemeClr val="accent1"/>
-          </a:fillRef>
-          <a:effectRef idx="1">
-            <a:schemeClr val="accent1"/>
-          </a:effectRef>
-          <a:fontRef idx="minor">
-            <a:schemeClr val="tx1"/>
-          </a:fontRef>
-        </p:style>
-      </p:cxnSp>
-      <p:cxnSp>
-        <p:nvCxnSpPr>
-          <p:cNvPr id="7" name="Straight Arrow Connector 6"/>
-          <p:cNvCxnSpPr/>
-          <p:nvPr/>
-        </p:nvCxnSpPr>
-        <p:spPr>
-          <a:xfrm flipH="1" flipV="1">
-            <a:off x="1811867" y="2396067"/>
-            <a:ext cx="1693333" cy="609600"/>
-          </a:xfrm>
-          <a:prstGeom prst="straightConnector1">
-            <a:avLst/>
-          </a:prstGeom>
-          <a:ln w="254000" cap="rnd" cmpd="sng">
-            <a:solidFill>
-              <a:srgbClr val="FFFF00"/>
-            </a:solidFill>
-            <a:headEnd type="none"/>
-            <a:tailEnd type="triangle"/>
-          </a:ln>
-          <a:effectLst/>
-        </p:spPr>
-        <p:style>
-          <a:lnRef idx="2">
-            <a:schemeClr val="accent1"/>
-          </a:lnRef>
-          <a:fillRef idx="0">
-            <a:schemeClr val="accent1"/>
-          </a:fillRef>
-          <a:effectRef idx="1">
-            <a:schemeClr val="accent1"/>
-          </a:effectRef>
-          <a:fontRef idx="minor">
-            <a:schemeClr val="tx1"/>
-          </a:fontRef>
-        </p:style>
-      </p:cxnSp>
-    </p:spTree>
-    <p:extLst>
-      <p:ext uri="{BB962C8B-B14F-4D97-AF65-F5344CB8AC3E}">
-        <p14:creationId xmlns:p14="http://schemas.microsoft.com/office/powerpoint/2010/main" val="1163311204"/>
-      </p:ext>
-    </p:extLst>
-  </p:cSld>
-  <p:clrMapOvr>
-    <a:masterClrMapping/>
-  </p:clrMapOvr>
-</p:sld>
-</file>
-
 <file path=ppt/slides/slide4.xml><?xml version="1.0" encoding="utf-8"?>
 <p:sld xmlns:a="http://schemas.openxmlformats.org/drawingml/2006/main" xmlns:r="http://schemas.openxmlformats.org/officeDocument/2006/relationships" xmlns:p="http://schemas.openxmlformats.org/presentationml/2006/main">
   <p:cSld>
@@ -12852,6 +14389,587 @@
 </file>
 
 <file path=ppt/slides/slide40.xml><?xml version="1.0" encoding="utf-8"?>
+<p:sld xmlns:a="http://schemas.openxmlformats.org/drawingml/2006/main" xmlns:r="http://schemas.openxmlformats.org/officeDocument/2006/relationships" xmlns:p="http://schemas.openxmlformats.org/presentationml/2006/main">
+  <p:cSld>
+    <p:spTree>
+      <p:nvGrpSpPr>
+        <p:cNvPr id="1" name=""/>
+        <p:cNvGrpSpPr/>
+        <p:nvPr/>
+      </p:nvGrpSpPr>
+      <p:grpSpPr>
+        <a:xfrm>
+          <a:off x="0" y="0"/>
+          <a:ext cx="0" cy="0"/>
+          <a:chOff x="0" y="0"/>
+          <a:chExt cx="0" cy="0"/>
+        </a:xfrm>
+      </p:grpSpPr>
+      <p:sp>
+        <p:nvSpPr>
+          <p:cNvPr id="4" name="Rectangle 3"/>
+          <p:cNvSpPr/>
+          <p:nvPr/>
+        </p:nvSpPr>
+        <p:spPr>
+          <a:xfrm>
+            <a:off x="2192866" y="1350433"/>
+            <a:ext cx="1549400" cy="4140200"/>
+          </a:xfrm>
+          <a:prstGeom prst="rect">
+            <a:avLst/>
+          </a:prstGeom>
+          <a:gradFill flip="none" rotWithShape="1">
+            <a:gsLst>
+              <a:gs pos="0">
+                <a:schemeClr val="accent2">
+                  <a:lumMod val="60000"/>
+                  <a:lumOff val="40000"/>
+                </a:schemeClr>
+              </a:gs>
+              <a:gs pos="75000">
+                <a:schemeClr val="accent2">
+                  <a:lumMod val="50000"/>
+                </a:schemeClr>
+              </a:gs>
+            </a:gsLst>
+            <a:lin ang="3900000" scaled="0"/>
+            <a:tileRect/>
+          </a:gradFill>
+          <a:ln w="76200" cmpd="sng">
+            <a:solidFill>
+              <a:schemeClr val="tx1"/>
+            </a:solidFill>
+          </a:ln>
+          <a:scene3d>
+            <a:camera prst="orthographicFront"/>
+            <a:lightRig rig="threePt" dir="t"/>
+          </a:scene3d>
+          <a:sp3d>
+            <a:bevelT w="508000" prst="coolSlant"/>
+          </a:sp3d>
+        </p:spPr>
+        <p:style>
+          <a:lnRef idx="1">
+            <a:schemeClr val="accent1"/>
+          </a:lnRef>
+          <a:fillRef idx="3">
+            <a:schemeClr val="accent1"/>
+          </a:fillRef>
+          <a:effectRef idx="2">
+            <a:schemeClr val="accent1"/>
+          </a:effectRef>
+          <a:fontRef idx="minor">
+            <a:schemeClr val="lt1"/>
+          </a:fontRef>
+        </p:style>
+        <p:txBody>
+          <a:bodyPr rtlCol="0" anchor="ctr"/>
+          <a:lstStyle/>
+          <a:p>
+            <a:pPr algn="ctr"/>
+            <a:endParaRPr lang="en-US"/>
+          </a:p>
+        </p:txBody>
+      </p:sp>
+      <p:sp>
+        <p:nvSpPr>
+          <p:cNvPr id="5" name="Rectangle 4"/>
+          <p:cNvSpPr/>
+          <p:nvPr/>
+        </p:nvSpPr>
+        <p:spPr>
+          <a:xfrm>
+            <a:off x="3826932" y="1350433"/>
+            <a:ext cx="1549400" cy="4140200"/>
+          </a:xfrm>
+          <a:prstGeom prst="rect">
+            <a:avLst/>
+          </a:prstGeom>
+          <a:gradFill flip="none" rotWithShape="1">
+            <a:gsLst>
+              <a:gs pos="0">
+                <a:schemeClr val="accent3">
+                  <a:lumMod val="60000"/>
+                  <a:lumOff val="40000"/>
+                </a:schemeClr>
+              </a:gs>
+              <a:gs pos="75000">
+                <a:schemeClr val="accent3">
+                  <a:lumMod val="50000"/>
+                </a:schemeClr>
+              </a:gs>
+            </a:gsLst>
+            <a:lin ang="4140000" scaled="0"/>
+            <a:tileRect/>
+          </a:gradFill>
+          <a:ln w="76200" cmpd="sng">
+            <a:solidFill>
+              <a:schemeClr val="tx1"/>
+            </a:solidFill>
+          </a:ln>
+          <a:scene3d>
+            <a:camera prst="orthographicFront"/>
+            <a:lightRig rig="threePt" dir="t"/>
+          </a:scene3d>
+          <a:sp3d>
+            <a:bevelT w="508000" prst="coolSlant"/>
+          </a:sp3d>
+        </p:spPr>
+        <p:style>
+          <a:lnRef idx="1">
+            <a:schemeClr val="accent1"/>
+          </a:lnRef>
+          <a:fillRef idx="3">
+            <a:schemeClr val="accent1"/>
+          </a:fillRef>
+          <a:effectRef idx="2">
+            <a:schemeClr val="accent1"/>
+          </a:effectRef>
+          <a:fontRef idx="minor">
+            <a:schemeClr val="lt1"/>
+          </a:fontRef>
+        </p:style>
+        <p:txBody>
+          <a:bodyPr rtlCol="0" anchor="ctr"/>
+          <a:lstStyle/>
+          <a:p>
+            <a:pPr algn="ctr"/>
+            <a:endParaRPr lang="en-US"/>
+          </a:p>
+        </p:txBody>
+      </p:sp>
+      <p:sp>
+        <p:nvSpPr>
+          <p:cNvPr id="6" name="Rectangle 5"/>
+          <p:cNvSpPr/>
+          <p:nvPr/>
+        </p:nvSpPr>
+        <p:spPr>
+          <a:xfrm>
+            <a:off x="5460998" y="1350433"/>
+            <a:ext cx="1549400" cy="4140200"/>
+          </a:xfrm>
+          <a:prstGeom prst="rect">
+            <a:avLst/>
+          </a:prstGeom>
+          <a:gradFill flip="none" rotWithShape="1">
+            <a:gsLst>
+              <a:gs pos="0">
+                <a:schemeClr val="tx2">
+                  <a:lumMod val="40000"/>
+                  <a:lumOff val="60000"/>
+                </a:schemeClr>
+              </a:gs>
+              <a:gs pos="75000">
+                <a:schemeClr val="tx2">
+                  <a:lumMod val="75000"/>
+                </a:schemeClr>
+              </a:gs>
+            </a:gsLst>
+            <a:lin ang="3480000" scaled="0"/>
+            <a:tileRect/>
+          </a:gradFill>
+          <a:ln w="76200" cmpd="sng">
+            <a:solidFill>
+              <a:schemeClr val="tx1"/>
+            </a:solidFill>
+          </a:ln>
+          <a:scene3d>
+            <a:camera prst="orthographicFront"/>
+            <a:lightRig rig="threePt" dir="t"/>
+          </a:scene3d>
+          <a:sp3d>
+            <a:bevelT w="508000" prst="coolSlant"/>
+          </a:sp3d>
+        </p:spPr>
+        <p:style>
+          <a:lnRef idx="1">
+            <a:schemeClr val="accent1"/>
+          </a:lnRef>
+          <a:fillRef idx="3">
+            <a:schemeClr val="accent1"/>
+          </a:fillRef>
+          <a:effectRef idx="2">
+            <a:schemeClr val="accent1"/>
+          </a:effectRef>
+          <a:fontRef idx="minor">
+            <a:schemeClr val="lt1"/>
+          </a:fontRef>
+        </p:style>
+        <p:txBody>
+          <a:bodyPr rtlCol="0" anchor="ctr"/>
+          <a:lstStyle/>
+          <a:p>
+            <a:pPr algn="ctr"/>
+            <a:endParaRPr lang="en-US"/>
+          </a:p>
+        </p:txBody>
+      </p:sp>
+    </p:spTree>
+    <p:extLst>
+      <p:ext uri="{BB962C8B-B14F-4D97-AF65-F5344CB8AC3E}">
+        <p14:creationId xmlns:p14="http://schemas.microsoft.com/office/powerpoint/2010/main" val="87940256"/>
+      </p:ext>
+    </p:extLst>
+  </p:cSld>
+  <p:clrMapOvr>
+    <a:masterClrMapping/>
+  </p:clrMapOvr>
+</p:sld>
+</file>
+
+<file path=ppt/slides/slide41.xml><?xml version="1.0" encoding="utf-8"?>
+<p:sld xmlns:a="http://schemas.openxmlformats.org/drawingml/2006/main" xmlns:r="http://schemas.openxmlformats.org/officeDocument/2006/relationships" xmlns:p="http://schemas.openxmlformats.org/presentationml/2006/main">
+  <p:cSld>
+    <p:spTree>
+      <p:nvGrpSpPr>
+        <p:cNvPr id="1" name=""/>
+        <p:cNvGrpSpPr/>
+        <p:nvPr/>
+      </p:nvGrpSpPr>
+      <p:grpSpPr>
+        <a:xfrm>
+          <a:off x="0" y="0"/>
+          <a:ext cx="0" cy="0"/>
+          <a:chOff x="0" y="0"/>
+          <a:chExt cx="0" cy="0"/>
+        </a:xfrm>
+      </p:grpSpPr>
+      <p:sp>
+        <p:nvSpPr>
+          <p:cNvPr id="4" name="Trapezoid 3"/>
+          <p:cNvSpPr/>
+          <p:nvPr/>
+        </p:nvSpPr>
+        <p:spPr>
+          <a:xfrm>
+            <a:off x="1333500" y="3937000"/>
+            <a:ext cx="6273800" cy="1871132"/>
+          </a:xfrm>
+          <a:prstGeom prst="trapezoid">
+            <a:avLst>
+              <a:gd name="adj" fmla="val 98958"/>
+            </a:avLst>
+          </a:prstGeom>
+          <a:gradFill>
+            <a:gsLst>
+              <a:gs pos="0">
+                <a:schemeClr val="bg2">
+                  <a:lumMod val="25000"/>
+                </a:schemeClr>
+              </a:gs>
+              <a:gs pos="100000">
+                <a:schemeClr val="bg2">
+                  <a:lumMod val="75000"/>
+                </a:schemeClr>
+              </a:gs>
+            </a:gsLst>
+          </a:gradFill>
+        </p:spPr>
+        <p:style>
+          <a:lnRef idx="1">
+            <a:schemeClr val="accent1"/>
+          </a:lnRef>
+          <a:fillRef idx="3">
+            <a:schemeClr val="accent1"/>
+          </a:fillRef>
+          <a:effectRef idx="2">
+            <a:schemeClr val="accent1"/>
+          </a:effectRef>
+          <a:fontRef idx="minor">
+            <a:schemeClr val="lt1"/>
+          </a:fontRef>
+        </p:style>
+        <p:txBody>
+          <a:bodyPr rtlCol="0" anchor="ctr"/>
+          <a:lstStyle/>
+          <a:p>
+            <a:pPr algn="ctr"/>
+            <a:endParaRPr lang="en-US"/>
+          </a:p>
+        </p:txBody>
+      </p:sp>
+      <p:sp>
+        <p:nvSpPr>
+          <p:cNvPr id="11" name="Trapezoid 10"/>
+          <p:cNvSpPr/>
+          <p:nvPr/>
+        </p:nvSpPr>
+        <p:spPr>
+          <a:xfrm>
+            <a:off x="1333500" y="2556934"/>
+            <a:ext cx="6273800" cy="1871132"/>
+          </a:xfrm>
+          <a:prstGeom prst="trapezoid">
+            <a:avLst>
+              <a:gd name="adj" fmla="val 98958"/>
+            </a:avLst>
+          </a:prstGeom>
+          <a:blipFill rotWithShape="1">
+            <a:blip r:embed="rId2"/>
+            <a:stretch>
+              <a:fillRect/>
+            </a:stretch>
+          </a:blipFill>
+          <a:ln>
+            <a:solidFill>
+              <a:schemeClr val="tx1"/>
+            </a:solidFill>
+          </a:ln>
+        </p:spPr>
+        <p:style>
+          <a:lnRef idx="1">
+            <a:schemeClr val="accent1"/>
+          </a:lnRef>
+          <a:fillRef idx="3">
+            <a:schemeClr val="accent1"/>
+          </a:fillRef>
+          <a:effectRef idx="2">
+            <a:schemeClr val="accent1"/>
+          </a:effectRef>
+          <a:fontRef idx="minor">
+            <a:schemeClr val="lt1"/>
+          </a:fontRef>
+        </p:style>
+        <p:txBody>
+          <a:bodyPr rtlCol="0" anchor="ctr"/>
+          <a:lstStyle/>
+          <a:p>
+            <a:pPr algn="ctr"/>
+            <a:endParaRPr lang="en-US"/>
+          </a:p>
+        </p:txBody>
+      </p:sp>
+      <p:sp>
+        <p:nvSpPr>
+          <p:cNvPr id="12" name="Trapezoid 11"/>
+          <p:cNvSpPr/>
+          <p:nvPr/>
+        </p:nvSpPr>
+        <p:spPr>
+          <a:xfrm>
+            <a:off x="1333500" y="1126067"/>
+            <a:ext cx="6273800" cy="1871132"/>
+          </a:xfrm>
+          <a:prstGeom prst="trapezoid">
+            <a:avLst>
+              <a:gd name="adj" fmla="val 98958"/>
+            </a:avLst>
+          </a:prstGeom>
+          <a:blipFill rotWithShape="1">
+            <a:blip r:embed="rId3"/>
+            <a:stretch>
+              <a:fillRect/>
+            </a:stretch>
+          </a:blipFill>
+          <a:ln>
+            <a:solidFill>
+              <a:schemeClr val="tx1"/>
+            </a:solidFill>
+          </a:ln>
+        </p:spPr>
+        <p:style>
+          <a:lnRef idx="1">
+            <a:schemeClr val="accent1"/>
+          </a:lnRef>
+          <a:fillRef idx="3">
+            <a:schemeClr val="accent1"/>
+          </a:fillRef>
+          <a:effectRef idx="2">
+            <a:schemeClr val="accent1"/>
+          </a:effectRef>
+          <a:fontRef idx="minor">
+            <a:schemeClr val="lt1"/>
+          </a:fontRef>
+        </p:style>
+        <p:txBody>
+          <a:bodyPr rtlCol="0" anchor="ctr"/>
+          <a:lstStyle/>
+          <a:p>
+            <a:pPr algn="ctr"/>
+            <a:endParaRPr lang="en-US"/>
+          </a:p>
+        </p:txBody>
+      </p:sp>
+    </p:spTree>
+    <p:extLst>
+      <p:ext uri="{BB962C8B-B14F-4D97-AF65-F5344CB8AC3E}">
+        <p14:creationId xmlns:p14="http://schemas.microsoft.com/office/powerpoint/2010/main" val="1739564660"/>
+      </p:ext>
+    </p:extLst>
+  </p:cSld>
+  <p:clrMapOvr>
+    <a:masterClrMapping/>
+  </p:clrMapOvr>
+</p:sld>
+</file>
+
+<file path=ppt/slides/slide42.xml><?xml version="1.0" encoding="utf-8"?>
+<p:sld xmlns:a="http://schemas.openxmlformats.org/drawingml/2006/main" xmlns:r="http://schemas.openxmlformats.org/officeDocument/2006/relationships" xmlns:p="http://schemas.openxmlformats.org/presentationml/2006/main">
+  <p:cSld>
+    <p:spTree>
+      <p:nvGrpSpPr>
+        <p:cNvPr id="1" name=""/>
+        <p:cNvGrpSpPr/>
+        <p:nvPr/>
+      </p:nvGrpSpPr>
+      <p:grpSpPr>
+        <a:xfrm>
+          <a:off x="0" y="0"/>
+          <a:ext cx="0" cy="0"/>
+          <a:chOff x="0" y="0"/>
+          <a:chExt cx="0" cy="0"/>
+        </a:xfrm>
+      </p:grpSpPr>
+      <p:sp>
+        <p:nvSpPr>
+          <p:cNvPr id="4" name="Oval 3"/>
+          <p:cNvSpPr/>
+          <p:nvPr/>
+        </p:nvSpPr>
+        <p:spPr>
+          <a:xfrm>
+            <a:off x="2451485" y="1667934"/>
+            <a:ext cx="3987799" cy="3987799"/>
+          </a:xfrm>
+          <a:prstGeom prst="ellipse">
+            <a:avLst/>
+          </a:prstGeom>
+          <a:gradFill flip="none" rotWithShape="1">
+            <a:gsLst>
+              <a:gs pos="12000">
+                <a:srgbClr val="54F053"/>
+              </a:gs>
+              <a:gs pos="99000">
+                <a:schemeClr val="accent3">
+                  <a:lumMod val="50000"/>
+                </a:schemeClr>
+              </a:gs>
+            </a:gsLst>
+            <a:path path="circle">
+              <a:fillToRect r="100000" b="100000"/>
+            </a:path>
+            <a:tileRect l="-100000" t="-100000"/>
+          </a:gradFill>
+          <a:ln w="76200" cmpd="sng">
+            <a:noFill/>
+          </a:ln>
+          <a:effectLst/>
+        </p:spPr>
+        <p:style>
+          <a:lnRef idx="1">
+            <a:schemeClr val="accent3"/>
+          </a:lnRef>
+          <a:fillRef idx="3">
+            <a:schemeClr val="accent3"/>
+          </a:fillRef>
+          <a:effectRef idx="2">
+            <a:schemeClr val="accent3"/>
+          </a:effectRef>
+          <a:fontRef idx="minor">
+            <a:schemeClr val="lt1"/>
+          </a:fontRef>
+        </p:style>
+        <p:txBody>
+          <a:bodyPr rtlCol="0" anchor="ctr"/>
+          <a:lstStyle/>
+          <a:p>
+            <a:pPr algn="ctr"/>
+            <a:endParaRPr lang="en-US"/>
+          </a:p>
+        </p:txBody>
+      </p:sp>
+      <p:cxnSp>
+        <p:nvCxnSpPr>
+          <p:cNvPr id="6" name="Straight Arrow Connector 5"/>
+          <p:cNvCxnSpPr/>
+          <p:nvPr/>
+        </p:nvCxnSpPr>
+        <p:spPr>
+          <a:xfrm flipV="1">
+            <a:off x="5283200" y="1769533"/>
+            <a:ext cx="1498600" cy="1168400"/>
+          </a:xfrm>
+          <a:prstGeom prst="straightConnector1">
+            <a:avLst/>
+          </a:prstGeom>
+          <a:ln w="254000" cap="rnd" cmpd="sng">
+            <a:solidFill>
+              <a:srgbClr val="FF0000"/>
+            </a:solidFill>
+            <a:headEnd type="none"/>
+            <a:tailEnd type="triangle"/>
+          </a:ln>
+          <a:effectLst/>
+        </p:spPr>
+        <p:style>
+          <a:lnRef idx="2">
+            <a:schemeClr val="accent1"/>
+          </a:lnRef>
+          <a:fillRef idx="0">
+            <a:schemeClr val="accent1"/>
+          </a:fillRef>
+          <a:effectRef idx="1">
+            <a:schemeClr val="accent1"/>
+          </a:effectRef>
+          <a:fontRef idx="minor">
+            <a:schemeClr val="tx1"/>
+          </a:fontRef>
+        </p:style>
+      </p:cxnSp>
+      <p:cxnSp>
+        <p:nvCxnSpPr>
+          <p:cNvPr id="7" name="Straight Arrow Connector 6"/>
+          <p:cNvCxnSpPr/>
+          <p:nvPr/>
+        </p:nvCxnSpPr>
+        <p:spPr>
+          <a:xfrm flipH="1" flipV="1">
+            <a:off x="1811867" y="2396067"/>
+            <a:ext cx="1693333" cy="609600"/>
+          </a:xfrm>
+          <a:prstGeom prst="straightConnector1">
+            <a:avLst/>
+          </a:prstGeom>
+          <a:ln w="254000" cap="rnd" cmpd="sng">
+            <a:solidFill>
+              <a:srgbClr val="FFFF00"/>
+            </a:solidFill>
+            <a:headEnd type="none"/>
+            <a:tailEnd type="triangle"/>
+          </a:ln>
+          <a:effectLst/>
+        </p:spPr>
+        <p:style>
+          <a:lnRef idx="2">
+            <a:schemeClr val="accent1"/>
+          </a:lnRef>
+          <a:fillRef idx="0">
+            <a:schemeClr val="accent1"/>
+          </a:fillRef>
+          <a:effectRef idx="1">
+            <a:schemeClr val="accent1"/>
+          </a:effectRef>
+          <a:fontRef idx="minor">
+            <a:schemeClr val="tx1"/>
+          </a:fontRef>
+        </p:style>
+      </p:cxnSp>
+    </p:spTree>
+    <p:extLst>
+      <p:ext uri="{BB962C8B-B14F-4D97-AF65-F5344CB8AC3E}">
+        <p14:creationId xmlns:p14="http://schemas.microsoft.com/office/powerpoint/2010/main" val="1163311204"/>
+      </p:ext>
+    </p:extLst>
+  </p:cSld>
+  <p:clrMapOvr>
+    <a:masterClrMapping/>
+  </p:clrMapOvr>
+</p:sld>
+</file>
+
+<file path=ppt/slides/slide43.xml><?xml version="1.0" encoding="utf-8"?>
 <p:sld xmlns:a="http://schemas.openxmlformats.org/drawingml/2006/main" xmlns:r="http://schemas.openxmlformats.org/officeDocument/2006/relationships" xmlns:p="http://schemas.openxmlformats.org/presentationml/2006/main">
   <p:cSld>
     <p:spTree>
@@ -13314,7 +15432,7 @@
 </p:sld>
 </file>
 
-<file path=ppt/slides/slide41.xml><?xml version="1.0" encoding="utf-8"?>
+<file path=ppt/slides/slide44.xml><?xml version="1.0" encoding="utf-8"?>
 <p:sld xmlns:a="http://schemas.openxmlformats.org/drawingml/2006/main" xmlns:r="http://schemas.openxmlformats.org/officeDocument/2006/relationships" xmlns:p="http://schemas.openxmlformats.org/presentationml/2006/main">
   <p:cSld>
     <p:spTree>
@@ -13429,7 +15547,7 @@
 </p:sld>
 </file>
 
-<file path=ppt/slides/slide42.xml><?xml version="1.0" encoding="utf-8"?>
+<file path=ppt/slides/slide45.xml><?xml version="1.0" encoding="utf-8"?>
 <p:sld xmlns:a="http://schemas.openxmlformats.org/drawingml/2006/main" xmlns:r="http://schemas.openxmlformats.org/officeDocument/2006/relationships" xmlns:p="http://schemas.openxmlformats.org/presentationml/2006/main">
   <p:cSld>
     <p:spTree>
@@ -13729,7 +15847,7 @@
 </p:sld>
 </file>
 
-<file path=ppt/slides/slide43.xml><?xml version="1.0" encoding="utf-8"?>
+<file path=ppt/slides/slide46.xml><?xml version="1.0" encoding="utf-8"?>
 <p:sld xmlns:a="http://schemas.openxmlformats.org/drawingml/2006/main" xmlns:r="http://schemas.openxmlformats.org/officeDocument/2006/relationships" xmlns:p="http://schemas.openxmlformats.org/presentationml/2006/main">
   <p:cSld>
     <p:spTree>
@@ -13885,7 +16003,7 @@
 </p:sld>
 </file>
 
-<file path=ppt/slides/slide44.xml><?xml version="1.0" encoding="utf-8"?>
+<file path=ppt/slides/slide47.xml><?xml version="1.0" encoding="utf-8"?>
 <p:sld xmlns:a="http://schemas.openxmlformats.org/drawingml/2006/main" xmlns:r="http://schemas.openxmlformats.org/officeDocument/2006/relationships" xmlns:p="http://schemas.openxmlformats.org/presentationml/2006/main">
   <p:cSld>
     <p:spTree>
@@ -14116,7 +16234,7 @@
 </p:sld>
 </file>
 
-<file path=ppt/slides/slide45.xml><?xml version="1.0" encoding="utf-8"?>
+<file path=ppt/slides/slide48.xml><?xml version="1.0" encoding="utf-8"?>
 <p:sld xmlns:a="http://schemas.openxmlformats.org/drawingml/2006/main" xmlns:r="http://schemas.openxmlformats.org/officeDocument/2006/relationships" xmlns:p="http://schemas.openxmlformats.org/presentationml/2006/main">
   <p:cSld>
     <p:spTree>
@@ -14347,1412 +16465,6 @@
 </p:sld>
 </file>
 
-<file path=ppt/slides/slide46.xml><?xml version="1.0" encoding="utf-8"?>
-<p:sld xmlns:a="http://schemas.openxmlformats.org/drawingml/2006/main" xmlns:r="http://schemas.openxmlformats.org/officeDocument/2006/relationships" xmlns:p="http://schemas.openxmlformats.org/presentationml/2006/main">
-  <p:cSld>
-    <p:spTree>
-      <p:nvGrpSpPr>
-        <p:cNvPr id="1" name=""/>
-        <p:cNvGrpSpPr/>
-        <p:nvPr/>
-      </p:nvGrpSpPr>
-      <p:grpSpPr>
-        <a:xfrm>
-          <a:off x="0" y="0"/>
-          <a:ext cx="0" cy="0"/>
-          <a:chOff x="0" y="0"/>
-          <a:chExt cx="0" cy="0"/>
-        </a:xfrm>
-      </p:grpSpPr>
-      <p:sp>
-        <p:nvSpPr>
-          <p:cNvPr id="5" name="Circular Arrow 4"/>
-          <p:cNvSpPr/>
-          <p:nvPr/>
-        </p:nvSpPr>
-        <p:spPr>
-          <a:xfrm>
-            <a:off x="2277532" y="1054100"/>
-            <a:ext cx="4493940" cy="4296102"/>
-          </a:xfrm>
-          <a:prstGeom prst="circularArrow">
-            <a:avLst/>
-          </a:prstGeom>
-          <a:effectLst/>
-        </p:spPr>
-        <p:style>
-          <a:lnRef idx="1">
-            <a:schemeClr val="accent1"/>
-          </a:lnRef>
-          <a:fillRef idx="3">
-            <a:schemeClr val="accent1"/>
-          </a:fillRef>
-          <a:effectRef idx="2">
-            <a:schemeClr val="accent1"/>
-          </a:effectRef>
-          <a:fontRef idx="minor">
-            <a:schemeClr val="lt1"/>
-          </a:fontRef>
-        </p:style>
-        <p:txBody>
-          <a:bodyPr rtlCol="0" anchor="ctr"/>
-          <a:lstStyle/>
-          <a:p>
-            <a:pPr algn="ctr"/>
-            <a:endParaRPr lang="en-US">
-              <a:solidFill>
-                <a:schemeClr val="tx1"/>
-              </a:solidFill>
-            </a:endParaRPr>
-          </a:p>
-        </p:txBody>
-      </p:sp>
-      <p:sp>
-        <p:nvSpPr>
-          <p:cNvPr id="6" name="Circular Arrow 5"/>
-          <p:cNvSpPr/>
-          <p:nvPr/>
-        </p:nvSpPr>
-        <p:spPr>
-          <a:xfrm flipH="1" flipV="1">
-            <a:off x="2203193" y="1521860"/>
-            <a:ext cx="4493940" cy="4180440"/>
-          </a:xfrm>
-          <a:prstGeom prst="circularArrow">
-            <a:avLst/>
-          </a:prstGeom>
-          <a:effectLst/>
-        </p:spPr>
-        <p:style>
-          <a:lnRef idx="1">
-            <a:schemeClr val="accent1"/>
-          </a:lnRef>
-          <a:fillRef idx="3">
-            <a:schemeClr val="accent1"/>
-          </a:fillRef>
-          <a:effectRef idx="2">
-            <a:schemeClr val="accent1"/>
-          </a:effectRef>
-          <a:fontRef idx="minor">
-            <a:schemeClr val="lt1"/>
-          </a:fontRef>
-        </p:style>
-        <p:txBody>
-          <a:bodyPr rtlCol="0" anchor="ctr"/>
-          <a:lstStyle/>
-          <a:p>
-            <a:pPr algn="ctr"/>
-            <a:endParaRPr lang="en-US">
-              <a:solidFill>
-                <a:schemeClr val="tx1"/>
-              </a:solidFill>
-            </a:endParaRPr>
-          </a:p>
-        </p:txBody>
-      </p:sp>
-    </p:spTree>
-    <p:extLst>
-      <p:ext uri="{BB962C8B-B14F-4D97-AF65-F5344CB8AC3E}">
-        <p14:creationId xmlns:p14="http://schemas.microsoft.com/office/powerpoint/2010/main" val="1387979101"/>
-      </p:ext>
-    </p:extLst>
-  </p:cSld>
-  <p:clrMapOvr>
-    <a:masterClrMapping/>
-  </p:clrMapOvr>
-</p:sld>
-</file>
-
-<file path=ppt/slides/slide47.xml><?xml version="1.0" encoding="utf-8"?>
-<p:sld xmlns:a="http://schemas.openxmlformats.org/drawingml/2006/main" xmlns:r="http://schemas.openxmlformats.org/officeDocument/2006/relationships" xmlns:p="http://schemas.openxmlformats.org/presentationml/2006/main">
-  <p:cSld>
-    <p:spTree>
-      <p:nvGrpSpPr>
-        <p:cNvPr id="1" name=""/>
-        <p:cNvGrpSpPr/>
-        <p:nvPr/>
-      </p:nvGrpSpPr>
-      <p:grpSpPr>
-        <a:xfrm>
-          <a:off x="0" y="0"/>
-          <a:ext cx="0" cy="0"/>
-          <a:chOff x="0" y="0"/>
-          <a:chExt cx="0" cy="0"/>
-        </a:xfrm>
-      </p:grpSpPr>
-      <p:sp>
-        <p:nvSpPr>
-          <p:cNvPr id="2" name="Oval 1"/>
-          <p:cNvSpPr/>
-          <p:nvPr/>
-        </p:nvSpPr>
-        <p:spPr>
-          <a:xfrm>
-            <a:off x="2451100" y="1295400"/>
-            <a:ext cx="4114800" cy="4114800"/>
-          </a:xfrm>
-          <a:prstGeom prst="ellipse">
-            <a:avLst/>
-          </a:prstGeom>
-          <a:noFill/>
-          <a:ln w="76200" cmpd="sng">
-            <a:solidFill>
-              <a:schemeClr val="tx1"/>
-            </a:solidFill>
-          </a:ln>
-          <a:effectLst/>
-        </p:spPr>
-        <p:style>
-          <a:lnRef idx="1">
-            <a:schemeClr val="accent1"/>
-          </a:lnRef>
-          <a:fillRef idx="3">
-            <a:schemeClr val="accent1"/>
-          </a:fillRef>
-          <a:effectRef idx="2">
-            <a:schemeClr val="accent1"/>
-          </a:effectRef>
-          <a:fontRef idx="minor">
-            <a:schemeClr val="lt1"/>
-          </a:fontRef>
-        </p:style>
-        <p:txBody>
-          <a:bodyPr rtlCol="0" anchor="ctr"/>
-          <a:lstStyle/>
-          <a:p>
-            <a:pPr algn="ctr"/>
-            <a:endParaRPr lang="en-US"/>
-          </a:p>
-        </p:txBody>
-      </p:sp>
-      <p:sp>
-        <p:nvSpPr>
-          <p:cNvPr id="4" name="Arc 3"/>
-          <p:cNvSpPr/>
-          <p:nvPr/>
-        </p:nvSpPr>
-        <p:spPr>
-          <a:xfrm>
-            <a:off x="2704306" y="1295400"/>
-            <a:ext cx="3608388" cy="4102100"/>
-          </a:xfrm>
-          <a:prstGeom prst="arc">
-            <a:avLst>
-              <a:gd name="adj1" fmla="val 16200000"/>
-              <a:gd name="adj2" fmla="val 5412291"/>
-            </a:avLst>
-          </a:prstGeom>
-          <a:ln w="76200" cmpd="sng">
-            <a:solidFill>
-              <a:schemeClr val="tx1"/>
-            </a:solidFill>
-          </a:ln>
-          <a:effectLst/>
-        </p:spPr>
-        <p:style>
-          <a:lnRef idx="2">
-            <a:schemeClr val="accent1"/>
-          </a:lnRef>
-          <a:fillRef idx="0">
-            <a:schemeClr val="accent1"/>
-          </a:fillRef>
-          <a:effectRef idx="1">
-            <a:schemeClr val="accent1"/>
-          </a:effectRef>
-          <a:fontRef idx="minor">
-            <a:schemeClr val="tx1"/>
-          </a:fontRef>
-        </p:style>
-        <p:txBody>
-          <a:bodyPr rtlCol="0" anchor="ctr"/>
-          <a:lstStyle/>
-          <a:p>
-            <a:pPr algn="ctr"/>
-            <a:endParaRPr lang="en-US"/>
-          </a:p>
-        </p:txBody>
-      </p:sp>
-      <p:sp>
-        <p:nvSpPr>
-          <p:cNvPr id="7" name="Arc 6"/>
-          <p:cNvSpPr/>
-          <p:nvPr/>
-        </p:nvSpPr>
-        <p:spPr>
-          <a:xfrm>
-            <a:off x="3171825" y="1295400"/>
-            <a:ext cx="2673350" cy="4102100"/>
-          </a:xfrm>
-          <a:prstGeom prst="arc">
-            <a:avLst>
-              <a:gd name="adj1" fmla="val 16200000"/>
-              <a:gd name="adj2" fmla="val 5412291"/>
-            </a:avLst>
-          </a:prstGeom>
-          <a:ln w="76200" cmpd="sng">
-            <a:solidFill>
-              <a:schemeClr val="tx1"/>
-            </a:solidFill>
-          </a:ln>
-          <a:effectLst/>
-        </p:spPr>
-        <p:style>
-          <a:lnRef idx="2">
-            <a:schemeClr val="accent1"/>
-          </a:lnRef>
-          <a:fillRef idx="0">
-            <a:schemeClr val="accent1"/>
-          </a:fillRef>
-          <a:effectRef idx="1">
-            <a:schemeClr val="accent1"/>
-          </a:effectRef>
-          <a:fontRef idx="minor">
-            <a:schemeClr val="tx1"/>
-          </a:fontRef>
-        </p:style>
-        <p:txBody>
-          <a:bodyPr rtlCol="0" anchor="ctr"/>
-          <a:lstStyle/>
-          <a:p>
-            <a:pPr algn="ctr"/>
-            <a:endParaRPr lang="en-US"/>
-          </a:p>
-        </p:txBody>
-      </p:sp>
-      <p:sp>
-        <p:nvSpPr>
-          <p:cNvPr id="8" name="Arc 7"/>
-          <p:cNvSpPr/>
-          <p:nvPr/>
-        </p:nvSpPr>
-        <p:spPr>
-          <a:xfrm>
-            <a:off x="3821113" y="1295400"/>
-            <a:ext cx="1246187" cy="4102100"/>
-          </a:xfrm>
-          <a:prstGeom prst="arc">
-            <a:avLst>
-              <a:gd name="adj1" fmla="val 16200000"/>
-              <a:gd name="adj2" fmla="val 5412291"/>
-            </a:avLst>
-          </a:prstGeom>
-          <a:ln w="76200" cmpd="sng">
-            <a:solidFill>
-              <a:schemeClr val="tx1"/>
-            </a:solidFill>
-          </a:ln>
-          <a:effectLst/>
-        </p:spPr>
-        <p:style>
-          <a:lnRef idx="2">
-            <a:schemeClr val="accent1"/>
-          </a:lnRef>
-          <a:fillRef idx="0">
-            <a:schemeClr val="accent1"/>
-          </a:fillRef>
-          <a:effectRef idx="1">
-            <a:schemeClr val="accent1"/>
-          </a:effectRef>
-          <a:fontRef idx="minor">
-            <a:schemeClr val="tx1"/>
-          </a:fontRef>
-        </p:style>
-        <p:txBody>
-          <a:bodyPr rtlCol="0" anchor="ctr"/>
-          <a:lstStyle/>
-          <a:p>
-            <a:pPr algn="ctr"/>
-            <a:endParaRPr lang="en-US"/>
-          </a:p>
-        </p:txBody>
-      </p:sp>
-      <p:sp>
-        <p:nvSpPr>
-          <p:cNvPr id="12" name="Arc 11"/>
-          <p:cNvSpPr/>
-          <p:nvPr/>
-        </p:nvSpPr>
-        <p:spPr>
-          <a:xfrm flipH="1">
-            <a:off x="2704306" y="1295400"/>
-            <a:ext cx="3608388" cy="4102100"/>
-          </a:xfrm>
-          <a:prstGeom prst="arc">
-            <a:avLst>
-              <a:gd name="adj1" fmla="val 16200000"/>
-              <a:gd name="adj2" fmla="val 5412291"/>
-            </a:avLst>
-          </a:prstGeom>
-          <a:ln w="76200" cmpd="sng">
-            <a:solidFill>
-              <a:schemeClr val="tx1"/>
-            </a:solidFill>
-          </a:ln>
-          <a:effectLst/>
-        </p:spPr>
-        <p:style>
-          <a:lnRef idx="2">
-            <a:schemeClr val="accent1"/>
-          </a:lnRef>
-          <a:fillRef idx="0">
-            <a:schemeClr val="accent1"/>
-          </a:fillRef>
-          <a:effectRef idx="1">
-            <a:schemeClr val="accent1"/>
-          </a:effectRef>
-          <a:fontRef idx="minor">
-            <a:schemeClr val="tx1"/>
-          </a:fontRef>
-        </p:style>
-        <p:txBody>
-          <a:bodyPr rtlCol="0" anchor="ctr"/>
-          <a:lstStyle/>
-          <a:p>
-            <a:pPr algn="ctr"/>
-            <a:endParaRPr lang="en-US"/>
-          </a:p>
-        </p:txBody>
-      </p:sp>
-      <p:sp>
-        <p:nvSpPr>
-          <p:cNvPr id="13" name="Arc 12"/>
-          <p:cNvSpPr/>
-          <p:nvPr/>
-        </p:nvSpPr>
-        <p:spPr>
-          <a:xfrm flipH="1">
-            <a:off x="3171825" y="1295400"/>
-            <a:ext cx="2673350" cy="4102100"/>
-          </a:xfrm>
-          <a:prstGeom prst="arc">
-            <a:avLst>
-              <a:gd name="adj1" fmla="val 16200000"/>
-              <a:gd name="adj2" fmla="val 5412291"/>
-            </a:avLst>
-          </a:prstGeom>
-          <a:ln w="76200" cmpd="sng">
-            <a:solidFill>
-              <a:schemeClr val="tx1"/>
-            </a:solidFill>
-          </a:ln>
-          <a:effectLst/>
-        </p:spPr>
-        <p:style>
-          <a:lnRef idx="2">
-            <a:schemeClr val="accent1"/>
-          </a:lnRef>
-          <a:fillRef idx="0">
-            <a:schemeClr val="accent1"/>
-          </a:fillRef>
-          <a:effectRef idx="1">
-            <a:schemeClr val="accent1"/>
-          </a:effectRef>
-          <a:fontRef idx="minor">
-            <a:schemeClr val="tx1"/>
-          </a:fontRef>
-        </p:style>
-        <p:txBody>
-          <a:bodyPr rtlCol="0" anchor="ctr"/>
-          <a:lstStyle/>
-          <a:p>
-            <a:pPr algn="ctr"/>
-            <a:endParaRPr lang="en-US"/>
-          </a:p>
-        </p:txBody>
-      </p:sp>
-      <p:sp>
-        <p:nvSpPr>
-          <p:cNvPr id="14" name="Arc 13"/>
-          <p:cNvSpPr/>
-          <p:nvPr/>
-        </p:nvSpPr>
-        <p:spPr>
-          <a:xfrm flipH="1">
-            <a:off x="3924299" y="1295400"/>
-            <a:ext cx="1271586" cy="4102100"/>
-          </a:xfrm>
-          <a:prstGeom prst="arc">
-            <a:avLst>
-              <a:gd name="adj1" fmla="val 16200000"/>
-              <a:gd name="adj2" fmla="val 5412291"/>
-            </a:avLst>
-          </a:prstGeom>
-          <a:ln w="76200" cmpd="sng">
-            <a:solidFill>
-              <a:schemeClr val="tx1"/>
-            </a:solidFill>
-          </a:ln>
-          <a:effectLst/>
-        </p:spPr>
-        <p:style>
-          <a:lnRef idx="2">
-            <a:schemeClr val="accent1"/>
-          </a:lnRef>
-          <a:fillRef idx="0">
-            <a:schemeClr val="accent1"/>
-          </a:fillRef>
-          <a:effectRef idx="1">
-            <a:schemeClr val="accent1"/>
-          </a:effectRef>
-          <a:fontRef idx="minor">
-            <a:schemeClr val="tx1"/>
-          </a:fontRef>
-        </p:style>
-        <p:txBody>
-          <a:bodyPr rtlCol="0" anchor="ctr"/>
-          <a:lstStyle/>
-          <a:p>
-            <a:pPr algn="ctr"/>
-            <a:endParaRPr lang="en-US"/>
-          </a:p>
-        </p:txBody>
-      </p:sp>
-      <p:cxnSp>
-        <p:nvCxnSpPr>
-          <p:cNvPr id="16" name="Straight Connector 15"/>
-          <p:cNvCxnSpPr>
-            <a:stCxn id="2" idx="2"/>
-            <a:endCxn id="2" idx="6"/>
-          </p:cNvCxnSpPr>
-          <p:nvPr/>
-        </p:nvCxnSpPr>
-        <p:spPr>
-          <a:xfrm>
-            <a:off x="2451100" y="3352800"/>
-            <a:ext cx="4114800" cy="0"/>
-          </a:xfrm>
-          <a:prstGeom prst="line">
-            <a:avLst/>
-          </a:prstGeom>
-          <a:ln w="76200" cmpd="sng">
-            <a:solidFill>
-              <a:schemeClr val="tx1"/>
-            </a:solidFill>
-          </a:ln>
-          <a:effectLst/>
-        </p:spPr>
-        <p:style>
-          <a:lnRef idx="2">
-            <a:schemeClr val="accent1"/>
-          </a:lnRef>
-          <a:fillRef idx="0">
-            <a:schemeClr val="accent1"/>
-          </a:fillRef>
-          <a:effectRef idx="1">
-            <a:schemeClr val="accent1"/>
-          </a:effectRef>
-          <a:fontRef idx="minor">
-            <a:schemeClr val="tx1"/>
-          </a:fontRef>
-        </p:style>
-      </p:cxnSp>
-      <p:cxnSp>
-        <p:nvCxnSpPr>
-          <p:cNvPr id="18" name="Straight Connector 17"/>
-          <p:cNvCxnSpPr/>
-          <p:nvPr/>
-        </p:nvCxnSpPr>
-        <p:spPr>
-          <a:xfrm>
-            <a:off x="2654300" y="2451100"/>
-            <a:ext cx="3721100" cy="0"/>
-          </a:xfrm>
-          <a:prstGeom prst="line">
-            <a:avLst/>
-          </a:prstGeom>
-          <a:ln w="76200" cmpd="sng">
-            <a:solidFill>
-              <a:schemeClr val="tx1"/>
-            </a:solidFill>
-          </a:ln>
-          <a:effectLst/>
-        </p:spPr>
-        <p:style>
-          <a:lnRef idx="2">
-            <a:schemeClr val="accent1"/>
-          </a:lnRef>
-          <a:fillRef idx="0">
-            <a:schemeClr val="accent1"/>
-          </a:fillRef>
-          <a:effectRef idx="1">
-            <a:schemeClr val="accent1"/>
-          </a:effectRef>
-          <a:fontRef idx="minor">
-            <a:schemeClr val="tx1"/>
-          </a:fontRef>
-        </p:style>
-      </p:cxnSp>
-      <p:cxnSp>
-        <p:nvCxnSpPr>
-          <p:cNvPr id="20" name="Straight Connector 19"/>
-          <p:cNvCxnSpPr/>
-          <p:nvPr/>
-        </p:nvCxnSpPr>
-        <p:spPr>
-          <a:xfrm>
-            <a:off x="3175000" y="1778000"/>
-            <a:ext cx="2654300" cy="0"/>
-          </a:xfrm>
-          <a:prstGeom prst="line">
-            <a:avLst/>
-          </a:prstGeom>
-          <a:ln w="76200" cmpd="sng">
-            <a:solidFill>
-              <a:srgbClr val="000000"/>
-            </a:solidFill>
-          </a:ln>
-          <a:effectLst/>
-        </p:spPr>
-        <p:style>
-          <a:lnRef idx="2">
-            <a:schemeClr val="accent1"/>
-          </a:lnRef>
-          <a:fillRef idx="0">
-            <a:schemeClr val="accent1"/>
-          </a:fillRef>
-          <a:effectRef idx="1">
-            <a:schemeClr val="accent1"/>
-          </a:effectRef>
-          <a:fontRef idx="minor">
-            <a:schemeClr val="tx1"/>
-          </a:fontRef>
-        </p:style>
-      </p:cxnSp>
-      <p:cxnSp>
-        <p:nvCxnSpPr>
-          <p:cNvPr id="23" name="Straight Connector 22"/>
-          <p:cNvCxnSpPr/>
-          <p:nvPr/>
-        </p:nvCxnSpPr>
-        <p:spPr>
-          <a:xfrm>
-            <a:off x="2667000" y="4267200"/>
-            <a:ext cx="3683000" cy="0"/>
-          </a:xfrm>
-          <a:prstGeom prst="line">
-            <a:avLst/>
-          </a:prstGeom>
-          <a:ln w="76200" cmpd="sng">
-            <a:solidFill>
-              <a:schemeClr val="tx1"/>
-            </a:solidFill>
-          </a:ln>
-          <a:effectLst/>
-        </p:spPr>
-        <p:style>
-          <a:lnRef idx="2">
-            <a:schemeClr val="accent1"/>
-          </a:lnRef>
-          <a:fillRef idx="0">
-            <a:schemeClr val="accent1"/>
-          </a:fillRef>
-          <a:effectRef idx="1">
-            <a:schemeClr val="accent1"/>
-          </a:effectRef>
-          <a:fontRef idx="minor">
-            <a:schemeClr val="tx1"/>
-          </a:fontRef>
-        </p:style>
-      </p:cxnSp>
-      <p:cxnSp>
-        <p:nvCxnSpPr>
-          <p:cNvPr id="24" name="Straight Connector 23"/>
-          <p:cNvCxnSpPr/>
-          <p:nvPr/>
-        </p:nvCxnSpPr>
-        <p:spPr>
-          <a:xfrm>
-            <a:off x="3187700" y="4940300"/>
-            <a:ext cx="2637367" cy="0"/>
-          </a:xfrm>
-          <a:prstGeom prst="line">
-            <a:avLst/>
-          </a:prstGeom>
-          <a:ln w="76200" cmpd="sng">
-            <a:solidFill>
-              <a:srgbClr val="000000"/>
-            </a:solidFill>
-          </a:ln>
-          <a:effectLst/>
-        </p:spPr>
-        <p:style>
-          <a:lnRef idx="2">
-            <a:schemeClr val="accent1"/>
-          </a:lnRef>
-          <a:fillRef idx="0">
-            <a:schemeClr val="accent1"/>
-          </a:fillRef>
-          <a:effectRef idx="1">
-            <a:schemeClr val="accent1"/>
-          </a:effectRef>
-          <a:fontRef idx="minor">
-            <a:schemeClr val="tx1"/>
-          </a:fontRef>
-        </p:style>
-      </p:cxnSp>
-      <p:sp>
-        <p:nvSpPr>
-          <p:cNvPr id="3" name="Rectangle 2"/>
-          <p:cNvSpPr/>
-          <p:nvPr/>
-        </p:nvSpPr>
-        <p:spPr>
-          <a:xfrm>
-            <a:off x="1896533" y="829733"/>
-            <a:ext cx="5198534" cy="5080000"/>
-          </a:xfrm>
-          <a:prstGeom prst="rect">
-            <a:avLst/>
-          </a:prstGeom>
-          <a:noFill/>
-          <a:effectLst/>
-        </p:spPr>
-        <p:style>
-          <a:lnRef idx="1">
-            <a:schemeClr val="accent1"/>
-          </a:lnRef>
-          <a:fillRef idx="3">
-            <a:schemeClr val="accent1"/>
-          </a:fillRef>
-          <a:effectRef idx="2">
-            <a:schemeClr val="accent1"/>
-          </a:effectRef>
-          <a:fontRef idx="minor">
-            <a:schemeClr val="lt1"/>
-          </a:fontRef>
-        </p:style>
-        <p:txBody>
-          <a:bodyPr rtlCol="0" anchor="ctr"/>
-          <a:lstStyle/>
-          <a:p>
-            <a:pPr algn="ctr"/>
-            <a:endParaRPr lang="en-US"/>
-          </a:p>
-        </p:txBody>
-      </p:sp>
-    </p:spTree>
-    <p:extLst>
-      <p:ext uri="{BB962C8B-B14F-4D97-AF65-F5344CB8AC3E}">
-        <p14:creationId xmlns:p14="http://schemas.microsoft.com/office/powerpoint/2010/main" val="597060449"/>
-      </p:ext>
-    </p:extLst>
-  </p:cSld>
-  <p:clrMapOvr>
-    <a:masterClrMapping/>
-  </p:clrMapOvr>
-</p:sld>
-</file>
-
-<file path=ppt/slides/slide48.xml><?xml version="1.0" encoding="utf-8"?>
-<p:sld xmlns:a="http://schemas.openxmlformats.org/drawingml/2006/main" xmlns:r="http://schemas.openxmlformats.org/officeDocument/2006/relationships" xmlns:p="http://schemas.openxmlformats.org/presentationml/2006/main">
-  <p:cSld>
-    <p:spTree>
-      <p:nvGrpSpPr>
-        <p:cNvPr id="1" name=""/>
-        <p:cNvGrpSpPr/>
-        <p:nvPr/>
-      </p:nvGrpSpPr>
-      <p:grpSpPr>
-        <a:xfrm>
-          <a:off x="0" y="0"/>
-          <a:ext cx="0" cy="0"/>
-          <a:chOff x="0" y="0"/>
-          <a:chExt cx="0" cy="0"/>
-        </a:xfrm>
-      </p:grpSpPr>
-      <p:sp>
-        <p:nvSpPr>
-          <p:cNvPr id="2" name="Oval 1"/>
-          <p:cNvSpPr/>
-          <p:nvPr/>
-        </p:nvSpPr>
-        <p:spPr>
-          <a:xfrm>
-            <a:off x="2451100" y="1295400"/>
-            <a:ext cx="4114800" cy="4114800"/>
-          </a:xfrm>
-          <a:prstGeom prst="ellipse">
-            <a:avLst/>
-          </a:prstGeom>
-          <a:noFill/>
-          <a:ln w="76200" cmpd="sng">
-            <a:solidFill>
-              <a:schemeClr val="tx1"/>
-            </a:solidFill>
-          </a:ln>
-          <a:effectLst/>
-        </p:spPr>
-        <p:style>
-          <a:lnRef idx="1">
-            <a:schemeClr val="accent1"/>
-          </a:lnRef>
-          <a:fillRef idx="3">
-            <a:schemeClr val="accent1"/>
-          </a:fillRef>
-          <a:effectRef idx="2">
-            <a:schemeClr val="accent1"/>
-          </a:effectRef>
-          <a:fontRef idx="minor">
-            <a:schemeClr val="lt1"/>
-          </a:fontRef>
-        </p:style>
-        <p:txBody>
-          <a:bodyPr rtlCol="0" anchor="ctr"/>
-          <a:lstStyle/>
-          <a:p>
-            <a:pPr algn="ctr"/>
-            <a:endParaRPr lang="en-US"/>
-          </a:p>
-        </p:txBody>
-      </p:sp>
-      <p:sp>
-        <p:nvSpPr>
-          <p:cNvPr id="4" name="Arc 3"/>
-          <p:cNvSpPr/>
-          <p:nvPr/>
-        </p:nvSpPr>
-        <p:spPr>
-          <a:xfrm>
-            <a:off x="2704306" y="1295400"/>
-            <a:ext cx="3608388" cy="4102100"/>
-          </a:xfrm>
-          <a:prstGeom prst="arc">
-            <a:avLst>
-              <a:gd name="adj1" fmla="val 16200000"/>
-              <a:gd name="adj2" fmla="val 5412291"/>
-            </a:avLst>
-          </a:prstGeom>
-          <a:ln w="76200" cmpd="sng">
-            <a:solidFill>
-              <a:schemeClr val="tx1"/>
-            </a:solidFill>
-          </a:ln>
-          <a:effectLst/>
-        </p:spPr>
-        <p:style>
-          <a:lnRef idx="2">
-            <a:schemeClr val="accent1"/>
-          </a:lnRef>
-          <a:fillRef idx="0">
-            <a:schemeClr val="accent1"/>
-          </a:fillRef>
-          <a:effectRef idx="1">
-            <a:schemeClr val="accent1"/>
-          </a:effectRef>
-          <a:fontRef idx="minor">
-            <a:schemeClr val="tx1"/>
-          </a:fontRef>
-        </p:style>
-        <p:txBody>
-          <a:bodyPr rtlCol="0" anchor="ctr"/>
-          <a:lstStyle/>
-          <a:p>
-            <a:pPr algn="ctr"/>
-            <a:endParaRPr lang="en-US"/>
-          </a:p>
-        </p:txBody>
-      </p:sp>
-      <p:sp>
-        <p:nvSpPr>
-          <p:cNvPr id="7" name="Arc 6"/>
-          <p:cNvSpPr/>
-          <p:nvPr/>
-        </p:nvSpPr>
-        <p:spPr>
-          <a:xfrm>
-            <a:off x="3171825" y="1295400"/>
-            <a:ext cx="2673350" cy="4102100"/>
-          </a:xfrm>
-          <a:prstGeom prst="arc">
-            <a:avLst>
-              <a:gd name="adj1" fmla="val 16200000"/>
-              <a:gd name="adj2" fmla="val 5412291"/>
-            </a:avLst>
-          </a:prstGeom>
-          <a:ln w="76200" cmpd="sng">
-            <a:solidFill>
-              <a:schemeClr val="tx1"/>
-            </a:solidFill>
-          </a:ln>
-          <a:effectLst/>
-        </p:spPr>
-        <p:style>
-          <a:lnRef idx="2">
-            <a:schemeClr val="accent1"/>
-          </a:lnRef>
-          <a:fillRef idx="0">
-            <a:schemeClr val="accent1"/>
-          </a:fillRef>
-          <a:effectRef idx="1">
-            <a:schemeClr val="accent1"/>
-          </a:effectRef>
-          <a:fontRef idx="minor">
-            <a:schemeClr val="tx1"/>
-          </a:fontRef>
-        </p:style>
-        <p:txBody>
-          <a:bodyPr rtlCol="0" anchor="ctr"/>
-          <a:lstStyle/>
-          <a:p>
-            <a:pPr algn="ctr"/>
-            <a:endParaRPr lang="en-US"/>
-          </a:p>
-        </p:txBody>
-      </p:sp>
-      <p:sp>
-        <p:nvSpPr>
-          <p:cNvPr id="8" name="Arc 7"/>
-          <p:cNvSpPr/>
-          <p:nvPr/>
-        </p:nvSpPr>
-        <p:spPr>
-          <a:xfrm>
-            <a:off x="3821113" y="1295400"/>
-            <a:ext cx="1246187" cy="4102100"/>
-          </a:xfrm>
-          <a:prstGeom prst="arc">
-            <a:avLst>
-              <a:gd name="adj1" fmla="val 16200000"/>
-              <a:gd name="adj2" fmla="val 5412291"/>
-            </a:avLst>
-          </a:prstGeom>
-          <a:ln w="76200" cmpd="sng">
-            <a:solidFill>
-              <a:schemeClr val="tx1"/>
-            </a:solidFill>
-          </a:ln>
-          <a:effectLst/>
-        </p:spPr>
-        <p:style>
-          <a:lnRef idx="2">
-            <a:schemeClr val="accent1"/>
-          </a:lnRef>
-          <a:fillRef idx="0">
-            <a:schemeClr val="accent1"/>
-          </a:fillRef>
-          <a:effectRef idx="1">
-            <a:schemeClr val="accent1"/>
-          </a:effectRef>
-          <a:fontRef idx="minor">
-            <a:schemeClr val="tx1"/>
-          </a:fontRef>
-        </p:style>
-        <p:txBody>
-          <a:bodyPr rtlCol="0" anchor="ctr"/>
-          <a:lstStyle/>
-          <a:p>
-            <a:pPr algn="ctr"/>
-            <a:endParaRPr lang="en-US"/>
-          </a:p>
-        </p:txBody>
-      </p:sp>
-      <p:sp>
-        <p:nvSpPr>
-          <p:cNvPr id="12" name="Arc 11"/>
-          <p:cNvSpPr/>
-          <p:nvPr/>
-        </p:nvSpPr>
-        <p:spPr>
-          <a:xfrm flipH="1">
-            <a:off x="2704306" y="1295400"/>
-            <a:ext cx="3608388" cy="4102100"/>
-          </a:xfrm>
-          <a:prstGeom prst="arc">
-            <a:avLst>
-              <a:gd name="adj1" fmla="val 16200000"/>
-              <a:gd name="adj2" fmla="val 5412291"/>
-            </a:avLst>
-          </a:prstGeom>
-          <a:ln w="76200" cmpd="sng">
-            <a:solidFill>
-              <a:schemeClr val="tx1"/>
-            </a:solidFill>
-          </a:ln>
-          <a:effectLst/>
-        </p:spPr>
-        <p:style>
-          <a:lnRef idx="2">
-            <a:schemeClr val="accent1"/>
-          </a:lnRef>
-          <a:fillRef idx="0">
-            <a:schemeClr val="accent1"/>
-          </a:fillRef>
-          <a:effectRef idx="1">
-            <a:schemeClr val="accent1"/>
-          </a:effectRef>
-          <a:fontRef idx="minor">
-            <a:schemeClr val="tx1"/>
-          </a:fontRef>
-        </p:style>
-        <p:txBody>
-          <a:bodyPr rtlCol="0" anchor="ctr"/>
-          <a:lstStyle/>
-          <a:p>
-            <a:pPr algn="ctr"/>
-            <a:endParaRPr lang="en-US"/>
-          </a:p>
-        </p:txBody>
-      </p:sp>
-      <p:sp>
-        <p:nvSpPr>
-          <p:cNvPr id="13" name="Arc 12"/>
-          <p:cNvSpPr/>
-          <p:nvPr/>
-        </p:nvSpPr>
-        <p:spPr>
-          <a:xfrm flipH="1">
-            <a:off x="3171825" y="1295400"/>
-            <a:ext cx="2673350" cy="4102100"/>
-          </a:xfrm>
-          <a:prstGeom prst="arc">
-            <a:avLst>
-              <a:gd name="adj1" fmla="val 16200000"/>
-              <a:gd name="adj2" fmla="val 5412291"/>
-            </a:avLst>
-          </a:prstGeom>
-          <a:ln w="76200" cmpd="sng">
-            <a:solidFill>
-              <a:schemeClr val="tx1"/>
-            </a:solidFill>
-          </a:ln>
-          <a:effectLst/>
-        </p:spPr>
-        <p:style>
-          <a:lnRef idx="2">
-            <a:schemeClr val="accent1"/>
-          </a:lnRef>
-          <a:fillRef idx="0">
-            <a:schemeClr val="accent1"/>
-          </a:fillRef>
-          <a:effectRef idx="1">
-            <a:schemeClr val="accent1"/>
-          </a:effectRef>
-          <a:fontRef idx="minor">
-            <a:schemeClr val="tx1"/>
-          </a:fontRef>
-        </p:style>
-        <p:txBody>
-          <a:bodyPr rtlCol="0" anchor="ctr"/>
-          <a:lstStyle/>
-          <a:p>
-            <a:pPr algn="ctr"/>
-            <a:endParaRPr lang="en-US"/>
-          </a:p>
-        </p:txBody>
-      </p:sp>
-      <p:sp>
-        <p:nvSpPr>
-          <p:cNvPr id="14" name="Arc 13"/>
-          <p:cNvSpPr/>
-          <p:nvPr/>
-        </p:nvSpPr>
-        <p:spPr>
-          <a:xfrm flipH="1">
-            <a:off x="3924299" y="1295400"/>
-            <a:ext cx="1271586" cy="4102100"/>
-          </a:xfrm>
-          <a:prstGeom prst="arc">
-            <a:avLst>
-              <a:gd name="adj1" fmla="val 16200000"/>
-              <a:gd name="adj2" fmla="val 5412291"/>
-            </a:avLst>
-          </a:prstGeom>
-          <a:ln w="76200" cmpd="sng">
-            <a:solidFill>
-              <a:schemeClr val="tx1"/>
-            </a:solidFill>
-          </a:ln>
-          <a:effectLst/>
-        </p:spPr>
-        <p:style>
-          <a:lnRef idx="2">
-            <a:schemeClr val="accent1"/>
-          </a:lnRef>
-          <a:fillRef idx="0">
-            <a:schemeClr val="accent1"/>
-          </a:fillRef>
-          <a:effectRef idx="1">
-            <a:schemeClr val="accent1"/>
-          </a:effectRef>
-          <a:fontRef idx="minor">
-            <a:schemeClr val="tx1"/>
-          </a:fontRef>
-        </p:style>
-        <p:txBody>
-          <a:bodyPr rtlCol="0" anchor="ctr"/>
-          <a:lstStyle/>
-          <a:p>
-            <a:pPr algn="ctr"/>
-            <a:endParaRPr lang="en-US"/>
-          </a:p>
-        </p:txBody>
-      </p:sp>
-      <p:cxnSp>
-        <p:nvCxnSpPr>
-          <p:cNvPr id="16" name="Straight Connector 15"/>
-          <p:cNvCxnSpPr>
-            <a:stCxn id="2" idx="2"/>
-            <a:endCxn id="2" idx="6"/>
-          </p:cNvCxnSpPr>
-          <p:nvPr/>
-        </p:nvCxnSpPr>
-        <p:spPr>
-          <a:xfrm>
-            <a:off x="2451100" y="3352800"/>
-            <a:ext cx="4114800" cy="0"/>
-          </a:xfrm>
-          <a:prstGeom prst="line">
-            <a:avLst/>
-          </a:prstGeom>
-          <a:ln w="76200" cmpd="sng">
-            <a:solidFill>
-              <a:schemeClr val="tx1"/>
-            </a:solidFill>
-          </a:ln>
-          <a:effectLst/>
-        </p:spPr>
-        <p:style>
-          <a:lnRef idx="2">
-            <a:schemeClr val="accent1"/>
-          </a:lnRef>
-          <a:fillRef idx="0">
-            <a:schemeClr val="accent1"/>
-          </a:fillRef>
-          <a:effectRef idx="1">
-            <a:schemeClr val="accent1"/>
-          </a:effectRef>
-          <a:fontRef idx="minor">
-            <a:schemeClr val="tx1"/>
-          </a:fontRef>
-        </p:style>
-      </p:cxnSp>
-      <p:cxnSp>
-        <p:nvCxnSpPr>
-          <p:cNvPr id="18" name="Straight Connector 17"/>
-          <p:cNvCxnSpPr/>
-          <p:nvPr/>
-        </p:nvCxnSpPr>
-        <p:spPr>
-          <a:xfrm>
-            <a:off x="2654300" y="2451100"/>
-            <a:ext cx="3721100" cy="0"/>
-          </a:xfrm>
-          <a:prstGeom prst="line">
-            <a:avLst/>
-          </a:prstGeom>
-          <a:ln w="76200" cmpd="sng">
-            <a:solidFill>
-              <a:schemeClr val="tx1"/>
-            </a:solidFill>
-          </a:ln>
-          <a:effectLst/>
-        </p:spPr>
-        <p:style>
-          <a:lnRef idx="2">
-            <a:schemeClr val="accent1"/>
-          </a:lnRef>
-          <a:fillRef idx="0">
-            <a:schemeClr val="accent1"/>
-          </a:fillRef>
-          <a:effectRef idx="1">
-            <a:schemeClr val="accent1"/>
-          </a:effectRef>
-          <a:fontRef idx="minor">
-            <a:schemeClr val="tx1"/>
-          </a:fontRef>
-        </p:style>
-      </p:cxnSp>
-      <p:cxnSp>
-        <p:nvCxnSpPr>
-          <p:cNvPr id="20" name="Straight Connector 19"/>
-          <p:cNvCxnSpPr/>
-          <p:nvPr/>
-        </p:nvCxnSpPr>
-        <p:spPr>
-          <a:xfrm>
-            <a:off x="3175000" y="1778000"/>
-            <a:ext cx="2654300" cy="0"/>
-          </a:xfrm>
-          <a:prstGeom prst="line">
-            <a:avLst/>
-          </a:prstGeom>
-          <a:ln w="76200" cmpd="sng">
-            <a:solidFill>
-              <a:srgbClr val="000000"/>
-            </a:solidFill>
-          </a:ln>
-          <a:effectLst/>
-        </p:spPr>
-        <p:style>
-          <a:lnRef idx="2">
-            <a:schemeClr val="accent1"/>
-          </a:lnRef>
-          <a:fillRef idx="0">
-            <a:schemeClr val="accent1"/>
-          </a:fillRef>
-          <a:effectRef idx="1">
-            <a:schemeClr val="accent1"/>
-          </a:effectRef>
-          <a:fontRef idx="minor">
-            <a:schemeClr val="tx1"/>
-          </a:fontRef>
-        </p:style>
-      </p:cxnSp>
-      <p:cxnSp>
-        <p:nvCxnSpPr>
-          <p:cNvPr id="23" name="Straight Connector 22"/>
-          <p:cNvCxnSpPr/>
-          <p:nvPr/>
-        </p:nvCxnSpPr>
-        <p:spPr>
-          <a:xfrm>
-            <a:off x="2667000" y="4267200"/>
-            <a:ext cx="3683000" cy="0"/>
-          </a:xfrm>
-          <a:prstGeom prst="line">
-            <a:avLst/>
-          </a:prstGeom>
-          <a:ln w="76200" cmpd="sng">
-            <a:solidFill>
-              <a:schemeClr val="tx1"/>
-            </a:solidFill>
-          </a:ln>
-          <a:effectLst/>
-        </p:spPr>
-        <p:style>
-          <a:lnRef idx="2">
-            <a:schemeClr val="accent1"/>
-          </a:lnRef>
-          <a:fillRef idx="0">
-            <a:schemeClr val="accent1"/>
-          </a:fillRef>
-          <a:effectRef idx="1">
-            <a:schemeClr val="accent1"/>
-          </a:effectRef>
-          <a:fontRef idx="minor">
-            <a:schemeClr val="tx1"/>
-          </a:fontRef>
-        </p:style>
-      </p:cxnSp>
-      <p:cxnSp>
-        <p:nvCxnSpPr>
-          <p:cNvPr id="24" name="Straight Connector 23"/>
-          <p:cNvCxnSpPr/>
-          <p:nvPr/>
-        </p:nvCxnSpPr>
-        <p:spPr>
-          <a:xfrm>
-            <a:off x="3187700" y="4940300"/>
-            <a:ext cx="2637367" cy="0"/>
-          </a:xfrm>
-          <a:prstGeom prst="line">
-            <a:avLst/>
-          </a:prstGeom>
-          <a:ln w="76200" cmpd="sng">
-            <a:solidFill>
-              <a:srgbClr val="000000"/>
-            </a:solidFill>
-          </a:ln>
-          <a:effectLst/>
-        </p:spPr>
-        <p:style>
-          <a:lnRef idx="2">
-            <a:schemeClr val="accent1"/>
-          </a:lnRef>
-          <a:fillRef idx="0">
-            <a:schemeClr val="accent1"/>
-          </a:fillRef>
-          <a:effectRef idx="1">
-            <a:schemeClr val="accent1"/>
-          </a:effectRef>
-          <a:fontRef idx="minor">
-            <a:schemeClr val="tx1"/>
-          </a:fontRef>
-        </p:style>
-      </p:cxnSp>
-      <p:sp>
-        <p:nvSpPr>
-          <p:cNvPr id="26" name="Freeform 25"/>
-          <p:cNvSpPr/>
-          <p:nvPr/>
-        </p:nvSpPr>
-        <p:spPr>
-          <a:xfrm>
-            <a:off x="2874786" y="2184400"/>
-            <a:ext cx="3068813" cy="2392646"/>
-          </a:xfrm>
-          <a:custGeom>
-            <a:avLst/>
-            <a:gdLst>
-              <a:gd name="connsiteX0" fmla="*/ 61552 w 2487252"/>
-              <a:gd name="connsiteY0" fmla="*/ 876300 h 1720255"/>
-              <a:gd name="connsiteX1" fmla="*/ 112352 w 2487252"/>
-              <a:gd name="connsiteY1" fmla="*/ 901700 h 1720255"/>
-              <a:gd name="connsiteX2" fmla="*/ 1090252 w 2487252"/>
-              <a:gd name="connsiteY2" fmla="*/ 1701800 h 1720255"/>
-              <a:gd name="connsiteX3" fmla="*/ 2487252 w 2487252"/>
-              <a:gd name="connsiteY3" fmla="*/ 0 h 1720255"/>
-              <a:gd name="connsiteX0" fmla="*/ 223657 w 2649357"/>
-              <a:gd name="connsiteY0" fmla="*/ 876300 h 1723311"/>
-              <a:gd name="connsiteX1" fmla="*/ 54828 w 2649357"/>
-              <a:gd name="connsiteY1" fmla="*/ 953687 h 1723311"/>
-              <a:gd name="connsiteX2" fmla="*/ 1252357 w 2649357"/>
-              <a:gd name="connsiteY2" fmla="*/ 1701800 h 1723311"/>
-              <a:gd name="connsiteX3" fmla="*/ 2649357 w 2649357"/>
-              <a:gd name="connsiteY3" fmla="*/ 0 h 1723311"/>
-              <a:gd name="connsiteX0" fmla="*/ 390889 w 2621364"/>
-              <a:gd name="connsiteY0" fmla="*/ 751533 h 1723810"/>
-              <a:gd name="connsiteX1" fmla="*/ 26835 w 2621364"/>
-              <a:gd name="connsiteY1" fmla="*/ 953687 h 1723810"/>
-              <a:gd name="connsiteX2" fmla="*/ 1224364 w 2621364"/>
-              <a:gd name="connsiteY2" fmla="*/ 1701800 h 1723810"/>
-              <a:gd name="connsiteX3" fmla="*/ 2621364 w 2621364"/>
-              <a:gd name="connsiteY3" fmla="*/ 0 h 1723810"/>
-              <a:gd name="connsiteX0" fmla="*/ 358169 w 2625249"/>
-              <a:gd name="connsiteY0" fmla="*/ 845108 h 1723434"/>
-              <a:gd name="connsiteX1" fmla="*/ 30720 w 2625249"/>
-              <a:gd name="connsiteY1" fmla="*/ 953687 h 1723434"/>
-              <a:gd name="connsiteX2" fmla="*/ 1228249 w 2625249"/>
-              <a:gd name="connsiteY2" fmla="*/ 1701800 h 1723434"/>
-              <a:gd name="connsiteX3" fmla="*/ 2625249 w 2625249"/>
-              <a:gd name="connsiteY3" fmla="*/ 0 h 1723434"/>
-              <a:gd name="connsiteX0" fmla="*/ 294385 w 2634674"/>
-              <a:gd name="connsiteY0" fmla="*/ 668355 h 1724155"/>
-              <a:gd name="connsiteX1" fmla="*/ 40145 w 2634674"/>
-              <a:gd name="connsiteY1" fmla="*/ 953687 h 1724155"/>
-              <a:gd name="connsiteX2" fmla="*/ 1237674 w 2634674"/>
-              <a:gd name="connsiteY2" fmla="*/ 1701800 h 1724155"/>
-              <a:gd name="connsiteX3" fmla="*/ 2634674 w 2634674"/>
-              <a:gd name="connsiteY3" fmla="*/ 0 h 1724155"/>
-              <a:gd name="connsiteX0" fmla="*/ 50060 w 2756397"/>
-              <a:gd name="connsiteY0" fmla="*/ 772327 h 1723725"/>
-              <a:gd name="connsiteX1" fmla="*/ 161868 w 2756397"/>
-              <a:gd name="connsiteY1" fmla="*/ 953687 h 1723725"/>
-              <a:gd name="connsiteX2" fmla="*/ 1359397 w 2756397"/>
-              <a:gd name="connsiteY2" fmla="*/ 1701800 h 1723725"/>
-              <a:gd name="connsiteX3" fmla="*/ 2756397 w 2756397"/>
-              <a:gd name="connsiteY3" fmla="*/ 0 h 1723725"/>
-              <a:gd name="connsiteX0" fmla="*/ 0 w 2594529"/>
-              <a:gd name="connsiteY0" fmla="*/ 953687 h 1723725"/>
-              <a:gd name="connsiteX1" fmla="*/ 1197529 w 2594529"/>
-              <a:gd name="connsiteY1" fmla="*/ 1701800 h 1723725"/>
-              <a:gd name="connsiteX2" fmla="*/ 2594529 w 2594529"/>
-              <a:gd name="connsiteY2" fmla="*/ 0 h 1723725"/>
-            </a:gdLst>
-            <a:ahLst/>
-            <a:cxnLst>
-              <a:cxn ang="0">
-                <a:pos x="connsiteX0" y="connsiteY0"/>
-              </a:cxn>
-              <a:cxn ang="0">
-                <a:pos x="connsiteX1" y="connsiteY1"/>
-              </a:cxn>
-              <a:cxn ang="0">
-                <a:pos x="connsiteX2" y="connsiteY2"/>
-              </a:cxn>
-            </a:cxnLst>
-            <a:rect l="l" t="t" r="r" b="b"/>
-            <a:pathLst>
-              <a:path w="2594529" h="1723725">
-                <a:moveTo>
-                  <a:pt x="0" y="953687"/>
-                </a:moveTo>
-                <a:cubicBezTo>
-                  <a:pt x="218223" y="1108599"/>
-                  <a:pt x="765108" y="1860748"/>
-                  <a:pt x="1197529" y="1701800"/>
-                </a:cubicBezTo>
-                <a:cubicBezTo>
-                  <a:pt x="1629951" y="1542852"/>
-                  <a:pt x="2093937" y="775758"/>
-                  <a:pt x="2594529" y="0"/>
-                </a:cubicBezTo>
-              </a:path>
-            </a:pathLst>
-          </a:custGeom>
-          <a:ln w="889000">
-            <a:solidFill>
-              <a:srgbClr val="008000"/>
-            </a:solidFill>
-          </a:ln>
-          <a:effectLst/>
-        </p:spPr>
-        <p:style>
-          <a:lnRef idx="2">
-            <a:schemeClr val="accent1"/>
-          </a:lnRef>
-          <a:fillRef idx="0">
-            <a:schemeClr val="accent1"/>
-          </a:fillRef>
-          <a:effectRef idx="1">
-            <a:schemeClr val="accent1"/>
-          </a:effectRef>
-          <a:fontRef idx="minor">
-            <a:schemeClr val="tx1"/>
-          </a:fontRef>
-        </p:style>
-        <p:txBody>
-          <a:bodyPr rtlCol="0" anchor="ctr"/>
-          <a:lstStyle/>
-          <a:p>
-            <a:pPr algn="ctr"/>
-            <a:endParaRPr lang="en-US"/>
-          </a:p>
-        </p:txBody>
-      </p:sp>
-      <p:sp>
-        <p:nvSpPr>
-          <p:cNvPr id="17" name="Rectangle 16"/>
-          <p:cNvSpPr/>
-          <p:nvPr/>
-        </p:nvSpPr>
-        <p:spPr>
-          <a:xfrm>
-            <a:off x="1896533" y="829733"/>
-            <a:ext cx="5198534" cy="5080000"/>
-          </a:xfrm>
-          <a:prstGeom prst="rect">
-            <a:avLst/>
-          </a:prstGeom>
-          <a:noFill/>
-          <a:effectLst/>
-        </p:spPr>
-        <p:style>
-          <a:lnRef idx="1">
-            <a:schemeClr val="accent1"/>
-          </a:lnRef>
-          <a:fillRef idx="3">
-            <a:schemeClr val="accent1"/>
-          </a:fillRef>
-          <a:effectRef idx="2">
-            <a:schemeClr val="accent1"/>
-          </a:effectRef>
-          <a:fontRef idx="minor">
-            <a:schemeClr val="lt1"/>
-          </a:fontRef>
-        </p:style>
-        <p:txBody>
-          <a:bodyPr rtlCol="0" anchor="ctr"/>
-          <a:lstStyle/>
-          <a:p>
-            <a:pPr algn="ctr"/>
-            <a:endParaRPr lang="en-US"/>
-          </a:p>
-        </p:txBody>
-      </p:sp>
-    </p:spTree>
-    <p:extLst>
-      <p:ext uri="{BB962C8B-B14F-4D97-AF65-F5344CB8AC3E}">
-        <p14:creationId xmlns:p14="http://schemas.microsoft.com/office/powerpoint/2010/main" val="2254998373"/>
-      </p:ext>
-    </p:extLst>
-  </p:cSld>
-  <p:clrMapOvr>
-    <a:masterClrMapping/>
-  </p:clrMapOvr>
-</p:sld>
-</file>
-
 <file path=ppt/slides/slide49.xml><?xml version="1.0" encoding="utf-8"?>
 <p:sld xmlns:a="http://schemas.openxmlformats.org/drawingml/2006/main" xmlns:r="http://schemas.openxmlformats.org/officeDocument/2006/relationships" xmlns:p="http://schemas.openxmlformats.org/presentationml/2006/main">
   <p:cSld>
@@ -15772,28 +16484,29 @@
       </p:grpSpPr>
       <p:sp>
         <p:nvSpPr>
-          <p:cNvPr id="9" name="Can 8"/>
+          <p:cNvPr id="5" name="Circular Arrow 4"/>
           <p:cNvSpPr/>
           <p:nvPr/>
         </p:nvSpPr>
         <p:spPr>
-          <a:xfrm rot="16200000">
-            <a:off x="6273435" y="2184768"/>
-            <a:ext cx="1473934" cy="2048931"/>
-          </a:xfrm>
-          <a:prstGeom prst="can">
+          <a:xfrm>
+            <a:off x="2277532" y="1054100"/>
+            <a:ext cx="4493940" cy="4296102"/>
+          </a:xfrm>
+          <a:prstGeom prst="circularArrow">
             <a:avLst/>
           </a:prstGeom>
+          <a:effectLst/>
         </p:spPr>
         <p:style>
-          <a:lnRef idx="0">
-            <a:schemeClr val="accent6"/>
+          <a:lnRef idx="1">
+            <a:schemeClr val="accent1"/>
           </a:lnRef>
           <a:fillRef idx="3">
-            <a:schemeClr val="accent6"/>
+            <a:schemeClr val="accent1"/>
           </a:fillRef>
-          <a:effectRef idx="3">
-            <a:schemeClr val="accent6"/>
+          <a:effectRef idx="2">
+            <a:schemeClr val="accent1"/>
           </a:effectRef>
           <a:fontRef idx="minor">
             <a:schemeClr val="lt1"/>
@@ -15804,32 +16517,29 @@
           <a:lstStyle/>
           <a:p>
             <a:pPr algn="ctr"/>
-            <a:endParaRPr lang="en-US"/>
-          </a:p>
-        </p:txBody>
-      </p:sp>
-      <p:sp>
-        <p:nvSpPr>
-          <p:cNvPr id="8" name="Can 7"/>
+            <a:endParaRPr lang="en-US">
+              <a:solidFill>
+                <a:schemeClr val="tx1"/>
+              </a:solidFill>
+            </a:endParaRPr>
+          </a:p>
+        </p:txBody>
+      </p:sp>
+      <p:sp>
+        <p:nvSpPr>
+          <p:cNvPr id="6" name="Circular Arrow 5"/>
           <p:cNvSpPr/>
           <p:nvPr/>
         </p:nvSpPr>
         <p:spPr>
-          <a:xfrm rot="16200000">
-            <a:off x="4644621" y="2221114"/>
-            <a:ext cx="1473934" cy="2008634"/>
-          </a:xfrm>
-          <a:prstGeom prst="can">
+          <a:xfrm flipH="1" flipV="1">
+            <a:off x="2203193" y="1521860"/>
+            <a:ext cx="4493940" cy="4180440"/>
+          </a:xfrm>
+          <a:prstGeom prst="circularArrow">
             <a:avLst/>
           </a:prstGeom>
-          <a:solidFill>
-            <a:schemeClr val="tx1"/>
-          </a:solidFill>
-          <a:ln>
-            <a:solidFill>
-              <a:schemeClr val="tx1"/>
-            </a:solidFill>
-          </a:ln>
+          <a:effectLst/>
         </p:spPr>
         <p:style>
           <a:lnRef idx="1">
@@ -15850,98 +16560,18 @@
           <a:lstStyle/>
           <a:p>
             <a:pPr algn="ctr"/>
-            <a:endParaRPr lang="en-US"/>
-          </a:p>
-        </p:txBody>
-      </p:sp>
-      <p:sp>
-        <p:nvSpPr>
-          <p:cNvPr id="7" name="Can 6"/>
-          <p:cNvSpPr/>
-          <p:nvPr/>
-        </p:nvSpPr>
-        <p:spPr>
-          <a:xfrm rot="16200000">
-            <a:off x="2984386" y="2221883"/>
-            <a:ext cx="1473934" cy="2007099"/>
-          </a:xfrm>
-          <a:prstGeom prst="can">
-            <a:avLst/>
-          </a:prstGeom>
-        </p:spPr>
-        <p:style>
-          <a:lnRef idx="1">
-            <a:schemeClr val="accent6"/>
-          </a:lnRef>
-          <a:fillRef idx="3">
-            <a:schemeClr val="accent6"/>
-          </a:fillRef>
-          <a:effectRef idx="2">
-            <a:schemeClr val="accent6"/>
-          </a:effectRef>
-          <a:fontRef idx="minor">
-            <a:schemeClr val="lt1"/>
-          </a:fontRef>
-        </p:style>
-        <p:txBody>
-          <a:bodyPr rtlCol="0" anchor="ctr"/>
-          <a:lstStyle/>
-          <a:p>
-            <a:pPr algn="ctr"/>
-            <a:endParaRPr lang="en-US"/>
-          </a:p>
-        </p:txBody>
-      </p:sp>
-      <p:sp>
-        <p:nvSpPr>
-          <p:cNvPr id="6" name="Can 5"/>
-          <p:cNvSpPr/>
-          <p:nvPr/>
-        </p:nvSpPr>
-        <p:spPr>
-          <a:xfrm rot="16200000">
-            <a:off x="1358017" y="2256514"/>
-            <a:ext cx="1473934" cy="1937833"/>
-          </a:xfrm>
-          <a:prstGeom prst="can">
-            <a:avLst/>
-          </a:prstGeom>
-          <a:solidFill>
-            <a:schemeClr val="tx1"/>
-          </a:solidFill>
-          <a:ln>
-            <a:solidFill>
-              <a:schemeClr val="tx1"/>
-            </a:solidFill>
-          </a:ln>
-        </p:spPr>
-        <p:style>
-          <a:lnRef idx="1">
-            <a:schemeClr val="accent1"/>
-          </a:lnRef>
-          <a:fillRef idx="3">
-            <a:schemeClr val="accent1"/>
-          </a:fillRef>
-          <a:effectRef idx="2">
-            <a:schemeClr val="accent1"/>
-          </a:effectRef>
-          <a:fontRef idx="minor">
-            <a:schemeClr val="lt1"/>
-          </a:fontRef>
-        </p:style>
-        <p:txBody>
-          <a:bodyPr rtlCol="0" anchor="ctr"/>
-          <a:lstStyle/>
-          <a:p>
-            <a:pPr algn="ctr"/>
-            <a:endParaRPr lang="en-US"/>
+            <a:endParaRPr lang="en-US">
+              <a:solidFill>
+                <a:schemeClr val="tx1"/>
+              </a:solidFill>
+            </a:endParaRPr>
           </a:p>
         </p:txBody>
       </p:sp>
     </p:spTree>
     <p:extLst>
       <p:ext uri="{BB962C8B-B14F-4D97-AF65-F5344CB8AC3E}">
-        <p14:creationId xmlns:p14="http://schemas.microsoft.com/office/powerpoint/2010/main" val="1457797837"/>
+        <p14:creationId xmlns:p14="http://schemas.microsoft.com/office/powerpoint/2010/main" val="1387979101"/>
       </p:ext>
     </p:extLst>
   </p:cSld>
@@ -17060,6 +17690,1494 @@
 </p:sld>
 </file>
 
+<file path=ppt/slides/slide50.xml><?xml version="1.0" encoding="utf-8"?>
+<p:sld xmlns:a="http://schemas.openxmlformats.org/drawingml/2006/main" xmlns:r="http://schemas.openxmlformats.org/officeDocument/2006/relationships" xmlns:p="http://schemas.openxmlformats.org/presentationml/2006/main">
+  <p:cSld>
+    <p:spTree>
+      <p:nvGrpSpPr>
+        <p:cNvPr id="1" name=""/>
+        <p:cNvGrpSpPr/>
+        <p:nvPr/>
+      </p:nvGrpSpPr>
+      <p:grpSpPr>
+        <a:xfrm>
+          <a:off x="0" y="0"/>
+          <a:ext cx="0" cy="0"/>
+          <a:chOff x="0" y="0"/>
+          <a:chExt cx="0" cy="0"/>
+        </a:xfrm>
+      </p:grpSpPr>
+      <p:sp>
+        <p:nvSpPr>
+          <p:cNvPr id="2" name="Oval 1"/>
+          <p:cNvSpPr/>
+          <p:nvPr/>
+        </p:nvSpPr>
+        <p:spPr>
+          <a:xfrm>
+            <a:off x="2451100" y="1295400"/>
+            <a:ext cx="4114800" cy="4114800"/>
+          </a:xfrm>
+          <a:prstGeom prst="ellipse">
+            <a:avLst/>
+          </a:prstGeom>
+          <a:noFill/>
+          <a:ln w="76200" cmpd="sng">
+            <a:solidFill>
+              <a:schemeClr val="tx1"/>
+            </a:solidFill>
+          </a:ln>
+          <a:effectLst/>
+        </p:spPr>
+        <p:style>
+          <a:lnRef idx="1">
+            <a:schemeClr val="accent1"/>
+          </a:lnRef>
+          <a:fillRef idx="3">
+            <a:schemeClr val="accent1"/>
+          </a:fillRef>
+          <a:effectRef idx="2">
+            <a:schemeClr val="accent1"/>
+          </a:effectRef>
+          <a:fontRef idx="minor">
+            <a:schemeClr val="lt1"/>
+          </a:fontRef>
+        </p:style>
+        <p:txBody>
+          <a:bodyPr rtlCol="0" anchor="ctr"/>
+          <a:lstStyle/>
+          <a:p>
+            <a:pPr algn="ctr"/>
+            <a:endParaRPr lang="en-US"/>
+          </a:p>
+        </p:txBody>
+      </p:sp>
+      <p:sp>
+        <p:nvSpPr>
+          <p:cNvPr id="4" name="Arc 3"/>
+          <p:cNvSpPr/>
+          <p:nvPr/>
+        </p:nvSpPr>
+        <p:spPr>
+          <a:xfrm>
+            <a:off x="2704306" y="1295400"/>
+            <a:ext cx="3608388" cy="4102100"/>
+          </a:xfrm>
+          <a:prstGeom prst="arc">
+            <a:avLst>
+              <a:gd name="adj1" fmla="val 16200000"/>
+              <a:gd name="adj2" fmla="val 5412291"/>
+            </a:avLst>
+          </a:prstGeom>
+          <a:ln w="76200" cmpd="sng">
+            <a:solidFill>
+              <a:schemeClr val="tx1"/>
+            </a:solidFill>
+          </a:ln>
+          <a:effectLst/>
+        </p:spPr>
+        <p:style>
+          <a:lnRef idx="2">
+            <a:schemeClr val="accent1"/>
+          </a:lnRef>
+          <a:fillRef idx="0">
+            <a:schemeClr val="accent1"/>
+          </a:fillRef>
+          <a:effectRef idx="1">
+            <a:schemeClr val="accent1"/>
+          </a:effectRef>
+          <a:fontRef idx="minor">
+            <a:schemeClr val="tx1"/>
+          </a:fontRef>
+        </p:style>
+        <p:txBody>
+          <a:bodyPr rtlCol="0" anchor="ctr"/>
+          <a:lstStyle/>
+          <a:p>
+            <a:pPr algn="ctr"/>
+            <a:endParaRPr lang="en-US"/>
+          </a:p>
+        </p:txBody>
+      </p:sp>
+      <p:sp>
+        <p:nvSpPr>
+          <p:cNvPr id="7" name="Arc 6"/>
+          <p:cNvSpPr/>
+          <p:nvPr/>
+        </p:nvSpPr>
+        <p:spPr>
+          <a:xfrm>
+            <a:off x="3171825" y="1295400"/>
+            <a:ext cx="2673350" cy="4102100"/>
+          </a:xfrm>
+          <a:prstGeom prst="arc">
+            <a:avLst>
+              <a:gd name="adj1" fmla="val 16200000"/>
+              <a:gd name="adj2" fmla="val 5412291"/>
+            </a:avLst>
+          </a:prstGeom>
+          <a:ln w="76200" cmpd="sng">
+            <a:solidFill>
+              <a:schemeClr val="tx1"/>
+            </a:solidFill>
+          </a:ln>
+          <a:effectLst/>
+        </p:spPr>
+        <p:style>
+          <a:lnRef idx="2">
+            <a:schemeClr val="accent1"/>
+          </a:lnRef>
+          <a:fillRef idx="0">
+            <a:schemeClr val="accent1"/>
+          </a:fillRef>
+          <a:effectRef idx="1">
+            <a:schemeClr val="accent1"/>
+          </a:effectRef>
+          <a:fontRef idx="minor">
+            <a:schemeClr val="tx1"/>
+          </a:fontRef>
+        </p:style>
+        <p:txBody>
+          <a:bodyPr rtlCol="0" anchor="ctr"/>
+          <a:lstStyle/>
+          <a:p>
+            <a:pPr algn="ctr"/>
+            <a:endParaRPr lang="en-US"/>
+          </a:p>
+        </p:txBody>
+      </p:sp>
+      <p:sp>
+        <p:nvSpPr>
+          <p:cNvPr id="8" name="Arc 7"/>
+          <p:cNvSpPr/>
+          <p:nvPr/>
+        </p:nvSpPr>
+        <p:spPr>
+          <a:xfrm>
+            <a:off x="3821113" y="1295400"/>
+            <a:ext cx="1246187" cy="4102100"/>
+          </a:xfrm>
+          <a:prstGeom prst="arc">
+            <a:avLst>
+              <a:gd name="adj1" fmla="val 16200000"/>
+              <a:gd name="adj2" fmla="val 5412291"/>
+            </a:avLst>
+          </a:prstGeom>
+          <a:ln w="76200" cmpd="sng">
+            <a:solidFill>
+              <a:schemeClr val="tx1"/>
+            </a:solidFill>
+          </a:ln>
+          <a:effectLst/>
+        </p:spPr>
+        <p:style>
+          <a:lnRef idx="2">
+            <a:schemeClr val="accent1"/>
+          </a:lnRef>
+          <a:fillRef idx="0">
+            <a:schemeClr val="accent1"/>
+          </a:fillRef>
+          <a:effectRef idx="1">
+            <a:schemeClr val="accent1"/>
+          </a:effectRef>
+          <a:fontRef idx="minor">
+            <a:schemeClr val="tx1"/>
+          </a:fontRef>
+        </p:style>
+        <p:txBody>
+          <a:bodyPr rtlCol="0" anchor="ctr"/>
+          <a:lstStyle/>
+          <a:p>
+            <a:pPr algn="ctr"/>
+            <a:endParaRPr lang="en-US"/>
+          </a:p>
+        </p:txBody>
+      </p:sp>
+      <p:sp>
+        <p:nvSpPr>
+          <p:cNvPr id="12" name="Arc 11"/>
+          <p:cNvSpPr/>
+          <p:nvPr/>
+        </p:nvSpPr>
+        <p:spPr>
+          <a:xfrm flipH="1">
+            <a:off x="2704306" y="1295400"/>
+            <a:ext cx="3608388" cy="4102100"/>
+          </a:xfrm>
+          <a:prstGeom prst="arc">
+            <a:avLst>
+              <a:gd name="adj1" fmla="val 16200000"/>
+              <a:gd name="adj2" fmla="val 5412291"/>
+            </a:avLst>
+          </a:prstGeom>
+          <a:ln w="76200" cmpd="sng">
+            <a:solidFill>
+              <a:schemeClr val="tx1"/>
+            </a:solidFill>
+          </a:ln>
+          <a:effectLst/>
+        </p:spPr>
+        <p:style>
+          <a:lnRef idx="2">
+            <a:schemeClr val="accent1"/>
+          </a:lnRef>
+          <a:fillRef idx="0">
+            <a:schemeClr val="accent1"/>
+          </a:fillRef>
+          <a:effectRef idx="1">
+            <a:schemeClr val="accent1"/>
+          </a:effectRef>
+          <a:fontRef idx="minor">
+            <a:schemeClr val="tx1"/>
+          </a:fontRef>
+        </p:style>
+        <p:txBody>
+          <a:bodyPr rtlCol="0" anchor="ctr"/>
+          <a:lstStyle/>
+          <a:p>
+            <a:pPr algn="ctr"/>
+            <a:endParaRPr lang="en-US"/>
+          </a:p>
+        </p:txBody>
+      </p:sp>
+      <p:sp>
+        <p:nvSpPr>
+          <p:cNvPr id="13" name="Arc 12"/>
+          <p:cNvSpPr/>
+          <p:nvPr/>
+        </p:nvSpPr>
+        <p:spPr>
+          <a:xfrm flipH="1">
+            <a:off x="3171825" y="1295400"/>
+            <a:ext cx="2673350" cy="4102100"/>
+          </a:xfrm>
+          <a:prstGeom prst="arc">
+            <a:avLst>
+              <a:gd name="adj1" fmla="val 16200000"/>
+              <a:gd name="adj2" fmla="val 5412291"/>
+            </a:avLst>
+          </a:prstGeom>
+          <a:ln w="76200" cmpd="sng">
+            <a:solidFill>
+              <a:schemeClr val="tx1"/>
+            </a:solidFill>
+          </a:ln>
+          <a:effectLst/>
+        </p:spPr>
+        <p:style>
+          <a:lnRef idx="2">
+            <a:schemeClr val="accent1"/>
+          </a:lnRef>
+          <a:fillRef idx="0">
+            <a:schemeClr val="accent1"/>
+          </a:fillRef>
+          <a:effectRef idx="1">
+            <a:schemeClr val="accent1"/>
+          </a:effectRef>
+          <a:fontRef idx="minor">
+            <a:schemeClr val="tx1"/>
+          </a:fontRef>
+        </p:style>
+        <p:txBody>
+          <a:bodyPr rtlCol="0" anchor="ctr"/>
+          <a:lstStyle/>
+          <a:p>
+            <a:pPr algn="ctr"/>
+            <a:endParaRPr lang="en-US"/>
+          </a:p>
+        </p:txBody>
+      </p:sp>
+      <p:sp>
+        <p:nvSpPr>
+          <p:cNvPr id="14" name="Arc 13"/>
+          <p:cNvSpPr/>
+          <p:nvPr/>
+        </p:nvSpPr>
+        <p:spPr>
+          <a:xfrm flipH="1">
+            <a:off x="3924299" y="1295400"/>
+            <a:ext cx="1271586" cy="4102100"/>
+          </a:xfrm>
+          <a:prstGeom prst="arc">
+            <a:avLst>
+              <a:gd name="adj1" fmla="val 16200000"/>
+              <a:gd name="adj2" fmla="val 5412291"/>
+            </a:avLst>
+          </a:prstGeom>
+          <a:ln w="76200" cmpd="sng">
+            <a:solidFill>
+              <a:schemeClr val="tx1"/>
+            </a:solidFill>
+          </a:ln>
+          <a:effectLst/>
+        </p:spPr>
+        <p:style>
+          <a:lnRef idx="2">
+            <a:schemeClr val="accent1"/>
+          </a:lnRef>
+          <a:fillRef idx="0">
+            <a:schemeClr val="accent1"/>
+          </a:fillRef>
+          <a:effectRef idx="1">
+            <a:schemeClr val="accent1"/>
+          </a:effectRef>
+          <a:fontRef idx="minor">
+            <a:schemeClr val="tx1"/>
+          </a:fontRef>
+        </p:style>
+        <p:txBody>
+          <a:bodyPr rtlCol="0" anchor="ctr"/>
+          <a:lstStyle/>
+          <a:p>
+            <a:pPr algn="ctr"/>
+            <a:endParaRPr lang="en-US"/>
+          </a:p>
+        </p:txBody>
+      </p:sp>
+      <p:cxnSp>
+        <p:nvCxnSpPr>
+          <p:cNvPr id="16" name="Straight Connector 15"/>
+          <p:cNvCxnSpPr>
+            <a:stCxn id="2" idx="2"/>
+            <a:endCxn id="2" idx="6"/>
+          </p:cNvCxnSpPr>
+          <p:nvPr/>
+        </p:nvCxnSpPr>
+        <p:spPr>
+          <a:xfrm>
+            <a:off x="2451100" y="3352800"/>
+            <a:ext cx="4114800" cy="0"/>
+          </a:xfrm>
+          <a:prstGeom prst="line">
+            <a:avLst/>
+          </a:prstGeom>
+          <a:ln w="76200" cmpd="sng">
+            <a:solidFill>
+              <a:schemeClr val="tx1"/>
+            </a:solidFill>
+          </a:ln>
+          <a:effectLst/>
+        </p:spPr>
+        <p:style>
+          <a:lnRef idx="2">
+            <a:schemeClr val="accent1"/>
+          </a:lnRef>
+          <a:fillRef idx="0">
+            <a:schemeClr val="accent1"/>
+          </a:fillRef>
+          <a:effectRef idx="1">
+            <a:schemeClr val="accent1"/>
+          </a:effectRef>
+          <a:fontRef idx="minor">
+            <a:schemeClr val="tx1"/>
+          </a:fontRef>
+        </p:style>
+      </p:cxnSp>
+      <p:cxnSp>
+        <p:nvCxnSpPr>
+          <p:cNvPr id="18" name="Straight Connector 17"/>
+          <p:cNvCxnSpPr/>
+          <p:nvPr/>
+        </p:nvCxnSpPr>
+        <p:spPr>
+          <a:xfrm>
+            <a:off x="2654300" y="2451100"/>
+            <a:ext cx="3721100" cy="0"/>
+          </a:xfrm>
+          <a:prstGeom prst="line">
+            <a:avLst/>
+          </a:prstGeom>
+          <a:ln w="76200" cmpd="sng">
+            <a:solidFill>
+              <a:schemeClr val="tx1"/>
+            </a:solidFill>
+          </a:ln>
+          <a:effectLst/>
+        </p:spPr>
+        <p:style>
+          <a:lnRef idx="2">
+            <a:schemeClr val="accent1"/>
+          </a:lnRef>
+          <a:fillRef idx="0">
+            <a:schemeClr val="accent1"/>
+          </a:fillRef>
+          <a:effectRef idx="1">
+            <a:schemeClr val="accent1"/>
+          </a:effectRef>
+          <a:fontRef idx="minor">
+            <a:schemeClr val="tx1"/>
+          </a:fontRef>
+        </p:style>
+      </p:cxnSp>
+      <p:cxnSp>
+        <p:nvCxnSpPr>
+          <p:cNvPr id="20" name="Straight Connector 19"/>
+          <p:cNvCxnSpPr/>
+          <p:nvPr/>
+        </p:nvCxnSpPr>
+        <p:spPr>
+          <a:xfrm>
+            <a:off x="3175000" y="1778000"/>
+            <a:ext cx="2654300" cy="0"/>
+          </a:xfrm>
+          <a:prstGeom prst="line">
+            <a:avLst/>
+          </a:prstGeom>
+          <a:ln w="76200" cmpd="sng">
+            <a:solidFill>
+              <a:srgbClr val="000000"/>
+            </a:solidFill>
+          </a:ln>
+          <a:effectLst/>
+        </p:spPr>
+        <p:style>
+          <a:lnRef idx="2">
+            <a:schemeClr val="accent1"/>
+          </a:lnRef>
+          <a:fillRef idx="0">
+            <a:schemeClr val="accent1"/>
+          </a:fillRef>
+          <a:effectRef idx="1">
+            <a:schemeClr val="accent1"/>
+          </a:effectRef>
+          <a:fontRef idx="minor">
+            <a:schemeClr val="tx1"/>
+          </a:fontRef>
+        </p:style>
+      </p:cxnSp>
+      <p:cxnSp>
+        <p:nvCxnSpPr>
+          <p:cNvPr id="23" name="Straight Connector 22"/>
+          <p:cNvCxnSpPr/>
+          <p:nvPr/>
+        </p:nvCxnSpPr>
+        <p:spPr>
+          <a:xfrm>
+            <a:off x="2667000" y="4267200"/>
+            <a:ext cx="3683000" cy="0"/>
+          </a:xfrm>
+          <a:prstGeom prst="line">
+            <a:avLst/>
+          </a:prstGeom>
+          <a:ln w="76200" cmpd="sng">
+            <a:solidFill>
+              <a:schemeClr val="tx1"/>
+            </a:solidFill>
+          </a:ln>
+          <a:effectLst/>
+        </p:spPr>
+        <p:style>
+          <a:lnRef idx="2">
+            <a:schemeClr val="accent1"/>
+          </a:lnRef>
+          <a:fillRef idx="0">
+            <a:schemeClr val="accent1"/>
+          </a:fillRef>
+          <a:effectRef idx="1">
+            <a:schemeClr val="accent1"/>
+          </a:effectRef>
+          <a:fontRef idx="minor">
+            <a:schemeClr val="tx1"/>
+          </a:fontRef>
+        </p:style>
+      </p:cxnSp>
+      <p:cxnSp>
+        <p:nvCxnSpPr>
+          <p:cNvPr id="24" name="Straight Connector 23"/>
+          <p:cNvCxnSpPr/>
+          <p:nvPr/>
+        </p:nvCxnSpPr>
+        <p:spPr>
+          <a:xfrm>
+            <a:off x="3187700" y="4940300"/>
+            <a:ext cx="2637367" cy="0"/>
+          </a:xfrm>
+          <a:prstGeom prst="line">
+            <a:avLst/>
+          </a:prstGeom>
+          <a:ln w="76200" cmpd="sng">
+            <a:solidFill>
+              <a:srgbClr val="000000"/>
+            </a:solidFill>
+          </a:ln>
+          <a:effectLst/>
+        </p:spPr>
+        <p:style>
+          <a:lnRef idx="2">
+            <a:schemeClr val="accent1"/>
+          </a:lnRef>
+          <a:fillRef idx="0">
+            <a:schemeClr val="accent1"/>
+          </a:fillRef>
+          <a:effectRef idx="1">
+            <a:schemeClr val="accent1"/>
+          </a:effectRef>
+          <a:fontRef idx="minor">
+            <a:schemeClr val="tx1"/>
+          </a:fontRef>
+        </p:style>
+      </p:cxnSp>
+      <p:sp>
+        <p:nvSpPr>
+          <p:cNvPr id="3" name="Rectangle 2"/>
+          <p:cNvSpPr/>
+          <p:nvPr/>
+        </p:nvSpPr>
+        <p:spPr>
+          <a:xfrm>
+            <a:off x="1896533" y="829733"/>
+            <a:ext cx="5198534" cy="5080000"/>
+          </a:xfrm>
+          <a:prstGeom prst="rect">
+            <a:avLst/>
+          </a:prstGeom>
+          <a:noFill/>
+          <a:effectLst/>
+        </p:spPr>
+        <p:style>
+          <a:lnRef idx="1">
+            <a:schemeClr val="accent1"/>
+          </a:lnRef>
+          <a:fillRef idx="3">
+            <a:schemeClr val="accent1"/>
+          </a:fillRef>
+          <a:effectRef idx="2">
+            <a:schemeClr val="accent1"/>
+          </a:effectRef>
+          <a:fontRef idx="minor">
+            <a:schemeClr val="lt1"/>
+          </a:fontRef>
+        </p:style>
+        <p:txBody>
+          <a:bodyPr rtlCol="0" anchor="ctr"/>
+          <a:lstStyle/>
+          <a:p>
+            <a:pPr algn="ctr"/>
+            <a:endParaRPr lang="en-US"/>
+          </a:p>
+        </p:txBody>
+      </p:sp>
+    </p:spTree>
+    <p:extLst>
+      <p:ext uri="{BB962C8B-B14F-4D97-AF65-F5344CB8AC3E}">
+        <p14:creationId xmlns:p14="http://schemas.microsoft.com/office/powerpoint/2010/main" val="597060449"/>
+      </p:ext>
+    </p:extLst>
+  </p:cSld>
+  <p:clrMapOvr>
+    <a:masterClrMapping/>
+  </p:clrMapOvr>
+</p:sld>
+</file>
+
+<file path=ppt/slides/slide51.xml><?xml version="1.0" encoding="utf-8"?>
+<p:sld xmlns:a="http://schemas.openxmlformats.org/drawingml/2006/main" xmlns:r="http://schemas.openxmlformats.org/officeDocument/2006/relationships" xmlns:p="http://schemas.openxmlformats.org/presentationml/2006/main">
+  <p:cSld>
+    <p:spTree>
+      <p:nvGrpSpPr>
+        <p:cNvPr id="1" name=""/>
+        <p:cNvGrpSpPr/>
+        <p:nvPr/>
+      </p:nvGrpSpPr>
+      <p:grpSpPr>
+        <a:xfrm>
+          <a:off x="0" y="0"/>
+          <a:ext cx="0" cy="0"/>
+          <a:chOff x="0" y="0"/>
+          <a:chExt cx="0" cy="0"/>
+        </a:xfrm>
+      </p:grpSpPr>
+      <p:sp>
+        <p:nvSpPr>
+          <p:cNvPr id="2" name="Oval 1"/>
+          <p:cNvSpPr/>
+          <p:nvPr/>
+        </p:nvSpPr>
+        <p:spPr>
+          <a:xfrm>
+            <a:off x="2451100" y="1295400"/>
+            <a:ext cx="4114800" cy="4114800"/>
+          </a:xfrm>
+          <a:prstGeom prst="ellipse">
+            <a:avLst/>
+          </a:prstGeom>
+          <a:noFill/>
+          <a:ln w="76200" cmpd="sng">
+            <a:solidFill>
+              <a:schemeClr val="tx1"/>
+            </a:solidFill>
+          </a:ln>
+          <a:effectLst/>
+        </p:spPr>
+        <p:style>
+          <a:lnRef idx="1">
+            <a:schemeClr val="accent1"/>
+          </a:lnRef>
+          <a:fillRef idx="3">
+            <a:schemeClr val="accent1"/>
+          </a:fillRef>
+          <a:effectRef idx="2">
+            <a:schemeClr val="accent1"/>
+          </a:effectRef>
+          <a:fontRef idx="minor">
+            <a:schemeClr val="lt1"/>
+          </a:fontRef>
+        </p:style>
+        <p:txBody>
+          <a:bodyPr rtlCol="0" anchor="ctr"/>
+          <a:lstStyle/>
+          <a:p>
+            <a:pPr algn="ctr"/>
+            <a:endParaRPr lang="en-US"/>
+          </a:p>
+        </p:txBody>
+      </p:sp>
+      <p:sp>
+        <p:nvSpPr>
+          <p:cNvPr id="4" name="Arc 3"/>
+          <p:cNvSpPr/>
+          <p:nvPr/>
+        </p:nvSpPr>
+        <p:spPr>
+          <a:xfrm>
+            <a:off x="2704306" y="1295400"/>
+            <a:ext cx="3608388" cy="4102100"/>
+          </a:xfrm>
+          <a:prstGeom prst="arc">
+            <a:avLst>
+              <a:gd name="adj1" fmla="val 16200000"/>
+              <a:gd name="adj2" fmla="val 5412291"/>
+            </a:avLst>
+          </a:prstGeom>
+          <a:ln w="76200" cmpd="sng">
+            <a:solidFill>
+              <a:schemeClr val="tx1"/>
+            </a:solidFill>
+          </a:ln>
+          <a:effectLst/>
+        </p:spPr>
+        <p:style>
+          <a:lnRef idx="2">
+            <a:schemeClr val="accent1"/>
+          </a:lnRef>
+          <a:fillRef idx="0">
+            <a:schemeClr val="accent1"/>
+          </a:fillRef>
+          <a:effectRef idx="1">
+            <a:schemeClr val="accent1"/>
+          </a:effectRef>
+          <a:fontRef idx="minor">
+            <a:schemeClr val="tx1"/>
+          </a:fontRef>
+        </p:style>
+        <p:txBody>
+          <a:bodyPr rtlCol="0" anchor="ctr"/>
+          <a:lstStyle/>
+          <a:p>
+            <a:pPr algn="ctr"/>
+            <a:endParaRPr lang="en-US"/>
+          </a:p>
+        </p:txBody>
+      </p:sp>
+      <p:sp>
+        <p:nvSpPr>
+          <p:cNvPr id="7" name="Arc 6"/>
+          <p:cNvSpPr/>
+          <p:nvPr/>
+        </p:nvSpPr>
+        <p:spPr>
+          <a:xfrm>
+            <a:off x="3171825" y="1295400"/>
+            <a:ext cx="2673350" cy="4102100"/>
+          </a:xfrm>
+          <a:prstGeom prst="arc">
+            <a:avLst>
+              <a:gd name="adj1" fmla="val 16200000"/>
+              <a:gd name="adj2" fmla="val 5412291"/>
+            </a:avLst>
+          </a:prstGeom>
+          <a:ln w="76200" cmpd="sng">
+            <a:solidFill>
+              <a:schemeClr val="tx1"/>
+            </a:solidFill>
+          </a:ln>
+          <a:effectLst/>
+        </p:spPr>
+        <p:style>
+          <a:lnRef idx="2">
+            <a:schemeClr val="accent1"/>
+          </a:lnRef>
+          <a:fillRef idx="0">
+            <a:schemeClr val="accent1"/>
+          </a:fillRef>
+          <a:effectRef idx="1">
+            <a:schemeClr val="accent1"/>
+          </a:effectRef>
+          <a:fontRef idx="minor">
+            <a:schemeClr val="tx1"/>
+          </a:fontRef>
+        </p:style>
+        <p:txBody>
+          <a:bodyPr rtlCol="0" anchor="ctr"/>
+          <a:lstStyle/>
+          <a:p>
+            <a:pPr algn="ctr"/>
+            <a:endParaRPr lang="en-US"/>
+          </a:p>
+        </p:txBody>
+      </p:sp>
+      <p:sp>
+        <p:nvSpPr>
+          <p:cNvPr id="8" name="Arc 7"/>
+          <p:cNvSpPr/>
+          <p:nvPr/>
+        </p:nvSpPr>
+        <p:spPr>
+          <a:xfrm>
+            <a:off x="3821113" y="1295400"/>
+            <a:ext cx="1246187" cy="4102100"/>
+          </a:xfrm>
+          <a:prstGeom prst="arc">
+            <a:avLst>
+              <a:gd name="adj1" fmla="val 16200000"/>
+              <a:gd name="adj2" fmla="val 5412291"/>
+            </a:avLst>
+          </a:prstGeom>
+          <a:ln w="76200" cmpd="sng">
+            <a:solidFill>
+              <a:schemeClr val="tx1"/>
+            </a:solidFill>
+          </a:ln>
+          <a:effectLst/>
+        </p:spPr>
+        <p:style>
+          <a:lnRef idx="2">
+            <a:schemeClr val="accent1"/>
+          </a:lnRef>
+          <a:fillRef idx="0">
+            <a:schemeClr val="accent1"/>
+          </a:fillRef>
+          <a:effectRef idx="1">
+            <a:schemeClr val="accent1"/>
+          </a:effectRef>
+          <a:fontRef idx="minor">
+            <a:schemeClr val="tx1"/>
+          </a:fontRef>
+        </p:style>
+        <p:txBody>
+          <a:bodyPr rtlCol="0" anchor="ctr"/>
+          <a:lstStyle/>
+          <a:p>
+            <a:pPr algn="ctr"/>
+            <a:endParaRPr lang="en-US"/>
+          </a:p>
+        </p:txBody>
+      </p:sp>
+      <p:sp>
+        <p:nvSpPr>
+          <p:cNvPr id="12" name="Arc 11"/>
+          <p:cNvSpPr/>
+          <p:nvPr/>
+        </p:nvSpPr>
+        <p:spPr>
+          <a:xfrm flipH="1">
+            <a:off x="2704306" y="1295400"/>
+            <a:ext cx="3608388" cy="4102100"/>
+          </a:xfrm>
+          <a:prstGeom prst="arc">
+            <a:avLst>
+              <a:gd name="adj1" fmla="val 16200000"/>
+              <a:gd name="adj2" fmla="val 5412291"/>
+            </a:avLst>
+          </a:prstGeom>
+          <a:ln w="76200" cmpd="sng">
+            <a:solidFill>
+              <a:schemeClr val="tx1"/>
+            </a:solidFill>
+          </a:ln>
+          <a:effectLst/>
+        </p:spPr>
+        <p:style>
+          <a:lnRef idx="2">
+            <a:schemeClr val="accent1"/>
+          </a:lnRef>
+          <a:fillRef idx="0">
+            <a:schemeClr val="accent1"/>
+          </a:fillRef>
+          <a:effectRef idx="1">
+            <a:schemeClr val="accent1"/>
+          </a:effectRef>
+          <a:fontRef idx="minor">
+            <a:schemeClr val="tx1"/>
+          </a:fontRef>
+        </p:style>
+        <p:txBody>
+          <a:bodyPr rtlCol="0" anchor="ctr"/>
+          <a:lstStyle/>
+          <a:p>
+            <a:pPr algn="ctr"/>
+            <a:endParaRPr lang="en-US"/>
+          </a:p>
+        </p:txBody>
+      </p:sp>
+      <p:sp>
+        <p:nvSpPr>
+          <p:cNvPr id="13" name="Arc 12"/>
+          <p:cNvSpPr/>
+          <p:nvPr/>
+        </p:nvSpPr>
+        <p:spPr>
+          <a:xfrm flipH="1">
+            <a:off x="3171825" y="1295400"/>
+            <a:ext cx="2673350" cy="4102100"/>
+          </a:xfrm>
+          <a:prstGeom prst="arc">
+            <a:avLst>
+              <a:gd name="adj1" fmla="val 16200000"/>
+              <a:gd name="adj2" fmla="val 5412291"/>
+            </a:avLst>
+          </a:prstGeom>
+          <a:ln w="76200" cmpd="sng">
+            <a:solidFill>
+              <a:schemeClr val="tx1"/>
+            </a:solidFill>
+          </a:ln>
+          <a:effectLst/>
+        </p:spPr>
+        <p:style>
+          <a:lnRef idx="2">
+            <a:schemeClr val="accent1"/>
+          </a:lnRef>
+          <a:fillRef idx="0">
+            <a:schemeClr val="accent1"/>
+          </a:fillRef>
+          <a:effectRef idx="1">
+            <a:schemeClr val="accent1"/>
+          </a:effectRef>
+          <a:fontRef idx="minor">
+            <a:schemeClr val="tx1"/>
+          </a:fontRef>
+        </p:style>
+        <p:txBody>
+          <a:bodyPr rtlCol="0" anchor="ctr"/>
+          <a:lstStyle/>
+          <a:p>
+            <a:pPr algn="ctr"/>
+            <a:endParaRPr lang="en-US"/>
+          </a:p>
+        </p:txBody>
+      </p:sp>
+      <p:sp>
+        <p:nvSpPr>
+          <p:cNvPr id="14" name="Arc 13"/>
+          <p:cNvSpPr/>
+          <p:nvPr/>
+        </p:nvSpPr>
+        <p:spPr>
+          <a:xfrm flipH="1">
+            <a:off x="3924299" y="1295400"/>
+            <a:ext cx="1271586" cy="4102100"/>
+          </a:xfrm>
+          <a:prstGeom prst="arc">
+            <a:avLst>
+              <a:gd name="adj1" fmla="val 16200000"/>
+              <a:gd name="adj2" fmla="val 5412291"/>
+            </a:avLst>
+          </a:prstGeom>
+          <a:ln w="76200" cmpd="sng">
+            <a:solidFill>
+              <a:schemeClr val="tx1"/>
+            </a:solidFill>
+          </a:ln>
+          <a:effectLst/>
+        </p:spPr>
+        <p:style>
+          <a:lnRef idx="2">
+            <a:schemeClr val="accent1"/>
+          </a:lnRef>
+          <a:fillRef idx="0">
+            <a:schemeClr val="accent1"/>
+          </a:fillRef>
+          <a:effectRef idx="1">
+            <a:schemeClr val="accent1"/>
+          </a:effectRef>
+          <a:fontRef idx="minor">
+            <a:schemeClr val="tx1"/>
+          </a:fontRef>
+        </p:style>
+        <p:txBody>
+          <a:bodyPr rtlCol="0" anchor="ctr"/>
+          <a:lstStyle/>
+          <a:p>
+            <a:pPr algn="ctr"/>
+            <a:endParaRPr lang="en-US"/>
+          </a:p>
+        </p:txBody>
+      </p:sp>
+      <p:cxnSp>
+        <p:nvCxnSpPr>
+          <p:cNvPr id="16" name="Straight Connector 15"/>
+          <p:cNvCxnSpPr>
+            <a:stCxn id="2" idx="2"/>
+            <a:endCxn id="2" idx="6"/>
+          </p:cNvCxnSpPr>
+          <p:nvPr/>
+        </p:nvCxnSpPr>
+        <p:spPr>
+          <a:xfrm>
+            <a:off x="2451100" y="3352800"/>
+            <a:ext cx="4114800" cy="0"/>
+          </a:xfrm>
+          <a:prstGeom prst="line">
+            <a:avLst/>
+          </a:prstGeom>
+          <a:ln w="76200" cmpd="sng">
+            <a:solidFill>
+              <a:schemeClr val="tx1"/>
+            </a:solidFill>
+          </a:ln>
+          <a:effectLst/>
+        </p:spPr>
+        <p:style>
+          <a:lnRef idx="2">
+            <a:schemeClr val="accent1"/>
+          </a:lnRef>
+          <a:fillRef idx="0">
+            <a:schemeClr val="accent1"/>
+          </a:fillRef>
+          <a:effectRef idx="1">
+            <a:schemeClr val="accent1"/>
+          </a:effectRef>
+          <a:fontRef idx="minor">
+            <a:schemeClr val="tx1"/>
+          </a:fontRef>
+        </p:style>
+      </p:cxnSp>
+      <p:cxnSp>
+        <p:nvCxnSpPr>
+          <p:cNvPr id="18" name="Straight Connector 17"/>
+          <p:cNvCxnSpPr/>
+          <p:nvPr/>
+        </p:nvCxnSpPr>
+        <p:spPr>
+          <a:xfrm>
+            <a:off x="2654300" y="2451100"/>
+            <a:ext cx="3721100" cy="0"/>
+          </a:xfrm>
+          <a:prstGeom prst="line">
+            <a:avLst/>
+          </a:prstGeom>
+          <a:ln w="76200" cmpd="sng">
+            <a:solidFill>
+              <a:schemeClr val="tx1"/>
+            </a:solidFill>
+          </a:ln>
+          <a:effectLst/>
+        </p:spPr>
+        <p:style>
+          <a:lnRef idx="2">
+            <a:schemeClr val="accent1"/>
+          </a:lnRef>
+          <a:fillRef idx="0">
+            <a:schemeClr val="accent1"/>
+          </a:fillRef>
+          <a:effectRef idx="1">
+            <a:schemeClr val="accent1"/>
+          </a:effectRef>
+          <a:fontRef idx="minor">
+            <a:schemeClr val="tx1"/>
+          </a:fontRef>
+        </p:style>
+      </p:cxnSp>
+      <p:cxnSp>
+        <p:nvCxnSpPr>
+          <p:cNvPr id="20" name="Straight Connector 19"/>
+          <p:cNvCxnSpPr/>
+          <p:nvPr/>
+        </p:nvCxnSpPr>
+        <p:spPr>
+          <a:xfrm>
+            <a:off x="3175000" y="1778000"/>
+            <a:ext cx="2654300" cy="0"/>
+          </a:xfrm>
+          <a:prstGeom prst="line">
+            <a:avLst/>
+          </a:prstGeom>
+          <a:ln w="76200" cmpd="sng">
+            <a:solidFill>
+              <a:srgbClr val="000000"/>
+            </a:solidFill>
+          </a:ln>
+          <a:effectLst/>
+        </p:spPr>
+        <p:style>
+          <a:lnRef idx="2">
+            <a:schemeClr val="accent1"/>
+          </a:lnRef>
+          <a:fillRef idx="0">
+            <a:schemeClr val="accent1"/>
+          </a:fillRef>
+          <a:effectRef idx="1">
+            <a:schemeClr val="accent1"/>
+          </a:effectRef>
+          <a:fontRef idx="minor">
+            <a:schemeClr val="tx1"/>
+          </a:fontRef>
+        </p:style>
+      </p:cxnSp>
+      <p:cxnSp>
+        <p:nvCxnSpPr>
+          <p:cNvPr id="23" name="Straight Connector 22"/>
+          <p:cNvCxnSpPr/>
+          <p:nvPr/>
+        </p:nvCxnSpPr>
+        <p:spPr>
+          <a:xfrm>
+            <a:off x="2667000" y="4267200"/>
+            <a:ext cx="3683000" cy="0"/>
+          </a:xfrm>
+          <a:prstGeom prst="line">
+            <a:avLst/>
+          </a:prstGeom>
+          <a:ln w="76200" cmpd="sng">
+            <a:solidFill>
+              <a:schemeClr val="tx1"/>
+            </a:solidFill>
+          </a:ln>
+          <a:effectLst/>
+        </p:spPr>
+        <p:style>
+          <a:lnRef idx="2">
+            <a:schemeClr val="accent1"/>
+          </a:lnRef>
+          <a:fillRef idx="0">
+            <a:schemeClr val="accent1"/>
+          </a:fillRef>
+          <a:effectRef idx="1">
+            <a:schemeClr val="accent1"/>
+          </a:effectRef>
+          <a:fontRef idx="minor">
+            <a:schemeClr val="tx1"/>
+          </a:fontRef>
+        </p:style>
+      </p:cxnSp>
+      <p:cxnSp>
+        <p:nvCxnSpPr>
+          <p:cNvPr id="24" name="Straight Connector 23"/>
+          <p:cNvCxnSpPr/>
+          <p:nvPr/>
+        </p:nvCxnSpPr>
+        <p:spPr>
+          <a:xfrm>
+            <a:off x="3187700" y="4940300"/>
+            <a:ext cx="2637367" cy="0"/>
+          </a:xfrm>
+          <a:prstGeom prst="line">
+            <a:avLst/>
+          </a:prstGeom>
+          <a:ln w="76200" cmpd="sng">
+            <a:solidFill>
+              <a:srgbClr val="000000"/>
+            </a:solidFill>
+          </a:ln>
+          <a:effectLst/>
+        </p:spPr>
+        <p:style>
+          <a:lnRef idx="2">
+            <a:schemeClr val="accent1"/>
+          </a:lnRef>
+          <a:fillRef idx="0">
+            <a:schemeClr val="accent1"/>
+          </a:fillRef>
+          <a:effectRef idx="1">
+            <a:schemeClr val="accent1"/>
+          </a:effectRef>
+          <a:fontRef idx="minor">
+            <a:schemeClr val="tx1"/>
+          </a:fontRef>
+        </p:style>
+      </p:cxnSp>
+      <p:sp>
+        <p:nvSpPr>
+          <p:cNvPr id="26" name="Freeform 25"/>
+          <p:cNvSpPr/>
+          <p:nvPr/>
+        </p:nvSpPr>
+        <p:spPr>
+          <a:xfrm>
+            <a:off x="2874786" y="2184400"/>
+            <a:ext cx="3068813" cy="2392646"/>
+          </a:xfrm>
+          <a:custGeom>
+            <a:avLst/>
+            <a:gdLst>
+              <a:gd name="connsiteX0" fmla="*/ 61552 w 2487252"/>
+              <a:gd name="connsiteY0" fmla="*/ 876300 h 1720255"/>
+              <a:gd name="connsiteX1" fmla="*/ 112352 w 2487252"/>
+              <a:gd name="connsiteY1" fmla="*/ 901700 h 1720255"/>
+              <a:gd name="connsiteX2" fmla="*/ 1090252 w 2487252"/>
+              <a:gd name="connsiteY2" fmla="*/ 1701800 h 1720255"/>
+              <a:gd name="connsiteX3" fmla="*/ 2487252 w 2487252"/>
+              <a:gd name="connsiteY3" fmla="*/ 0 h 1720255"/>
+              <a:gd name="connsiteX0" fmla="*/ 223657 w 2649357"/>
+              <a:gd name="connsiteY0" fmla="*/ 876300 h 1723311"/>
+              <a:gd name="connsiteX1" fmla="*/ 54828 w 2649357"/>
+              <a:gd name="connsiteY1" fmla="*/ 953687 h 1723311"/>
+              <a:gd name="connsiteX2" fmla="*/ 1252357 w 2649357"/>
+              <a:gd name="connsiteY2" fmla="*/ 1701800 h 1723311"/>
+              <a:gd name="connsiteX3" fmla="*/ 2649357 w 2649357"/>
+              <a:gd name="connsiteY3" fmla="*/ 0 h 1723311"/>
+              <a:gd name="connsiteX0" fmla="*/ 390889 w 2621364"/>
+              <a:gd name="connsiteY0" fmla="*/ 751533 h 1723810"/>
+              <a:gd name="connsiteX1" fmla="*/ 26835 w 2621364"/>
+              <a:gd name="connsiteY1" fmla="*/ 953687 h 1723810"/>
+              <a:gd name="connsiteX2" fmla="*/ 1224364 w 2621364"/>
+              <a:gd name="connsiteY2" fmla="*/ 1701800 h 1723810"/>
+              <a:gd name="connsiteX3" fmla="*/ 2621364 w 2621364"/>
+              <a:gd name="connsiteY3" fmla="*/ 0 h 1723810"/>
+              <a:gd name="connsiteX0" fmla="*/ 358169 w 2625249"/>
+              <a:gd name="connsiteY0" fmla="*/ 845108 h 1723434"/>
+              <a:gd name="connsiteX1" fmla="*/ 30720 w 2625249"/>
+              <a:gd name="connsiteY1" fmla="*/ 953687 h 1723434"/>
+              <a:gd name="connsiteX2" fmla="*/ 1228249 w 2625249"/>
+              <a:gd name="connsiteY2" fmla="*/ 1701800 h 1723434"/>
+              <a:gd name="connsiteX3" fmla="*/ 2625249 w 2625249"/>
+              <a:gd name="connsiteY3" fmla="*/ 0 h 1723434"/>
+              <a:gd name="connsiteX0" fmla="*/ 294385 w 2634674"/>
+              <a:gd name="connsiteY0" fmla="*/ 668355 h 1724155"/>
+              <a:gd name="connsiteX1" fmla="*/ 40145 w 2634674"/>
+              <a:gd name="connsiteY1" fmla="*/ 953687 h 1724155"/>
+              <a:gd name="connsiteX2" fmla="*/ 1237674 w 2634674"/>
+              <a:gd name="connsiteY2" fmla="*/ 1701800 h 1724155"/>
+              <a:gd name="connsiteX3" fmla="*/ 2634674 w 2634674"/>
+              <a:gd name="connsiteY3" fmla="*/ 0 h 1724155"/>
+              <a:gd name="connsiteX0" fmla="*/ 50060 w 2756397"/>
+              <a:gd name="connsiteY0" fmla="*/ 772327 h 1723725"/>
+              <a:gd name="connsiteX1" fmla="*/ 161868 w 2756397"/>
+              <a:gd name="connsiteY1" fmla="*/ 953687 h 1723725"/>
+              <a:gd name="connsiteX2" fmla="*/ 1359397 w 2756397"/>
+              <a:gd name="connsiteY2" fmla="*/ 1701800 h 1723725"/>
+              <a:gd name="connsiteX3" fmla="*/ 2756397 w 2756397"/>
+              <a:gd name="connsiteY3" fmla="*/ 0 h 1723725"/>
+              <a:gd name="connsiteX0" fmla="*/ 0 w 2594529"/>
+              <a:gd name="connsiteY0" fmla="*/ 953687 h 1723725"/>
+              <a:gd name="connsiteX1" fmla="*/ 1197529 w 2594529"/>
+              <a:gd name="connsiteY1" fmla="*/ 1701800 h 1723725"/>
+              <a:gd name="connsiteX2" fmla="*/ 2594529 w 2594529"/>
+              <a:gd name="connsiteY2" fmla="*/ 0 h 1723725"/>
+            </a:gdLst>
+            <a:ahLst/>
+            <a:cxnLst>
+              <a:cxn ang="0">
+                <a:pos x="connsiteX0" y="connsiteY0"/>
+              </a:cxn>
+              <a:cxn ang="0">
+                <a:pos x="connsiteX1" y="connsiteY1"/>
+              </a:cxn>
+              <a:cxn ang="0">
+                <a:pos x="connsiteX2" y="connsiteY2"/>
+              </a:cxn>
+            </a:cxnLst>
+            <a:rect l="l" t="t" r="r" b="b"/>
+            <a:pathLst>
+              <a:path w="2594529" h="1723725">
+                <a:moveTo>
+                  <a:pt x="0" y="953687"/>
+                </a:moveTo>
+                <a:cubicBezTo>
+                  <a:pt x="218223" y="1108599"/>
+                  <a:pt x="765108" y="1860748"/>
+                  <a:pt x="1197529" y="1701800"/>
+                </a:cubicBezTo>
+                <a:cubicBezTo>
+                  <a:pt x="1629951" y="1542852"/>
+                  <a:pt x="2093937" y="775758"/>
+                  <a:pt x="2594529" y="0"/>
+                </a:cubicBezTo>
+              </a:path>
+            </a:pathLst>
+          </a:custGeom>
+          <a:ln w="889000">
+            <a:solidFill>
+              <a:srgbClr val="008000"/>
+            </a:solidFill>
+          </a:ln>
+          <a:effectLst/>
+        </p:spPr>
+        <p:style>
+          <a:lnRef idx="2">
+            <a:schemeClr val="accent1"/>
+          </a:lnRef>
+          <a:fillRef idx="0">
+            <a:schemeClr val="accent1"/>
+          </a:fillRef>
+          <a:effectRef idx="1">
+            <a:schemeClr val="accent1"/>
+          </a:effectRef>
+          <a:fontRef idx="minor">
+            <a:schemeClr val="tx1"/>
+          </a:fontRef>
+        </p:style>
+        <p:txBody>
+          <a:bodyPr rtlCol="0" anchor="ctr"/>
+          <a:lstStyle/>
+          <a:p>
+            <a:pPr algn="ctr"/>
+            <a:endParaRPr lang="en-US"/>
+          </a:p>
+        </p:txBody>
+      </p:sp>
+      <p:sp>
+        <p:nvSpPr>
+          <p:cNvPr id="17" name="Rectangle 16"/>
+          <p:cNvSpPr/>
+          <p:nvPr/>
+        </p:nvSpPr>
+        <p:spPr>
+          <a:xfrm>
+            <a:off x="1896533" y="829733"/>
+            <a:ext cx="5198534" cy="5080000"/>
+          </a:xfrm>
+          <a:prstGeom prst="rect">
+            <a:avLst/>
+          </a:prstGeom>
+          <a:noFill/>
+          <a:effectLst/>
+        </p:spPr>
+        <p:style>
+          <a:lnRef idx="1">
+            <a:schemeClr val="accent1"/>
+          </a:lnRef>
+          <a:fillRef idx="3">
+            <a:schemeClr val="accent1"/>
+          </a:fillRef>
+          <a:effectRef idx="2">
+            <a:schemeClr val="accent1"/>
+          </a:effectRef>
+          <a:fontRef idx="minor">
+            <a:schemeClr val="lt1"/>
+          </a:fontRef>
+        </p:style>
+        <p:txBody>
+          <a:bodyPr rtlCol="0" anchor="ctr"/>
+          <a:lstStyle/>
+          <a:p>
+            <a:pPr algn="ctr"/>
+            <a:endParaRPr lang="en-US"/>
+          </a:p>
+        </p:txBody>
+      </p:sp>
+    </p:spTree>
+    <p:extLst>
+      <p:ext uri="{BB962C8B-B14F-4D97-AF65-F5344CB8AC3E}">
+        <p14:creationId xmlns:p14="http://schemas.microsoft.com/office/powerpoint/2010/main" val="2254998373"/>
+      </p:ext>
+    </p:extLst>
+  </p:cSld>
+  <p:clrMapOvr>
+    <a:masterClrMapping/>
+  </p:clrMapOvr>
+</p:sld>
+</file>
+
+<file path=ppt/slides/slide52.xml><?xml version="1.0" encoding="utf-8"?>
+<p:sld xmlns:a="http://schemas.openxmlformats.org/drawingml/2006/main" xmlns:r="http://schemas.openxmlformats.org/officeDocument/2006/relationships" xmlns:p="http://schemas.openxmlformats.org/presentationml/2006/main">
+  <p:cSld>
+    <p:spTree>
+      <p:nvGrpSpPr>
+        <p:cNvPr id="1" name=""/>
+        <p:cNvGrpSpPr/>
+        <p:nvPr/>
+      </p:nvGrpSpPr>
+      <p:grpSpPr>
+        <a:xfrm>
+          <a:off x="0" y="0"/>
+          <a:ext cx="0" cy="0"/>
+          <a:chOff x="0" y="0"/>
+          <a:chExt cx="0" cy="0"/>
+        </a:xfrm>
+      </p:grpSpPr>
+      <p:sp>
+        <p:nvSpPr>
+          <p:cNvPr id="9" name="Can 8"/>
+          <p:cNvSpPr/>
+          <p:nvPr/>
+        </p:nvSpPr>
+        <p:spPr>
+          <a:xfrm rot="16200000">
+            <a:off x="6273435" y="2184768"/>
+            <a:ext cx="1473934" cy="2048931"/>
+          </a:xfrm>
+          <a:prstGeom prst="can">
+            <a:avLst/>
+          </a:prstGeom>
+        </p:spPr>
+        <p:style>
+          <a:lnRef idx="0">
+            <a:schemeClr val="accent6"/>
+          </a:lnRef>
+          <a:fillRef idx="3">
+            <a:schemeClr val="accent6"/>
+          </a:fillRef>
+          <a:effectRef idx="3">
+            <a:schemeClr val="accent6"/>
+          </a:effectRef>
+          <a:fontRef idx="minor">
+            <a:schemeClr val="lt1"/>
+          </a:fontRef>
+        </p:style>
+        <p:txBody>
+          <a:bodyPr rtlCol="0" anchor="ctr"/>
+          <a:lstStyle/>
+          <a:p>
+            <a:pPr algn="ctr"/>
+            <a:endParaRPr lang="en-US"/>
+          </a:p>
+        </p:txBody>
+      </p:sp>
+      <p:sp>
+        <p:nvSpPr>
+          <p:cNvPr id="8" name="Can 7"/>
+          <p:cNvSpPr/>
+          <p:nvPr/>
+        </p:nvSpPr>
+        <p:spPr>
+          <a:xfrm rot="16200000">
+            <a:off x="4644621" y="2221114"/>
+            <a:ext cx="1473934" cy="2008634"/>
+          </a:xfrm>
+          <a:prstGeom prst="can">
+            <a:avLst/>
+          </a:prstGeom>
+          <a:solidFill>
+            <a:schemeClr val="tx1"/>
+          </a:solidFill>
+          <a:ln>
+            <a:solidFill>
+              <a:schemeClr val="tx1"/>
+            </a:solidFill>
+          </a:ln>
+        </p:spPr>
+        <p:style>
+          <a:lnRef idx="1">
+            <a:schemeClr val="accent1"/>
+          </a:lnRef>
+          <a:fillRef idx="3">
+            <a:schemeClr val="accent1"/>
+          </a:fillRef>
+          <a:effectRef idx="2">
+            <a:schemeClr val="accent1"/>
+          </a:effectRef>
+          <a:fontRef idx="minor">
+            <a:schemeClr val="lt1"/>
+          </a:fontRef>
+        </p:style>
+        <p:txBody>
+          <a:bodyPr rtlCol="0" anchor="ctr"/>
+          <a:lstStyle/>
+          <a:p>
+            <a:pPr algn="ctr"/>
+            <a:endParaRPr lang="en-US"/>
+          </a:p>
+        </p:txBody>
+      </p:sp>
+      <p:sp>
+        <p:nvSpPr>
+          <p:cNvPr id="7" name="Can 6"/>
+          <p:cNvSpPr/>
+          <p:nvPr/>
+        </p:nvSpPr>
+        <p:spPr>
+          <a:xfrm rot="16200000">
+            <a:off x="2984386" y="2221883"/>
+            <a:ext cx="1473934" cy="2007099"/>
+          </a:xfrm>
+          <a:prstGeom prst="can">
+            <a:avLst/>
+          </a:prstGeom>
+        </p:spPr>
+        <p:style>
+          <a:lnRef idx="1">
+            <a:schemeClr val="accent6"/>
+          </a:lnRef>
+          <a:fillRef idx="3">
+            <a:schemeClr val="accent6"/>
+          </a:fillRef>
+          <a:effectRef idx="2">
+            <a:schemeClr val="accent6"/>
+          </a:effectRef>
+          <a:fontRef idx="minor">
+            <a:schemeClr val="lt1"/>
+          </a:fontRef>
+        </p:style>
+        <p:txBody>
+          <a:bodyPr rtlCol="0" anchor="ctr"/>
+          <a:lstStyle/>
+          <a:p>
+            <a:pPr algn="ctr"/>
+            <a:endParaRPr lang="en-US"/>
+          </a:p>
+        </p:txBody>
+      </p:sp>
+      <p:sp>
+        <p:nvSpPr>
+          <p:cNvPr id="6" name="Can 5"/>
+          <p:cNvSpPr/>
+          <p:nvPr/>
+        </p:nvSpPr>
+        <p:spPr>
+          <a:xfrm rot="16200000">
+            <a:off x="1358017" y="2256514"/>
+            <a:ext cx="1473934" cy="1937833"/>
+          </a:xfrm>
+          <a:prstGeom prst="can">
+            <a:avLst/>
+          </a:prstGeom>
+          <a:solidFill>
+            <a:schemeClr val="tx1"/>
+          </a:solidFill>
+          <a:ln>
+            <a:solidFill>
+              <a:schemeClr val="tx1"/>
+            </a:solidFill>
+          </a:ln>
+        </p:spPr>
+        <p:style>
+          <a:lnRef idx="1">
+            <a:schemeClr val="accent1"/>
+          </a:lnRef>
+          <a:fillRef idx="3">
+            <a:schemeClr val="accent1"/>
+          </a:fillRef>
+          <a:effectRef idx="2">
+            <a:schemeClr val="accent1"/>
+          </a:effectRef>
+          <a:fontRef idx="minor">
+            <a:schemeClr val="lt1"/>
+          </a:fontRef>
+        </p:style>
+        <p:txBody>
+          <a:bodyPr rtlCol="0" anchor="ctr"/>
+          <a:lstStyle/>
+          <a:p>
+            <a:pPr algn="ctr"/>
+            <a:endParaRPr lang="en-US"/>
+          </a:p>
+        </p:txBody>
+      </p:sp>
+    </p:spTree>
+    <p:extLst>
+      <p:ext uri="{BB962C8B-B14F-4D97-AF65-F5344CB8AC3E}">
+        <p14:creationId xmlns:p14="http://schemas.microsoft.com/office/powerpoint/2010/main" val="1457797837"/>
+      </p:ext>
+    </p:extLst>
+  </p:cSld>
+  <p:clrMapOvr>
+    <a:masterClrMapping/>
+  </p:clrMapOvr>
+</p:sld>
+</file>
+
 <file path=ppt/slides/slide6.xml><?xml version="1.0" encoding="utf-8"?>
 <p:sld xmlns:a="http://schemas.openxmlformats.org/drawingml/2006/main" xmlns:r="http://schemas.openxmlformats.org/officeDocument/2006/relationships" xmlns:p="http://schemas.openxmlformats.org/presentationml/2006/main">
   <p:cSld>

--- a/dert/doc/Icons.pptx
+++ b/dert/doc/Icons.pptx
@@ -57,6 +57,11 @@
     <p:sldId id="306" r:id="rId51"/>
     <p:sldId id="307" r:id="rId52"/>
     <p:sldId id="308" r:id="rId53"/>
+    <p:sldId id="313" r:id="rId54"/>
+    <p:sldId id="314" r:id="rId55"/>
+    <p:sldId id="315" r:id="rId56"/>
+    <p:sldId id="316" r:id="rId57"/>
+    <p:sldId id="317" r:id="rId58"/>
   </p:sldIdLst>
   <p:sldSz cx="9144000" cy="6858000" type="screen4x3"/>
   <p:notesSz cx="6858000" cy="9144000"/>
@@ -339,7 +344,7 @@
           <a:p>
             <a:fld id="{E988B1C8-4186-F54F-A582-F7FEE240AB22}" type="datetimeFigureOut">
               <a:rPr lang="en-US" smtClean="0"/>
-              <a:t>1/15/17</a:t>
+              <a:t>5/19/17</a:t>
             </a:fld>
             <a:endParaRPr lang="en-US"/>
           </a:p>
@@ -509,7 +514,7 @@
           <a:p>
             <a:fld id="{E988B1C8-4186-F54F-A582-F7FEE240AB22}" type="datetimeFigureOut">
               <a:rPr lang="en-US" smtClean="0"/>
-              <a:t>1/15/17</a:t>
+              <a:t>5/19/17</a:t>
             </a:fld>
             <a:endParaRPr lang="en-US"/>
           </a:p>
@@ -689,7 +694,7 @@
           <a:p>
             <a:fld id="{E988B1C8-4186-F54F-A582-F7FEE240AB22}" type="datetimeFigureOut">
               <a:rPr lang="en-US" smtClean="0"/>
-              <a:t>1/15/17</a:t>
+              <a:t>5/19/17</a:t>
             </a:fld>
             <a:endParaRPr lang="en-US"/>
           </a:p>
@@ -859,7 +864,7 @@
           <a:p>
             <a:fld id="{E988B1C8-4186-F54F-A582-F7FEE240AB22}" type="datetimeFigureOut">
               <a:rPr lang="en-US" smtClean="0"/>
-              <a:t>1/15/17</a:t>
+              <a:t>5/19/17</a:t>
             </a:fld>
             <a:endParaRPr lang="en-US"/>
           </a:p>
@@ -1105,7 +1110,7 @@
           <a:p>
             <a:fld id="{E988B1C8-4186-F54F-A582-F7FEE240AB22}" type="datetimeFigureOut">
               <a:rPr lang="en-US" smtClean="0"/>
-              <a:t>1/15/17</a:t>
+              <a:t>5/19/17</a:t>
             </a:fld>
             <a:endParaRPr lang="en-US"/>
           </a:p>
@@ -1393,7 +1398,7 @@
           <a:p>
             <a:fld id="{E988B1C8-4186-F54F-A582-F7FEE240AB22}" type="datetimeFigureOut">
               <a:rPr lang="en-US" smtClean="0"/>
-              <a:t>1/15/17</a:t>
+              <a:t>5/19/17</a:t>
             </a:fld>
             <a:endParaRPr lang="en-US"/>
           </a:p>
@@ -1815,7 +1820,7 @@
           <a:p>
             <a:fld id="{E988B1C8-4186-F54F-A582-F7FEE240AB22}" type="datetimeFigureOut">
               <a:rPr lang="en-US" smtClean="0"/>
-              <a:t>1/15/17</a:t>
+              <a:t>5/19/17</a:t>
             </a:fld>
             <a:endParaRPr lang="en-US"/>
           </a:p>
@@ -1933,7 +1938,7 @@
           <a:p>
             <a:fld id="{E988B1C8-4186-F54F-A582-F7FEE240AB22}" type="datetimeFigureOut">
               <a:rPr lang="en-US" smtClean="0"/>
-              <a:t>1/15/17</a:t>
+              <a:t>5/19/17</a:t>
             </a:fld>
             <a:endParaRPr lang="en-US"/>
           </a:p>
@@ -2028,7 +2033,7 @@
           <a:p>
             <a:fld id="{E988B1C8-4186-F54F-A582-F7FEE240AB22}" type="datetimeFigureOut">
               <a:rPr lang="en-US" smtClean="0"/>
-              <a:t>1/15/17</a:t>
+              <a:t>5/19/17</a:t>
             </a:fld>
             <a:endParaRPr lang="en-US"/>
           </a:p>
@@ -2305,7 +2310,7 @@
           <a:p>
             <a:fld id="{E988B1C8-4186-F54F-A582-F7FEE240AB22}" type="datetimeFigureOut">
               <a:rPr lang="en-US" smtClean="0"/>
-              <a:t>1/15/17</a:t>
+              <a:t>5/19/17</a:t>
             </a:fld>
             <a:endParaRPr lang="en-US"/>
           </a:p>
@@ -2558,7 +2563,7 @@
           <a:p>
             <a:fld id="{E988B1C8-4186-F54F-A582-F7FEE240AB22}" type="datetimeFigureOut">
               <a:rPr lang="en-US" smtClean="0"/>
-              <a:t>1/15/17</a:t>
+              <a:t>5/19/17</a:t>
             </a:fld>
             <a:endParaRPr lang="en-US"/>
           </a:p>
@@ -2771,7 +2776,7 @@
           <a:p>
             <a:fld id="{E988B1C8-4186-F54F-A582-F7FEE240AB22}" type="datetimeFigureOut">
               <a:rPr lang="en-US" smtClean="0"/>
-              <a:t>1/15/17</a:t>
+              <a:t>5/19/17</a:t>
             </a:fld>
             <a:endParaRPr lang="en-US"/>
           </a:p>
@@ -19178,6 +19183,869 @@
 </p:sld>
 </file>
 
+<file path=ppt/slides/slide53.xml><?xml version="1.0" encoding="utf-8"?>
+<p:sld xmlns:a="http://schemas.openxmlformats.org/drawingml/2006/main" xmlns:r="http://schemas.openxmlformats.org/officeDocument/2006/relationships" xmlns:p="http://schemas.openxmlformats.org/presentationml/2006/main">
+  <p:cSld>
+    <p:spTree>
+      <p:nvGrpSpPr>
+        <p:cNvPr id="1" name=""/>
+        <p:cNvGrpSpPr/>
+        <p:nvPr/>
+      </p:nvGrpSpPr>
+      <p:grpSpPr>
+        <a:xfrm>
+          <a:off x="0" y="0"/>
+          <a:ext cx="0" cy="0"/>
+          <a:chOff x="0" y="0"/>
+          <a:chExt cx="0" cy="0"/>
+        </a:xfrm>
+      </p:grpSpPr>
+      <p:sp>
+        <p:nvSpPr>
+          <p:cNvPr id="3" name="Rectangle 2"/>
+          <p:cNvSpPr/>
+          <p:nvPr/>
+        </p:nvSpPr>
+        <p:spPr>
+          <a:xfrm>
+            <a:off x="1379423" y="838546"/>
+            <a:ext cx="4393495" cy="5529543"/>
+          </a:xfrm>
+          <a:prstGeom prst="rect">
+            <a:avLst/>
+          </a:prstGeom>
+          <a:solidFill>
+            <a:schemeClr val="bg1"/>
+          </a:solidFill>
+          <a:ln>
+            <a:solidFill>
+              <a:schemeClr val="bg1">
+                <a:lumMod val="75000"/>
+              </a:schemeClr>
+            </a:solidFill>
+          </a:ln>
+          <a:effectLst/>
+        </p:spPr>
+        <p:style>
+          <a:lnRef idx="1">
+            <a:schemeClr val="accent1"/>
+          </a:lnRef>
+          <a:fillRef idx="3">
+            <a:schemeClr val="accent1"/>
+          </a:fillRef>
+          <a:effectRef idx="2">
+            <a:schemeClr val="accent1"/>
+          </a:effectRef>
+          <a:fontRef idx="minor">
+            <a:schemeClr val="lt1"/>
+          </a:fontRef>
+        </p:style>
+        <p:txBody>
+          <a:bodyPr rtlCol="0" anchor="ctr"/>
+          <a:lstStyle/>
+          <a:p>
+            <a:pPr algn="ctr"/>
+            <a:endParaRPr lang="en-US"/>
+          </a:p>
+        </p:txBody>
+      </p:sp>
+      <p:sp>
+        <p:nvSpPr>
+          <p:cNvPr id="15" name="Rectangle 14"/>
+          <p:cNvSpPr/>
+          <p:nvPr/>
+        </p:nvSpPr>
+        <p:spPr>
+          <a:xfrm>
+            <a:off x="3321186" y="2600709"/>
+            <a:ext cx="2011296" cy="2011296"/>
+          </a:xfrm>
+          <a:prstGeom prst="rect">
+            <a:avLst/>
+          </a:prstGeom>
+          <a:noFill/>
+          <a:ln w="381000">
+            <a:solidFill>
+              <a:schemeClr val="tx1"/>
+            </a:solidFill>
+            <a:miter lim="800000"/>
+          </a:ln>
+          <a:effectLst/>
+        </p:spPr>
+        <p:style>
+          <a:lnRef idx="1">
+            <a:schemeClr val="accent1"/>
+          </a:lnRef>
+          <a:fillRef idx="3">
+            <a:schemeClr val="accent1"/>
+          </a:fillRef>
+          <a:effectRef idx="2">
+            <a:schemeClr val="accent1"/>
+          </a:effectRef>
+          <a:fontRef idx="minor">
+            <a:schemeClr val="lt1"/>
+          </a:fontRef>
+        </p:style>
+        <p:txBody>
+          <a:bodyPr rtlCol="0" anchor="ctr"/>
+          <a:lstStyle/>
+          <a:p>
+            <a:pPr algn="ctr"/>
+            <a:endParaRPr lang="en-US"/>
+          </a:p>
+        </p:txBody>
+      </p:sp>
+      <p:cxnSp>
+        <p:nvCxnSpPr>
+          <p:cNvPr id="21" name="Straight Connector 20"/>
+          <p:cNvCxnSpPr/>
+          <p:nvPr/>
+        </p:nvCxnSpPr>
+        <p:spPr>
+          <a:xfrm flipH="1">
+            <a:off x="1811009" y="1263897"/>
+            <a:ext cx="6076" cy="4684920"/>
+          </a:xfrm>
+          <a:prstGeom prst="line">
+            <a:avLst/>
+          </a:prstGeom>
+          <a:ln w="381000" cap="sq" cmpd="sng">
+            <a:solidFill>
+              <a:schemeClr val="tx1"/>
+            </a:solidFill>
+          </a:ln>
+          <a:effectLst/>
+        </p:spPr>
+        <p:style>
+          <a:lnRef idx="2">
+            <a:schemeClr val="accent1"/>
+          </a:lnRef>
+          <a:fillRef idx="0">
+            <a:schemeClr val="accent1"/>
+          </a:fillRef>
+          <a:effectRef idx="1">
+            <a:schemeClr val="accent1"/>
+          </a:effectRef>
+          <a:fontRef idx="minor">
+            <a:schemeClr val="tx1"/>
+          </a:fontRef>
+        </p:style>
+      </p:cxnSp>
+    </p:spTree>
+    <p:extLst>
+      <p:ext uri="{BB962C8B-B14F-4D97-AF65-F5344CB8AC3E}">
+        <p14:creationId xmlns:p14="http://schemas.microsoft.com/office/powerpoint/2010/main" val="339892342"/>
+      </p:ext>
+    </p:extLst>
+  </p:cSld>
+  <p:clrMapOvr>
+    <a:masterClrMapping/>
+  </p:clrMapOvr>
+</p:sld>
+</file>
+
+<file path=ppt/slides/slide54.xml><?xml version="1.0" encoding="utf-8"?>
+<p:sld xmlns:a="http://schemas.openxmlformats.org/drawingml/2006/main" xmlns:r="http://schemas.openxmlformats.org/officeDocument/2006/relationships" xmlns:p="http://schemas.openxmlformats.org/presentationml/2006/main">
+  <p:cSld>
+    <p:spTree>
+      <p:nvGrpSpPr>
+        <p:cNvPr id="1" name=""/>
+        <p:cNvGrpSpPr/>
+        <p:nvPr/>
+      </p:nvGrpSpPr>
+      <p:grpSpPr>
+        <a:xfrm>
+          <a:off x="0" y="0"/>
+          <a:ext cx="0" cy="0"/>
+          <a:chOff x="0" y="0"/>
+          <a:chExt cx="0" cy="0"/>
+        </a:xfrm>
+      </p:grpSpPr>
+      <p:grpSp>
+        <p:nvGrpSpPr>
+          <p:cNvPr id="4" name="Group 3"/>
+          <p:cNvGrpSpPr/>
+          <p:nvPr/>
+        </p:nvGrpSpPr>
+        <p:grpSpPr>
+          <a:xfrm flipH="1">
+            <a:off x="1379423" y="838546"/>
+            <a:ext cx="4393495" cy="5529543"/>
+            <a:chOff x="1379423" y="838546"/>
+            <a:chExt cx="4393495" cy="5529543"/>
+          </a:xfrm>
+        </p:grpSpPr>
+        <p:sp>
+          <p:nvSpPr>
+            <p:cNvPr id="3" name="Rectangle 2"/>
+            <p:cNvSpPr/>
+            <p:nvPr/>
+          </p:nvSpPr>
+          <p:spPr>
+            <a:xfrm>
+              <a:off x="1379423" y="838546"/>
+              <a:ext cx="4393495" cy="5529543"/>
+            </a:xfrm>
+            <a:prstGeom prst="rect">
+              <a:avLst/>
+            </a:prstGeom>
+            <a:solidFill>
+              <a:schemeClr val="bg1"/>
+            </a:solidFill>
+            <a:ln>
+              <a:solidFill>
+                <a:schemeClr val="bg1">
+                  <a:lumMod val="75000"/>
+                </a:schemeClr>
+              </a:solidFill>
+            </a:ln>
+            <a:effectLst/>
+          </p:spPr>
+          <p:style>
+            <a:lnRef idx="1">
+              <a:schemeClr val="accent1"/>
+            </a:lnRef>
+            <a:fillRef idx="3">
+              <a:schemeClr val="accent1"/>
+            </a:fillRef>
+            <a:effectRef idx="2">
+              <a:schemeClr val="accent1"/>
+            </a:effectRef>
+            <a:fontRef idx="minor">
+              <a:schemeClr val="lt1"/>
+            </a:fontRef>
+          </p:style>
+          <p:txBody>
+            <a:bodyPr rtlCol="0" anchor="ctr"/>
+            <a:lstStyle/>
+            <a:p>
+              <a:pPr algn="ctr"/>
+              <a:endParaRPr lang="en-US"/>
+            </a:p>
+          </p:txBody>
+        </p:sp>
+        <p:sp>
+          <p:nvSpPr>
+            <p:cNvPr id="15" name="Rectangle 14"/>
+            <p:cNvSpPr/>
+            <p:nvPr/>
+          </p:nvSpPr>
+          <p:spPr>
+            <a:xfrm>
+              <a:off x="3321186" y="2600709"/>
+              <a:ext cx="2011296" cy="2011296"/>
+            </a:xfrm>
+            <a:prstGeom prst="rect">
+              <a:avLst/>
+            </a:prstGeom>
+            <a:noFill/>
+            <a:ln w="381000">
+              <a:solidFill>
+                <a:schemeClr val="tx1"/>
+              </a:solidFill>
+              <a:miter lim="800000"/>
+            </a:ln>
+            <a:effectLst/>
+          </p:spPr>
+          <p:style>
+            <a:lnRef idx="1">
+              <a:schemeClr val="accent1"/>
+            </a:lnRef>
+            <a:fillRef idx="3">
+              <a:schemeClr val="accent1"/>
+            </a:fillRef>
+            <a:effectRef idx="2">
+              <a:schemeClr val="accent1"/>
+            </a:effectRef>
+            <a:fontRef idx="minor">
+              <a:schemeClr val="lt1"/>
+            </a:fontRef>
+          </p:style>
+          <p:txBody>
+            <a:bodyPr rtlCol="0" anchor="ctr"/>
+            <a:lstStyle/>
+            <a:p>
+              <a:pPr algn="ctr"/>
+              <a:endParaRPr lang="en-US"/>
+            </a:p>
+          </p:txBody>
+        </p:sp>
+        <p:cxnSp>
+          <p:nvCxnSpPr>
+            <p:cNvPr id="21" name="Straight Connector 20"/>
+            <p:cNvCxnSpPr/>
+            <p:nvPr/>
+          </p:nvCxnSpPr>
+          <p:spPr>
+            <a:xfrm flipH="1">
+              <a:off x="1811009" y="1263897"/>
+              <a:ext cx="6076" cy="4684920"/>
+            </a:xfrm>
+            <a:prstGeom prst="line">
+              <a:avLst/>
+            </a:prstGeom>
+            <a:ln w="381000" cap="sq" cmpd="sng">
+              <a:solidFill>
+                <a:schemeClr val="tx1"/>
+              </a:solidFill>
+            </a:ln>
+            <a:effectLst/>
+          </p:spPr>
+          <p:style>
+            <a:lnRef idx="2">
+              <a:schemeClr val="accent1"/>
+            </a:lnRef>
+            <a:fillRef idx="0">
+              <a:schemeClr val="accent1"/>
+            </a:fillRef>
+            <a:effectRef idx="1">
+              <a:schemeClr val="accent1"/>
+            </a:effectRef>
+            <a:fontRef idx="minor">
+              <a:schemeClr val="tx1"/>
+            </a:fontRef>
+          </p:style>
+        </p:cxnSp>
+      </p:grpSp>
+    </p:spTree>
+    <p:extLst>
+      <p:ext uri="{BB962C8B-B14F-4D97-AF65-F5344CB8AC3E}">
+        <p14:creationId xmlns:p14="http://schemas.microsoft.com/office/powerpoint/2010/main" val="3331427512"/>
+      </p:ext>
+    </p:extLst>
+  </p:cSld>
+  <p:clrMapOvr>
+    <a:masterClrMapping/>
+  </p:clrMapOvr>
+</p:sld>
+</file>
+
+<file path=ppt/slides/slide55.xml><?xml version="1.0" encoding="utf-8"?>
+<p:sld xmlns:a="http://schemas.openxmlformats.org/drawingml/2006/main" xmlns:r="http://schemas.openxmlformats.org/officeDocument/2006/relationships" xmlns:p="http://schemas.openxmlformats.org/presentationml/2006/main">
+  <p:cSld>
+    <p:spTree>
+      <p:nvGrpSpPr>
+        <p:cNvPr id="1" name=""/>
+        <p:cNvGrpSpPr/>
+        <p:nvPr/>
+      </p:nvGrpSpPr>
+      <p:grpSpPr>
+        <a:xfrm>
+          <a:off x="0" y="0"/>
+          <a:ext cx="0" cy="0"/>
+          <a:chOff x="0" y="0"/>
+          <a:chExt cx="0" cy="0"/>
+        </a:xfrm>
+      </p:grpSpPr>
+      <p:grpSp>
+        <p:nvGrpSpPr>
+          <p:cNvPr id="4" name="Group 3"/>
+          <p:cNvGrpSpPr/>
+          <p:nvPr/>
+        </p:nvGrpSpPr>
+        <p:grpSpPr>
+          <a:xfrm rot="16200000" flipH="1">
+            <a:off x="1379423" y="838546"/>
+            <a:ext cx="4393495" cy="5529543"/>
+            <a:chOff x="1379423" y="838546"/>
+            <a:chExt cx="4393495" cy="5529543"/>
+          </a:xfrm>
+        </p:grpSpPr>
+        <p:sp>
+          <p:nvSpPr>
+            <p:cNvPr id="3" name="Rectangle 2"/>
+            <p:cNvSpPr/>
+            <p:nvPr/>
+          </p:nvSpPr>
+          <p:spPr>
+            <a:xfrm>
+              <a:off x="1379423" y="838546"/>
+              <a:ext cx="4393495" cy="5529543"/>
+            </a:xfrm>
+            <a:prstGeom prst="rect">
+              <a:avLst/>
+            </a:prstGeom>
+            <a:solidFill>
+              <a:schemeClr val="bg1"/>
+            </a:solidFill>
+            <a:ln>
+              <a:solidFill>
+                <a:schemeClr val="bg1">
+                  <a:lumMod val="75000"/>
+                </a:schemeClr>
+              </a:solidFill>
+            </a:ln>
+            <a:effectLst/>
+          </p:spPr>
+          <p:style>
+            <a:lnRef idx="1">
+              <a:schemeClr val="accent1"/>
+            </a:lnRef>
+            <a:fillRef idx="3">
+              <a:schemeClr val="accent1"/>
+            </a:fillRef>
+            <a:effectRef idx="2">
+              <a:schemeClr val="accent1"/>
+            </a:effectRef>
+            <a:fontRef idx="minor">
+              <a:schemeClr val="lt1"/>
+            </a:fontRef>
+          </p:style>
+          <p:txBody>
+            <a:bodyPr rtlCol="0" anchor="ctr"/>
+            <a:lstStyle/>
+            <a:p>
+              <a:pPr algn="ctr"/>
+              <a:endParaRPr lang="en-US"/>
+            </a:p>
+          </p:txBody>
+        </p:sp>
+        <p:sp>
+          <p:nvSpPr>
+            <p:cNvPr id="15" name="Rectangle 14"/>
+            <p:cNvSpPr/>
+            <p:nvPr/>
+          </p:nvSpPr>
+          <p:spPr>
+            <a:xfrm>
+              <a:off x="3321186" y="2600709"/>
+              <a:ext cx="2011296" cy="2011296"/>
+            </a:xfrm>
+            <a:prstGeom prst="rect">
+              <a:avLst/>
+            </a:prstGeom>
+            <a:noFill/>
+            <a:ln w="381000">
+              <a:solidFill>
+                <a:schemeClr val="tx1"/>
+              </a:solidFill>
+              <a:miter lim="800000"/>
+            </a:ln>
+            <a:effectLst/>
+          </p:spPr>
+          <p:style>
+            <a:lnRef idx="1">
+              <a:schemeClr val="accent1"/>
+            </a:lnRef>
+            <a:fillRef idx="3">
+              <a:schemeClr val="accent1"/>
+            </a:fillRef>
+            <a:effectRef idx="2">
+              <a:schemeClr val="accent1"/>
+            </a:effectRef>
+            <a:fontRef idx="minor">
+              <a:schemeClr val="lt1"/>
+            </a:fontRef>
+          </p:style>
+          <p:txBody>
+            <a:bodyPr rtlCol="0" anchor="ctr"/>
+            <a:lstStyle/>
+            <a:p>
+              <a:pPr algn="ctr"/>
+              <a:endParaRPr lang="en-US"/>
+            </a:p>
+          </p:txBody>
+        </p:sp>
+        <p:cxnSp>
+          <p:nvCxnSpPr>
+            <p:cNvPr id="21" name="Straight Connector 20"/>
+            <p:cNvCxnSpPr/>
+            <p:nvPr/>
+          </p:nvCxnSpPr>
+          <p:spPr>
+            <a:xfrm flipH="1">
+              <a:off x="1811009" y="1263897"/>
+              <a:ext cx="6076" cy="4684920"/>
+            </a:xfrm>
+            <a:prstGeom prst="line">
+              <a:avLst/>
+            </a:prstGeom>
+            <a:ln w="381000" cap="sq" cmpd="sng">
+              <a:solidFill>
+                <a:schemeClr val="tx1"/>
+              </a:solidFill>
+            </a:ln>
+            <a:effectLst/>
+          </p:spPr>
+          <p:style>
+            <a:lnRef idx="2">
+              <a:schemeClr val="accent1"/>
+            </a:lnRef>
+            <a:fillRef idx="0">
+              <a:schemeClr val="accent1"/>
+            </a:fillRef>
+            <a:effectRef idx="1">
+              <a:schemeClr val="accent1"/>
+            </a:effectRef>
+            <a:fontRef idx="minor">
+              <a:schemeClr val="tx1"/>
+            </a:fontRef>
+          </p:style>
+        </p:cxnSp>
+      </p:grpSp>
+    </p:spTree>
+    <p:extLst>
+      <p:ext uri="{BB962C8B-B14F-4D97-AF65-F5344CB8AC3E}">
+        <p14:creationId xmlns:p14="http://schemas.microsoft.com/office/powerpoint/2010/main" val="4156788983"/>
+      </p:ext>
+    </p:extLst>
+  </p:cSld>
+  <p:clrMapOvr>
+    <a:masterClrMapping/>
+  </p:clrMapOvr>
+</p:sld>
+</file>
+
+<file path=ppt/slides/slide56.xml><?xml version="1.0" encoding="utf-8"?>
+<p:sld xmlns:a="http://schemas.openxmlformats.org/drawingml/2006/main" xmlns:r="http://schemas.openxmlformats.org/officeDocument/2006/relationships" xmlns:p="http://schemas.openxmlformats.org/presentationml/2006/main">
+  <p:cSld>
+    <p:spTree>
+      <p:nvGrpSpPr>
+        <p:cNvPr id="1" name=""/>
+        <p:cNvGrpSpPr/>
+        <p:nvPr/>
+      </p:nvGrpSpPr>
+      <p:grpSpPr>
+        <a:xfrm>
+          <a:off x="0" y="0"/>
+          <a:ext cx="0" cy="0"/>
+          <a:chOff x="0" y="0"/>
+          <a:chExt cx="0" cy="0"/>
+        </a:xfrm>
+      </p:grpSpPr>
+      <p:grpSp>
+        <p:nvGrpSpPr>
+          <p:cNvPr id="4" name="Group 3"/>
+          <p:cNvGrpSpPr/>
+          <p:nvPr/>
+        </p:nvGrpSpPr>
+        <p:grpSpPr>
+          <a:xfrm rot="5400000" flipH="1" flipV="1">
+            <a:off x="1379423" y="838546"/>
+            <a:ext cx="4393495" cy="5529543"/>
+            <a:chOff x="1379423" y="838546"/>
+            <a:chExt cx="4393495" cy="5529543"/>
+          </a:xfrm>
+        </p:grpSpPr>
+        <p:sp>
+          <p:nvSpPr>
+            <p:cNvPr id="3" name="Rectangle 2"/>
+            <p:cNvSpPr/>
+            <p:nvPr/>
+          </p:nvSpPr>
+          <p:spPr>
+            <a:xfrm>
+              <a:off x="1379423" y="838546"/>
+              <a:ext cx="4393495" cy="5529543"/>
+            </a:xfrm>
+            <a:prstGeom prst="rect">
+              <a:avLst/>
+            </a:prstGeom>
+            <a:solidFill>
+              <a:schemeClr val="bg1"/>
+            </a:solidFill>
+            <a:ln>
+              <a:solidFill>
+                <a:schemeClr val="bg1">
+                  <a:lumMod val="75000"/>
+                </a:schemeClr>
+              </a:solidFill>
+            </a:ln>
+            <a:effectLst/>
+          </p:spPr>
+          <p:style>
+            <a:lnRef idx="1">
+              <a:schemeClr val="accent1"/>
+            </a:lnRef>
+            <a:fillRef idx="3">
+              <a:schemeClr val="accent1"/>
+            </a:fillRef>
+            <a:effectRef idx="2">
+              <a:schemeClr val="accent1"/>
+            </a:effectRef>
+            <a:fontRef idx="minor">
+              <a:schemeClr val="lt1"/>
+            </a:fontRef>
+          </p:style>
+          <p:txBody>
+            <a:bodyPr rtlCol="0" anchor="ctr"/>
+            <a:lstStyle/>
+            <a:p>
+              <a:pPr algn="ctr"/>
+              <a:endParaRPr lang="en-US"/>
+            </a:p>
+          </p:txBody>
+        </p:sp>
+        <p:sp>
+          <p:nvSpPr>
+            <p:cNvPr id="15" name="Rectangle 14"/>
+            <p:cNvSpPr/>
+            <p:nvPr/>
+          </p:nvSpPr>
+          <p:spPr>
+            <a:xfrm>
+              <a:off x="3321186" y="2600709"/>
+              <a:ext cx="2011296" cy="2011296"/>
+            </a:xfrm>
+            <a:prstGeom prst="rect">
+              <a:avLst/>
+            </a:prstGeom>
+            <a:noFill/>
+            <a:ln w="381000">
+              <a:solidFill>
+                <a:schemeClr val="tx1"/>
+              </a:solidFill>
+              <a:miter lim="800000"/>
+            </a:ln>
+            <a:effectLst/>
+          </p:spPr>
+          <p:style>
+            <a:lnRef idx="1">
+              <a:schemeClr val="accent1"/>
+            </a:lnRef>
+            <a:fillRef idx="3">
+              <a:schemeClr val="accent1"/>
+            </a:fillRef>
+            <a:effectRef idx="2">
+              <a:schemeClr val="accent1"/>
+            </a:effectRef>
+            <a:fontRef idx="minor">
+              <a:schemeClr val="lt1"/>
+            </a:fontRef>
+          </p:style>
+          <p:txBody>
+            <a:bodyPr rtlCol="0" anchor="ctr"/>
+            <a:lstStyle/>
+            <a:p>
+              <a:pPr algn="ctr"/>
+              <a:endParaRPr lang="en-US"/>
+            </a:p>
+          </p:txBody>
+        </p:sp>
+        <p:cxnSp>
+          <p:nvCxnSpPr>
+            <p:cNvPr id="21" name="Straight Connector 20"/>
+            <p:cNvCxnSpPr/>
+            <p:nvPr/>
+          </p:nvCxnSpPr>
+          <p:spPr>
+            <a:xfrm flipH="1">
+              <a:off x="1811009" y="1263897"/>
+              <a:ext cx="6076" cy="4684920"/>
+            </a:xfrm>
+            <a:prstGeom prst="line">
+              <a:avLst/>
+            </a:prstGeom>
+            <a:ln w="381000" cap="sq" cmpd="sng">
+              <a:solidFill>
+                <a:schemeClr val="tx1"/>
+              </a:solidFill>
+            </a:ln>
+            <a:effectLst/>
+          </p:spPr>
+          <p:style>
+            <a:lnRef idx="2">
+              <a:schemeClr val="accent1"/>
+            </a:lnRef>
+            <a:fillRef idx="0">
+              <a:schemeClr val="accent1"/>
+            </a:fillRef>
+            <a:effectRef idx="1">
+              <a:schemeClr val="accent1"/>
+            </a:effectRef>
+            <a:fontRef idx="minor">
+              <a:schemeClr val="tx1"/>
+            </a:fontRef>
+          </p:style>
+        </p:cxnSp>
+      </p:grpSp>
+    </p:spTree>
+    <p:extLst>
+      <p:ext uri="{BB962C8B-B14F-4D97-AF65-F5344CB8AC3E}">
+        <p14:creationId xmlns:p14="http://schemas.microsoft.com/office/powerpoint/2010/main" val="1699569550"/>
+      </p:ext>
+    </p:extLst>
+  </p:cSld>
+  <p:clrMapOvr>
+    <a:masterClrMapping/>
+  </p:clrMapOvr>
+</p:sld>
+</file>
+
+<file path=ppt/slides/slide57.xml><?xml version="1.0" encoding="utf-8"?>
+<p:sld xmlns:a="http://schemas.openxmlformats.org/drawingml/2006/main" xmlns:r="http://schemas.openxmlformats.org/officeDocument/2006/relationships" xmlns:p="http://schemas.openxmlformats.org/presentationml/2006/main">
+  <p:cSld>
+    <p:spTree>
+      <p:nvGrpSpPr>
+        <p:cNvPr id="1" name=""/>
+        <p:cNvGrpSpPr/>
+        <p:nvPr/>
+      </p:nvGrpSpPr>
+      <p:grpSpPr>
+        <a:xfrm>
+          <a:off x="0" y="0"/>
+          <a:ext cx="0" cy="0"/>
+          <a:chOff x="0" y="0"/>
+          <a:chExt cx="0" cy="0"/>
+        </a:xfrm>
+      </p:grpSpPr>
+      <p:grpSp>
+        <p:nvGrpSpPr>
+          <p:cNvPr id="4" name="Group 3"/>
+          <p:cNvGrpSpPr/>
+          <p:nvPr/>
+        </p:nvGrpSpPr>
+        <p:grpSpPr>
+          <a:xfrm rot="5400000" flipH="1" flipV="1">
+            <a:off x="1379423" y="838546"/>
+            <a:ext cx="4393495" cy="5529543"/>
+            <a:chOff x="1379423" y="838546"/>
+            <a:chExt cx="4393495" cy="5529543"/>
+          </a:xfrm>
+        </p:grpSpPr>
+        <p:sp>
+          <p:nvSpPr>
+            <p:cNvPr id="3" name="Rectangle 2"/>
+            <p:cNvSpPr/>
+            <p:nvPr/>
+          </p:nvSpPr>
+          <p:spPr>
+            <a:xfrm>
+              <a:off x="1379423" y="838546"/>
+              <a:ext cx="4393495" cy="5529543"/>
+            </a:xfrm>
+            <a:prstGeom prst="rect">
+              <a:avLst/>
+            </a:prstGeom>
+            <a:solidFill>
+              <a:schemeClr val="bg1"/>
+            </a:solidFill>
+            <a:ln>
+              <a:solidFill>
+                <a:schemeClr val="bg1">
+                  <a:lumMod val="75000"/>
+                </a:schemeClr>
+              </a:solidFill>
+            </a:ln>
+            <a:effectLst/>
+          </p:spPr>
+          <p:style>
+            <a:lnRef idx="1">
+              <a:schemeClr val="accent1"/>
+            </a:lnRef>
+            <a:fillRef idx="3">
+              <a:schemeClr val="accent1"/>
+            </a:fillRef>
+            <a:effectRef idx="2">
+              <a:schemeClr val="accent1"/>
+            </a:effectRef>
+            <a:fontRef idx="minor">
+              <a:schemeClr val="lt1"/>
+            </a:fontRef>
+          </p:style>
+          <p:txBody>
+            <a:bodyPr rtlCol="0" anchor="ctr"/>
+            <a:lstStyle/>
+            <a:p>
+              <a:pPr algn="ctr"/>
+              <a:endParaRPr lang="en-US"/>
+            </a:p>
+          </p:txBody>
+        </p:sp>
+        <p:cxnSp>
+          <p:nvCxnSpPr>
+            <p:cNvPr id="21" name="Straight Connector 20"/>
+            <p:cNvCxnSpPr/>
+            <p:nvPr/>
+          </p:nvCxnSpPr>
+          <p:spPr>
+            <a:xfrm rot="16200000" flipH="1" flipV="1">
+              <a:off x="2509699" y="2436646"/>
+              <a:ext cx="2211938" cy="2302963"/>
+            </a:xfrm>
+            <a:prstGeom prst="line">
+              <a:avLst/>
+            </a:prstGeom>
+            <a:ln w="381000" cap="sq" cmpd="sng">
+              <a:solidFill>
+                <a:schemeClr val="tx1"/>
+              </a:solidFill>
+            </a:ln>
+            <a:effectLst/>
+          </p:spPr>
+          <p:style>
+            <a:lnRef idx="2">
+              <a:schemeClr val="accent1"/>
+            </a:lnRef>
+            <a:fillRef idx="0">
+              <a:schemeClr val="accent1"/>
+            </a:fillRef>
+            <a:effectRef idx="1">
+              <a:schemeClr val="accent1"/>
+            </a:effectRef>
+            <a:fontRef idx="minor">
+              <a:schemeClr val="tx1"/>
+            </a:fontRef>
+          </p:style>
+        </p:cxnSp>
+      </p:grpSp>
+      <p:sp>
+        <p:nvSpPr>
+          <p:cNvPr id="2" name="Oval 1"/>
+          <p:cNvSpPr/>
+          <p:nvPr/>
+        </p:nvSpPr>
+        <p:spPr>
+          <a:xfrm>
+            <a:off x="1804796" y="1847233"/>
+            <a:ext cx="3481982" cy="3481982"/>
+          </a:xfrm>
+          <a:prstGeom prst="ellipse">
+            <a:avLst/>
+          </a:prstGeom>
+          <a:noFill/>
+          <a:ln w="381000">
+            <a:solidFill>
+              <a:schemeClr val="tx1"/>
+            </a:solidFill>
+          </a:ln>
+        </p:spPr>
+        <p:style>
+          <a:lnRef idx="1">
+            <a:schemeClr val="accent1"/>
+          </a:lnRef>
+          <a:fillRef idx="3">
+            <a:schemeClr val="accent1"/>
+          </a:fillRef>
+          <a:effectRef idx="2">
+            <a:schemeClr val="accent1"/>
+          </a:effectRef>
+          <a:fontRef idx="minor">
+            <a:schemeClr val="lt1"/>
+          </a:fontRef>
+        </p:style>
+        <p:txBody>
+          <a:bodyPr rtlCol="0" anchor="ctr"/>
+          <a:lstStyle/>
+          <a:p>
+            <a:pPr algn="ctr"/>
+            <a:endParaRPr lang="en-US"/>
+          </a:p>
+        </p:txBody>
+      </p:sp>
+    </p:spTree>
+    <p:extLst>
+      <p:ext uri="{BB962C8B-B14F-4D97-AF65-F5344CB8AC3E}">
+        <p14:creationId xmlns:p14="http://schemas.microsoft.com/office/powerpoint/2010/main" val="916087427"/>
+      </p:ext>
+    </p:extLst>
+  </p:cSld>
+  <p:clrMapOvr>
+    <a:masterClrMapping/>
+  </p:clrMapOvr>
+</p:sld>
+</file>
+
 <file path=ppt/slides/slide6.xml><?xml version="1.0" encoding="utf-8"?>
 <p:sld xmlns:a="http://schemas.openxmlformats.org/drawingml/2006/main" xmlns:r="http://schemas.openxmlformats.org/officeDocument/2006/relationships" xmlns:p="http://schemas.openxmlformats.org/presentationml/2006/main">
   <p:cSld>

--- a/dert/doc/Icons.pptx
+++ b/dert/doc/Icons.pptx
@@ -21,47 +21,48 @@
     <p:sldId id="266" r:id="rId15"/>
     <p:sldId id="267" r:id="rId16"/>
     <p:sldId id="269" r:id="rId17"/>
-    <p:sldId id="270" r:id="rId18"/>
-    <p:sldId id="272" r:id="rId19"/>
-    <p:sldId id="276" r:id="rId20"/>
-    <p:sldId id="281" r:id="rId21"/>
-    <p:sldId id="265" r:id="rId22"/>
-    <p:sldId id="271" r:id="rId23"/>
-    <p:sldId id="294" r:id="rId24"/>
-    <p:sldId id="303" r:id="rId25"/>
-    <p:sldId id="273" r:id="rId26"/>
-    <p:sldId id="309" r:id="rId27"/>
-    <p:sldId id="311" r:id="rId28"/>
-    <p:sldId id="312" r:id="rId29"/>
-    <p:sldId id="310" r:id="rId30"/>
-    <p:sldId id="274" r:id="rId31"/>
-    <p:sldId id="275" r:id="rId32"/>
-    <p:sldId id="295" r:id="rId33"/>
-    <p:sldId id="277" r:id="rId34"/>
-    <p:sldId id="257" r:id="rId35"/>
-    <p:sldId id="282" r:id="rId36"/>
-    <p:sldId id="285" r:id="rId37"/>
-    <p:sldId id="286" r:id="rId38"/>
-    <p:sldId id="287" r:id="rId39"/>
-    <p:sldId id="288" r:id="rId40"/>
-    <p:sldId id="289" r:id="rId41"/>
-    <p:sldId id="290" r:id="rId42"/>
-    <p:sldId id="291" r:id="rId43"/>
-    <p:sldId id="300" r:id="rId44"/>
-    <p:sldId id="292" r:id="rId45"/>
-    <p:sldId id="293" r:id="rId46"/>
-    <p:sldId id="301" r:id="rId47"/>
-    <p:sldId id="304" r:id="rId48"/>
-    <p:sldId id="305" r:id="rId49"/>
-    <p:sldId id="302" r:id="rId50"/>
-    <p:sldId id="306" r:id="rId51"/>
-    <p:sldId id="307" r:id="rId52"/>
-    <p:sldId id="308" r:id="rId53"/>
-    <p:sldId id="313" r:id="rId54"/>
-    <p:sldId id="314" r:id="rId55"/>
-    <p:sldId id="315" r:id="rId56"/>
-    <p:sldId id="316" r:id="rId57"/>
-    <p:sldId id="317" r:id="rId58"/>
+    <p:sldId id="318" r:id="rId18"/>
+    <p:sldId id="270" r:id="rId19"/>
+    <p:sldId id="272" r:id="rId20"/>
+    <p:sldId id="276" r:id="rId21"/>
+    <p:sldId id="281" r:id="rId22"/>
+    <p:sldId id="265" r:id="rId23"/>
+    <p:sldId id="271" r:id="rId24"/>
+    <p:sldId id="294" r:id="rId25"/>
+    <p:sldId id="303" r:id="rId26"/>
+    <p:sldId id="273" r:id="rId27"/>
+    <p:sldId id="309" r:id="rId28"/>
+    <p:sldId id="311" r:id="rId29"/>
+    <p:sldId id="312" r:id="rId30"/>
+    <p:sldId id="310" r:id="rId31"/>
+    <p:sldId id="274" r:id="rId32"/>
+    <p:sldId id="275" r:id="rId33"/>
+    <p:sldId id="295" r:id="rId34"/>
+    <p:sldId id="277" r:id="rId35"/>
+    <p:sldId id="257" r:id="rId36"/>
+    <p:sldId id="282" r:id="rId37"/>
+    <p:sldId id="285" r:id="rId38"/>
+    <p:sldId id="286" r:id="rId39"/>
+    <p:sldId id="287" r:id="rId40"/>
+    <p:sldId id="288" r:id="rId41"/>
+    <p:sldId id="289" r:id="rId42"/>
+    <p:sldId id="290" r:id="rId43"/>
+    <p:sldId id="291" r:id="rId44"/>
+    <p:sldId id="300" r:id="rId45"/>
+    <p:sldId id="292" r:id="rId46"/>
+    <p:sldId id="293" r:id="rId47"/>
+    <p:sldId id="301" r:id="rId48"/>
+    <p:sldId id="304" r:id="rId49"/>
+    <p:sldId id="305" r:id="rId50"/>
+    <p:sldId id="302" r:id="rId51"/>
+    <p:sldId id="306" r:id="rId52"/>
+    <p:sldId id="307" r:id="rId53"/>
+    <p:sldId id="308" r:id="rId54"/>
+    <p:sldId id="313" r:id="rId55"/>
+    <p:sldId id="314" r:id="rId56"/>
+    <p:sldId id="315" r:id="rId57"/>
+    <p:sldId id="316" r:id="rId58"/>
+    <p:sldId id="317" r:id="rId59"/>
   </p:sldIdLst>
   <p:sldSz cx="9144000" cy="6858000" type="screen4x3"/>
   <p:notesSz cx="6858000" cy="9144000"/>
@@ -344,7 +345,7 @@
           <a:p>
             <a:fld id="{E988B1C8-4186-F54F-A582-F7FEE240AB22}" type="datetimeFigureOut">
               <a:rPr lang="en-US" smtClean="0"/>
-              <a:t>5/19/17</a:t>
+              <a:t>1/28/19</a:t>
             </a:fld>
             <a:endParaRPr lang="en-US"/>
           </a:p>
@@ -514,7 +515,7 @@
           <a:p>
             <a:fld id="{E988B1C8-4186-F54F-A582-F7FEE240AB22}" type="datetimeFigureOut">
               <a:rPr lang="en-US" smtClean="0"/>
-              <a:t>5/19/17</a:t>
+              <a:t>1/28/19</a:t>
             </a:fld>
             <a:endParaRPr lang="en-US"/>
           </a:p>
@@ -694,7 +695,7 @@
           <a:p>
             <a:fld id="{E988B1C8-4186-F54F-A582-F7FEE240AB22}" type="datetimeFigureOut">
               <a:rPr lang="en-US" smtClean="0"/>
-              <a:t>5/19/17</a:t>
+              <a:t>1/28/19</a:t>
             </a:fld>
             <a:endParaRPr lang="en-US"/>
           </a:p>
@@ -864,7 +865,7 @@
           <a:p>
             <a:fld id="{E988B1C8-4186-F54F-A582-F7FEE240AB22}" type="datetimeFigureOut">
               <a:rPr lang="en-US" smtClean="0"/>
-              <a:t>5/19/17</a:t>
+              <a:t>1/28/19</a:t>
             </a:fld>
             <a:endParaRPr lang="en-US"/>
           </a:p>
@@ -1110,7 +1111,7 @@
           <a:p>
             <a:fld id="{E988B1C8-4186-F54F-A582-F7FEE240AB22}" type="datetimeFigureOut">
               <a:rPr lang="en-US" smtClean="0"/>
-              <a:t>5/19/17</a:t>
+              <a:t>1/28/19</a:t>
             </a:fld>
             <a:endParaRPr lang="en-US"/>
           </a:p>
@@ -1398,7 +1399,7 @@
           <a:p>
             <a:fld id="{E988B1C8-4186-F54F-A582-F7FEE240AB22}" type="datetimeFigureOut">
               <a:rPr lang="en-US" smtClean="0"/>
-              <a:t>5/19/17</a:t>
+              <a:t>1/28/19</a:t>
             </a:fld>
             <a:endParaRPr lang="en-US"/>
           </a:p>
@@ -1820,7 +1821,7 @@
           <a:p>
             <a:fld id="{E988B1C8-4186-F54F-A582-F7FEE240AB22}" type="datetimeFigureOut">
               <a:rPr lang="en-US" smtClean="0"/>
-              <a:t>5/19/17</a:t>
+              <a:t>1/28/19</a:t>
             </a:fld>
             <a:endParaRPr lang="en-US"/>
           </a:p>
@@ -1938,7 +1939,7 @@
           <a:p>
             <a:fld id="{E988B1C8-4186-F54F-A582-F7FEE240AB22}" type="datetimeFigureOut">
               <a:rPr lang="en-US" smtClean="0"/>
-              <a:t>5/19/17</a:t>
+              <a:t>1/28/19</a:t>
             </a:fld>
             <a:endParaRPr lang="en-US"/>
           </a:p>
@@ -2033,7 +2034,7 @@
           <a:p>
             <a:fld id="{E988B1C8-4186-F54F-A582-F7FEE240AB22}" type="datetimeFigureOut">
               <a:rPr lang="en-US" smtClean="0"/>
-              <a:t>5/19/17</a:t>
+              <a:t>1/28/19</a:t>
             </a:fld>
             <a:endParaRPr lang="en-US"/>
           </a:p>
@@ -2310,7 +2311,7 @@
           <a:p>
             <a:fld id="{E988B1C8-4186-F54F-A582-F7FEE240AB22}" type="datetimeFigureOut">
               <a:rPr lang="en-US" smtClean="0"/>
-              <a:t>5/19/17</a:t>
+              <a:t>1/28/19</a:t>
             </a:fld>
             <a:endParaRPr lang="en-US"/>
           </a:p>
@@ -2563,7 +2564,7 @@
           <a:p>
             <a:fld id="{E988B1C8-4186-F54F-A582-F7FEE240AB22}" type="datetimeFigureOut">
               <a:rPr lang="en-US" smtClean="0"/>
-              <a:t>5/19/17</a:t>
+              <a:t>1/28/19</a:t>
             </a:fld>
             <a:endParaRPr lang="en-US"/>
           </a:p>
@@ -2776,7 +2777,7 @@
           <a:p>
             <a:fld id="{E988B1C8-4186-F54F-A582-F7FEE240AB22}" type="datetimeFigureOut">
               <a:rPr lang="en-US" smtClean="0"/>
-              <a:t>5/19/17</a:t>
+              <a:t>1/28/19</a:t>
             </a:fld>
             <a:endParaRPr lang="en-US"/>
           </a:p>
@@ -4298,6 +4299,277 @@
           <a:chExt cx="0" cy="0"/>
         </a:xfrm>
       </p:grpSpPr>
+      <p:sp>
+        <p:nvSpPr>
+          <p:cNvPr id="2" name="Rectangle 1"/>
+          <p:cNvSpPr/>
+          <p:nvPr/>
+        </p:nvSpPr>
+        <p:spPr>
+          <a:xfrm>
+            <a:off x="1362364" y="962121"/>
+            <a:ext cx="6350000" cy="4602788"/>
+          </a:xfrm>
+          <a:prstGeom prst="rect">
+            <a:avLst/>
+          </a:prstGeom>
+          <a:noFill/>
+          <a:effectLst/>
+        </p:spPr>
+        <p:style>
+          <a:lnRef idx="1">
+            <a:schemeClr val="accent1"/>
+          </a:lnRef>
+          <a:fillRef idx="3">
+            <a:schemeClr val="accent1"/>
+          </a:fillRef>
+          <a:effectRef idx="2">
+            <a:schemeClr val="accent1"/>
+          </a:effectRef>
+          <a:fontRef idx="minor">
+            <a:schemeClr val="lt1"/>
+          </a:fontRef>
+        </p:style>
+        <p:txBody>
+          <a:bodyPr rtlCol="0" anchor="ctr"/>
+          <a:lstStyle/>
+          <a:p>
+            <a:pPr algn="ctr"/>
+            <a:endParaRPr lang="en-US"/>
+          </a:p>
+        </p:txBody>
+      </p:sp>
+      <p:grpSp>
+        <p:nvGrpSpPr>
+          <p:cNvPr id="15" name="Group 14"/>
+          <p:cNvGrpSpPr/>
+          <p:nvPr/>
+        </p:nvGrpSpPr>
+        <p:grpSpPr>
+          <a:xfrm>
+            <a:off x="2775336" y="1347932"/>
+            <a:ext cx="3545124" cy="3859068"/>
+            <a:chOff x="3092836" y="1316182"/>
+            <a:chExt cx="3545124" cy="3859068"/>
+          </a:xfrm>
+        </p:grpSpPr>
+        <p:sp>
+          <p:nvSpPr>
+            <p:cNvPr id="4" name="Isosceles Triangle 3"/>
+            <p:cNvSpPr/>
+            <p:nvPr/>
+          </p:nvSpPr>
+          <p:spPr>
+            <a:xfrm>
+              <a:off x="3094182" y="1316182"/>
+              <a:ext cx="3529213" cy="3052209"/>
+            </a:xfrm>
+            <a:prstGeom prst="triangle">
+              <a:avLst/>
+            </a:prstGeom>
+            <a:solidFill>
+              <a:schemeClr val="accent4">
+                <a:lumMod val="60000"/>
+                <a:lumOff val="40000"/>
+              </a:schemeClr>
+            </a:solidFill>
+            <a:ln w="57150" cmpd="sng">
+              <a:solidFill>
+                <a:schemeClr val="tx1"/>
+              </a:solidFill>
+            </a:ln>
+            <a:effectLst/>
+          </p:spPr>
+          <p:style>
+            <a:lnRef idx="1">
+              <a:schemeClr val="accent2"/>
+            </a:lnRef>
+            <a:fillRef idx="3">
+              <a:schemeClr val="accent2"/>
+            </a:fillRef>
+            <a:effectRef idx="2">
+              <a:schemeClr val="accent2"/>
+            </a:effectRef>
+            <a:fontRef idx="minor">
+              <a:schemeClr val="lt1"/>
+            </a:fontRef>
+          </p:style>
+          <p:txBody>
+            <a:bodyPr rtlCol="0" anchor="ctr"/>
+            <a:lstStyle/>
+            <a:p>
+              <a:pPr algn="ctr"/>
+              <a:endParaRPr lang="en-US"/>
+            </a:p>
+          </p:txBody>
+        </p:sp>
+        <p:sp>
+          <p:nvSpPr>
+            <p:cNvPr id="3" name="Right Triangle 2"/>
+            <p:cNvSpPr/>
+            <p:nvPr/>
+          </p:nvSpPr>
+          <p:spPr>
+            <a:xfrm>
+              <a:off x="4859867" y="1327535"/>
+              <a:ext cx="1768616" cy="3052211"/>
+            </a:xfrm>
+            <a:prstGeom prst="rtTriangle">
+              <a:avLst/>
+            </a:prstGeom>
+            <a:solidFill>
+              <a:schemeClr val="bg1"/>
+            </a:solidFill>
+            <a:ln w="57150" cmpd="sng">
+              <a:solidFill>
+                <a:schemeClr val="tx1"/>
+              </a:solidFill>
+            </a:ln>
+            <a:effectLst/>
+          </p:spPr>
+          <p:style>
+            <a:lnRef idx="1">
+              <a:schemeClr val="accent1"/>
+            </a:lnRef>
+            <a:fillRef idx="3">
+              <a:schemeClr val="accent1"/>
+            </a:fillRef>
+            <a:effectRef idx="2">
+              <a:schemeClr val="accent1"/>
+            </a:effectRef>
+            <a:fontRef idx="minor">
+              <a:schemeClr val="lt1"/>
+            </a:fontRef>
+          </p:style>
+          <p:txBody>
+            <a:bodyPr rtlCol="0" anchor="ctr"/>
+            <a:lstStyle/>
+            <a:p>
+              <a:pPr algn="ctr"/>
+              <a:endParaRPr lang="en-US"/>
+            </a:p>
+          </p:txBody>
+        </p:sp>
+        <p:sp>
+          <p:nvSpPr>
+            <p:cNvPr id="7" name="Diamond 6"/>
+            <p:cNvSpPr/>
+            <p:nvPr/>
+          </p:nvSpPr>
+          <p:spPr>
+            <a:xfrm>
+              <a:off x="3092836" y="3587750"/>
+              <a:ext cx="3545124" cy="1587500"/>
+            </a:xfrm>
+            <a:prstGeom prst="diamond">
+              <a:avLst/>
+            </a:prstGeom>
+            <a:solidFill>
+              <a:schemeClr val="bg1"/>
+            </a:solidFill>
+            <a:ln w="57150" cmpd="sng">
+              <a:solidFill>
+                <a:schemeClr val="tx1"/>
+              </a:solidFill>
+            </a:ln>
+            <a:effectLst/>
+          </p:spPr>
+          <p:style>
+            <a:lnRef idx="1">
+              <a:schemeClr val="accent1"/>
+            </a:lnRef>
+            <a:fillRef idx="3">
+              <a:schemeClr val="accent1"/>
+            </a:fillRef>
+            <a:effectRef idx="2">
+              <a:schemeClr val="accent1"/>
+            </a:effectRef>
+            <a:fontRef idx="minor">
+              <a:schemeClr val="lt1"/>
+            </a:fontRef>
+          </p:style>
+          <p:txBody>
+            <a:bodyPr rtlCol="0" anchor="ctr"/>
+            <a:lstStyle/>
+            <a:p>
+              <a:pPr algn="ctr"/>
+              <a:endParaRPr lang="en-US"/>
+            </a:p>
+          </p:txBody>
+        </p:sp>
+        <p:cxnSp>
+          <p:nvCxnSpPr>
+            <p:cNvPr id="9" name="Straight Arrow Connector 8"/>
+            <p:cNvCxnSpPr>
+              <a:stCxn id="3" idx="0"/>
+              <a:endCxn id="7" idx="2"/>
+            </p:cNvCxnSpPr>
+            <p:nvPr/>
+          </p:nvCxnSpPr>
+          <p:spPr>
+            <a:xfrm>
+              <a:off x="4859867" y="1327535"/>
+              <a:ext cx="5531" cy="3847715"/>
+            </a:xfrm>
+            <a:prstGeom prst="straightConnector1">
+              <a:avLst/>
+            </a:prstGeom>
+            <a:ln w="57150" cmpd="sng">
+              <a:solidFill>
+                <a:schemeClr val="tx1"/>
+              </a:solidFill>
+              <a:prstDash val="lgDash"/>
+              <a:headEnd type="none"/>
+              <a:tailEnd type="none"/>
+            </a:ln>
+            <a:effectLst/>
+          </p:spPr>
+          <p:style>
+            <a:lnRef idx="2">
+              <a:schemeClr val="accent1"/>
+            </a:lnRef>
+            <a:fillRef idx="0">
+              <a:schemeClr val="accent1"/>
+            </a:fillRef>
+            <a:effectRef idx="1">
+              <a:schemeClr val="accent1"/>
+            </a:effectRef>
+            <a:fontRef idx="minor">
+              <a:schemeClr val="tx1"/>
+            </a:fontRef>
+          </p:style>
+        </p:cxnSp>
+      </p:grpSp>
+    </p:spTree>
+    <p:extLst>
+      <p:ext uri="{BB962C8B-B14F-4D97-AF65-F5344CB8AC3E}">
+        <p14:creationId xmlns:p14="http://schemas.microsoft.com/office/powerpoint/2010/main" val="492997825"/>
+      </p:ext>
+    </p:extLst>
+  </p:cSld>
+  <p:clrMapOvr>
+    <a:masterClrMapping/>
+  </p:clrMapOvr>
+</p:sld>
+</file>
+
+<file path=ppt/slides/slide18.xml><?xml version="1.0" encoding="utf-8"?>
+<p:sld xmlns:a="http://schemas.openxmlformats.org/drawingml/2006/main" xmlns:r="http://schemas.openxmlformats.org/officeDocument/2006/relationships" xmlns:p="http://schemas.openxmlformats.org/presentationml/2006/main">
+  <p:cSld>
+    <p:spTree>
+      <p:nvGrpSpPr>
+        <p:cNvPr id="1" name=""/>
+        <p:cNvGrpSpPr/>
+        <p:nvPr/>
+      </p:nvGrpSpPr>
+      <p:grpSpPr>
+        <a:xfrm>
+          <a:off x="0" y="0"/>
+          <a:ext cx="0" cy="0"/>
+          <a:chOff x="0" y="0"/>
+          <a:chExt cx="0" cy="0"/>
+        </a:xfrm>
+      </p:grpSpPr>
       <p:grpSp>
         <p:nvGrpSpPr>
           <p:cNvPr id="2" name="Group 1"/>
@@ -4533,7 +4805,7 @@
 </p:sld>
 </file>
 
-<file path=ppt/slides/slide18.xml><?xml version="1.0" encoding="utf-8"?>
+<file path=ppt/slides/slide19.xml><?xml version="1.0" encoding="utf-8"?>
 <p:sld xmlns:a="http://schemas.openxmlformats.org/drawingml/2006/main" xmlns:r="http://schemas.openxmlformats.org/officeDocument/2006/relationships" xmlns:p="http://schemas.openxmlformats.org/presentationml/2006/main">
   <p:cSld>
     <p:spTree>
@@ -4832,7 +5104,374 @@
 </p:sld>
 </file>
 
-<file path=ppt/slides/slide19.xml><?xml version="1.0" encoding="utf-8"?>
+<file path=ppt/slides/slide2.xml><?xml version="1.0" encoding="utf-8"?>
+<p:sld xmlns:a="http://schemas.openxmlformats.org/drawingml/2006/main" xmlns:r="http://schemas.openxmlformats.org/officeDocument/2006/relationships" xmlns:p="http://schemas.openxmlformats.org/presentationml/2006/main">
+  <p:cSld>
+    <p:spTree>
+      <p:nvGrpSpPr>
+        <p:cNvPr id="1" name=""/>
+        <p:cNvGrpSpPr/>
+        <p:nvPr/>
+      </p:nvGrpSpPr>
+      <p:grpSpPr>
+        <a:xfrm>
+          <a:off x="0" y="0"/>
+          <a:ext cx="0" cy="0"/>
+          <a:chOff x="0" y="0"/>
+          <a:chExt cx="0" cy="0"/>
+        </a:xfrm>
+      </p:grpSpPr>
+      <p:sp>
+        <p:nvSpPr>
+          <p:cNvPr id="4" name="Rectangle 3"/>
+          <p:cNvSpPr/>
+          <p:nvPr/>
+        </p:nvSpPr>
+        <p:spPr>
+          <a:xfrm>
+            <a:off x="2832099" y="2760133"/>
+            <a:ext cx="3666067" cy="2794000"/>
+          </a:xfrm>
+          <a:prstGeom prst="rect">
+            <a:avLst/>
+          </a:prstGeom>
+          <a:ln>
+            <a:noFill/>
+          </a:ln>
+          <a:effectLst/>
+        </p:spPr>
+        <p:style>
+          <a:lnRef idx="1">
+            <a:schemeClr val="accent2"/>
+          </a:lnRef>
+          <a:fillRef idx="3">
+            <a:schemeClr val="accent2"/>
+          </a:fillRef>
+          <a:effectRef idx="2">
+            <a:schemeClr val="accent2"/>
+          </a:effectRef>
+          <a:fontRef idx="minor">
+            <a:schemeClr val="lt1"/>
+          </a:fontRef>
+        </p:style>
+        <p:txBody>
+          <a:bodyPr rtlCol="0" anchor="ctr"/>
+          <a:lstStyle/>
+          <a:p>
+            <a:pPr algn="ctr"/>
+            <a:endParaRPr lang="en-US"/>
+          </a:p>
+        </p:txBody>
+      </p:sp>
+      <p:sp>
+        <p:nvSpPr>
+          <p:cNvPr id="5" name="Isosceles Triangle 4"/>
+          <p:cNvSpPr/>
+          <p:nvPr/>
+        </p:nvSpPr>
+        <p:spPr>
+          <a:xfrm>
+            <a:off x="1913467" y="982133"/>
+            <a:ext cx="5503333" cy="2396067"/>
+          </a:xfrm>
+          <a:prstGeom prst="triangle">
+            <a:avLst/>
+          </a:prstGeom>
+          <a:gradFill>
+            <a:gsLst>
+              <a:gs pos="0">
+                <a:schemeClr val="bg2">
+                  <a:lumMod val="25000"/>
+                </a:schemeClr>
+              </a:gs>
+              <a:gs pos="100000">
+                <a:schemeClr val="bg2">
+                  <a:lumMod val="75000"/>
+                </a:schemeClr>
+              </a:gs>
+            </a:gsLst>
+          </a:gradFill>
+          <a:ln>
+            <a:noFill/>
+          </a:ln>
+        </p:spPr>
+        <p:style>
+          <a:lnRef idx="1">
+            <a:schemeClr val="accent1"/>
+          </a:lnRef>
+          <a:fillRef idx="3">
+            <a:schemeClr val="accent1"/>
+          </a:fillRef>
+          <a:effectRef idx="2">
+            <a:schemeClr val="accent1"/>
+          </a:effectRef>
+          <a:fontRef idx="minor">
+            <a:schemeClr val="lt1"/>
+          </a:fontRef>
+        </p:style>
+        <p:txBody>
+          <a:bodyPr rtlCol="0" anchor="ctr"/>
+          <a:lstStyle/>
+          <a:p>
+            <a:pPr algn="ctr"/>
+            <a:endParaRPr lang="en-US"/>
+          </a:p>
+        </p:txBody>
+      </p:sp>
+      <p:sp>
+        <p:nvSpPr>
+          <p:cNvPr id="6" name="Rectangle 5"/>
+          <p:cNvSpPr/>
+          <p:nvPr/>
+        </p:nvSpPr>
+        <p:spPr>
+          <a:xfrm>
+            <a:off x="3149600" y="3742266"/>
+            <a:ext cx="787400" cy="872067"/>
+          </a:xfrm>
+          <a:prstGeom prst="rect">
+            <a:avLst/>
+          </a:prstGeom>
+          <a:ln w="57150" cmpd="sng">
+            <a:solidFill>
+              <a:schemeClr val="tx1"/>
+            </a:solidFill>
+          </a:ln>
+          <a:effectLst/>
+        </p:spPr>
+        <p:style>
+          <a:lnRef idx="1">
+            <a:schemeClr val="accent1"/>
+          </a:lnRef>
+          <a:fillRef idx="3">
+            <a:schemeClr val="accent1"/>
+          </a:fillRef>
+          <a:effectRef idx="2">
+            <a:schemeClr val="accent1"/>
+          </a:effectRef>
+          <a:fontRef idx="minor">
+            <a:schemeClr val="lt1"/>
+          </a:fontRef>
+        </p:style>
+        <p:txBody>
+          <a:bodyPr rtlCol="0" anchor="ctr"/>
+          <a:lstStyle/>
+          <a:p>
+            <a:pPr algn="ctr"/>
+            <a:endParaRPr lang="en-US"/>
+          </a:p>
+        </p:txBody>
+      </p:sp>
+      <p:sp>
+        <p:nvSpPr>
+          <p:cNvPr id="7" name="Rectangle 6"/>
+          <p:cNvSpPr/>
+          <p:nvPr/>
+        </p:nvSpPr>
+        <p:spPr>
+          <a:xfrm>
+            <a:off x="5427134" y="3742267"/>
+            <a:ext cx="787400" cy="872067"/>
+          </a:xfrm>
+          <a:prstGeom prst="rect">
+            <a:avLst/>
+          </a:prstGeom>
+          <a:ln w="57150" cmpd="sng">
+            <a:solidFill>
+              <a:schemeClr val="tx1"/>
+            </a:solidFill>
+          </a:ln>
+          <a:effectLst/>
+        </p:spPr>
+        <p:style>
+          <a:lnRef idx="1">
+            <a:schemeClr val="accent1"/>
+          </a:lnRef>
+          <a:fillRef idx="3">
+            <a:schemeClr val="accent1"/>
+          </a:fillRef>
+          <a:effectRef idx="2">
+            <a:schemeClr val="accent1"/>
+          </a:effectRef>
+          <a:fontRef idx="minor">
+            <a:schemeClr val="lt1"/>
+          </a:fontRef>
+        </p:style>
+        <p:txBody>
+          <a:bodyPr rtlCol="0" anchor="ctr"/>
+          <a:lstStyle/>
+          <a:p>
+            <a:pPr algn="ctr"/>
+            <a:endParaRPr lang="en-US"/>
+          </a:p>
+        </p:txBody>
+      </p:sp>
+      <p:sp>
+        <p:nvSpPr>
+          <p:cNvPr id="8" name="Rectangle 7"/>
+          <p:cNvSpPr/>
+          <p:nvPr/>
+        </p:nvSpPr>
+        <p:spPr>
+          <a:xfrm>
+            <a:off x="4343400" y="4148667"/>
+            <a:ext cx="702733" cy="1405466"/>
+          </a:xfrm>
+          <a:prstGeom prst="rect">
+            <a:avLst/>
+          </a:prstGeom>
+          <a:solidFill>
+            <a:schemeClr val="tx1"/>
+          </a:solidFill>
+          <a:ln>
+            <a:solidFill>
+              <a:schemeClr val="tx1"/>
+            </a:solidFill>
+          </a:ln>
+        </p:spPr>
+        <p:style>
+          <a:lnRef idx="1">
+            <a:schemeClr val="accent1"/>
+          </a:lnRef>
+          <a:fillRef idx="3">
+            <a:schemeClr val="accent1"/>
+          </a:fillRef>
+          <a:effectRef idx="2">
+            <a:schemeClr val="accent1"/>
+          </a:effectRef>
+          <a:fontRef idx="minor">
+            <a:schemeClr val="lt1"/>
+          </a:fontRef>
+        </p:style>
+        <p:txBody>
+          <a:bodyPr rtlCol="0" anchor="ctr"/>
+          <a:lstStyle/>
+          <a:p>
+            <a:pPr algn="ctr"/>
+            <a:endParaRPr lang="en-US"/>
+          </a:p>
+        </p:txBody>
+      </p:sp>
+      <p:sp>
+        <p:nvSpPr>
+          <p:cNvPr id="9" name="Cloud 8"/>
+          <p:cNvSpPr/>
+          <p:nvPr/>
+        </p:nvSpPr>
+        <p:spPr>
+          <a:xfrm>
+            <a:off x="2980267" y="4893733"/>
+            <a:ext cx="1109133" cy="795867"/>
+          </a:xfrm>
+          <a:prstGeom prst="cloud">
+            <a:avLst/>
+          </a:prstGeom>
+          <a:gradFill>
+            <a:gsLst>
+              <a:gs pos="0">
+                <a:srgbClr val="008000"/>
+              </a:gs>
+              <a:gs pos="100000">
+                <a:srgbClr val="008000"/>
+              </a:gs>
+            </a:gsLst>
+          </a:gradFill>
+          <a:ln>
+            <a:solidFill>
+              <a:srgbClr val="42F043"/>
+            </a:solidFill>
+          </a:ln>
+        </p:spPr>
+        <p:style>
+          <a:lnRef idx="1">
+            <a:schemeClr val="accent1"/>
+          </a:lnRef>
+          <a:fillRef idx="3">
+            <a:schemeClr val="accent1"/>
+          </a:fillRef>
+          <a:effectRef idx="2">
+            <a:schemeClr val="accent1"/>
+          </a:effectRef>
+          <a:fontRef idx="minor">
+            <a:schemeClr val="lt1"/>
+          </a:fontRef>
+        </p:style>
+        <p:txBody>
+          <a:bodyPr rtlCol="0" anchor="ctr"/>
+          <a:lstStyle/>
+          <a:p>
+            <a:pPr algn="ctr"/>
+            <a:endParaRPr lang="en-US"/>
+          </a:p>
+        </p:txBody>
+      </p:sp>
+      <p:sp>
+        <p:nvSpPr>
+          <p:cNvPr id="11" name="Cloud 10"/>
+          <p:cNvSpPr/>
+          <p:nvPr/>
+        </p:nvSpPr>
+        <p:spPr>
+          <a:xfrm flipH="1">
+            <a:off x="5257801" y="4893733"/>
+            <a:ext cx="1109133" cy="795867"/>
+          </a:xfrm>
+          <a:prstGeom prst="cloud">
+            <a:avLst/>
+          </a:prstGeom>
+          <a:gradFill>
+            <a:gsLst>
+              <a:gs pos="0">
+                <a:srgbClr val="008000"/>
+              </a:gs>
+              <a:gs pos="100000">
+                <a:srgbClr val="008000"/>
+              </a:gs>
+            </a:gsLst>
+          </a:gradFill>
+          <a:ln>
+            <a:solidFill>
+              <a:srgbClr val="42F043"/>
+            </a:solidFill>
+          </a:ln>
+        </p:spPr>
+        <p:style>
+          <a:lnRef idx="1">
+            <a:schemeClr val="accent1"/>
+          </a:lnRef>
+          <a:fillRef idx="3">
+            <a:schemeClr val="accent1"/>
+          </a:fillRef>
+          <a:effectRef idx="2">
+            <a:schemeClr val="accent1"/>
+          </a:effectRef>
+          <a:fontRef idx="minor">
+            <a:schemeClr val="lt1"/>
+          </a:fontRef>
+        </p:style>
+        <p:txBody>
+          <a:bodyPr rtlCol="0" anchor="ctr"/>
+          <a:lstStyle/>
+          <a:p>
+            <a:pPr algn="ctr"/>
+            <a:endParaRPr lang="en-US"/>
+          </a:p>
+        </p:txBody>
+      </p:sp>
+    </p:spTree>
+    <p:extLst>
+      <p:ext uri="{BB962C8B-B14F-4D97-AF65-F5344CB8AC3E}">
+        <p14:creationId xmlns:p14="http://schemas.microsoft.com/office/powerpoint/2010/main" val="1256153426"/>
+      </p:ext>
+    </p:extLst>
+  </p:cSld>
+  <p:clrMapOvr>
+    <a:masterClrMapping/>
+  </p:clrMapOvr>
+</p:sld>
+</file>
+
+<file path=ppt/slides/slide20.xml><?xml version="1.0" encoding="utf-8"?>
 <p:sld xmlns:a="http://schemas.openxmlformats.org/drawingml/2006/main" xmlns:r="http://schemas.openxmlformats.org/officeDocument/2006/relationships" xmlns:p="http://schemas.openxmlformats.org/presentationml/2006/main">
   <p:cSld>
     <p:spTree>
@@ -5153,374 +5792,7 @@
 </p:sld>
 </file>
 
-<file path=ppt/slides/slide2.xml><?xml version="1.0" encoding="utf-8"?>
-<p:sld xmlns:a="http://schemas.openxmlformats.org/drawingml/2006/main" xmlns:r="http://schemas.openxmlformats.org/officeDocument/2006/relationships" xmlns:p="http://schemas.openxmlformats.org/presentationml/2006/main">
-  <p:cSld>
-    <p:spTree>
-      <p:nvGrpSpPr>
-        <p:cNvPr id="1" name=""/>
-        <p:cNvGrpSpPr/>
-        <p:nvPr/>
-      </p:nvGrpSpPr>
-      <p:grpSpPr>
-        <a:xfrm>
-          <a:off x="0" y="0"/>
-          <a:ext cx="0" cy="0"/>
-          <a:chOff x="0" y="0"/>
-          <a:chExt cx="0" cy="0"/>
-        </a:xfrm>
-      </p:grpSpPr>
-      <p:sp>
-        <p:nvSpPr>
-          <p:cNvPr id="4" name="Rectangle 3"/>
-          <p:cNvSpPr/>
-          <p:nvPr/>
-        </p:nvSpPr>
-        <p:spPr>
-          <a:xfrm>
-            <a:off x="2832099" y="2760133"/>
-            <a:ext cx="3666067" cy="2794000"/>
-          </a:xfrm>
-          <a:prstGeom prst="rect">
-            <a:avLst/>
-          </a:prstGeom>
-          <a:ln>
-            <a:noFill/>
-          </a:ln>
-          <a:effectLst/>
-        </p:spPr>
-        <p:style>
-          <a:lnRef idx="1">
-            <a:schemeClr val="accent2"/>
-          </a:lnRef>
-          <a:fillRef idx="3">
-            <a:schemeClr val="accent2"/>
-          </a:fillRef>
-          <a:effectRef idx="2">
-            <a:schemeClr val="accent2"/>
-          </a:effectRef>
-          <a:fontRef idx="minor">
-            <a:schemeClr val="lt1"/>
-          </a:fontRef>
-        </p:style>
-        <p:txBody>
-          <a:bodyPr rtlCol="0" anchor="ctr"/>
-          <a:lstStyle/>
-          <a:p>
-            <a:pPr algn="ctr"/>
-            <a:endParaRPr lang="en-US"/>
-          </a:p>
-        </p:txBody>
-      </p:sp>
-      <p:sp>
-        <p:nvSpPr>
-          <p:cNvPr id="5" name="Isosceles Triangle 4"/>
-          <p:cNvSpPr/>
-          <p:nvPr/>
-        </p:nvSpPr>
-        <p:spPr>
-          <a:xfrm>
-            <a:off x="1913467" y="982133"/>
-            <a:ext cx="5503333" cy="2396067"/>
-          </a:xfrm>
-          <a:prstGeom prst="triangle">
-            <a:avLst/>
-          </a:prstGeom>
-          <a:gradFill>
-            <a:gsLst>
-              <a:gs pos="0">
-                <a:schemeClr val="bg2">
-                  <a:lumMod val="25000"/>
-                </a:schemeClr>
-              </a:gs>
-              <a:gs pos="100000">
-                <a:schemeClr val="bg2">
-                  <a:lumMod val="75000"/>
-                </a:schemeClr>
-              </a:gs>
-            </a:gsLst>
-          </a:gradFill>
-          <a:ln>
-            <a:noFill/>
-          </a:ln>
-        </p:spPr>
-        <p:style>
-          <a:lnRef idx="1">
-            <a:schemeClr val="accent1"/>
-          </a:lnRef>
-          <a:fillRef idx="3">
-            <a:schemeClr val="accent1"/>
-          </a:fillRef>
-          <a:effectRef idx="2">
-            <a:schemeClr val="accent1"/>
-          </a:effectRef>
-          <a:fontRef idx="minor">
-            <a:schemeClr val="lt1"/>
-          </a:fontRef>
-        </p:style>
-        <p:txBody>
-          <a:bodyPr rtlCol="0" anchor="ctr"/>
-          <a:lstStyle/>
-          <a:p>
-            <a:pPr algn="ctr"/>
-            <a:endParaRPr lang="en-US"/>
-          </a:p>
-        </p:txBody>
-      </p:sp>
-      <p:sp>
-        <p:nvSpPr>
-          <p:cNvPr id="6" name="Rectangle 5"/>
-          <p:cNvSpPr/>
-          <p:nvPr/>
-        </p:nvSpPr>
-        <p:spPr>
-          <a:xfrm>
-            <a:off x="3149600" y="3742266"/>
-            <a:ext cx="787400" cy="872067"/>
-          </a:xfrm>
-          <a:prstGeom prst="rect">
-            <a:avLst/>
-          </a:prstGeom>
-          <a:ln w="57150" cmpd="sng">
-            <a:solidFill>
-              <a:schemeClr val="tx1"/>
-            </a:solidFill>
-          </a:ln>
-          <a:effectLst/>
-        </p:spPr>
-        <p:style>
-          <a:lnRef idx="1">
-            <a:schemeClr val="accent1"/>
-          </a:lnRef>
-          <a:fillRef idx="3">
-            <a:schemeClr val="accent1"/>
-          </a:fillRef>
-          <a:effectRef idx="2">
-            <a:schemeClr val="accent1"/>
-          </a:effectRef>
-          <a:fontRef idx="minor">
-            <a:schemeClr val="lt1"/>
-          </a:fontRef>
-        </p:style>
-        <p:txBody>
-          <a:bodyPr rtlCol="0" anchor="ctr"/>
-          <a:lstStyle/>
-          <a:p>
-            <a:pPr algn="ctr"/>
-            <a:endParaRPr lang="en-US"/>
-          </a:p>
-        </p:txBody>
-      </p:sp>
-      <p:sp>
-        <p:nvSpPr>
-          <p:cNvPr id="7" name="Rectangle 6"/>
-          <p:cNvSpPr/>
-          <p:nvPr/>
-        </p:nvSpPr>
-        <p:spPr>
-          <a:xfrm>
-            <a:off x="5427134" y="3742267"/>
-            <a:ext cx="787400" cy="872067"/>
-          </a:xfrm>
-          <a:prstGeom prst="rect">
-            <a:avLst/>
-          </a:prstGeom>
-          <a:ln w="57150" cmpd="sng">
-            <a:solidFill>
-              <a:schemeClr val="tx1"/>
-            </a:solidFill>
-          </a:ln>
-          <a:effectLst/>
-        </p:spPr>
-        <p:style>
-          <a:lnRef idx="1">
-            <a:schemeClr val="accent1"/>
-          </a:lnRef>
-          <a:fillRef idx="3">
-            <a:schemeClr val="accent1"/>
-          </a:fillRef>
-          <a:effectRef idx="2">
-            <a:schemeClr val="accent1"/>
-          </a:effectRef>
-          <a:fontRef idx="minor">
-            <a:schemeClr val="lt1"/>
-          </a:fontRef>
-        </p:style>
-        <p:txBody>
-          <a:bodyPr rtlCol="0" anchor="ctr"/>
-          <a:lstStyle/>
-          <a:p>
-            <a:pPr algn="ctr"/>
-            <a:endParaRPr lang="en-US"/>
-          </a:p>
-        </p:txBody>
-      </p:sp>
-      <p:sp>
-        <p:nvSpPr>
-          <p:cNvPr id="8" name="Rectangle 7"/>
-          <p:cNvSpPr/>
-          <p:nvPr/>
-        </p:nvSpPr>
-        <p:spPr>
-          <a:xfrm>
-            <a:off x="4343400" y="4148667"/>
-            <a:ext cx="702733" cy="1405466"/>
-          </a:xfrm>
-          <a:prstGeom prst="rect">
-            <a:avLst/>
-          </a:prstGeom>
-          <a:solidFill>
-            <a:schemeClr val="tx1"/>
-          </a:solidFill>
-          <a:ln>
-            <a:solidFill>
-              <a:schemeClr val="tx1"/>
-            </a:solidFill>
-          </a:ln>
-        </p:spPr>
-        <p:style>
-          <a:lnRef idx="1">
-            <a:schemeClr val="accent1"/>
-          </a:lnRef>
-          <a:fillRef idx="3">
-            <a:schemeClr val="accent1"/>
-          </a:fillRef>
-          <a:effectRef idx="2">
-            <a:schemeClr val="accent1"/>
-          </a:effectRef>
-          <a:fontRef idx="minor">
-            <a:schemeClr val="lt1"/>
-          </a:fontRef>
-        </p:style>
-        <p:txBody>
-          <a:bodyPr rtlCol="0" anchor="ctr"/>
-          <a:lstStyle/>
-          <a:p>
-            <a:pPr algn="ctr"/>
-            <a:endParaRPr lang="en-US"/>
-          </a:p>
-        </p:txBody>
-      </p:sp>
-      <p:sp>
-        <p:nvSpPr>
-          <p:cNvPr id="9" name="Cloud 8"/>
-          <p:cNvSpPr/>
-          <p:nvPr/>
-        </p:nvSpPr>
-        <p:spPr>
-          <a:xfrm>
-            <a:off x="2980267" y="4893733"/>
-            <a:ext cx="1109133" cy="795867"/>
-          </a:xfrm>
-          <a:prstGeom prst="cloud">
-            <a:avLst/>
-          </a:prstGeom>
-          <a:gradFill>
-            <a:gsLst>
-              <a:gs pos="0">
-                <a:srgbClr val="008000"/>
-              </a:gs>
-              <a:gs pos="100000">
-                <a:srgbClr val="008000"/>
-              </a:gs>
-            </a:gsLst>
-          </a:gradFill>
-          <a:ln>
-            <a:solidFill>
-              <a:srgbClr val="42F043"/>
-            </a:solidFill>
-          </a:ln>
-        </p:spPr>
-        <p:style>
-          <a:lnRef idx="1">
-            <a:schemeClr val="accent1"/>
-          </a:lnRef>
-          <a:fillRef idx="3">
-            <a:schemeClr val="accent1"/>
-          </a:fillRef>
-          <a:effectRef idx="2">
-            <a:schemeClr val="accent1"/>
-          </a:effectRef>
-          <a:fontRef idx="minor">
-            <a:schemeClr val="lt1"/>
-          </a:fontRef>
-        </p:style>
-        <p:txBody>
-          <a:bodyPr rtlCol="0" anchor="ctr"/>
-          <a:lstStyle/>
-          <a:p>
-            <a:pPr algn="ctr"/>
-            <a:endParaRPr lang="en-US"/>
-          </a:p>
-        </p:txBody>
-      </p:sp>
-      <p:sp>
-        <p:nvSpPr>
-          <p:cNvPr id="11" name="Cloud 10"/>
-          <p:cNvSpPr/>
-          <p:nvPr/>
-        </p:nvSpPr>
-        <p:spPr>
-          <a:xfrm flipH="1">
-            <a:off x="5257801" y="4893733"/>
-            <a:ext cx="1109133" cy="795867"/>
-          </a:xfrm>
-          <a:prstGeom prst="cloud">
-            <a:avLst/>
-          </a:prstGeom>
-          <a:gradFill>
-            <a:gsLst>
-              <a:gs pos="0">
-                <a:srgbClr val="008000"/>
-              </a:gs>
-              <a:gs pos="100000">
-                <a:srgbClr val="008000"/>
-              </a:gs>
-            </a:gsLst>
-          </a:gradFill>
-          <a:ln>
-            <a:solidFill>
-              <a:srgbClr val="42F043"/>
-            </a:solidFill>
-          </a:ln>
-        </p:spPr>
-        <p:style>
-          <a:lnRef idx="1">
-            <a:schemeClr val="accent1"/>
-          </a:lnRef>
-          <a:fillRef idx="3">
-            <a:schemeClr val="accent1"/>
-          </a:fillRef>
-          <a:effectRef idx="2">
-            <a:schemeClr val="accent1"/>
-          </a:effectRef>
-          <a:fontRef idx="minor">
-            <a:schemeClr val="lt1"/>
-          </a:fontRef>
-        </p:style>
-        <p:txBody>
-          <a:bodyPr rtlCol="0" anchor="ctr"/>
-          <a:lstStyle/>
-          <a:p>
-            <a:pPr algn="ctr"/>
-            <a:endParaRPr lang="en-US"/>
-          </a:p>
-        </p:txBody>
-      </p:sp>
-    </p:spTree>
-    <p:extLst>
-      <p:ext uri="{BB962C8B-B14F-4D97-AF65-F5344CB8AC3E}">
-        <p14:creationId xmlns:p14="http://schemas.microsoft.com/office/powerpoint/2010/main" val="1256153426"/>
-      </p:ext>
-    </p:extLst>
-  </p:cSld>
-  <p:clrMapOvr>
-    <a:masterClrMapping/>
-  </p:clrMapOvr>
-</p:sld>
-</file>
-
-<file path=ppt/slides/slide20.xml><?xml version="1.0" encoding="utf-8"?>
+<file path=ppt/slides/slide21.xml><?xml version="1.0" encoding="utf-8"?>
 <p:sld xmlns:a="http://schemas.openxmlformats.org/drawingml/2006/main" xmlns:r="http://schemas.openxmlformats.org/officeDocument/2006/relationships" xmlns:p="http://schemas.openxmlformats.org/presentationml/2006/main">
   <p:cSld>
     <p:spTree>
@@ -5842,7 +6114,7 @@
 </p:sld>
 </file>
 
-<file path=ppt/slides/slide21.xml><?xml version="1.0" encoding="utf-8"?>
+<file path=ppt/slides/slide22.xml><?xml version="1.0" encoding="utf-8"?>
 <p:sld xmlns:a="http://schemas.openxmlformats.org/drawingml/2006/main" xmlns:r="http://schemas.openxmlformats.org/officeDocument/2006/relationships" xmlns:p="http://schemas.openxmlformats.org/presentationml/2006/main">
   <p:cSld>
     <p:spTree>
@@ -6613,7 +6885,7 @@
 </p:sld>
 </file>
 
-<file path=ppt/slides/slide22.xml><?xml version="1.0" encoding="utf-8"?>
+<file path=ppt/slides/slide23.xml><?xml version="1.0" encoding="utf-8"?>
 <p:sld xmlns:a="http://schemas.openxmlformats.org/drawingml/2006/main" xmlns:r="http://schemas.openxmlformats.org/officeDocument/2006/relationships" xmlns:p="http://schemas.openxmlformats.org/presentationml/2006/main">
   <p:cSld>
     <p:spTree>
@@ -6781,7 +7053,7 @@
 </p:sld>
 </file>
 
-<file path=ppt/slides/slide23.xml><?xml version="1.0" encoding="utf-8"?>
+<file path=ppt/slides/slide24.xml><?xml version="1.0" encoding="utf-8"?>
 <p:sld xmlns:a="http://schemas.openxmlformats.org/drawingml/2006/main" xmlns:r="http://schemas.openxmlformats.org/officeDocument/2006/relationships" xmlns:p="http://schemas.openxmlformats.org/presentationml/2006/main">
   <p:cSld>
     <p:spTree>
@@ -7079,7 +7351,7 @@
 </p:sld>
 </file>
 
-<file path=ppt/slides/slide24.xml><?xml version="1.0" encoding="utf-8"?>
+<file path=ppt/slides/slide25.xml><?xml version="1.0" encoding="utf-8"?>
 <p:sld xmlns:a="http://schemas.openxmlformats.org/drawingml/2006/main" xmlns:r="http://schemas.openxmlformats.org/officeDocument/2006/relationships" xmlns:p="http://schemas.openxmlformats.org/presentationml/2006/main">
   <p:cSld>
     <p:spTree>
@@ -7239,7 +7511,7 @@
 </p:sld>
 </file>
 
-<file path=ppt/slides/slide25.xml><?xml version="1.0" encoding="utf-8"?>
+<file path=ppt/slides/slide26.xml><?xml version="1.0" encoding="utf-8"?>
 <p:sld xmlns:a="http://schemas.openxmlformats.org/drawingml/2006/main" xmlns:r="http://schemas.openxmlformats.org/officeDocument/2006/relationships" xmlns:p="http://schemas.openxmlformats.org/presentationml/2006/main">
   <p:cSld>
     <p:spTree>
@@ -7583,7 +7855,7 @@
 </p:sld>
 </file>
 
-<file path=ppt/slides/slide26.xml><?xml version="1.0" encoding="utf-8"?>
+<file path=ppt/slides/slide27.xml><?xml version="1.0" encoding="utf-8"?>
 <p:sld xmlns:a="http://schemas.openxmlformats.org/drawingml/2006/main" xmlns:r="http://schemas.openxmlformats.org/officeDocument/2006/relationships" xmlns:p="http://schemas.openxmlformats.org/presentationml/2006/main">
   <p:cSld>
     <p:spTree>
@@ -8467,7 +8739,7 @@
 </p:sld>
 </file>
 
-<file path=ppt/slides/slide27.xml><?xml version="1.0" encoding="utf-8"?>
+<file path=ppt/slides/slide28.xml><?xml version="1.0" encoding="utf-8"?>
 <p:sld xmlns:a="http://schemas.openxmlformats.org/drawingml/2006/main" xmlns:r="http://schemas.openxmlformats.org/officeDocument/2006/relationships" xmlns:p="http://schemas.openxmlformats.org/presentationml/2006/main">
   <p:cSld>
     <p:spTree>
@@ -9373,7 +9645,7 @@
 </p:sld>
 </file>
 
-<file path=ppt/slides/slide28.xml><?xml version="1.0" encoding="utf-8"?>
+<file path=ppt/slides/slide29.xml><?xml version="1.0" encoding="utf-8"?>
 <p:sld xmlns:a="http://schemas.openxmlformats.org/drawingml/2006/main" xmlns:r="http://schemas.openxmlformats.org/officeDocument/2006/relationships" xmlns:p="http://schemas.openxmlformats.org/presentationml/2006/main">
   <p:cSld>
     <p:spTree>
@@ -10012,7 +10284,449 @@
 </p:sld>
 </file>
 
-<file path=ppt/slides/slide29.xml><?xml version="1.0" encoding="utf-8"?>
+<file path=ppt/slides/slide3.xml><?xml version="1.0" encoding="utf-8"?>
+<p:sld xmlns:a="http://schemas.openxmlformats.org/drawingml/2006/main" xmlns:r="http://schemas.openxmlformats.org/officeDocument/2006/relationships" xmlns:p="http://schemas.openxmlformats.org/presentationml/2006/main">
+  <p:cSld>
+    <p:spTree>
+      <p:nvGrpSpPr>
+        <p:cNvPr id="1" name=""/>
+        <p:cNvGrpSpPr/>
+        <p:nvPr/>
+      </p:nvGrpSpPr>
+      <p:grpSpPr>
+        <a:xfrm>
+          <a:off x="0" y="0"/>
+          <a:ext cx="0" cy="0"/>
+          <a:chOff x="0" y="0"/>
+          <a:chExt cx="0" cy="0"/>
+        </a:xfrm>
+      </p:grpSpPr>
+      <p:cxnSp>
+        <p:nvCxnSpPr>
+          <p:cNvPr id="14" name="Straight Connector 13"/>
+          <p:cNvCxnSpPr/>
+          <p:nvPr/>
+        </p:nvCxnSpPr>
+        <p:spPr>
+          <a:xfrm>
+            <a:off x="4406515" y="4832928"/>
+            <a:ext cx="13085" cy="1351972"/>
+          </a:xfrm>
+          <a:prstGeom prst="line">
+            <a:avLst/>
+          </a:prstGeom>
+          <a:ln w="177800" cmpd="sng">
+            <a:solidFill>
+              <a:schemeClr val="tx1"/>
+            </a:solidFill>
+          </a:ln>
+          <a:effectLst/>
+          <a:scene3d>
+            <a:camera prst="perspectiveFront" fov="2400000">
+              <a:rot lat="0" lon="0" rev="0"/>
+            </a:camera>
+            <a:lightRig rig="threePt" dir="t"/>
+          </a:scene3d>
+          <a:sp3d/>
+        </p:spPr>
+        <p:style>
+          <a:lnRef idx="2">
+            <a:schemeClr val="accent1"/>
+          </a:lnRef>
+          <a:fillRef idx="0">
+            <a:schemeClr val="accent1"/>
+          </a:fillRef>
+          <a:effectRef idx="1">
+            <a:schemeClr val="accent1"/>
+          </a:effectRef>
+          <a:fontRef idx="minor">
+            <a:schemeClr val="tx1"/>
+          </a:fontRef>
+        </p:style>
+      </p:cxnSp>
+      <p:cxnSp>
+        <p:nvCxnSpPr>
+          <p:cNvPr id="15" name="Straight Connector 14"/>
+          <p:cNvCxnSpPr/>
+          <p:nvPr/>
+        </p:nvCxnSpPr>
+        <p:spPr>
+          <a:xfrm>
+            <a:off x="4270856" y="4797906"/>
+            <a:ext cx="15394" cy="1285394"/>
+          </a:xfrm>
+          <a:prstGeom prst="line">
+            <a:avLst/>
+          </a:prstGeom>
+          <a:ln w="101600" cmpd="sng">
+            <a:solidFill>
+              <a:schemeClr val="bg1">
+                <a:lumMod val="85000"/>
+              </a:schemeClr>
+            </a:solidFill>
+          </a:ln>
+          <a:effectLst/>
+          <a:scene3d>
+            <a:camera prst="perspectiveFront" fov="2400000">
+              <a:rot lat="0" lon="0" rev="0"/>
+            </a:camera>
+            <a:lightRig rig="threePt" dir="t"/>
+          </a:scene3d>
+          <a:sp3d/>
+        </p:spPr>
+        <p:style>
+          <a:lnRef idx="2">
+            <a:schemeClr val="accent1"/>
+          </a:lnRef>
+          <a:fillRef idx="0">
+            <a:schemeClr val="accent1"/>
+          </a:fillRef>
+          <a:effectRef idx="1">
+            <a:schemeClr val="accent1"/>
+          </a:effectRef>
+          <a:fontRef idx="minor">
+            <a:schemeClr val="tx1"/>
+          </a:fontRef>
+        </p:style>
+      </p:cxnSp>
+      <p:sp>
+        <p:nvSpPr>
+          <p:cNvPr id="17" name="Connector 16"/>
+          <p:cNvSpPr/>
+          <p:nvPr/>
+        </p:nvSpPr>
+        <p:spPr>
+          <a:xfrm>
+            <a:off x="2781300" y="2743848"/>
+            <a:ext cx="3098801" cy="2270729"/>
+          </a:xfrm>
+          <a:prstGeom prst="flowChartConnector">
+            <a:avLst/>
+          </a:prstGeom>
+          <a:gradFill flip="none" rotWithShape="1">
+            <a:gsLst>
+              <a:gs pos="7000">
+                <a:schemeClr val="bg1">
+                  <a:lumMod val="95000"/>
+                </a:schemeClr>
+              </a:gs>
+              <a:gs pos="100000">
+                <a:schemeClr val="tx1">
+                  <a:lumMod val="75000"/>
+                  <a:lumOff val="25000"/>
+                </a:schemeClr>
+              </a:gs>
+            </a:gsLst>
+            <a:path path="circle">
+              <a:fillToRect t="100000" r="100000"/>
+            </a:path>
+            <a:tileRect l="-100000" b="-100000"/>
+          </a:gradFill>
+          <a:ln w="12700" cmpd="sng">
+            <a:solidFill>
+              <a:schemeClr val="bg1">
+                <a:lumMod val="65000"/>
+              </a:schemeClr>
+            </a:solidFill>
+          </a:ln>
+          <a:effectLst/>
+          <a:scene3d>
+            <a:camera prst="orthographicFront">
+              <a:rot lat="20099998" lon="0" rev="0"/>
+            </a:camera>
+            <a:lightRig rig="threePt" dir="t"/>
+          </a:scene3d>
+          <a:sp3d/>
+        </p:spPr>
+        <p:style>
+          <a:lnRef idx="1">
+            <a:schemeClr val="accent1"/>
+          </a:lnRef>
+          <a:fillRef idx="3">
+            <a:schemeClr val="accent1"/>
+          </a:fillRef>
+          <a:effectRef idx="2">
+            <a:schemeClr val="accent1"/>
+          </a:effectRef>
+          <a:fontRef idx="minor">
+            <a:schemeClr val="lt1"/>
+          </a:fontRef>
+        </p:style>
+        <p:txBody>
+          <a:bodyPr rtlCol="0" anchor="ctr"/>
+          <a:lstStyle/>
+          <a:p>
+            <a:pPr algn="ctr"/>
+            <a:endParaRPr lang="en-US"/>
+          </a:p>
+        </p:txBody>
+      </p:sp>
+      <p:sp>
+        <p:nvSpPr>
+          <p:cNvPr id="18" name="Magnetic Disk 17"/>
+          <p:cNvSpPr/>
+          <p:nvPr/>
+        </p:nvSpPr>
+        <p:spPr>
+          <a:xfrm>
+            <a:off x="3402036" y="723906"/>
+            <a:ext cx="1877663" cy="3395004"/>
+          </a:xfrm>
+          <a:prstGeom prst="flowChartMagneticDisk">
+            <a:avLst/>
+          </a:prstGeom>
+          <a:gradFill flip="none" rotWithShape="1">
+            <a:gsLst>
+              <a:gs pos="13000">
+                <a:schemeClr val="tx1">
+                  <a:lumMod val="75000"/>
+                  <a:lumOff val="25000"/>
+                </a:schemeClr>
+              </a:gs>
+              <a:gs pos="97000">
+                <a:schemeClr val="bg1"/>
+              </a:gs>
+            </a:gsLst>
+            <a:lin ang="10800000" scaled="0"/>
+            <a:tileRect/>
+          </a:gradFill>
+          <a:ln w="12700" cmpd="sng">
+            <a:solidFill>
+              <a:schemeClr val="bg1">
+                <a:lumMod val="65000"/>
+              </a:schemeClr>
+            </a:solidFill>
+          </a:ln>
+          <a:effectLst/>
+          <a:scene3d>
+            <a:camera prst="orthographicFront">
+              <a:rot lat="20099998" lon="0" rev="0"/>
+            </a:camera>
+            <a:lightRig rig="threePt" dir="t"/>
+          </a:scene3d>
+          <a:sp3d/>
+        </p:spPr>
+        <p:style>
+          <a:lnRef idx="1">
+            <a:schemeClr val="accent1"/>
+          </a:lnRef>
+          <a:fillRef idx="3">
+            <a:schemeClr val="accent1"/>
+          </a:fillRef>
+          <a:effectRef idx="2">
+            <a:schemeClr val="accent1"/>
+          </a:effectRef>
+          <a:fontRef idx="minor">
+            <a:schemeClr val="lt1"/>
+          </a:fontRef>
+        </p:style>
+        <p:txBody>
+          <a:bodyPr rtlCol="0" anchor="ctr"/>
+          <a:lstStyle/>
+          <a:p>
+            <a:pPr algn="ctr"/>
+            <a:endParaRPr lang="en-US"/>
+          </a:p>
+        </p:txBody>
+      </p:sp>
+      <p:sp>
+        <p:nvSpPr>
+          <p:cNvPr id="3" name="Freeform 2"/>
+          <p:cNvSpPr/>
+          <p:nvPr/>
+        </p:nvSpPr>
+        <p:spPr>
+          <a:xfrm>
+            <a:off x="3877733" y="2116666"/>
+            <a:ext cx="1380067" cy="279913"/>
+          </a:xfrm>
+          <a:custGeom>
+            <a:avLst/>
+            <a:gdLst>
+              <a:gd name="connsiteX0" fmla="*/ 0 w 1329267"/>
+              <a:gd name="connsiteY0" fmla="*/ 228600 h 279913"/>
+              <a:gd name="connsiteX1" fmla="*/ 321734 w 1329267"/>
+              <a:gd name="connsiteY1" fmla="*/ 279400 h 279913"/>
+              <a:gd name="connsiteX2" fmla="*/ 770467 w 1329267"/>
+              <a:gd name="connsiteY2" fmla="*/ 245534 h 279913"/>
+              <a:gd name="connsiteX3" fmla="*/ 1151467 w 1329267"/>
+              <a:gd name="connsiteY3" fmla="*/ 110067 h 279913"/>
+              <a:gd name="connsiteX4" fmla="*/ 1329267 w 1329267"/>
+              <a:gd name="connsiteY4" fmla="*/ 0 h 279913"/>
+            </a:gdLst>
+            <a:ahLst/>
+            <a:cxnLst>
+              <a:cxn ang="0">
+                <a:pos x="connsiteX0" y="connsiteY0"/>
+              </a:cxn>
+              <a:cxn ang="0">
+                <a:pos x="connsiteX1" y="connsiteY1"/>
+              </a:cxn>
+              <a:cxn ang="0">
+                <a:pos x="connsiteX2" y="connsiteY2"/>
+              </a:cxn>
+              <a:cxn ang="0">
+                <a:pos x="connsiteX3" y="connsiteY3"/>
+              </a:cxn>
+              <a:cxn ang="0">
+                <a:pos x="connsiteX4" y="connsiteY4"/>
+              </a:cxn>
+            </a:cxnLst>
+            <a:rect l="l" t="t" r="r" b="b"/>
+            <a:pathLst>
+              <a:path w="1329267" h="279913">
+                <a:moveTo>
+                  <a:pt x="0" y="228600"/>
+                </a:moveTo>
+                <a:cubicBezTo>
+                  <a:pt x="96661" y="252589"/>
+                  <a:pt x="193323" y="276578"/>
+                  <a:pt x="321734" y="279400"/>
+                </a:cubicBezTo>
+                <a:cubicBezTo>
+                  <a:pt x="450145" y="282222"/>
+                  <a:pt x="632178" y="273756"/>
+                  <a:pt x="770467" y="245534"/>
+                </a:cubicBezTo>
+                <a:cubicBezTo>
+                  <a:pt x="908756" y="217312"/>
+                  <a:pt x="1058334" y="150989"/>
+                  <a:pt x="1151467" y="110067"/>
+                </a:cubicBezTo>
+                <a:cubicBezTo>
+                  <a:pt x="1244600" y="69145"/>
+                  <a:pt x="1329267" y="0"/>
+                  <a:pt x="1329267" y="0"/>
+                </a:cubicBezTo>
+              </a:path>
+            </a:pathLst>
+          </a:custGeom>
+          <a:ln w="203200" cap="flat" cmpd="sng">
+            <a:gradFill flip="none" rotWithShape="1">
+              <a:gsLst>
+                <a:gs pos="23000">
+                  <a:schemeClr val="tx1">
+                    <a:lumMod val="85000"/>
+                    <a:lumOff val="15000"/>
+                  </a:schemeClr>
+                </a:gs>
+                <a:gs pos="93000">
+                  <a:prstClr val="white"/>
+                </a:gs>
+              </a:gsLst>
+              <a:lin ang="10800000" scaled="0"/>
+              <a:tileRect/>
+            </a:gradFill>
+          </a:ln>
+          <a:effectLst/>
+        </p:spPr>
+        <p:style>
+          <a:lnRef idx="2">
+            <a:schemeClr val="accent1"/>
+          </a:lnRef>
+          <a:fillRef idx="0">
+            <a:schemeClr val="accent1"/>
+          </a:fillRef>
+          <a:effectRef idx="1">
+            <a:schemeClr val="accent1"/>
+          </a:effectRef>
+          <a:fontRef idx="minor">
+            <a:schemeClr val="tx1"/>
+          </a:fontRef>
+        </p:style>
+        <p:txBody>
+          <a:bodyPr rtlCol="0" anchor="ctr"/>
+          <a:lstStyle/>
+          <a:p>
+            <a:pPr algn="ctr"/>
+            <a:endParaRPr lang="en-US"/>
+          </a:p>
+        </p:txBody>
+      </p:sp>
+      <p:sp>
+        <p:nvSpPr>
+          <p:cNvPr id="19" name="Connector 18"/>
+          <p:cNvSpPr/>
+          <p:nvPr/>
+        </p:nvSpPr>
+        <p:spPr>
+          <a:xfrm>
+            <a:off x="3029749" y="495300"/>
+            <a:ext cx="2637842" cy="1932948"/>
+          </a:xfrm>
+          <a:prstGeom prst="flowChartConnector">
+            <a:avLst/>
+          </a:prstGeom>
+          <a:gradFill flip="none" rotWithShape="1">
+            <a:gsLst>
+              <a:gs pos="14000">
+                <a:schemeClr val="bg1"/>
+              </a:gs>
+              <a:gs pos="100000">
+                <a:schemeClr val="tx1">
+                  <a:lumMod val="75000"/>
+                  <a:lumOff val="25000"/>
+                </a:schemeClr>
+              </a:gs>
+            </a:gsLst>
+            <a:path path="circle">
+              <a:fillToRect t="100000" r="100000"/>
+            </a:path>
+            <a:tileRect l="-100000" b="-100000"/>
+          </a:gradFill>
+          <a:ln w="12700" cmpd="sng">
+            <a:solidFill>
+              <a:schemeClr val="bg1">
+                <a:lumMod val="65000"/>
+              </a:schemeClr>
+            </a:solidFill>
+          </a:ln>
+          <a:effectLst/>
+          <a:scene3d>
+            <a:camera prst="orthographicFront">
+              <a:rot lat="20099998" lon="0" rev="0"/>
+            </a:camera>
+            <a:lightRig rig="threePt" dir="t"/>
+          </a:scene3d>
+          <a:sp3d/>
+        </p:spPr>
+        <p:style>
+          <a:lnRef idx="1">
+            <a:schemeClr val="accent1"/>
+          </a:lnRef>
+          <a:fillRef idx="3">
+            <a:schemeClr val="accent1"/>
+          </a:fillRef>
+          <a:effectRef idx="2">
+            <a:schemeClr val="accent1"/>
+          </a:effectRef>
+          <a:fontRef idx="minor">
+            <a:schemeClr val="lt1"/>
+          </a:fontRef>
+        </p:style>
+        <p:txBody>
+          <a:bodyPr rtlCol="0" anchor="ctr"/>
+          <a:lstStyle/>
+          <a:p>
+            <a:pPr algn="ctr"/>
+            <a:endParaRPr lang="en-US"/>
+          </a:p>
+        </p:txBody>
+      </p:sp>
+    </p:spTree>
+    <p:extLst>
+      <p:ext uri="{BB962C8B-B14F-4D97-AF65-F5344CB8AC3E}">
+        <p14:creationId xmlns:p14="http://schemas.microsoft.com/office/powerpoint/2010/main" val="3184639359"/>
+      </p:ext>
+    </p:extLst>
+  </p:cSld>
+  <p:clrMapOvr>
+    <a:masterClrMapping/>
+  </p:clrMapOvr>
+</p:sld>
+</file>
+
+<file path=ppt/slides/slide30.xml><?xml version="1.0" encoding="utf-8"?>
 <p:sld xmlns:a="http://schemas.openxmlformats.org/drawingml/2006/main" xmlns:r="http://schemas.openxmlformats.org/officeDocument/2006/relationships" xmlns:p="http://schemas.openxmlformats.org/presentationml/2006/main">
   <p:cSld>
     <p:spTree>
@@ -10582,449 +11296,7 @@
 </p:sld>
 </file>
 
-<file path=ppt/slides/slide3.xml><?xml version="1.0" encoding="utf-8"?>
-<p:sld xmlns:a="http://schemas.openxmlformats.org/drawingml/2006/main" xmlns:r="http://schemas.openxmlformats.org/officeDocument/2006/relationships" xmlns:p="http://schemas.openxmlformats.org/presentationml/2006/main">
-  <p:cSld>
-    <p:spTree>
-      <p:nvGrpSpPr>
-        <p:cNvPr id="1" name=""/>
-        <p:cNvGrpSpPr/>
-        <p:nvPr/>
-      </p:nvGrpSpPr>
-      <p:grpSpPr>
-        <a:xfrm>
-          <a:off x="0" y="0"/>
-          <a:ext cx="0" cy="0"/>
-          <a:chOff x="0" y="0"/>
-          <a:chExt cx="0" cy="0"/>
-        </a:xfrm>
-      </p:grpSpPr>
-      <p:cxnSp>
-        <p:nvCxnSpPr>
-          <p:cNvPr id="14" name="Straight Connector 13"/>
-          <p:cNvCxnSpPr/>
-          <p:nvPr/>
-        </p:nvCxnSpPr>
-        <p:spPr>
-          <a:xfrm>
-            <a:off x="4406515" y="4832928"/>
-            <a:ext cx="13085" cy="1351972"/>
-          </a:xfrm>
-          <a:prstGeom prst="line">
-            <a:avLst/>
-          </a:prstGeom>
-          <a:ln w="177800" cmpd="sng">
-            <a:solidFill>
-              <a:schemeClr val="tx1"/>
-            </a:solidFill>
-          </a:ln>
-          <a:effectLst/>
-          <a:scene3d>
-            <a:camera prst="perspectiveFront" fov="2400000">
-              <a:rot lat="0" lon="0" rev="0"/>
-            </a:camera>
-            <a:lightRig rig="threePt" dir="t"/>
-          </a:scene3d>
-          <a:sp3d/>
-        </p:spPr>
-        <p:style>
-          <a:lnRef idx="2">
-            <a:schemeClr val="accent1"/>
-          </a:lnRef>
-          <a:fillRef idx="0">
-            <a:schemeClr val="accent1"/>
-          </a:fillRef>
-          <a:effectRef idx="1">
-            <a:schemeClr val="accent1"/>
-          </a:effectRef>
-          <a:fontRef idx="minor">
-            <a:schemeClr val="tx1"/>
-          </a:fontRef>
-        </p:style>
-      </p:cxnSp>
-      <p:cxnSp>
-        <p:nvCxnSpPr>
-          <p:cNvPr id="15" name="Straight Connector 14"/>
-          <p:cNvCxnSpPr/>
-          <p:nvPr/>
-        </p:nvCxnSpPr>
-        <p:spPr>
-          <a:xfrm>
-            <a:off x="4270856" y="4797906"/>
-            <a:ext cx="15394" cy="1285394"/>
-          </a:xfrm>
-          <a:prstGeom prst="line">
-            <a:avLst/>
-          </a:prstGeom>
-          <a:ln w="101600" cmpd="sng">
-            <a:solidFill>
-              <a:schemeClr val="bg1">
-                <a:lumMod val="85000"/>
-              </a:schemeClr>
-            </a:solidFill>
-          </a:ln>
-          <a:effectLst/>
-          <a:scene3d>
-            <a:camera prst="perspectiveFront" fov="2400000">
-              <a:rot lat="0" lon="0" rev="0"/>
-            </a:camera>
-            <a:lightRig rig="threePt" dir="t"/>
-          </a:scene3d>
-          <a:sp3d/>
-        </p:spPr>
-        <p:style>
-          <a:lnRef idx="2">
-            <a:schemeClr val="accent1"/>
-          </a:lnRef>
-          <a:fillRef idx="0">
-            <a:schemeClr val="accent1"/>
-          </a:fillRef>
-          <a:effectRef idx="1">
-            <a:schemeClr val="accent1"/>
-          </a:effectRef>
-          <a:fontRef idx="minor">
-            <a:schemeClr val="tx1"/>
-          </a:fontRef>
-        </p:style>
-      </p:cxnSp>
-      <p:sp>
-        <p:nvSpPr>
-          <p:cNvPr id="17" name="Connector 16"/>
-          <p:cNvSpPr/>
-          <p:nvPr/>
-        </p:nvSpPr>
-        <p:spPr>
-          <a:xfrm>
-            <a:off x="2781300" y="2743848"/>
-            <a:ext cx="3098801" cy="2270729"/>
-          </a:xfrm>
-          <a:prstGeom prst="flowChartConnector">
-            <a:avLst/>
-          </a:prstGeom>
-          <a:gradFill flip="none" rotWithShape="1">
-            <a:gsLst>
-              <a:gs pos="7000">
-                <a:schemeClr val="bg1">
-                  <a:lumMod val="95000"/>
-                </a:schemeClr>
-              </a:gs>
-              <a:gs pos="100000">
-                <a:schemeClr val="tx1">
-                  <a:lumMod val="75000"/>
-                  <a:lumOff val="25000"/>
-                </a:schemeClr>
-              </a:gs>
-            </a:gsLst>
-            <a:path path="circle">
-              <a:fillToRect t="100000" r="100000"/>
-            </a:path>
-            <a:tileRect l="-100000" b="-100000"/>
-          </a:gradFill>
-          <a:ln w="12700" cmpd="sng">
-            <a:solidFill>
-              <a:schemeClr val="bg1">
-                <a:lumMod val="65000"/>
-              </a:schemeClr>
-            </a:solidFill>
-          </a:ln>
-          <a:effectLst/>
-          <a:scene3d>
-            <a:camera prst="orthographicFront">
-              <a:rot lat="20099998" lon="0" rev="0"/>
-            </a:camera>
-            <a:lightRig rig="threePt" dir="t"/>
-          </a:scene3d>
-          <a:sp3d/>
-        </p:spPr>
-        <p:style>
-          <a:lnRef idx="1">
-            <a:schemeClr val="accent1"/>
-          </a:lnRef>
-          <a:fillRef idx="3">
-            <a:schemeClr val="accent1"/>
-          </a:fillRef>
-          <a:effectRef idx="2">
-            <a:schemeClr val="accent1"/>
-          </a:effectRef>
-          <a:fontRef idx="minor">
-            <a:schemeClr val="lt1"/>
-          </a:fontRef>
-        </p:style>
-        <p:txBody>
-          <a:bodyPr rtlCol="0" anchor="ctr"/>
-          <a:lstStyle/>
-          <a:p>
-            <a:pPr algn="ctr"/>
-            <a:endParaRPr lang="en-US"/>
-          </a:p>
-        </p:txBody>
-      </p:sp>
-      <p:sp>
-        <p:nvSpPr>
-          <p:cNvPr id="18" name="Magnetic Disk 17"/>
-          <p:cNvSpPr/>
-          <p:nvPr/>
-        </p:nvSpPr>
-        <p:spPr>
-          <a:xfrm>
-            <a:off x="3402036" y="723906"/>
-            <a:ext cx="1877663" cy="3395004"/>
-          </a:xfrm>
-          <a:prstGeom prst="flowChartMagneticDisk">
-            <a:avLst/>
-          </a:prstGeom>
-          <a:gradFill flip="none" rotWithShape="1">
-            <a:gsLst>
-              <a:gs pos="13000">
-                <a:schemeClr val="tx1">
-                  <a:lumMod val="75000"/>
-                  <a:lumOff val="25000"/>
-                </a:schemeClr>
-              </a:gs>
-              <a:gs pos="97000">
-                <a:schemeClr val="bg1"/>
-              </a:gs>
-            </a:gsLst>
-            <a:lin ang="10800000" scaled="0"/>
-            <a:tileRect/>
-          </a:gradFill>
-          <a:ln w="12700" cmpd="sng">
-            <a:solidFill>
-              <a:schemeClr val="bg1">
-                <a:lumMod val="65000"/>
-              </a:schemeClr>
-            </a:solidFill>
-          </a:ln>
-          <a:effectLst/>
-          <a:scene3d>
-            <a:camera prst="orthographicFront">
-              <a:rot lat="20099998" lon="0" rev="0"/>
-            </a:camera>
-            <a:lightRig rig="threePt" dir="t"/>
-          </a:scene3d>
-          <a:sp3d/>
-        </p:spPr>
-        <p:style>
-          <a:lnRef idx="1">
-            <a:schemeClr val="accent1"/>
-          </a:lnRef>
-          <a:fillRef idx="3">
-            <a:schemeClr val="accent1"/>
-          </a:fillRef>
-          <a:effectRef idx="2">
-            <a:schemeClr val="accent1"/>
-          </a:effectRef>
-          <a:fontRef idx="minor">
-            <a:schemeClr val="lt1"/>
-          </a:fontRef>
-        </p:style>
-        <p:txBody>
-          <a:bodyPr rtlCol="0" anchor="ctr"/>
-          <a:lstStyle/>
-          <a:p>
-            <a:pPr algn="ctr"/>
-            <a:endParaRPr lang="en-US"/>
-          </a:p>
-        </p:txBody>
-      </p:sp>
-      <p:sp>
-        <p:nvSpPr>
-          <p:cNvPr id="3" name="Freeform 2"/>
-          <p:cNvSpPr/>
-          <p:nvPr/>
-        </p:nvSpPr>
-        <p:spPr>
-          <a:xfrm>
-            <a:off x="3877733" y="2116666"/>
-            <a:ext cx="1380067" cy="279913"/>
-          </a:xfrm>
-          <a:custGeom>
-            <a:avLst/>
-            <a:gdLst>
-              <a:gd name="connsiteX0" fmla="*/ 0 w 1329267"/>
-              <a:gd name="connsiteY0" fmla="*/ 228600 h 279913"/>
-              <a:gd name="connsiteX1" fmla="*/ 321734 w 1329267"/>
-              <a:gd name="connsiteY1" fmla="*/ 279400 h 279913"/>
-              <a:gd name="connsiteX2" fmla="*/ 770467 w 1329267"/>
-              <a:gd name="connsiteY2" fmla="*/ 245534 h 279913"/>
-              <a:gd name="connsiteX3" fmla="*/ 1151467 w 1329267"/>
-              <a:gd name="connsiteY3" fmla="*/ 110067 h 279913"/>
-              <a:gd name="connsiteX4" fmla="*/ 1329267 w 1329267"/>
-              <a:gd name="connsiteY4" fmla="*/ 0 h 279913"/>
-            </a:gdLst>
-            <a:ahLst/>
-            <a:cxnLst>
-              <a:cxn ang="0">
-                <a:pos x="connsiteX0" y="connsiteY0"/>
-              </a:cxn>
-              <a:cxn ang="0">
-                <a:pos x="connsiteX1" y="connsiteY1"/>
-              </a:cxn>
-              <a:cxn ang="0">
-                <a:pos x="connsiteX2" y="connsiteY2"/>
-              </a:cxn>
-              <a:cxn ang="0">
-                <a:pos x="connsiteX3" y="connsiteY3"/>
-              </a:cxn>
-              <a:cxn ang="0">
-                <a:pos x="connsiteX4" y="connsiteY4"/>
-              </a:cxn>
-            </a:cxnLst>
-            <a:rect l="l" t="t" r="r" b="b"/>
-            <a:pathLst>
-              <a:path w="1329267" h="279913">
-                <a:moveTo>
-                  <a:pt x="0" y="228600"/>
-                </a:moveTo>
-                <a:cubicBezTo>
-                  <a:pt x="96661" y="252589"/>
-                  <a:pt x="193323" y="276578"/>
-                  <a:pt x="321734" y="279400"/>
-                </a:cubicBezTo>
-                <a:cubicBezTo>
-                  <a:pt x="450145" y="282222"/>
-                  <a:pt x="632178" y="273756"/>
-                  <a:pt x="770467" y="245534"/>
-                </a:cubicBezTo>
-                <a:cubicBezTo>
-                  <a:pt x="908756" y="217312"/>
-                  <a:pt x="1058334" y="150989"/>
-                  <a:pt x="1151467" y="110067"/>
-                </a:cubicBezTo>
-                <a:cubicBezTo>
-                  <a:pt x="1244600" y="69145"/>
-                  <a:pt x="1329267" y="0"/>
-                  <a:pt x="1329267" y="0"/>
-                </a:cubicBezTo>
-              </a:path>
-            </a:pathLst>
-          </a:custGeom>
-          <a:ln w="203200" cap="flat" cmpd="sng">
-            <a:gradFill flip="none" rotWithShape="1">
-              <a:gsLst>
-                <a:gs pos="23000">
-                  <a:schemeClr val="tx1">
-                    <a:lumMod val="85000"/>
-                    <a:lumOff val="15000"/>
-                  </a:schemeClr>
-                </a:gs>
-                <a:gs pos="93000">
-                  <a:prstClr val="white"/>
-                </a:gs>
-              </a:gsLst>
-              <a:lin ang="10800000" scaled="0"/>
-              <a:tileRect/>
-            </a:gradFill>
-          </a:ln>
-          <a:effectLst/>
-        </p:spPr>
-        <p:style>
-          <a:lnRef idx="2">
-            <a:schemeClr val="accent1"/>
-          </a:lnRef>
-          <a:fillRef idx="0">
-            <a:schemeClr val="accent1"/>
-          </a:fillRef>
-          <a:effectRef idx="1">
-            <a:schemeClr val="accent1"/>
-          </a:effectRef>
-          <a:fontRef idx="minor">
-            <a:schemeClr val="tx1"/>
-          </a:fontRef>
-        </p:style>
-        <p:txBody>
-          <a:bodyPr rtlCol="0" anchor="ctr"/>
-          <a:lstStyle/>
-          <a:p>
-            <a:pPr algn="ctr"/>
-            <a:endParaRPr lang="en-US"/>
-          </a:p>
-        </p:txBody>
-      </p:sp>
-      <p:sp>
-        <p:nvSpPr>
-          <p:cNvPr id="19" name="Connector 18"/>
-          <p:cNvSpPr/>
-          <p:nvPr/>
-        </p:nvSpPr>
-        <p:spPr>
-          <a:xfrm>
-            <a:off x="3029749" y="495300"/>
-            <a:ext cx="2637842" cy="1932948"/>
-          </a:xfrm>
-          <a:prstGeom prst="flowChartConnector">
-            <a:avLst/>
-          </a:prstGeom>
-          <a:gradFill flip="none" rotWithShape="1">
-            <a:gsLst>
-              <a:gs pos="14000">
-                <a:schemeClr val="bg1"/>
-              </a:gs>
-              <a:gs pos="100000">
-                <a:schemeClr val="tx1">
-                  <a:lumMod val="75000"/>
-                  <a:lumOff val="25000"/>
-                </a:schemeClr>
-              </a:gs>
-            </a:gsLst>
-            <a:path path="circle">
-              <a:fillToRect t="100000" r="100000"/>
-            </a:path>
-            <a:tileRect l="-100000" b="-100000"/>
-          </a:gradFill>
-          <a:ln w="12700" cmpd="sng">
-            <a:solidFill>
-              <a:schemeClr val="bg1">
-                <a:lumMod val="65000"/>
-              </a:schemeClr>
-            </a:solidFill>
-          </a:ln>
-          <a:effectLst/>
-          <a:scene3d>
-            <a:camera prst="orthographicFront">
-              <a:rot lat="20099998" lon="0" rev="0"/>
-            </a:camera>
-            <a:lightRig rig="threePt" dir="t"/>
-          </a:scene3d>
-          <a:sp3d/>
-        </p:spPr>
-        <p:style>
-          <a:lnRef idx="1">
-            <a:schemeClr val="accent1"/>
-          </a:lnRef>
-          <a:fillRef idx="3">
-            <a:schemeClr val="accent1"/>
-          </a:fillRef>
-          <a:effectRef idx="2">
-            <a:schemeClr val="accent1"/>
-          </a:effectRef>
-          <a:fontRef idx="minor">
-            <a:schemeClr val="lt1"/>
-          </a:fontRef>
-        </p:style>
-        <p:txBody>
-          <a:bodyPr rtlCol="0" anchor="ctr"/>
-          <a:lstStyle/>
-          <a:p>
-            <a:pPr algn="ctr"/>
-            <a:endParaRPr lang="en-US"/>
-          </a:p>
-        </p:txBody>
-      </p:sp>
-    </p:spTree>
-    <p:extLst>
-      <p:ext uri="{BB962C8B-B14F-4D97-AF65-F5344CB8AC3E}">
-        <p14:creationId xmlns:p14="http://schemas.microsoft.com/office/powerpoint/2010/main" val="3184639359"/>
-      </p:ext>
-    </p:extLst>
-  </p:cSld>
-  <p:clrMapOvr>
-    <a:masterClrMapping/>
-  </p:clrMapOvr>
-</p:sld>
-</file>
-
-<file path=ppt/slides/slide30.xml><?xml version="1.0" encoding="utf-8"?>
+<file path=ppt/slides/slide31.xml><?xml version="1.0" encoding="utf-8"?>
 <p:sld xmlns:a="http://schemas.openxmlformats.org/drawingml/2006/main" xmlns:r="http://schemas.openxmlformats.org/officeDocument/2006/relationships" xmlns:p="http://schemas.openxmlformats.org/presentationml/2006/main">
   <p:cSld>
     <p:spTree>
@@ -11526,7 +11798,7 @@
 </p:sld>
 </file>
 
-<file path=ppt/slides/slide31.xml><?xml version="1.0" encoding="utf-8"?>
+<file path=ppt/slides/slide32.xml><?xml version="1.0" encoding="utf-8"?>
 <p:sld xmlns:a="http://schemas.openxmlformats.org/drawingml/2006/main" xmlns:r="http://schemas.openxmlformats.org/officeDocument/2006/relationships" xmlns:p="http://schemas.openxmlformats.org/presentationml/2006/main">
   <p:cSld>
     <p:spTree>
@@ -11931,7 +12203,7 @@
 </p:sld>
 </file>
 
-<file path=ppt/slides/slide32.xml><?xml version="1.0" encoding="utf-8"?>
+<file path=ppt/slides/slide33.xml><?xml version="1.0" encoding="utf-8"?>
 <p:sld xmlns:a="http://schemas.openxmlformats.org/drawingml/2006/main" xmlns:r="http://schemas.openxmlformats.org/officeDocument/2006/relationships" xmlns:p="http://schemas.openxmlformats.org/presentationml/2006/main">
   <p:cSld>
     <p:spTree>
@@ -12466,7 +12738,7 @@
 </p:sld>
 </file>
 
-<file path=ppt/slides/slide33.xml><?xml version="1.0" encoding="utf-8"?>
+<file path=ppt/slides/slide34.xml><?xml version="1.0" encoding="utf-8"?>
 <p:sld xmlns:a="http://schemas.openxmlformats.org/drawingml/2006/main" xmlns:r="http://schemas.openxmlformats.org/officeDocument/2006/relationships" xmlns:p="http://schemas.openxmlformats.org/presentationml/2006/main">
   <p:cSld>
     <p:spTree>
@@ -12654,7 +12926,7 @@
 </p:sld>
 </file>
 
-<file path=ppt/slides/slide34.xml><?xml version="1.0" encoding="utf-8"?>
+<file path=ppt/slides/slide35.xml><?xml version="1.0" encoding="utf-8"?>
 <p:sld xmlns:a="http://schemas.openxmlformats.org/drawingml/2006/main" xmlns:r="http://schemas.openxmlformats.org/officeDocument/2006/relationships" xmlns:p="http://schemas.openxmlformats.org/presentationml/2006/main">
   <p:cSld>
     <p:spTree>
@@ -12875,7 +13147,7 @@
 </p:sld>
 </file>
 
-<file path=ppt/slides/slide35.xml><?xml version="1.0" encoding="utf-8"?>
+<file path=ppt/slides/slide36.xml><?xml version="1.0" encoding="utf-8"?>
 <p:sld xmlns:a="http://schemas.openxmlformats.org/drawingml/2006/main" xmlns:r="http://schemas.openxmlformats.org/officeDocument/2006/relationships" xmlns:p="http://schemas.openxmlformats.org/presentationml/2006/main">
   <p:cSld>
     <p:spTree>
@@ -12968,7 +13240,7 @@
 </p:sld>
 </file>
 
-<file path=ppt/slides/slide36.xml><?xml version="1.0" encoding="utf-8"?>
+<file path=ppt/slides/slide37.xml><?xml version="1.0" encoding="utf-8"?>
 <p:sld xmlns:a="http://schemas.openxmlformats.org/drawingml/2006/main" xmlns:r="http://schemas.openxmlformats.org/officeDocument/2006/relationships" xmlns:p="http://schemas.openxmlformats.org/presentationml/2006/main">
   <p:cSld>
     <p:spTree>
@@ -13132,7 +13404,7 @@
 </p:sld>
 </file>
 
-<file path=ppt/slides/slide37.xml><?xml version="1.0" encoding="utf-8"?>
+<file path=ppt/slides/slide38.xml><?xml version="1.0" encoding="utf-8"?>
 <p:sld xmlns:a="http://schemas.openxmlformats.org/drawingml/2006/main" xmlns:r="http://schemas.openxmlformats.org/officeDocument/2006/relationships" xmlns:p="http://schemas.openxmlformats.org/presentationml/2006/main">
   <p:cSld>
     <p:spTree>
@@ -13229,7 +13501,7 @@
 </p:sld>
 </file>
 
-<file path=ppt/slides/slide38.xml><?xml version="1.0" encoding="utf-8"?>
+<file path=ppt/slides/slide39.xml><?xml version="1.0" encoding="utf-8"?>
 <p:sld xmlns:a="http://schemas.openxmlformats.org/drawingml/2006/main" xmlns:r="http://schemas.openxmlformats.org/officeDocument/2006/relationships" xmlns:p="http://schemas.openxmlformats.org/presentationml/2006/main">
   <p:cSld>
     <p:spTree>
@@ -13360,7 +13632,435 @@
 </p:sld>
 </file>
 
-<file path=ppt/slides/slide39.xml><?xml version="1.0" encoding="utf-8"?>
+<file path=ppt/slides/slide4.xml><?xml version="1.0" encoding="utf-8"?>
+<p:sld xmlns:a="http://schemas.openxmlformats.org/drawingml/2006/main" xmlns:r="http://schemas.openxmlformats.org/officeDocument/2006/relationships" xmlns:p="http://schemas.openxmlformats.org/presentationml/2006/main">
+  <p:cSld>
+    <p:spTree>
+      <p:nvGrpSpPr>
+        <p:cNvPr id="1" name=""/>
+        <p:cNvGrpSpPr/>
+        <p:nvPr/>
+      </p:nvGrpSpPr>
+      <p:grpSpPr>
+        <a:xfrm>
+          <a:off x="0" y="0"/>
+          <a:ext cx="0" cy="0"/>
+          <a:chOff x="0" y="0"/>
+          <a:chExt cx="0" cy="0"/>
+        </a:xfrm>
+      </p:grpSpPr>
+      <p:cxnSp>
+        <p:nvCxnSpPr>
+          <p:cNvPr id="14" name="Straight Connector 13"/>
+          <p:cNvCxnSpPr/>
+          <p:nvPr/>
+        </p:nvCxnSpPr>
+        <p:spPr>
+          <a:xfrm>
+            <a:off x="4406515" y="4832928"/>
+            <a:ext cx="13085" cy="1351972"/>
+          </a:xfrm>
+          <a:prstGeom prst="line">
+            <a:avLst/>
+          </a:prstGeom>
+          <a:ln w="177800" cmpd="sng">
+            <a:solidFill>
+              <a:schemeClr val="tx1"/>
+            </a:solidFill>
+          </a:ln>
+          <a:effectLst/>
+          <a:scene3d>
+            <a:camera prst="perspectiveFront" fov="2400000">
+              <a:rot lat="0" lon="0" rev="0"/>
+            </a:camera>
+            <a:lightRig rig="threePt" dir="t"/>
+          </a:scene3d>
+          <a:sp3d/>
+        </p:spPr>
+        <p:style>
+          <a:lnRef idx="2">
+            <a:schemeClr val="accent1"/>
+          </a:lnRef>
+          <a:fillRef idx="0">
+            <a:schemeClr val="accent1"/>
+          </a:fillRef>
+          <a:effectRef idx="1">
+            <a:schemeClr val="accent1"/>
+          </a:effectRef>
+          <a:fontRef idx="minor">
+            <a:schemeClr val="tx1"/>
+          </a:fontRef>
+        </p:style>
+      </p:cxnSp>
+      <p:cxnSp>
+        <p:nvCxnSpPr>
+          <p:cNvPr id="15" name="Straight Connector 14"/>
+          <p:cNvCxnSpPr/>
+          <p:nvPr/>
+        </p:nvCxnSpPr>
+        <p:spPr>
+          <a:xfrm>
+            <a:off x="4270856" y="4797906"/>
+            <a:ext cx="15394" cy="1285394"/>
+          </a:xfrm>
+          <a:prstGeom prst="line">
+            <a:avLst/>
+          </a:prstGeom>
+          <a:ln w="101600" cmpd="sng">
+            <a:solidFill>
+              <a:schemeClr val="bg1">
+                <a:lumMod val="85000"/>
+              </a:schemeClr>
+            </a:solidFill>
+          </a:ln>
+          <a:effectLst/>
+          <a:scene3d>
+            <a:camera prst="perspectiveFront" fov="2400000">
+              <a:rot lat="0" lon="0" rev="0"/>
+            </a:camera>
+            <a:lightRig rig="threePt" dir="t"/>
+          </a:scene3d>
+          <a:sp3d/>
+        </p:spPr>
+        <p:style>
+          <a:lnRef idx="2">
+            <a:schemeClr val="accent1"/>
+          </a:lnRef>
+          <a:fillRef idx="0">
+            <a:schemeClr val="accent1"/>
+          </a:fillRef>
+          <a:effectRef idx="1">
+            <a:schemeClr val="accent1"/>
+          </a:effectRef>
+          <a:fontRef idx="minor">
+            <a:schemeClr val="tx1"/>
+          </a:fontRef>
+        </p:style>
+      </p:cxnSp>
+      <p:sp>
+        <p:nvSpPr>
+          <p:cNvPr id="17" name="Connector 16"/>
+          <p:cNvSpPr/>
+          <p:nvPr/>
+        </p:nvSpPr>
+        <p:spPr>
+          <a:xfrm>
+            <a:off x="2781300" y="2743848"/>
+            <a:ext cx="3098801" cy="2270729"/>
+          </a:xfrm>
+          <a:prstGeom prst="flowChartConnector">
+            <a:avLst/>
+          </a:prstGeom>
+          <a:gradFill flip="none" rotWithShape="1">
+            <a:gsLst>
+              <a:gs pos="7000">
+                <a:srgbClr val="FFFF00"/>
+              </a:gs>
+              <a:gs pos="100000">
+                <a:schemeClr val="tx1">
+                  <a:lumMod val="75000"/>
+                  <a:lumOff val="25000"/>
+                </a:schemeClr>
+              </a:gs>
+            </a:gsLst>
+            <a:path path="circle">
+              <a:fillToRect t="100000" r="100000"/>
+            </a:path>
+            <a:tileRect l="-100000" b="-100000"/>
+          </a:gradFill>
+          <a:ln w="12700" cmpd="sng">
+            <a:noFill/>
+          </a:ln>
+          <a:effectLst/>
+          <a:scene3d>
+            <a:camera prst="orthographicFront">
+              <a:rot lat="20099998" lon="0" rev="0"/>
+            </a:camera>
+            <a:lightRig rig="threePt" dir="t"/>
+          </a:scene3d>
+          <a:sp3d/>
+        </p:spPr>
+        <p:style>
+          <a:lnRef idx="1">
+            <a:schemeClr val="accent1"/>
+          </a:lnRef>
+          <a:fillRef idx="3">
+            <a:schemeClr val="accent1"/>
+          </a:fillRef>
+          <a:effectRef idx="2">
+            <a:schemeClr val="accent1"/>
+          </a:effectRef>
+          <a:fontRef idx="minor">
+            <a:schemeClr val="lt1"/>
+          </a:fontRef>
+        </p:style>
+        <p:txBody>
+          <a:bodyPr rtlCol="0" anchor="ctr"/>
+          <a:lstStyle/>
+          <a:p>
+            <a:pPr algn="ctr"/>
+            <a:endParaRPr lang="en-US"/>
+          </a:p>
+        </p:txBody>
+      </p:sp>
+      <p:sp>
+        <p:nvSpPr>
+          <p:cNvPr id="18" name="Magnetic Disk 17"/>
+          <p:cNvSpPr/>
+          <p:nvPr/>
+        </p:nvSpPr>
+        <p:spPr>
+          <a:xfrm>
+            <a:off x="3402036" y="723906"/>
+            <a:ext cx="1877663" cy="3395004"/>
+          </a:xfrm>
+          <a:prstGeom prst="flowChartMagneticDisk">
+            <a:avLst/>
+          </a:prstGeom>
+          <a:gradFill flip="none" rotWithShape="1">
+            <a:gsLst>
+              <a:gs pos="13000">
+                <a:schemeClr val="tx1">
+                  <a:lumMod val="75000"/>
+                  <a:lumOff val="25000"/>
+                </a:schemeClr>
+              </a:gs>
+              <a:gs pos="97000">
+                <a:srgbClr val="FFFF00"/>
+              </a:gs>
+            </a:gsLst>
+            <a:lin ang="10800000" scaled="0"/>
+            <a:tileRect/>
+          </a:gradFill>
+          <a:ln w="12700" cmpd="sng">
+            <a:noFill/>
+          </a:ln>
+          <a:effectLst/>
+          <a:scene3d>
+            <a:camera prst="orthographicFront">
+              <a:rot lat="20099998" lon="0" rev="0"/>
+            </a:camera>
+            <a:lightRig rig="threePt" dir="t"/>
+          </a:scene3d>
+          <a:sp3d/>
+        </p:spPr>
+        <p:style>
+          <a:lnRef idx="1">
+            <a:schemeClr val="accent1"/>
+          </a:lnRef>
+          <a:fillRef idx="3">
+            <a:schemeClr val="accent1"/>
+          </a:fillRef>
+          <a:effectRef idx="2">
+            <a:schemeClr val="accent1"/>
+          </a:effectRef>
+          <a:fontRef idx="minor">
+            <a:schemeClr val="lt1"/>
+          </a:fontRef>
+        </p:style>
+        <p:txBody>
+          <a:bodyPr rtlCol="0" anchor="ctr"/>
+          <a:lstStyle/>
+          <a:p>
+            <a:pPr algn="ctr"/>
+            <a:endParaRPr lang="en-US"/>
+          </a:p>
+        </p:txBody>
+      </p:sp>
+      <p:sp>
+        <p:nvSpPr>
+          <p:cNvPr id="3" name="Freeform 2"/>
+          <p:cNvSpPr/>
+          <p:nvPr/>
+        </p:nvSpPr>
+        <p:spPr>
+          <a:xfrm>
+            <a:off x="3877733" y="2116666"/>
+            <a:ext cx="1380067" cy="279913"/>
+          </a:xfrm>
+          <a:custGeom>
+            <a:avLst/>
+            <a:gdLst>
+              <a:gd name="connsiteX0" fmla="*/ 0 w 1329267"/>
+              <a:gd name="connsiteY0" fmla="*/ 228600 h 279913"/>
+              <a:gd name="connsiteX1" fmla="*/ 321734 w 1329267"/>
+              <a:gd name="connsiteY1" fmla="*/ 279400 h 279913"/>
+              <a:gd name="connsiteX2" fmla="*/ 770467 w 1329267"/>
+              <a:gd name="connsiteY2" fmla="*/ 245534 h 279913"/>
+              <a:gd name="connsiteX3" fmla="*/ 1151467 w 1329267"/>
+              <a:gd name="connsiteY3" fmla="*/ 110067 h 279913"/>
+              <a:gd name="connsiteX4" fmla="*/ 1329267 w 1329267"/>
+              <a:gd name="connsiteY4" fmla="*/ 0 h 279913"/>
+            </a:gdLst>
+            <a:ahLst/>
+            <a:cxnLst>
+              <a:cxn ang="0">
+                <a:pos x="connsiteX0" y="connsiteY0"/>
+              </a:cxn>
+              <a:cxn ang="0">
+                <a:pos x="connsiteX1" y="connsiteY1"/>
+              </a:cxn>
+              <a:cxn ang="0">
+                <a:pos x="connsiteX2" y="connsiteY2"/>
+              </a:cxn>
+              <a:cxn ang="0">
+                <a:pos x="connsiteX3" y="connsiteY3"/>
+              </a:cxn>
+              <a:cxn ang="0">
+                <a:pos x="connsiteX4" y="connsiteY4"/>
+              </a:cxn>
+            </a:cxnLst>
+            <a:rect l="l" t="t" r="r" b="b"/>
+            <a:pathLst>
+              <a:path w="1329267" h="279913">
+                <a:moveTo>
+                  <a:pt x="0" y="228600"/>
+                </a:moveTo>
+                <a:cubicBezTo>
+                  <a:pt x="96661" y="252589"/>
+                  <a:pt x="193323" y="276578"/>
+                  <a:pt x="321734" y="279400"/>
+                </a:cubicBezTo>
+                <a:cubicBezTo>
+                  <a:pt x="450145" y="282222"/>
+                  <a:pt x="632178" y="273756"/>
+                  <a:pt x="770467" y="245534"/>
+                </a:cubicBezTo>
+                <a:cubicBezTo>
+                  <a:pt x="908756" y="217312"/>
+                  <a:pt x="1058334" y="150989"/>
+                  <a:pt x="1151467" y="110067"/>
+                </a:cubicBezTo>
+                <a:cubicBezTo>
+                  <a:pt x="1244600" y="69145"/>
+                  <a:pt x="1329267" y="0"/>
+                  <a:pt x="1329267" y="0"/>
+                </a:cubicBezTo>
+              </a:path>
+            </a:pathLst>
+          </a:custGeom>
+          <a:ln w="203200" cap="flat" cmpd="sng">
+            <a:gradFill flip="none" rotWithShape="1">
+              <a:gsLst>
+                <a:gs pos="23000">
+                  <a:schemeClr val="tx1">
+                    <a:lumMod val="85000"/>
+                    <a:lumOff val="15000"/>
+                  </a:schemeClr>
+                </a:gs>
+                <a:gs pos="93000">
+                  <a:srgbClr val="FFFF00"/>
+                </a:gs>
+              </a:gsLst>
+              <a:lin ang="10800000" scaled="0"/>
+              <a:tileRect/>
+            </a:gradFill>
+          </a:ln>
+          <a:effectLst/>
+        </p:spPr>
+        <p:style>
+          <a:lnRef idx="2">
+            <a:schemeClr val="accent1"/>
+          </a:lnRef>
+          <a:fillRef idx="0">
+            <a:schemeClr val="accent1"/>
+          </a:fillRef>
+          <a:effectRef idx="1">
+            <a:schemeClr val="accent1"/>
+          </a:effectRef>
+          <a:fontRef idx="minor">
+            <a:schemeClr val="tx1"/>
+          </a:fontRef>
+        </p:style>
+        <p:txBody>
+          <a:bodyPr rtlCol="0" anchor="ctr"/>
+          <a:lstStyle/>
+          <a:p>
+            <a:pPr algn="ctr"/>
+            <a:endParaRPr lang="en-US"/>
+          </a:p>
+        </p:txBody>
+      </p:sp>
+      <p:sp>
+        <p:nvSpPr>
+          <p:cNvPr id="19" name="Connector 18"/>
+          <p:cNvSpPr/>
+          <p:nvPr/>
+        </p:nvSpPr>
+        <p:spPr>
+          <a:xfrm>
+            <a:off x="3029749" y="495300"/>
+            <a:ext cx="2637842" cy="1932948"/>
+          </a:xfrm>
+          <a:prstGeom prst="flowChartConnector">
+            <a:avLst/>
+          </a:prstGeom>
+          <a:gradFill flip="none" rotWithShape="1">
+            <a:gsLst>
+              <a:gs pos="14000">
+                <a:srgbClr val="FFFF00"/>
+              </a:gs>
+              <a:gs pos="100000">
+                <a:schemeClr val="tx1">
+                  <a:lumMod val="75000"/>
+                  <a:lumOff val="25000"/>
+                </a:schemeClr>
+              </a:gs>
+            </a:gsLst>
+            <a:path path="circle">
+              <a:fillToRect t="100000" r="100000"/>
+            </a:path>
+            <a:tileRect l="-100000" b="-100000"/>
+          </a:gradFill>
+          <a:ln w="12700" cmpd="sng">
+            <a:noFill/>
+          </a:ln>
+          <a:effectLst/>
+          <a:scene3d>
+            <a:camera prst="orthographicFront">
+              <a:rot lat="20099998" lon="0" rev="0"/>
+            </a:camera>
+            <a:lightRig rig="threePt" dir="t"/>
+          </a:scene3d>
+          <a:sp3d/>
+        </p:spPr>
+        <p:style>
+          <a:lnRef idx="1">
+            <a:schemeClr val="accent1"/>
+          </a:lnRef>
+          <a:fillRef idx="3">
+            <a:schemeClr val="accent1"/>
+          </a:fillRef>
+          <a:effectRef idx="2">
+            <a:schemeClr val="accent1"/>
+          </a:effectRef>
+          <a:fontRef idx="minor">
+            <a:schemeClr val="lt1"/>
+          </a:fontRef>
+        </p:style>
+        <p:txBody>
+          <a:bodyPr rtlCol="0" anchor="ctr"/>
+          <a:lstStyle/>
+          <a:p>
+            <a:pPr algn="ctr"/>
+            <a:endParaRPr lang="en-US"/>
+          </a:p>
+        </p:txBody>
+      </p:sp>
+    </p:spTree>
+    <p:extLst>
+      <p:ext uri="{BB962C8B-B14F-4D97-AF65-F5344CB8AC3E}">
+        <p14:creationId xmlns:p14="http://schemas.microsoft.com/office/powerpoint/2010/main" val="1837503632"/>
+      </p:ext>
+    </p:extLst>
+  </p:cSld>
+  <p:clrMapOvr>
+    <a:masterClrMapping/>
+  </p:clrMapOvr>
+</p:sld>
+</file>
+
+<file path=ppt/slides/slide40.xml><?xml version="1.0" encoding="utf-8"?>
 <p:sld xmlns:a="http://schemas.openxmlformats.org/drawingml/2006/main" xmlns:r="http://schemas.openxmlformats.org/officeDocument/2006/relationships" xmlns:p="http://schemas.openxmlformats.org/presentationml/2006/main">
   <p:cSld>
     <p:spTree>
@@ -13965,435 +14665,7 @@
 </p:sld>
 </file>
 
-<file path=ppt/slides/slide4.xml><?xml version="1.0" encoding="utf-8"?>
-<p:sld xmlns:a="http://schemas.openxmlformats.org/drawingml/2006/main" xmlns:r="http://schemas.openxmlformats.org/officeDocument/2006/relationships" xmlns:p="http://schemas.openxmlformats.org/presentationml/2006/main">
-  <p:cSld>
-    <p:spTree>
-      <p:nvGrpSpPr>
-        <p:cNvPr id="1" name=""/>
-        <p:cNvGrpSpPr/>
-        <p:nvPr/>
-      </p:nvGrpSpPr>
-      <p:grpSpPr>
-        <a:xfrm>
-          <a:off x="0" y="0"/>
-          <a:ext cx="0" cy="0"/>
-          <a:chOff x="0" y="0"/>
-          <a:chExt cx="0" cy="0"/>
-        </a:xfrm>
-      </p:grpSpPr>
-      <p:cxnSp>
-        <p:nvCxnSpPr>
-          <p:cNvPr id="14" name="Straight Connector 13"/>
-          <p:cNvCxnSpPr/>
-          <p:nvPr/>
-        </p:nvCxnSpPr>
-        <p:spPr>
-          <a:xfrm>
-            <a:off x="4406515" y="4832928"/>
-            <a:ext cx="13085" cy="1351972"/>
-          </a:xfrm>
-          <a:prstGeom prst="line">
-            <a:avLst/>
-          </a:prstGeom>
-          <a:ln w="177800" cmpd="sng">
-            <a:solidFill>
-              <a:schemeClr val="tx1"/>
-            </a:solidFill>
-          </a:ln>
-          <a:effectLst/>
-          <a:scene3d>
-            <a:camera prst="perspectiveFront" fov="2400000">
-              <a:rot lat="0" lon="0" rev="0"/>
-            </a:camera>
-            <a:lightRig rig="threePt" dir="t"/>
-          </a:scene3d>
-          <a:sp3d/>
-        </p:spPr>
-        <p:style>
-          <a:lnRef idx="2">
-            <a:schemeClr val="accent1"/>
-          </a:lnRef>
-          <a:fillRef idx="0">
-            <a:schemeClr val="accent1"/>
-          </a:fillRef>
-          <a:effectRef idx="1">
-            <a:schemeClr val="accent1"/>
-          </a:effectRef>
-          <a:fontRef idx="minor">
-            <a:schemeClr val="tx1"/>
-          </a:fontRef>
-        </p:style>
-      </p:cxnSp>
-      <p:cxnSp>
-        <p:nvCxnSpPr>
-          <p:cNvPr id="15" name="Straight Connector 14"/>
-          <p:cNvCxnSpPr/>
-          <p:nvPr/>
-        </p:nvCxnSpPr>
-        <p:spPr>
-          <a:xfrm>
-            <a:off x="4270856" y="4797906"/>
-            <a:ext cx="15394" cy="1285394"/>
-          </a:xfrm>
-          <a:prstGeom prst="line">
-            <a:avLst/>
-          </a:prstGeom>
-          <a:ln w="101600" cmpd="sng">
-            <a:solidFill>
-              <a:schemeClr val="bg1">
-                <a:lumMod val="85000"/>
-              </a:schemeClr>
-            </a:solidFill>
-          </a:ln>
-          <a:effectLst/>
-          <a:scene3d>
-            <a:camera prst="perspectiveFront" fov="2400000">
-              <a:rot lat="0" lon="0" rev="0"/>
-            </a:camera>
-            <a:lightRig rig="threePt" dir="t"/>
-          </a:scene3d>
-          <a:sp3d/>
-        </p:spPr>
-        <p:style>
-          <a:lnRef idx="2">
-            <a:schemeClr val="accent1"/>
-          </a:lnRef>
-          <a:fillRef idx="0">
-            <a:schemeClr val="accent1"/>
-          </a:fillRef>
-          <a:effectRef idx="1">
-            <a:schemeClr val="accent1"/>
-          </a:effectRef>
-          <a:fontRef idx="minor">
-            <a:schemeClr val="tx1"/>
-          </a:fontRef>
-        </p:style>
-      </p:cxnSp>
-      <p:sp>
-        <p:nvSpPr>
-          <p:cNvPr id="17" name="Connector 16"/>
-          <p:cNvSpPr/>
-          <p:nvPr/>
-        </p:nvSpPr>
-        <p:spPr>
-          <a:xfrm>
-            <a:off x="2781300" y="2743848"/>
-            <a:ext cx="3098801" cy="2270729"/>
-          </a:xfrm>
-          <a:prstGeom prst="flowChartConnector">
-            <a:avLst/>
-          </a:prstGeom>
-          <a:gradFill flip="none" rotWithShape="1">
-            <a:gsLst>
-              <a:gs pos="7000">
-                <a:srgbClr val="FFFF00"/>
-              </a:gs>
-              <a:gs pos="100000">
-                <a:schemeClr val="tx1">
-                  <a:lumMod val="75000"/>
-                  <a:lumOff val="25000"/>
-                </a:schemeClr>
-              </a:gs>
-            </a:gsLst>
-            <a:path path="circle">
-              <a:fillToRect t="100000" r="100000"/>
-            </a:path>
-            <a:tileRect l="-100000" b="-100000"/>
-          </a:gradFill>
-          <a:ln w="12700" cmpd="sng">
-            <a:noFill/>
-          </a:ln>
-          <a:effectLst/>
-          <a:scene3d>
-            <a:camera prst="orthographicFront">
-              <a:rot lat="20099998" lon="0" rev="0"/>
-            </a:camera>
-            <a:lightRig rig="threePt" dir="t"/>
-          </a:scene3d>
-          <a:sp3d/>
-        </p:spPr>
-        <p:style>
-          <a:lnRef idx="1">
-            <a:schemeClr val="accent1"/>
-          </a:lnRef>
-          <a:fillRef idx="3">
-            <a:schemeClr val="accent1"/>
-          </a:fillRef>
-          <a:effectRef idx="2">
-            <a:schemeClr val="accent1"/>
-          </a:effectRef>
-          <a:fontRef idx="minor">
-            <a:schemeClr val="lt1"/>
-          </a:fontRef>
-        </p:style>
-        <p:txBody>
-          <a:bodyPr rtlCol="0" anchor="ctr"/>
-          <a:lstStyle/>
-          <a:p>
-            <a:pPr algn="ctr"/>
-            <a:endParaRPr lang="en-US"/>
-          </a:p>
-        </p:txBody>
-      </p:sp>
-      <p:sp>
-        <p:nvSpPr>
-          <p:cNvPr id="18" name="Magnetic Disk 17"/>
-          <p:cNvSpPr/>
-          <p:nvPr/>
-        </p:nvSpPr>
-        <p:spPr>
-          <a:xfrm>
-            <a:off x="3402036" y="723906"/>
-            <a:ext cx="1877663" cy="3395004"/>
-          </a:xfrm>
-          <a:prstGeom prst="flowChartMagneticDisk">
-            <a:avLst/>
-          </a:prstGeom>
-          <a:gradFill flip="none" rotWithShape="1">
-            <a:gsLst>
-              <a:gs pos="13000">
-                <a:schemeClr val="tx1">
-                  <a:lumMod val="75000"/>
-                  <a:lumOff val="25000"/>
-                </a:schemeClr>
-              </a:gs>
-              <a:gs pos="97000">
-                <a:srgbClr val="FFFF00"/>
-              </a:gs>
-            </a:gsLst>
-            <a:lin ang="10800000" scaled="0"/>
-            <a:tileRect/>
-          </a:gradFill>
-          <a:ln w="12700" cmpd="sng">
-            <a:noFill/>
-          </a:ln>
-          <a:effectLst/>
-          <a:scene3d>
-            <a:camera prst="orthographicFront">
-              <a:rot lat="20099998" lon="0" rev="0"/>
-            </a:camera>
-            <a:lightRig rig="threePt" dir="t"/>
-          </a:scene3d>
-          <a:sp3d/>
-        </p:spPr>
-        <p:style>
-          <a:lnRef idx="1">
-            <a:schemeClr val="accent1"/>
-          </a:lnRef>
-          <a:fillRef idx="3">
-            <a:schemeClr val="accent1"/>
-          </a:fillRef>
-          <a:effectRef idx="2">
-            <a:schemeClr val="accent1"/>
-          </a:effectRef>
-          <a:fontRef idx="minor">
-            <a:schemeClr val="lt1"/>
-          </a:fontRef>
-        </p:style>
-        <p:txBody>
-          <a:bodyPr rtlCol="0" anchor="ctr"/>
-          <a:lstStyle/>
-          <a:p>
-            <a:pPr algn="ctr"/>
-            <a:endParaRPr lang="en-US"/>
-          </a:p>
-        </p:txBody>
-      </p:sp>
-      <p:sp>
-        <p:nvSpPr>
-          <p:cNvPr id="3" name="Freeform 2"/>
-          <p:cNvSpPr/>
-          <p:nvPr/>
-        </p:nvSpPr>
-        <p:spPr>
-          <a:xfrm>
-            <a:off x="3877733" y="2116666"/>
-            <a:ext cx="1380067" cy="279913"/>
-          </a:xfrm>
-          <a:custGeom>
-            <a:avLst/>
-            <a:gdLst>
-              <a:gd name="connsiteX0" fmla="*/ 0 w 1329267"/>
-              <a:gd name="connsiteY0" fmla="*/ 228600 h 279913"/>
-              <a:gd name="connsiteX1" fmla="*/ 321734 w 1329267"/>
-              <a:gd name="connsiteY1" fmla="*/ 279400 h 279913"/>
-              <a:gd name="connsiteX2" fmla="*/ 770467 w 1329267"/>
-              <a:gd name="connsiteY2" fmla="*/ 245534 h 279913"/>
-              <a:gd name="connsiteX3" fmla="*/ 1151467 w 1329267"/>
-              <a:gd name="connsiteY3" fmla="*/ 110067 h 279913"/>
-              <a:gd name="connsiteX4" fmla="*/ 1329267 w 1329267"/>
-              <a:gd name="connsiteY4" fmla="*/ 0 h 279913"/>
-            </a:gdLst>
-            <a:ahLst/>
-            <a:cxnLst>
-              <a:cxn ang="0">
-                <a:pos x="connsiteX0" y="connsiteY0"/>
-              </a:cxn>
-              <a:cxn ang="0">
-                <a:pos x="connsiteX1" y="connsiteY1"/>
-              </a:cxn>
-              <a:cxn ang="0">
-                <a:pos x="connsiteX2" y="connsiteY2"/>
-              </a:cxn>
-              <a:cxn ang="0">
-                <a:pos x="connsiteX3" y="connsiteY3"/>
-              </a:cxn>
-              <a:cxn ang="0">
-                <a:pos x="connsiteX4" y="connsiteY4"/>
-              </a:cxn>
-            </a:cxnLst>
-            <a:rect l="l" t="t" r="r" b="b"/>
-            <a:pathLst>
-              <a:path w="1329267" h="279913">
-                <a:moveTo>
-                  <a:pt x="0" y="228600"/>
-                </a:moveTo>
-                <a:cubicBezTo>
-                  <a:pt x="96661" y="252589"/>
-                  <a:pt x="193323" y="276578"/>
-                  <a:pt x="321734" y="279400"/>
-                </a:cubicBezTo>
-                <a:cubicBezTo>
-                  <a:pt x="450145" y="282222"/>
-                  <a:pt x="632178" y="273756"/>
-                  <a:pt x="770467" y="245534"/>
-                </a:cubicBezTo>
-                <a:cubicBezTo>
-                  <a:pt x="908756" y="217312"/>
-                  <a:pt x="1058334" y="150989"/>
-                  <a:pt x="1151467" y="110067"/>
-                </a:cubicBezTo>
-                <a:cubicBezTo>
-                  <a:pt x="1244600" y="69145"/>
-                  <a:pt x="1329267" y="0"/>
-                  <a:pt x="1329267" y="0"/>
-                </a:cubicBezTo>
-              </a:path>
-            </a:pathLst>
-          </a:custGeom>
-          <a:ln w="203200" cap="flat" cmpd="sng">
-            <a:gradFill flip="none" rotWithShape="1">
-              <a:gsLst>
-                <a:gs pos="23000">
-                  <a:schemeClr val="tx1">
-                    <a:lumMod val="85000"/>
-                    <a:lumOff val="15000"/>
-                  </a:schemeClr>
-                </a:gs>
-                <a:gs pos="93000">
-                  <a:srgbClr val="FFFF00"/>
-                </a:gs>
-              </a:gsLst>
-              <a:lin ang="10800000" scaled="0"/>
-              <a:tileRect/>
-            </a:gradFill>
-          </a:ln>
-          <a:effectLst/>
-        </p:spPr>
-        <p:style>
-          <a:lnRef idx="2">
-            <a:schemeClr val="accent1"/>
-          </a:lnRef>
-          <a:fillRef idx="0">
-            <a:schemeClr val="accent1"/>
-          </a:fillRef>
-          <a:effectRef idx="1">
-            <a:schemeClr val="accent1"/>
-          </a:effectRef>
-          <a:fontRef idx="minor">
-            <a:schemeClr val="tx1"/>
-          </a:fontRef>
-        </p:style>
-        <p:txBody>
-          <a:bodyPr rtlCol="0" anchor="ctr"/>
-          <a:lstStyle/>
-          <a:p>
-            <a:pPr algn="ctr"/>
-            <a:endParaRPr lang="en-US"/>
-          </a:p>
-        </p:txBody>
-      </p:sp>
-      <p:sp>
-        <p:nvSpPr>
-          <p:cNvPr id="19" name="Connector 18"/>
-          <p:cNvSpPr/>
-          <p:nvPr/>
-        </p:nvSpPr>
-        <p:spPr>
-          <a:xfrm>
-            <a:off x="3029749" y="495300"/>
-            <a:ext cx="2637842" cy="1932948"/>
-          </a:xfrm>
-          <a:prstGeom prst="flowChartConnector">
-            <a:avLst/>
-          </a:prstGeom>
-          <a:gradFill flip="none" rotWithShape="1">
-            <a:gsLst>
-              <a:gs pos="14000">
-                <a:srgbClr val="FFFF00"/>
-              </a:gs>
-              <a:gs pos="100000">
-                <a:schemeClr val="tx1">
-                  <a:lumMod val="75000"/>
-                  <a:lumOff val="25000"/>
-                </a:schemeClr>
-              </a:gs>
-            </a:gsLst>
-            <a:path path="circle">
-              <a:fillToRect t="100000" r="100000"/>
-            </a:path>
-            <a:tileRect l="-100000" b="-100000"/>
-          </a:gradFill>
-          <a:ln w="12700" cmpd="sng">
-            <a:noFill/>
-          </a:ln>
-          <a:effectLst/>
-          <a:scene3d>
-            <a:camera prst="orthographicFront">
-              <a:rot lat="20099998" lon="0" rev="0"/>
-            </a:camera>
-            <a:lightRig rig="threePt" dir="t"/>
-          </a:scene3d>
-          <a:sp3d/>
-        </p:spPr>
-        <p:style>
-          <a:lnRef idx="1">
-            <a:schemeClr val="accent1"/>
-          </a:lnRef>
-          <a:fillRef idx="3">
-            <a:schemeClr val="accent1"/>
-          </a:fillRef>
-          <a:effectRef idx="2">
-            <a:schemeClr val="accent1"/>
-          </a:effectRef>
-          <a:fontRef idx="minor">
-            <a:schemeClr val="lt1"/>
-          </a:fontRef>
-        </p:style>
-        <p:txBody>
-          <a:bodyPr rtlCol="0" anchor="ctr"/>
-          <a:lstStyle/>
-          <a:p>
-            <a:pPr algn="ctr"/>
-            <a:endParaRPr lang="en-US"/>
-          </a:p>
-        </p:txBody>
-      </p:sp>
-    </p:spTree>
-    <p:extLst>
-      <p:ext uri="{BB962C8B-B14F-4D97-AF65-F5344CB8AC3E}">
-        <p14:creationId xmlns:p14="http://schemas.microsoft.com/office/powerpoint/2010/main" val="1837503632"/>
-      </p:ext>
-    </p:extLst>
-  </p:cSld>
-  <p:clrMapOvr>
-    <a:masterClrMapping/>
-  </p:clrMapOvr>
-</p:sld>
-</file>
-
-<file path=ppt/slides/slide40.xml><?xml version="1.0" encoding="utf-8"?>
+<file path=ppt/slides/slide41.xml><?xml version="1.0" encoding="utf-8"?>
 <p:sld xmlns:a="http://schemas.openxmlformats.org/drawingml/2006/main" xmlns:r="http://schemas.openxmlformats.org/officeDocument/2006/relationships" xmlns:p="http://schemas.openxmlformats.org/presentationml/2006/main">
   <p:cSld>
     <p:spTree>
@@ -14624,7 +14896,7 @@
 </p:sld>
 </file>
 
-<file path=ppt/slides/slide41.xml><?xml version="1.0" encoding="utf-8"?>
+<file path=ppt/slides/slide42.xml><?xml version="1.0" encoding="utf-8"?>
 <p:sld xmlns:a="http://schemas.openxmlformats.org/drawingml/2006/main" xmlns:r="http://schemas.openxmlformats.org/officeDocument/2006/relationships" xmlns:p="http://schemas.openxmlformats.org/presentationml/2006/main">
   <p:cSld>
     <p:spTree>
@@ -14810,7 +15082,7 @@
 </p:sld>
 </file>
 
-<file path=ppt/slides/slide42.xml><?xml version="1.0" encoding="utf-8"?>
+<file path=ppt/slides/slide43.xml><?xml version="1.0" encoding="utf-8"?>
 <p:sld xmlns:a="http://schemas.openxmlformats.org/drawingml/2006/main" xmlns:r="http://schemas.openxmlformats.org/officeDocument/2006/relationships" xmlns:p="http://schemas.openxmlformats.org/presentationml/2006/main">
   <p:cSld>
     <p:spTree>
@@ -14974,7 +15246,7 @@
 </p:sld>
 </file>
 
-<file path=ppt/slides/slide43.xml><?xml version="1.0" encoding="utf-8"?>
+<file path=ppt/slides/slide44.xml><?xml version="1.0" encoding="utf-8"?>
 <p:sld xmlns:a="http://schemas.openxmlformats.org/drawingml/2006/main" xmlns:r="http://schemas.openxmlformats.org/officeDocument/2006/relationships" xmlns:p="http://schemas.openxmlformats.org/presentationml/2006/main">
   <p:cSld>
     <p:spTree>
@@ -15437,7 +15709,7 @@
 </p:sld>
 </file>
 
-<file path=ppt/slides/slide44.xml><?xml version="1.0" encoding="utf-8"?>
+<file path=ppt/slides/slide45.xml><?xml version="1.0" encoding="utf-8"?>
 <p:sld xmlns:a="http://schemas.openxmlformats.org/drawingml/2006/main" xmlns:r="http://schemas.openxmlformats.org/officeDocument/2006/relationships" xmlns:p="http://schemas.openxmlformats.org/presentationml/2006/main">
   <p:cSld>
     <p:spTree>
@@ -15552,7 +15824,7 @@
 </p:sld>
 </file>
 
-<file path=ppt/slides/slide45.xml><?xml version="1.0" encoding="utf-8"?>
+<file path=ppt/slides/slide46.xml><?xml version="1.0" encoding="utf-8"?>
 <p:sld xmlns:a="http://schemas.openxmlformats.org/drawingml/2006/main" xmlns:r="http://schemas.openxmlformats.org/officeDocument/2006/relationships" xmlns:p="http://schemas.openxmlformats.org/presentationml/2006/main">
   <p:cSld>
     <p:spTree>
@@ -15852,7 +16124,7 @@
 </p:sld>
 </file>
 
-<file path=ppt/slides/slide46.xml><?xml version="1.0" encoding="utf-8"?>
+<file path=ppt/slides/slide47.xml><?xml version="1.0" encoding="utf-8"?>
 <p:sld xmlns:a="http://schemas.openxmlformats.org/drawingml/2006/main" xmlns:r="http://schemas.openxmlformats.org/officeDocument/2006/relationships" xmlns:p="http://schemas.openxmlformats.org/presentationml/2006/main">
   <p:cSld>
     <p:spTree>
@@ -16008,7 +16280,7 @@
 </p:sld>
 </file>
 
-<file path=ppt/slides/slide47.xml><?xml version="1.0" encoding="utf-8"?>
+<file path=ppt/slides/slide48.xml><?xml version="1.0" encoding="utf-8"?>
 <p:sld xmlns:a="http://schemas.openxmlformats.org/drawingml/2006/main" xmlns:r="http://schemas.openxmlformats.org/officeDocument/2006/relationships" xmlns:p="http://schemas.openxmlformats.org/presentationml/2006/main">
   <p:cSld>
     <p:spTree>
@@ -16239,7 +16511,7 @@
 </p:sld>
 </file>
 
-<file path=ppt/slides/slide48.xml><?xml version="1.0" encoding="utf-8"?>
+<file path=ppt/slides/slide49.xml><?xml version="1.0" encoding="utf-8"?>
 <p:sld xmlns:a="http://schemas.openxmlformats.org/drawingml/2006/main" xmlns:r="http://schemas.openxmlformats.org/officeDocument/2006/relationships" xmlns:p="http://schemas.openxmlformats.org/presentationml/2006/main">
   <p:cSld>
     <p:spTree>
@@ -16461,122 +16733,6 @@
     <p:extLst>
       <p:ext uri="{BB962C8B-B14F-4D97-AF65-F5344CB8AC3E}">
         <p14:creationId xmlns:p14="http://schemas.microsoft.com/office/powerpoint/2010/main" val="2780887563"/>
-      </p:ext>
-    </p:extLst>
-  </p:cSld>
-  <p:clrMapOvr>
-    <a:masterClrMapping/>
-  </p:clrMapOvr>
-</p:sld>
-</file>
-
-<file path=ppt/slides/slide49.xml><?xml version="1.0" encoding="utf-8"?>
-<p:sld xmlns:a="http://schemas.openxmlformats.org/drawingml/2006/main" xmlns:r="http://schemas.openxmlformats.org/officeDocument/2006/relationships" xmlns:p="http://schemas.openxmlformats.org/presentationml/2006/main">
-  <p:cSld>
-    <p:spTree>
-      <p:nvGrpSpPr>
-        <p:cNvPr id="1" name=""/>
-        <p:cNvGrpSpPr/>
-        <p:nvPr/>
-      </p:nvGrpSpPr>
-      <p:grpSpPr>
-        <a:xfrm>
-          <a:off x="0" y="0"/>
-          <a:ext cx="0" cy="0"/>
-          <a:chOff x="0" y="0"/>
-          <a:chExt cx="0" cy="0"/>
-        </a:xfrm>
-      </p:grpSpPr>
-      <p:sp>
-        <p:nvSpPr>
-          <p:cNvPr id="5" name="Circular Arrow 4"/>
-          <p:cNvSpPr/>
-          <p:nvPr/>
-        </p:nvSpPr>
-        <p:spPr>
-          <a:xfrm>
-            <a:off x="2277532" y="1054100"/>
-            <a:ext cx="4493940" cy="4296102"/>
-          </a:xfrm>
-          <a:prstGeom prst="circularArrow">
-            <a:avLst/>
-          </a:prstGeom>
-          <a:effectLst/>
-        </p:spPr>
-        <p:style>
-          <a:lnRef idx="1">
-            <a:schemeClr val="accent1"/>
-          </a:lnRef>
-          <a:fillRef idx="3">
-            <a:schemeClr val="accent1"/>
-          </a:fillRef>
-          <a:effectRef idx="2">
-            <a:schemeClr val="accent1"/>
-          </a:effectRef>
-          <a:fontRef idx="minor">
-            <a:schemeClr val="lt1"/>
-          </a:fontRef>
-        </p:style>
-        <p:txBody>
-          <a:bodyPr rtlCol="0" anchor="ctr"/>
-          <a:lstStyle/>
-          <a:p>
-            <a:pPr algn="ctr"/>
-            <a:endParaRPr lang="en-US">
-              <a:solidFill>
-                <a:schemeClr val="tx1"/>
-              </a:solidFill>
-            </a:endParaRPr>
-          </a:p>
-        </p:txBody>
-      </p:sp>
-      <p:sp>
-        <p:nvSpPr>
-          <p:cNvPr id="6" name="Circular Arrow 5"/>
-          <p:cNvSpPr/>
-          <p:nvPr/>
-        </p:nvSpPr>
-        <p:spPr>
-          <a:xfrm flipH="1" flipV="1">
-            <a:off x="2203193" y="1521860"/>
-            <a:ext cx="4493940" cy="4180440"/>
-          </a:xfrm>
-          <a:prstGeom prst="circularArrow">
-            <a:avLst/>
-          </a:prstGeom>
-          <a:effectLst/>
-        </p:spPr>
-        <p:style>
-          <a:lnRef idx="1">
-            <a:schemeClr val="accent1"/>
-          </a:lnRef>
-          <a:fillRef idx="3">
-            <a:schemeClr val="accent1"/>
-          </a:fillRef>
-          <a:effectRef idx="2">
-            <a:schemeClr val="accent1"/>
-          </a:effectRef>
-          <a:fontRef idx="minor">
-            <a:schemeClr val="lt1"/>
-          </a:fontRef>
-        </p:style>
-        <p:txBody>
-          <a:bodyPr rtlCol="0" anchor="ctr"/>
-          <a:lstStyle/>
-          <a:p>
-            <a:pPr algn="ctr"/>
-            <a:endParaRPr lang="en-US">
-              <a:solidFill>
-                <a:schemeClr val="tx1"/>
-              </a:solidFill>
-            </a:endParaRPr>
-          </a:p>
-        </p:txBody>
-      </p:sp>
-    </p:spTree>
-    <p:extLst>
-      <p:ext uri="{BB962C8B-B14F-4D97-AF65-F5344CB8AC3E}">
-        <p14:creationId xmlns:p14="http://schemas.microsoft.com/office/powerpoint/2010/main" val="1387979101"/>
       </p:ext>
     </p:extLst>
   </p:cSld>
@@ -17714,6 +17870,122 @@
       </p:grpSpPr>
       <p:sp>
         <p:nvSpPr>
+          <p:cNvPr id="5" name="Circular Arrow 4"/>
+          <p:cNvSpPr/>
+          <p:nvPr/>
+        </p:nvSpPr>
+        <p:spPr>
+          <a:xfrm>
+            <a:off x="2277532" y="1054100"/>
+            <a:ext cx="4493940" cy="4296102"/>
+          </a:xfrm>
+          <a:prstGeom prst="circularArrow">
+            <a:avLst/>
+          </a:prstGeom>
+          <a:effectLst/>
+        </p:spPr>
+        <p:style>
+          <a:lnRef idx="1">
+            <a:schemeClr val="accent1"/>
+          </a:lnRef>
+          <a:fillRef idx="3">
+            <a:schemeClr val="accent1"/>
+          </a:fillRef>
+          <a:effectRef idx="2">
+            <a:schemeClr val="accent1"/>
+          </a:effectRef>
+          <a:fontRef idx="minor">
+            <a:schemeClr val="lt1"/>
+          </a:fontRef>
+        </p:style>
+        <p:txBody>
+          <a:bodyPr rtlCol="0" anchor="ctr"/>
+          <a:lstStyle/>
+          <a:p>
+            <a:pPr algn="ctr"/>
+            <a:endParaRPr lang="en-US">
+              <a:solidFill>
+                <a:schemeClr val="tx1"/>
+              </a:solidFill>
+            </a:endParaRPr>
+          </a:p>
+        </p:txBody>
+      </p:sp>
+      <p:sp>
+        <p:nvSpPr>
+          <p:cNvPr id="6" name="Circular Arrow 5"/>
+          <p:cNvSpPr/>
+          <p:nvPr/>
+        </p:nvSpPr>
+        <p:spPr>
+          <a:xfrm flipH="1" flipV="1">
+            <a:off x="2203193" y="1521860"/>
+            <a:ext cx="4493940" cy="4180440"/>
+          </a:xfrm>
+          <a:prstGeom prst="circularArrow">
+            <a:avLst/>
+          </a:prstGeom>
+          <a:effectLst/>
+        </p:spPr>
+        <p:style>
+          <a:lnRef idx="1">
+            <a:schemeClr val="accent1"/>
+          </a:lnRef>
+          <a:fillRef idx="3">
+            <a:schemeClr val="accent1"/>
+          </a:fillRef>
+          <a:effectRef idx="2">
+            <a:schemeClr val="accent1"/>
+          </a:effectRef>
+          <a:fontRef idx="minor">
+            <a:schemeClr val="lt1"/>
+          </a:fontRef>
+        </p:style>
+        <p:txBody>
+          <a:bodyPr rtlCol="0" anchor="ctr"/>
+          <a:lstStyle/>
+          <a:p>
+            <a:pPr algn="ctr"/>
+            <a:endParaRPr lang="en-US">
+              <a:solidFill>
+                <a:schemeClr val="tx1"/>
+              </a:solidFill>
+            </a:endParaRPr>
+          </a:p>
+        </p:txBody>
+      </p:sp>
+    </p:spTree>
+    <p:extLst>
+      <p:ext uri="{BB962C8B-B14F-4D97-AF65-F5344CB8AC3E}">
+        <p14:creationId xmlns:p14="http://schemas.microsoft.com/office/powerpoint/2010/main" val="1387979101"/>
+      </p:ext>
+    </p:extLst>
+  </p:cSld>
+  <p:clrMapOvr>
+    <a:masterClrMapping/>
+  </p:clrMapOvr>
+</p:sld>
+</file>
+
+<file path=ppt/slides/slide51.xml><?xml version="1.0" encoding="utf-8"?>
+<p:sld xmlns:a="http://schemas.openxmlformats.org/drawingml/2006/main" xmlns:r="http://schemas.openxmlformats.org/officeDocument/2006/relationships" xmlns:p="http://schemas.openxmlformats.org/presentationml/2006/main">
+  <p:cSld>
+    <p:spTree>
+      <p:nvGrpSpPr>
+        <p:cNvPr id="1" name=""/>
+        <p:cNvGrpSpPr/>
+        <p:nvPr/>
+      </p:nvGrpSpPr>
+      <p:grpSpPr>
+        <a:xfrm>
+          <a:off x="0" y="0"/>
+          <a:ext cx="0" cy="0"/>
+          <a:chOff x="0" y="0"/>
+          <a:chExt cx="0" cy="0"/>
+        </a:xfrm>
+      </p:grpSpPr>
+      <p:sp>
+        <p:nvSpPr>
           <p:cNvPr id="2" name="Oval 1"/>
           <p:cNvSpPr/>
           <p:nvPr/>
@@ -18275,7 +18547,7 @@
 </p:sld>
 </file>
 
-<file path=ppt/slides/slide51.xml><?xml version="1.0" encoding="utf-8"?>
+<file path=ppt/slides/slide52.xml><?xml version="1.0" encoding="utf-8"?>
 <p:sld xmlns:a="http://schemas.openxmlformats.org/drawingml/2006/main" xmlns:r="http://schemas.openxmlformats.org/officeDocument/2006/relationships" xmlns:p="http://schemas.openxmlformats.org/presentationml/2006/main">
   <p:cSld>
     <p:spTree>
@@ -18985,7 +19257,7 @@
 </p:sld>
 </file>
 
-<file path=ppt/slides/slide52.xml><?xml version="1.0" encoding="utf-8"?>
+<file path=ppt/slides/slide53.xml><?xml version="1.0" encoding="utf-8"?>
 <p:sld xmlns:a="http://schemas.openxmlformats.org/drawingml/2006/main" xmlns:r="http://schemas.openxmlformats.org/officeDocument/2006/relationships" xmlns:p="http://schemas.openxmlformats.org/presentationml/2006/main">
   <p:cSld>
     <p:spTree>
@@ -19183,7 +19455,7 @@
 </p:sld>
 </file>
 
-<file path=ppt/slides/slide53.xml><?xml version="1.0" encoding="utf-8"?>
+<file path=ppt/slides/slide54.xml><?xml version="1.0" encoding="utf-8"?>
 <p:sld xmlns:a="http://schemas.openxmlformats.org/drawingml/2006/main" xmlns:r="http://schemas.openxmlformats.org/officeDocument/2006/relationships" xmlns:p="http://schemas.openxmlformats.org/presentationml/2006/main">
   <p:cSld>
     <p:spTree>
@@ -19344,7 +19616,7 @@
 </p:sld>
 </file>
 
-<file path=ppt/slides/slide54.xml><?xml version="1.0" encoding="utf-8"?>
+<file path=ppt/slides/slide55.xml><?xml version="1.0" encoding="utf-8"?>
 <p:sld xmlns:a="http://schemas.openxmlformats.org/drawingml/2006/main" xmlns:r="http://schemas.openxmlformats.org/officeDocument/2006/relationships" xmlns:p="http://schemas.openxmlformats.org/presentationml/2006/main">
   <p:cSld>
     <p:spTree>
@@ -19520,7 +19792,7 @@
 </p:sld>
 </file>
 
-<file path=ppt/slides/slide55.xml><?xml version="1.0" encoding="utf-8"?>
+<file path=ppt/slides/slide56.xml><?xml version="1.0" encoding="utf-8"?>
 <p:sld xmlns:a="http://schemas.openxmlformats.org/drawingml/2006/main" xmlns:r="http://schemas.openxmlformats.org/officeDocument/2006/relationships" xmlns:p="http://schemas.openxmlformats.org/presentationml/2006/main">
   <p:cSld>
     <p:spTree>
@@ -19696,7 +19968,7 @@
 </p:sld>
 </file>
 
-<file path=ppt/slides/slide56.xml><?xml version="1.0" encoding="utf-8"?>
+<file path=ppt/slides/slide57.xml><?xml version="1.0" encoding="utf-8"?>
 <p:sld xmlns:a="http://schemas.openxmlformats.org/drawingml/2006/main" xmlns:r="http://schemas.openxmlformats.org/officeDocument/2006/relationships" xmlns:p="http://schemas.openxmlformats.org/presentationml/2006/main">
   <p:cSld>
     <p:spTree>
@@ -19872,7 +20144,7 @@
 </p:sld>
 </file>
 
-<file path=ppt/slides/slide57.xml><?xml version="1.0" encoding="utf-8"?>
+<file path=ppt/slides/slide58.xml><?xml version="1.0" encoding="utf-8"?>
 <p:sld xmlns:a="http://schemas.openxmlformats.org/drawingml/2006/main" xmlns:r="http://schemas.openxmlformats.org/officeDocument/2006/relationships" xmlns:p="http://schemas.openxmlformats.org/presentationml/2006/main">
   <p:cSld>
     <p:spTree>
